--- a/Cyber/相談・届出先クイックリスト（張り紙用）.pptx
+++ b/Cyber/相談・届出先クイックリスト（張り紙用）.pptx
@@ -130,7 +130,7 @@
 <file path=ppt/revisionInfo.xml><?xml version="1.0" encoding="utf-8"?>
 <p1510:revInfo xmlns:a="http://schemas.openxmlformats.org/drawingml/2006/main" xmlns:r="http://schemas.openxmlformats.org/officeDocument/2006/relationships" xmlns:p1510="http://schemas.microsoft.com/office/powerpoint/2015/10/main">
   <p1510:revLst>
-    <p1510:client id="{DA892151-A783-4AD6-9132-232EB41A0A0D}" v="2" dt="2020-06-11T04:53:19.751"/>
+    <p1510:client id="{6B6E3AED-D7F4-4425-8EE1-036EC94D44A2}" v="2" dt="2021-02-08T06:24:29.355"/>
   </p1510:revLst>
 </p1510:revInfo>
 </file>
@@ -185,6 +185,46 @@
       </pc:sldChg>
     </pc:docChg>
   </pc:docChgLst>
+  <pc:docChgLst>
+    <pc:chgData name="正樹 中山" userId="7eabd57b-b900-4e86-8622-e94bcfa04d00" providerId="ADAL" clId="{6B6E3AED-D7F4-4425-8EE1-036EC94D44A2}"/>
+    <pc:docChg chg="custSel modSld">
+      <pc:chgData name="正樹 中山" userId="7eabd57b-b900-4e86-8622-e94bcfa04d00" providerId="ADAL" clId="{6B6E3AED-D7F4-4425-8EE1-036EC94D44A2}" dt="2021-02-08T06:25:47.650" v="154" actId="20577"/>
+      <pc:docMkLst>
+        <pc:docMk/>
+      </pc:docMkLst>
+      <pc:sldChg chg="delSp modSp mod">
+        <pc:chgData name="正樹 中山" userId="7eabd57b-b900-4e86-8622-e94bcfa04d00" providerId="ADAL" clId="{6B6E3AED-D7F4-4425-8EE1-036EC94D44A2}" dt="2021-02-08T06:25:47.650" v="154" actId="20577"/>
+        <pc:sldMkLst>
+          <pc:docMk/>
+          <pc:sldMk cId="984613830" sldId="256"/>
+        </pc:sldMkLst>
+        <pc:spChg chg="mod">
+          <ac:chgData name="正樹 中山" userId="7eabd57b-b900-4e86-8622-e94bcfa04d00" providerId="ADAL" clId="{6B6E3AED-D7F4-4425-8EE1-036EC94D44A2}" dt="2021-02-08T06:22:24.747" v="151" actId="20577"/>
+          <ac:spMkLst>
+            <pc:docMk/>
+            <pc:sldMk cId="984613830" sldId="256"/>
+            <ac:spMk id="2" creationId="{00000000-0000-0000-0000-000000000000}"/>
+          </ac:spMkLst>
+        </pc:spChg>
+        <pc:spChg chg="mod">
+          <ac:chgData name="正樹 中山" userId="7eabd57b-b900-4e86-8622-e94bcfa04d00" providerId="ADAL" clId="{6B6E3AED-D7F4-4425-8EE1-036EC94D44A2}" dt="2021-02-08T06:25:47.650" v="154" actId="20577"/>
+          <ac:spMkLst>
+            <pc:docMk/>
+            <pc:sldMk cId="984613830" sldId="256"/>
+            <ac:spMk id="5" creationId="{00000000-0000-0000-0000-000000000000}"/>
+          </ac:spMkLst>
+        </pc:spChg>
+        <pc:spChg chg="del mod">
+          <ac:chgData name="正樹 中山" userId="7eabd57b-b900-4e86-8622-e94bcfa04d00" providerId="ADAL" clId="{6B6E3AED-D7F4-4425-8EE1-036EC94D44A2}" dt="2021-02-08T06:22:47.775" v="153" actId="478"/>
+          <ac:spMkLst>
+            <pc:docMk/>
+            <pc:sldMk cId="984613830" sldId="256"/>
+            <ac:spMk id="8" creationId="{01818B97-50A4-40B4-8D91-9040ABA52F91}"/>
+          </ac:spMkLst>
+        </pc:spChg>
+      </pc:sldChg>
+    </pc:docChg>
+  </pc:docChgLst>
 </pc:chgInfo>
 </file>
 
@@ -367,7 +407,7 @@
           <a:p>
             <a:fld id="{B167F82F-9FB1-4880-8F8D-0793BD49E028}" type="datetimeFigureOut">
               <a:rPr kumimoji="1" lang="ja-JP" altLang="en-US" smtClean="0"/>
-              <a:t>2020/7/21</a:t>
+              <a:t>2021/2/8</a:t>
             </a:fld>
             <a:endParaRPr kumimoji="1" lang="ja-JP" altLang="en-US"/>
           </a:p>
@@ -567,7 +607,7 @@
           <a:p>
             <a:fld id="{B167F82F-9FB1-4880-8F8D-0793BD49E028}" type="datetimeFigureOut">
               <a:rPr kumimoji="1" lang="ja-JP" altLang="en-US" smtClean="0"/>
-              <a:t>2020/7/21</a:t>
+              <a:t>2021/2/8</a:t>
             </a:fld>
             <a:endParaRPr kumimoji="1" lang="ja-JP" altLang="en-US"/>
           </a:p>
@@ -777,7 +817,7 @@
           <a:p>
             <a:fld id="{B167F82F-9FB1-4880-8F8D-0793BD49E028}" type="datetimeFigureOut">
               <a:rPr kumimoji="1" lang="ja-JP" altLang="en-US" smtClean="0"/>
-              <a:t>2020/7/21</a:t>
+              <a:t>2021/2/8</a:t>
             </a:fld>
             <a:endParaRPr kumimoji="1" lang="ja-JP" altLang="en-US"/>
           </a:p>
@@ -977,7 +1017,7 @@
           <a:p>
             <a:fld id="{B167F82F-9FB1-4880-8F8D-0793BD49E028}" type="datetimeFigureOut">
               <a:rPr kumimoji="1" lang="ja-JP" altLang="en-US" smtClean="0"/>
-              <a:t>2020/7/21</a:t>
+              <a:t>2021/2/8</a:t>
             </a:fld>
             <a:endParaRPr kumimoji="1" lang="ja-JP" altLang="en-US"/>
           </a:p>
@@ -1222,7 +1262,7 @@
           <a:p>
             <a:fld id="{B167F82F-9FB1-4880-8F8D-0793BD49E028}" type="datetimeFigureOut">
               <a:rPr kumimoji="1" lang="ja-JP" altLang="en-US" smtClean="0"/>
-              <a:t>2020/7/21</a:t>
+              <a:t>2021/2/8</a:t>
             </a:fld>
             <a:endParaRPr kumimoji="1" lang="ja-JP" altLang="en-US"/>
           </a:p>
@@ -1571,7 +1611,7 @@
           <a:p>
             <a:fld id="{B167F82F-9FB1-4880-8F8D-0793BD49E028}" type="datetimeFigureOut">
               <a:rPr kumimoji="1" lang="ja-JP" altLang="en-US" smtClean="0"/>
-              <a:t>2020/7/21</a:t>
+              <a:t>2021/2/8</a:t>
             </a:fld>
             <a:endParaRPr kumimoji="1" lang="ja-JP" altLang="en-US"/>
           </a:p>
@@ -2054,7 +2094,7 @@
           <a:p>
             <a:fld id="{B167F82F-9FB1-4880-8F8D-0793BD49E028}" type="datetimeFigureOut">
               <a:rPr kumimoji="1" lang="ja-JP" altLang="en-US" smtClean="0"/>
-              <a:t>2020/7/21</a:t>
+              <a:t>2021/2/8</a:t>
             </a:fld>
             <a:endParaRPr kumimoji="1" lang="ja-JP" altLang="en-US"/>
           </a:p>
@@ -2171,7 +2211,7 @@
           <a:p>
             <a:fld id="{B167F82F-9FB1-4880-8F8D-0793BD49E028}" type="datetimeFigureOut">
               <a:rPr kumimoji="1" lang="ja-JP" altLang="en-US" smtClean="0"/>
-              <a:t>2020/7/21</a:t>
+              <a:t>2021/2/8</a:t>
             </a:fld>
             <a:endParaRPr kumimoji="1" lang="ja-JP" altLang="en-US"/>
           </a:p>
@@ -2266,7 +2306,7 @@
           <a:p>
             <a:fld id="{B167F82F-9FB1-4880-8F8D-0793BD49E028}" type="datetimeFigureOut">
               <a:rPr kumimoji="1" lang="ja-JP" altLang="en-US" smtClean="0"/>
-              <a:t>2020/7/21</a:t>
+              <a:t>2021/2/8</a:t>
             </a:fld>
             <a:endParaRPr kumimoji="1" lang="ja-JP" altLang="en-US"/>
           </a:p>
@@ -2573,7 +2613,7 @@
           <a:p>
             <a:fld id="{B167F82F-9FB1-4880-8F8D-0793BD49E028}" type="datetimeFigureOut">
               <a:rPr kumimoji="1" lang="ja-JP" altLang="en-US" smtClean="0"/>
-              <a:t>2020/7/21</a:t>
+              <a:t>2021/2/8</a:t>
             </a:fld>
             <a:endParaRPr kumimoji="1" lang="ja-JP" altLang="en-US"/>
           </a:p>
@@ -2825,7 +2865,7 @@
           <a:p>
             <a:fld id="{B167F82F-9FB1-4880-8F8D-0793BD49E028}" type="datetimeFigureOut">
               <a:rPr kumimoji="1" lang="ja-JP" altLang="en-US" smtClean="0"/>
-              <a:t>2020/7/21</a:t>
+              <a:t>2021/2/8</a:t>
             </a:fld>
             <a:endParaRPr kumimoji="1" lang="ja-JP" altLang="en-US"/>
           </a:p>
@@ -3068,7 +3108,7 @@
           <a:p>
             <a:fld id="{B167F82F-9FB1-4880-8F8D-0793BD49E028}" type="datetimeFigureOut">
               <a:rPr kumimoji="1" lang="ja-JP" altLang="en-US" smtClean="0"/>
-              <a:t>2020/7/21</a:t>
+              <a:t>2021/2/8</a:t>
             </a:fld>
             <a:endParaRPr kumimoji="1" lang="ja-JP" altLang="en-US"/>
           </a:p>
@@ -4402,6 +4442,17 @@
               <a:buNone/>
             </a:pPr>
             <a:r>
+              <a:rPr lang="ja-JP" altLang="en-US" sz="1050">
+                <a:solidFill>
+                  <a:srgbClr val="FF0000"/>
+                </a:solidFill>
+                <a:latin typeface="Meiryo UI" panose="020B0604030504040204" pitchFamily="50" charset="-128"/>
+                <a:ea typeface="Meiryo UI" panose="020B0604030504040204" pitchFamily="50" charset="-128"/>
+                <a:cs typeface="Meiryo UI" panose="020B0604030504040204" pitchFamily="50" charset="-128"/>
+              </a:rPr>
+              <a:t> ●</a:t>
+            </a:r>
+            <a:r>
               <a:rPr lang="ja-JP" altLang="en-US" sz="1050" dirty="0">
                 <a:solidFill>
                   <a:srgbClr val="FF0000"/>
@@ -4409,6 +4460,94 @@
                 <a:latin typeface="Meiryo UI" panose="020B0604030504040204" pitchFamily="50" charset="-128"/>
                 <a:ea typeface="Meiryo UI" panose="020B0604030504040204" pitchFamily="50" charset="-128"/>
                 <a:cs typeface="Meiryo UI" panose="020B0604030504040204" pitchFamily="50" charset="-128"/>
+                <a:hlinkClick r:id="rId10"/>
+              </a:rPr>
+              <a:t>「誹謗中傷ホットライン」</a:t>
+            </a:r>
+            <a:r>
+              <a:rPr lang="en-US" altLang="ja-JP" sz="1050" dirty="0">
+                <a:solidFill>
+                  <a:srgbClr val="FF0000"/>
+                </a:solidFill>
+                <a:latin typeface="Meiryo UI" panose="020B0604030504040204" pitchFamily="50" charset="-128"/>
+                <a:ea typeface="Meiryo UI" panose="020B0604030504040204" pitchFamily="50" charset="-128"/>
+                <a:cs typeface="Meiryo UI" panose="020B0604030504040204" pitchFamily="50" charset="-128"/>
+                <a:hlinkClick r:id="rId10"/>
+              </a:rPr>
+              <a:t>(</a:t>
+            </a:r>
+            <a:r>
+              <a:rPr lang="ja-JP" altLang="en-US" sz="1050" dirty="0">
+                <a:solidFill>
+                  <a:srgbClr val="FF0000"/>
+                </a:solidFill>
+                <a:latin typeface="Meiryo UI" panose="020B0604030504040204" pitchFamily="50" charset="-128"/>
+                <a:ea typeface="Meiryo UI" panose="020B0604030504040204" pitchFamily="50" charset="-128"/>
+                <a:cs typeface="Meiryo UI" panose="020B0604030504040204" pitchFamily="50" charset="-128"/>
+                <a:hlinkClick r:id="rId10"/>
+              </a:rPr>
+              <a:t>セーファーインターネット協会</a:t>
+            </a:r>
+            <a:r>
+              <a:rPr lang="en-US" altLang="ja-JP" sz="1050" dirty="0">
+                <a:solidFill>
+                  <a:srgbClr val="FF0000"/>
+                </a:solidFill>
+                <a:latin typeface="Meiryo UI" panose="020B0604030504040204" pitchFamily="50" charset="-128"/>
+                <a:ea typeface="Meiryo UI" panose="020B0604030504040204" pitchFamily="50" charset="-128"/>
+                <a:cs typeface="Meiryo UI" panose="020B0604030504040204" pitchFamily="50" charset="-128"/>
+                <a:hlinkClick r:id="rId10"/>
+              </a:rPr>
+              <a:t>)</a:t>
+            </a:r>
+            <a:r>
+              <a:rPr lang="ja-JP" altLang="en-US" sz="1050" dirty="0">
+                <a:solidFill>
+                  <a:srgbClr val="FF0000"/>
+                </a:solidFill>
+                <a:latin typeface="Meiryo UI" panose="020B0604030504040204" pitchFamily="50" charset="-128"/>
+                <a:ea typeface="Meiryo UI" panose="020B0604030504040204" pitchFamily="50" charset="-128"/>
+                <a:cs typeface="Meiryo UI" panose="020B0604030504040204" pitchFamily="50" charset="-128"/>
+                <a:hlinkClick r:id="rId10"/>
+              </a:rPr>
+              <a:t>　</a:t>
+            </a:r>
+            <a:endParaRPr lang="en-US" altLang="ja-JP" sz="1050" dirty="0">
+              <a:latin typeface="Meiryo UI" panose="020B0604030504040204" pitchFamily="50" charset="-128"/>
+              <a:ea typeface="Meiryo UI" panose="020B0604030504040204" pitchFamily="50" charset="-128"/>
+              <a:cs typeface="Meiryo UI" panose="020B0604030504040204" pitchFamily="50" charset="-128"/>
+            </a:endParaRPr>
+          </a:p>
+          <a:p>
+            <a:pPr marL="0" indent="0">
+              <a:buNone/>
+            </a:pPr>
+            <a:r>
+              <a:rPr lang="ja-JP" altLang="en-US" sz="1050" dirty="0">
+                <a:latin typeface="Meiryo UI" panose="020B0604030504040204" pitchFamily="50" charset="-128"/>
+                <a:ea typeface="Meiryo UI" panose="020B0604030504040204" pitchFamily="50" charset="-128"/>
+                <a:cs typeface="Meiryo UI" panose="020B0604030504040204" pitchFamily="50" charset="-128"/>
+              </a:rPr>
+              <a:t>　　ネット上の誹謗中傷をあなたに代わり国内外のプロバイダに削除依頼</a:t>
+            </a:r>
+            <a:endParaRPr lang="en-US" altLang="ja-JP" sz="1050" dirty="0">
+              <a:latin typeface="Meiryo UI" panose="020B0604030504040204" pitchFamily="50" charset="-128"/>
+              <a:ea typeface="Meiryo UI" panose="020B0604030504040204" pitchFamily="50" charset="-128"/>
+              <a:cs typeface="Meiryo UI" panose="020B0604030504040204" pitchFamily="50" charset="-128"/>
+            </a:endParaRPr>
+          </a:p>
+          <a:p>
+            <a:pPr marL="0" indent="0">
+              <a:buNone/>
+            </a:pPr>
+            <a:r>
+              <a:rPr lang="ja-JP" altLang="en-US" sz="1050" dirty="0">
+                <a:solidFill>
+                  <a:srgbClr val="FF0000"/>
+                </a:solidFill>
+                <a:latin typeface="Meiryo UI" panose="020B0604030504040204" pitchFamily="50" charset="-128"/>
+                <a:ea typeface="Meiryo UI" panose="020B0604030504040204" pitchFamily="50" charset="-128"/>
+                <a:cs typeface="Meiryo UI" panose="020B0604030504040204" pitchFamily="50" charset="-128"/>
               </a:rPr>
               <a:t> ●</a:t>
             </a:r>
@@ -4420,7 +4559,7 @@
                 <a:latin typeface="Meiryo UI" panose="020B0604030504040204" pitchFamily="50" charset="-128"/>
                 <a:ea typeface="Meiryo UI" panose="020B0604030504040204" pitchFamily="50" charset="-128"/>
                 <a:cs typeface="Meiryo UI" panose="020B0604030504040204" pitchFamily="50" charset="-128"/>
-                <a:hlinkClick r:id="rId10"/>
+                <a:hlinkClick r:id="rId11"/>
               </a:rPr>
               <a:t>「インターネット・ホットラインセンター」</a:t>
             </a:r>
@@ -4487,7 +4626,7 @@
                 <a:latin typeface="Meiryo UI" panose="020B0604030504040204" pitchFamily="50" charset="-128"/>
                 <a:ea typeface="Meiryo UI" panose="020B0604030504040204" pitchFamily="50" charset="-128"/>
                 <a:cs typeface="Meiryo UI" panose="020B0604030504040204" pitchFamily="50" charset="-128"/>
-                <a:hlinkClick r:id="rId11"/>
+                <a:hlinkClick r:id="rId12"/>
               </a:rPr>
               <a:t>消費者ホットライン【国民生活センター】</a:t>
             </a:r>
@@ -4545,6 +4684,63 @@
               </a:rPr>
               <a:t>■法律相談</a:t>
             </a:r>
+            <a:r>
+              <a:rPr lang="ja-JP" altLang="en-US" sz="1100" dirty="0">
+                <a:latin typeface="Meiryo UI" panose="020B0604030504040204" pitchFamily="50" charset="-128"/>
+                <a:ea typeface="Meiryo UI" panose="020B0604030504040204" pitchFamily="50" charset="-128"/>
+                <a:cs typeface="Meiryo UI" panose="020B0604030504040204" pitchFamily="50" charset="-128"/>
+              </a:rPr>
+              <a:t> ●</a:t>
+            </a:r>
+            <a:r>
+              <a:rPr lang="ja-JP" altLang="en-US" sz="1100" dirty="0">
+                <a:latin typeface="Meiryo UI" panose="020B0604030504040204" pitchFamily="50" charset="-128"/>
+                <a:ea typeface="Meiryo UI" panose="020B0604030504040204" pitchFamily="50" charset="-128"/>
+                <a:cs typeface="Meiryo UI" panose="020B0604030504040204" pitchFamily="50" charset="-128"/>
+                <a:hlinkClick r:id="rId13"/>
+              </a:rPr>
+              <a:t>法テラス（日本司法支援センター）</a:t>
+            </a:r>
+            <a:r>
+              <a:rPr lang="ja-JP" altLang="ja-JP" sz="1100" dirty="0">
+                <a:solidFill>
+                  <a:srgbClr val="FF0000"/>
+                </a:solidFill>
+                <a:latin typeface="Meiryo UI" panose="020B0604030504040204" pitchFamily="50" charset="-128"/>
+                <a:ea typeface="Meiryo UI" panose="020B0604030504040204" pitchFamily="50" charset="-128"/>
+                <a:cs typeface="Meiryo UI" panose="020B0604030504040204" pitchFamily="50" charset="-128"/>
+              </a:rPr>
+              <a:t>☎</a:t>
+            </a:r>
+            <a:r>
+              <a:rPr lang="en-US" altLang="ja-JP" sz="1100" dirty="0">
+                <a:solidFill>
+                  <a:srgbClr val="FF0000"/>
+                </a:solidFill>
+                <a:latin typeface="Meiryo UI" panose="020B0604030504040204" pitchFamily="50" charset="-128"/>
+                <a:ea typeface="Meiryo UI" panose="020B0604030504040204" pitchFamily="50" charset="-128"/>
+                <a:cs typeface="Meiryo UI" panose="020B0604030504040204" pitchFamily="50" charset="-128"/>
+              </a:rPr>
+              <a:t>0570-078374</a:t>
+            </a:r>
+            <a:endParaRPr lang="en-US" altLang="ja-JP" sz="1100" dirty="0">
+              <a:latin typeface="Meiryo UI" panose="020B0604030504040204" pitchFamily="50" charset="-128"/>
+              <a:ea typeface="Meiryo UI" panose="020B0604030504040204" pitchFamily="50" charset="-128"/>
+              <a:cs typeface="Meiryo UI" panose="020B0604030504040204" pitchFamily="50" charset="-128"/>
+            </a:endParaRPr>
+          </a:p>
+          <a:p>
+            <a:pPr marL="0" indent="0">
+              <a:buNone/>
+            </a:pPr>
+            <a:r>
+              <a:rPr lang="ja-JP" altLang="en-US" sz="1100" b="1" dirty="0">
+                <a:latin typeface="Meiryo UI" panose="020B0604030504040204" pitchFamily="50" charset="-128"/>
+                <a:ea typeface="Meiryo UI" panose="020B0604030504040204" pitchFamily="50" charset="-128"/>
+                <a:cs typeface="Meiryo UI" panose="020B0604030504040204" pitchFamily="50" charset="-128"/>
+              </a:rPr>
+              <a:t>■個人情報の取り扱いに関する相談</a:t>
+            </a:r>
             <a:endParaRPr lang="en-US" altLang="ja-JP" sz="1100" b="1" dirty="0">
               <a:latin typeface="Meiryo UI" panose="020B0604030504040204" pitchFamily="50" charset="-128"/>
               <a:ea typeface="Meiryo UI" panose="020B0604030504040204" pitchFamily="50" charset="-128"/>
@@ -4552,88 +4748,21 @@
             </a:endParaRPr>
           </a:p>
           <a:p>
-            <a:pPr marL="0" indent="0">
-              <a:buNone/>
-            </a:pPr>
             <a:r>
               <a:rPr lang="ja-JP" altLang="en-US" sz="1100" dirty="0">
                 <a:latin typeface="Meiryo UI" panose="020B0604030504040204" pitchFamily="50" charset="-128"/>
                 <a:ea typeface="Meiryo UI" panose="020B0604030504040204" pitchFamily="50" charset="-128"/>
                 <a:cs typeface="Meiryo UI" panose="020B0604030504040204" pitchFamily="50" charset="-128"/>
-              </a:rPr>
-              <a:t> ●</a:t>
-            </a:r>
-            <a:r>
-              <a:rPr lang="ja-JP" altLang="en-US" sz="1100" dirty="0">
-                <a:latin typeface="Meiryo UI" panose="020B0604030504040204" pitchFamily="50" charset="-128"/>
-                <a:ea typeface="Meiryo UI" panose="020B0604030504040204" pitchFamily="50" charset="-128"/>
-                <a:cs typeface="Meiryo UI" panose="020B0604030504040204" pitchFamily="50" charset="-128"/>
-                <a:hlinkClick r:id="rId12"/>
-              </a:rPr>
-              <a:t>法テラス（日本司法支援センター）</a:t>
-            </a:r>
-            <a:r>
-              <a:rPr lang="ja-JP" altLang="ja-JP" sz="1100" dirty="0">
-                <a:solidFill>
-                  <a:srgbClr val="FF0000"/>
-                </a:solidFill>
-                <a:latin typeface="Meiryo UI" panose="020B0604030504040204" pitchFamily="50" charset="-128"/>
-                <a:ea typeface="Meiryo UI" panose="020B0604030504040204" pitchFamily="50" charset="-128"/>
-                <a:cs typeface="Meiryo UI" panose="020B0604030504040204" pitchFamily="50" charset="-128"/>
-              </a:rPr>
-              <a:t>☎</a:t>
+                <a:hlinkClick r:id="rId14"/>
+              </a:rPr>
+              <a:t>個人情報保護委員会</a:t>
             </a:r>
             <a:r>
               <a:rPr lang="en-US" altLang="ja-JP" sz="1100" dirty="0">
-                <a:solidFill>
-                  <a:srgbClr val="FF0000"/>
-                </a:solidFill>
-                <a:latin typeface="Meiryo UI" panose="020B0604030504040204" pitchFamily="50" charset="-128"/>
-                <a:ea typeface="Meiryo UI" panose="020B0604030504040204" pitchFamily="50" charset="-128"/>
-                <a:cs typeface="Meiryo UI" panose="020B0604030504040204" pitchFamily="50" charset="-128"/>
-              </a:rPr>
-              <a:t>0570-078374</a:t>
-            </a:r>
-            <a:endParaRPr lang="en-US" altLang="ja-JP" sz="1100" dirty="0">
-              <a:latin typeface="Meiryo UI" panose="020B0604030504040204" pitchFamily="50" charset="-128"/>
-              <a:ea typeface="Meiryo UI" panose="020B0604030504040204" pitchFamily="50" charset="-128"/>
-              <a:cs typeface="Meiryo UI" panose="020B0604030504040204" pitchFamily="50" charset="-128"/>
-            </a:endParaRPr>
-          </a:p>
-          <a:p>
-            <a:pPr marL="0" indent="0">
-              <a:buNone/>
-            </a:pPr>
-            <a:r>
-              <a:rPr lang="ja-JP" altLang="en-US" sz="1100" b="1" dirty="0">
-                <a:latin typeface="Meiryo UI" panose="020B0604030504040204" pitchFamily="50" charset="-128"/>
-                <a:ea typeface="Meiryo UI" panose="020B0604030504040204" pitchFamily="50" charset="-128"/>
-                <a:cs typeface="Meiryo UI" panose="020B0604030504040204" pitchFamily="50" charset="-128"/>
-              </a:rPr>
-              <a:t>■個人情報の取り扱いに関する相談</a:t>
-            </a:r>
-            <a:endParaRPr lang="en-US" altLang="ja-JP" sz="1100" b="1" dirty="0">
-              <a:latin typeface="Meiryo UI" panose="020B0604030504040204" pitchFamily="50" charset="-128"/>
-              <a:ea typeface="Meiryo UI" panose="020B0604030504040204" pitchFamily="50" charset="-128"/>
-              <a:cs typeface="Meiryo UI" panose="020B0604030504040204" pitchFamily="50" charset="-128"/>
-            </a:endParaRPr>
-          </a:p>
-          <a:p>
-            <a:r>
-              <a:rPr lang="ja-JP" altLang="en-US" sz="1100" dirty="0">
-                <a:latin typeface="Meiryo UI" panose="020B0604030504040204" pitchFamily="50" charset="-128"/>
-                <a:ea typeface="Meiryo UI" panose="020B0604030504040204" pitchFamily="50" charset="-128"/>
-                <a:cs typeface="Meiryo UI" panose="020B0604030504040204" pitchFamily="50" charset="-128"/>
-                <a:hlinkClick r:id="rId13"/>
-              </a:rPr>
-              <a:t>個人情報保護委員会</a:t>
-            </a:r>
-            <a:r>
-              <a:rPr lang="en-US" altLang="ja-JP" sz="1100" dirty="0">
-                <a:latin typeface="Meiryo UI" panose="020B0604030504040204" pitchFamily="50" charset="-128"/>
-                <a:ea typeface="Meiryo UI" panose="020B0604030504040204" pitchFamily="50" charset="-128"/>
-                <a:cs typeface="Meiryo UI" panose="020B0604030504040204" pitchFamily="50" charset="-128"/>
-                <a:hlinkClick r:id="rId13"/>
+                <a:latin typeface="Meiryo UI" panose="020B0604030504040204" pitchFamily="50" charset="-128"/>
+                <a:ea typeface="Meiryo UI" panose="020B0604030504040204" pitchFamily="50" charset="-128"/>
+                <a:cs typeface="Meiryo UI" panose="020B0604030504040204" pitchFamily="50" charset="-128"/>
+                <a:hlinkClick r:id="rId14"/>
               </a:rPr>
               <a:t> </a:t>
             </a:r>
@@ -4760,16 +4889,6 @@
               </a:rPr>
               <a:t>■人権相談</a:t>
             </a:r>
-            <a:endParaRPr lang="en-US" altLang="ja-JP" sz="1100" b="1" dirty="0">
-              <a:latin typeface="Meiryo UI" panose="020B0604030504040204" pitchFamily="50" charset="-128"/>
-              <a:ea typeface="Meiryo UI" panose="020B0604030504040204" pitchFamily="50" charset="-128"/>
-              <a:cs typeface="Meiryo UI" panose="020B0604030504040204" pitchFamily="50" charset="-128"/>
-            </a:endParaRPr>
-          </a:p>
-          <a:p>
-            <a:pPr marL="0" indent="0">
-              <a:buNone/>
-            </a:pPr>
             <a:r>
               <a:rPr lang="ja-JP" altLang="en-US" sz="1100" dirty="0">
                 <a:solidFill>
@@ -4898,7 +5017,7 @@
                 <a:latin typeface="Meiryo UI" panose="020B0604030504040204" pitchFamily="50" charset="-128"/>
                 <a:ea typeface="Meiryo UI" panose="020B0604030504040204" pitchFamily="50" charset="-128"/>
                 <a:cs typeface="Meiryo UI" panose="020B0604030504040204" pitchFamily="50" charset="-128"/>
-                <a:hlinkClick r:id="rId14"/>
+                <a:hlinkClick r:id="rId15"/>
               </a:rPr>
               <a:t>JPCERT/CC</a:t>
             </a:r>
@@ -4939,7 +5058,7 @@
                 <a:latin typeface="Meiryo UI" panose="020B0604030504040204" pitchFamily="50" charset="-128"/>
                 <a:ea typeface="Meiryo UI" panose="020B0604030504040204" pitchFamily="50" charset="-128"/>
                 <a:cs typeface="Meiryo UI" panose="020B0604030504040204" pitchFamily="50" charset="-128"/>
-                <a:hlinkClick r:id="rId14"/>
+                <a:hlinkClick r:id="rId15"/>
               </a:rPr>
               <a:t>インシデント対応依頼</a:t>
             </a:r>
@@ -5046,7 +5165,7 @@
                 <a:latin typeface="Meiryo UI" panose="020B0604030504040204" pitchFamily="50" charset="-128"/>
                 <a:ea typeface="Meiryo UI" panose="020B0604030504040204" pitchFamily="50" charset="-128"/>
                 <a:cs typeface="Meiryo UI" panose="020B0604030504040204" pitchFamily="50" charset="-128"/>
-                <a:hlinkClick r:id="rId15"/>
+                <a:hlinkClick r:id="rId16"/>
               </a:rPr>
               <a:t>IPA J-CRAT</a:t>
             </a:r>
@@ -5055,7 +5174,7 @@
                 <a:latin typeface="Meiryo UI" panose="020B0604030504040204" pitchFamily="50" charset="-128"/>
                 <a:ea typeface="Meiryo UI" panose="020B0604030504040204" pitchFamily="50" charset="-128"/>
                 <a:cs typeface="Meiryo UI" panose="020B0604030504040204" pitchFamily="50" charset="-128"/>
-                <a:hlinkClick r:id="rId15"/>
+                <a:hlinkClick r:id="rId16"/>
               </a:rPr>
               <a:t>／標的型サイバー攻撃特別相談窓口</a:t>
             </a:r>
@@ -5079,7 +5198,7 @@
                 <a:latin typeface="Meiryo UI" panose="020B0604030504040204" pitchFamily="50" charset="-128"/>
                 <a:ea typeface="Meiryo UI" panose="020B0604030504040204" pitchFamily="50" charset="-128"/>
                 <a:cs typeface="Meiryo UI" panose="020B0604030504040204" pitchFamily="50" charset="-128"/>
-                <a:hlinkClick r:id="rId16"/>
+                <a:hlinkClick r:id="rId17"/>
               </a:rPr>
               <a:t>tokusou@ipa.go.jp</a:t>
             </a:r>
@@ -5254,7 +5373,7 @@
                 <a:latin typeface="Meiryo UI" panose="020B0604030504040204" pitchFamily="50" charset="-128"/>
                 <a:ea typeface="Meiryo UI" panose="020B0604030504040204" pitchFamily="50" charset="-128"/>
                 <a:cs typeface="Meiryo UI" panose="020B0604030504040204" pitchFamily="50" charset="-128"/>
-                <a:hlinkClick r:id="rId17"/>
+                <a:hlinkClick r:id="rId18"/>
               </a:rPr>
               <a:t>情報セキュリティ対策支援サイト</a:t>
             </a:r>
@@ -5312,7 +5431,7 @@
                 <a:latin typeface="Meiryo UI" panose="020B0604030504040204" pitchFamily="50" charset="-128"/>
                 <a:ea typeface="Meiryo UI" panose="020B0604030504040204" pitchFamily="50" charset="-128"/>
                 <a:cs typeface="Meiryo UI" panose="020B0604030504040204" pitchFamily="50" charset="-128"/>
-                <a:hlinkClick r:id="rId18"/>
+                <a:hlinkClick r:id="rId19"/>
               </a:rPr>
               <a:t>IPA</a:t>
             </a:r>
@@ -5324,7 +5443,7 @@
                 <a:latin typeface="Meiryo UI" panose="020B0604030504040204" pitchFamily="50" charset="-128"/>
                 <a:ea typeface="Meiryo UI" panose="020B0604030504040204" pitchFamily="50" charset="-128"/>
                 <a:cs typeface="Meiryo UI" panose="020B0604030504040204" pitchFamily="50" charset="-128"/>
-                <a:hlinkClick r:id="rId18"/>
+                <a:hlinkClick r:id="rId19"/>
               </a:rPr>
               <a:t>セキュリティプレゼンター検索</a:t>
             </a:r>
@@ -5379,7 +5498,7 @@
                 <a:latin typeface="Meiryo UI" panose="020B0604030504040204" pitchFamily="50" charset="-128"/>
                 <a:ea typeface="Meiryo UI" panose="020B0604030504040204" pitchFamily="50" charset="-128"/>
                 <a:cs typeface="Meiryo UI" panose="020B0604030504040204" pitchFamily="50" charset="-128"/>
-                <a:hlinkClick r:id="rId19"/>
+                <a:hlinkClick r:id="rId20"/>
               </a:rPr>
               <a:t>情報セキュリティサービス基準適合サービスリスト</a:t>
             </a:r>
@@ -5426,7 +5545,7 @@
                 <a:latin typeface="Meiryo UI" panose="020B0604030504040204" pitchFamily="50" charset="-128"/>
                 <a:ea typeface="Meiryo UI" panose="020B0604030504040204" pitchFamily="50" charset="-128"/>
                 <a:cs typeface="Meiryo UI" panose="020B0604030504040204" pitchFamily="50" charset="-128"/>
-                <a:hlinkClick r:id="rId20"/>
+                <a:hlinkClick r:id="rId21"/>
               </a:rPr>
               <a:t>サイバーインシデント緊急対応企業一覧</a:t>
             </a:r>
@@ -5470,7 +5589,7 @@
                 <a:latin typeface="Meiryo UI" panose="020B0604030504040204" pitchFamily="50" charset="-128"/>
                 <a:ea typeface="Meiryo UI" panose="020B0604030504040204" pitchFamily="50" charset="-128"/>
                 <a:cs typeface="Meiryo UI" panose="020B0604030504040204" pitchFamily="50" charset="-128"/>
-                <a:hlinkClick r:id="rId21"/>
+                <a:hlinkClick r:id="rId22"/>
               </a:rPr>
               <a:t>IT</a:t>
             </a:r>
@@ -5482,7 +5601,7 @@
                 <a:latin typeface="Meiryo UI" panose="020B0604030504040204" pitchFamily="50" charset="-128"/>
                 <a:ea typeface="Meiryo UI" panose="020B0604030504040204" pitchFamily="50" charset="-128"/>
                 <a:cs typeface="Meiryo UI" panose="020B0604030504040204" pitchFamily="50" charset="-128"/>
-                <a:hlinkClick r:id="rId21"/>
+                <a:hlinkClick r:id="rId22"/>
               </a:rPr>
               <a:t>コーディネータ協会　「経営と</a:t>
             </a:r>
@@ -5494,7 +5613,7 @@
                 <a:latin typeface="Meiryo UI" panose="020B0604030504040204" pitchFamily="50" charset="-128"/>
                 <a:ea typeface="Meiryo UI" panose="020B0604030504040204" pitchFamily="50" charset="-128"/>
                 <a:cs typeface="Meiryo UI" panose="020B0604030504040204" pitchFamily="50" charset="-128"/>
-                <a:hlinkClick r:id="rId21"/>
+                <a:hlinkClick r:id="rId22"/>
               </a:rPr>
               <a:t>IT</a:t>
             </a:r>
@@ -5506,7 +5625,7 @@
                 <a:latin typeface="Meiryo UI" panose="020B0604030504040204" pitchFamily="50" charset="-128"/>
                 <a:ea typeface="Meiryo UI" panose="020B0604030504040204" pitchFamily="50" charset="-128"/>
                 <a:cs typeface="Meiryo UI" panose="020B0604030504040204" pitchFamily="50" charset="-128"/>
-                <a:hlinkClick r:id="rId21"/>
+                <a:hlinkClick r:id="rId22"/>
               </a:rPr>
               <a:t>化相談」窓口</a:t>
             </a:r>
@@ -5542,7 +5661,7 @@
                 <a:latin typeface="Meiryo UI" panose="020B0604030504040204" pitchFamily="50" charset="-128"/>
                 <a:ea typeface="Meiryo UI" panose="020B0604030504040204" pitchFamily="50" charset="-128"/>
                 <a:cs typeface="Meiryo UI" panose="020B0604030504040204" pitchFamily="50" charset="-128"/>
-                <a:hlinkClick r:id="rId22"/>
+                <a:hlinkClick r:id="rId23"/>
               </a:rPr>
               <a:t>東京都テレワーク推進センター</a:t>
             </a:r>
@@ -5554,7 +5673,7 @@
                 <a:latin typeface="Meiryo UI" panose="020B0604030504040204" pitchFamily="50" charset="-128"/>
                 <a:ea typeface="Meiryo UI" panose="020B0604030504040204" pitchFamily="50" charset="-128"/>
                 <a:cs typeface="Meiryo UI" panose="020B0604030504040204" pitchFamily="50" charset="-128"/>
-                <a:hlinkClick r:id="rId22"/>
+                <a:hlinkClick r:id="rId23"/>
               </a:rPr>
               <a:t> </a:t>
             </a:r>
@@ -5604,7 +5723,7 @@
                 <a:latin typeface="Meiryo UI" panose="020B0604030504040204" pitchFamily="50" charset="-128"/>
                 <a:ea typeface="Meiryo UI" panose="020B0604030504040204" pitchFamily="50" charset="-128"/>
                 <a:cs typeface="Meiryo UI" panose="020B0604030504040204" pitchFamily="50" charset="-128"/>
-                <a:hlinkClick r:id="rId23"/>
+                <a:hlinkClick r:id="rId24"/>
               </a:rPr>
               <a:t>テレワークのセキュリティあんしん相談窓口</a:t>
             </a:r>
@@ -5673,7 +5792,7 @@
                 <a:latin typeface="Meiryo UI" panose="020B0604030504040204" pitchFamily="50" charset="-128"/>
                 <a:ea typeface="Meiryo UI" panose="020B0604030504040204" pitchFamily="50" charset="-128"/>
                 <a:cs typeface="Meiryo UI" panose="020B0604030504040204" pitchFamily="50" charset="-128"/>
-                <a:hlinkClick r:id="rId24"/>
+                <a:hlinkClick r:id="rId25"/>
               </a:rPr>
               <a:t>テレワーク相談センター</a:t>
             </a:r>
@@ -5685,7 +5804,7 @@
                 <a:latin typeface="Meiryo UI" panose="020B0604030504040204" pitchFamily="50" charset="-128"/>
                 <a:ea typeface="Meiryo UI" panose="020B0604030504040204" pitchFamily="50" charset="-128"/>
                 <a:cs typeface="Meiryo UI" panose="020B0604030504040204" pitchFamily="50" charset="-128"/>
-                <a:hlinkClick r:id="rId24"/>
+                <a:hlinkClick r:id="rId25"/>
               </a:rPr>
               <a:t>(</a:t>
             </a:r>
@@ -5697,7 +5816,7 @@
                 <a:latin typeface="Meiryo UI" panose="020B0604030504040204" pitchFamily="50" charset="-128"/>
                 <a:ea typeface="Meiryo UI" panose="020B0604030504040204" pitchFamily="50" charset="-128"/>
                 <a:cs typeface="Meiryo UI" panose="020B0604030504040204" pitchFamily="50" charset="-128"/>
-                <a:hlinkClick r:id="rId24"/>
+                <a:hlinkClick r:id="rId25"/>
               </a:rPr>
               <a:t>厚労省委託</a:t>
             </a:r>
@@ -5709,7 +5828,7 @@
                 <a:latin typeface="Meiryo UI" panose="020B0604030504040204" pitchFamily="50" charset="-128"/>
                 <a:ea typeface="Meiryo UI" panose="020B0604030504040204" pitchFamily="50" charset="-128"/>
                 <a:cs typeface="Meiryo UI" panose="020B0604030504040204" pitchFamily="50" charset="-128"/>
-                <a:hlinkClick r:id="rId24"/>
+                <a:hlinkClick r:id="rId25"/>
               </a:rPr>
               <a:t>) </a:t>
             </a:r>
@@ -5756,7 +5875,7 @@
                 <a:latin typeface="Meiryo UI" panose="020B0604030504040204" pitchFamily="50" charset="-128"/>
                 <a:ea typeface="Meiryo UI" panose="020B0604030504040204" pitchFamily="50" charset="-128"/>
                 <a:cs typeface="Meiryo UI" panose="020B0604030504040204" pitchFamily="50" charset="-128"/>
-                <a:hlinkClick r:id="rId25"/>
+                <a:hlinkClick r:id="rId26"/>
               </a:rPr>
               <a:t>東京都中小企業振興公社ワンストップ総合相談</a:t>
             </a:r>
@@ -5849,7 +5968,7 @@
                 <a:latin typeface="Meiryo UI" panose="020B0604030504040204" pitchFamily="50" charset="-128"/>
                 <a:ea typeface="Meiryo UI" panose="020B0604030504040204" pitchFamily="50" charset="-128"/>
                 <a:cs typeface="Meiryo UI" panose="020B0604030504040204" pitchFamily="50" charset="-128"/>
-                <a:hlinkClick r:id="rId26"/>
+                <a:hlinkClick r:id="rId27"/>
               </a:rPr>
               <a:t>SECURITY ACTION</a:t>
             </a:r>
@@ -5920,7 +6039,7 @@
                 <a:latin typeface="Meiryo UI" panose="020B0604030504040204" pitchFamily="50" charset="-128"/>
                 <a:ea typeface="Meiryo UI" panose="020B0604030504040204" pitchFamily="50" charset="-128"/>
                 <a:cs typeface="Meiryo UI" panose="020B0604030504040204" pitchFamily="50" charset="-128"/>
-                <a:hlinkClick r:id="rId27"/>
+                <a:hlinkClick r:id="rId28"/>
               </a:rPr>
               <a:t>IT</a:t>
             </a:r>
@@ -5929,7 +6048,7 @@
                 <a:latin typeface="Meiryo UI" panose="020B0604030504040204" pitchFamily="50" charset="-128"/>
                 <a:ea typeface="Meiryo UI" panose="020B0604030504040204" pitchFamily="50" charset="-128"/>
                 <a:cs typeface="Meiryo UI" panose="020B0604030504040204" pitchFamily="50" charset="-128"/>
-                <a:hlinkClick r:id="rId27"/>
+                <a:hlinkClick r:id="rId28"/>
               </a:rPr>
               <a:t>導入補助金（サービス等生産性向上</a:t>
             </a:r>
@@ -5938,7 +6057,7 @@
                 <a:latin typeface="Meiryo UI" panose="020B0604030504040204" pitchFamily="50" charset="-128"/>
                 <a:ea typeface="Meiryo UI" panose="020B0604030504040204" pitchFamily="50" charset="-128"/>
                 <a:cs typeface="Meiryo UI" panose="020B0604030504040204" pitchFamily="50" charset="-128"/>
-                <a:hlinkClick r:id="rId27"/>
+                <a:hlinkClick r:id="rId28"/>
               </a:rPr>
               <a:t>IT</a:t>
             </a:r>
@@ -5947,7 +6066,7 @@
                 <a:latin typeface="Meiryo UI" panose="020B0604030504040204" pitchFamily="50" charset="-128"/>
                 <a:ea typeface="Meiryo UI" panose="020B0604030504040204" pitchFamily="50" charset="-128"/>
                 <a:cs typeface="Meiryo UI" panose="020B0604030504040204" pitchFamily="50" charset="-128"/>
-                <a:hlinkClick r:id="rId27"/>
+                <a:hlinkClick r:id="rId28"/>
               </a:rPr>
               <a:t>導入支援事業）</a:t>
             </a:r>
@@ -5996,7 +6115,7 @@
                 <a:latin typeface="Meiryo UI" panose="020B0604030504040204" pitchFamily="50" charset="-128"/>
                 <a:ea typeface="Meiryo UI" panose="020B0604030504040204" pitchFamily="50" charset="-128"/>
                 <a:cs typeface="Meiryo UI" panose="020B0604030504040204" pitchFamily="50" charset="-128"/>
-                <a:hlinkClick r:id="rId28"/>
+                <a:hlinkClick r:id="rId29"/>
               </a:rPr>
               <a:t>サイバーセキュリティ対策促進助成金</a:t>
             </a:r>
@@ -6037,7 +6156,7 @@
                 <a:latin typeface="Meiryo UI" panose="020B0604030504040204" pitchFamily="50" charset="-128"/>
                 <a:ea typeface="Meiryo UI" panose="020B0604030504040204" pitchFamily="50" charset="-128"/>
                 <a:cs typeface="Meiryo UI" panose="020B0604030504040204" pitchFamily="50" charset="-128"/>
-                <a:hlinkClick r:id="rId29"/>
+                <a:hlinkClick r:id="rId30"/>
               </a:rPr>
               <a:t>中小企業の情報セキュリティマネジメント指導業務</a:t>
             </a:r>
@@ -6049,7 +6168,7 @@
                 <a:latin typeface="Meiryo UI" panose="020B0604030504040204" pitchFamily="50" charset="-128"/>
                 <a:ea typeface="Meiryo UI" panose="020B0604030504040204" pitchFamily="50" charset="-128"/>
                 <a:cs typeface="Meiryo UI" panose="020B0604030504040204" pitchFamily="50" charset="-128"/>
-                <a:hlinkClick r:id="rId29"/>
+                <a:hlinkClick r:id="rId30"/>
               </a:rPr>
               <a:t>(METI</a:t>
             </a:r>
@@ -6061,7 +6180,7 @@
                 <a:latin typeface="Meiryo UI" panose="020B0604030504040204" pitchFamily="50" charset="-128"/>
                 <a:ea typeface="Meiryo UI" panose="020B0604030504040204" pitchFamily="50" charset="-128"/>
                 <a:cs typeface="Meiryo UI" panose="020B0604030504040204" pitchFamily="50" charset="-128"/>
-                <a:hlinkClick r:id="rId29"/>
+                <a:hlinkClick r:id="rId30"/>
               </a:rPr>
               <a:t>補助事業</a:t>
             </a:r>
@@ -6142,7 +6261,7 @@
                 <a:latin typeface="Meiryo UI" panose="020B0604030504040204" pitchFamily="50" charset="-128"/>
                 <a:ea typeface="Meiryo UI" panose="020B0604030504040204" pitchFamily="50" charset="-128"/>
                 <a:cs typeface="Meiryo UI" panose="020B0604030504040204" pitchFamily="50" charset="-128"/>
-                <a:hlinkClick r:id="rId30"/>
+                <a:hlinkClick r:id="rId31"/>
               </a:rPr>
               <a:t>中小企業向けサイバーセキュリティお助け隊（サイバーセキュリティ事後対応支援実証事業）</a:t>
             </a:r>
@@ -6234,7 +6353,7 @@
                 <a:latin typeface="Meiryo UI" panose="020B0604030504040204" pitchFamily="50" charset="-128"/>
                 <a:ea typeface="Meiryo UI" panose="020B0604030504040204" pitchFamily="50" charset="-128"/>
                 <a:cs typeface="Meiryo UI" panose="020B0604030504040204" pitchFamily="50" charset="-128"/>
-                <a:hlinkClick r:id="rId31"/>
+                <a:hlinkClick r:id="rId32"/>
               </a:rPr>
               <a:t>「ここからセキュリティ！」</a:t>
             </a:r>
@@ -6243,7 +6362,7 @@
                 <a:latin typeface="Meiryo UI" panose="020B0604030504040204" pitchFamily="50" charset="-128"/>
                 <a:ea typeface="Meiryo UI" panose="020B0604030504040204" pitchFamily="50" charset="-128"/>
                 <a:cs typeface="Meiryo UI" panose="020B0604030504040204" pitchFamily="50" charset="-128"/>
-                <a:hlinkClick r:id="rId31"/>
+                <a:hlinkClick r:id="rId32"/>
               </a:rPr>
               <a:t>:</a:t>
             </a:r>
@@ -6252,7 +6371,7 @@
                 <a:latin typeface="Meiryo UI" panose="020B0604030504040204" pitchFamily="50" charset="-128"/>
                 <a:ea typeface="Meiryo UI" panose="020B0604030504040204" pitchFamily="50" charset="-128"/>
                 <a:cs typeface="Meiryo UI" panose="020B0604030504040204" pitchFamily="50" charset="-128"/>
-                <a:hlinkClick r:id="rId31"/>
+                <a:hlinkClick r:id="rId32"/>
               </a:rPr>
               <a:t>ポータルサイト（事象・対象）</a:t>
             </a:r>
@@ -6285,7 +6404,7 @@
                 <a:latin typeface="Meiryo UI" panose="020B0604030504040204" pitchFamily="50" charset="-128"/>
                 <a:ea typeface="Meiryo UI" panose="020B0604030504040204" pitchFamily="50" charset="-128"/>
                 <a:cs typeface="Meiryo UI" panose="020B0604030504040204" pitchFamily="50" charset="-128"/>
-                <a:hlinkClick r:id="rId32"/>
+                <a:hlinkClick r:id="rId33"/>
               </a:rPr>
               <a:t>JC3 </a:t>
             </a:r>
@@ -6294,7 +6413,7 @@
                 <a:latin typeface="Meiryo UI" panose="020B0604030504040204" pitchFamily="50" charset="-128"/>
                 <a:ea typeface="Meiryo UI" panose="020B0604030504040204" pitchFamily="50" charset="-128"/>
                 <a:cs typeface="Meiryo UI" panose="020B0604030504040204" pitchFamily="50" charset="-128"/>
-                <a:hlinkClick r:id="rId32"/>
+                <a:hlinkClick r:id="rId33"/>
               </a:rPr>
               <a:t>情報提供 注意喚起情報</a:t>
             </a:r>
@@ -6321,7 +6440,7 @@
                 <a:latin typeface="Meiryo UI" panose="020B0604030504040204" pitchFamily="50" charset="-128"/>
                 <a:ea typeface="Meiryo UI" panose="020B0604030504040204" pitchFamily="50" charset="-128"/>
                 <a:cs typeface="Meiryo UI" panose="020B0604030504040204" pitchFamily="50" charset="-128"/>
-                <a:hlinkClick r:id="rId33"/>
+                <a:hlinkClick r:id="rId34"/>
               </a:rPr>
               <a:t>JC3:</a:t>
             </a:r>
@@ -6330,7 +6449,7 @@
                 <a:latin typeface="Meiryo UI" panose="020B0604030504040204" pitchFamily="50" charset="-128"/>
                 <a:ea typeface="Meiryo UI" panose="020B0604030504040204" pitchFamily="50" charset="-128"/>
                 <a:cs typeface="Meiryo UI" panose="020B0604030504040204" pitchFamily="50" charset="-128"/>
-                <a:hlinkClick r:id="rId33"/>
+                <a:hlinkClick r:id="rId34"/>
               </a:rPr>
               <a:t>あなたのパスワードが侵害されました</a:t>
             </a:r>
@@ -6357,7 +6476,7 @@
                 <a:latin typeface="Meiryo UI" panose="020B0604030504040204" pitchFamily="50" charset="-128"/>
                 <a:ea typeface="Meiryo UI" panose="020B0604030504040204" pitchFamily="50" charset="-128"/>
                 <a:cs typeface="Meiryo UI" panose="020B0604030504040204" pitchFamily="50" charset="-128"/>
-                <a:hlinkClick r:id="rId34"/>
+                <a:hlinkClick r:id="rId35"/>
               </a:rPr>
               <a:t>不正送金等</a:t>
             </a:r>
@@ -6387,7 +6506,7 @@
                 <a:latin typeface="Meiryo UI" panose="020B0604030504040204" pitchFamily="50" charset="-128"/>
                 <a:ea typeface="Meiryo UI" panose="020B0604030504040204" pitchFamily="50" charset="-128"/>
                 <a:cs typeface="Meiryo UI" panose="020B0604030504040204" pitchFamily="50" charset="-128"/>
-                <a:hlinkClick r:id="rId35"/>
+                <a:hlinkClick r:id="rId36"/>
               </a:rPr>
               <a:t>JPCERT/CC</a:t>
             </a:r>
@@ -6396,7 +6515,7 @@
                 <a:latin typeface="Meiryo UI" panose="020B0604030504040204" pitchFamily="50" charset="-128"/>
                 <a:ea typeface="Meiryo UI" panose="020B0604030504040204" pitchFamily="50" charset="-128"/>
                 <a:cs typeface="Meiryo UI" panose="020B0604030504040204" pitchFamily="50" charset="-128"/>
-                <a:hlinkClick r:id="rId35"/>
+                <a:hlinkClick r:id="rId36"/>
               </a:rPr>
               <a:t>　注意喚起</a:t>
             </a:r>
@@ -6431,7 +6550,7 @@
                 <a:latin typeface="Meiryo UI" panose="020B0604030504040204" pitchFamily="50" charset="-128"/>
                 <a:ea typeface="Meiryo UI" panose="020B0604030504040204" pitchFamily="50" charset="-128"/>
                 <a:cs typeface="Meiryo UI" panose="020B0604030504040204" pitchFamily="50" charset="-128"/>
-                <a:hlinkClick r:id="rId36"/>
+                <a:hlinkClick r:id="rId37"/>
               </a:rPr>
               <a:t>マルウエア </a:t>
             </a:r>
@@ -6440,7 +6559,7 @@
                 <a:latin typeface="Meiryo UI" panose="020B0604030504040204" pitchFamily="50" charset="-128"/>
                 <a:ea typeface="Meiryo UI" panose="020B0604030504040204" pitchFamily="50" charset="-128"/>
                 <a:cs typeface="Meiryo UI" panose="020B0604030504040204" pitchFamily="50" charset="-128"/>
-                <a:hlinkClick r:id="rId36"/>
+                <a:hlinkClick r:id="rId37"/>
               </a:rPr>
               <a:t>Emotet</a:t>
             </a:r>
@@ -6449,7 +6568,7 @@
                 <a:latin typeface="Meiryo UI" panose="020B0604030504040204" pitchFamily="50" charset="-128"/>
                 <a:ea typeface="Meiryo UI" panose="020B0604030504040204" pitchFamily="50" charset="-128"/>
                 <a:cs typeface="Meiryo UI" panose="020B0604030504040204" pitchFamily="50" charset="-128"/>
-                <a:hlinkClick r:id="rId36"/>
+                <a:hlinkClick r:id="rId37"/>
               </a:rPr>
               <a:t> </a:t>
             </a:r>
@@ -6458,7 +6577,7 @@
                 <a:latin typeface="Meiryo UI" panose="020B0604030504040204" pitchFamily="50" charset="-128"/>
                 <a:ea typeface="Meiryo UI" panose="020B0604030504040204" pitchFamily="50" charset="-128"/>
                 <a:cs typeface="Meiryo UI" panose="020B0604030504040204" pitchFamily="50" charset="-128"/>
-                <a:hlinkClick r:id="rId36"/>
+                <a:hlinkClick r:id="rId37"/>
               </a:rPr>
               <a:t>の感染に関する注意喚起</a:t>
             </a:r>
@@ -6512,7 +6631,7 @@
                 <a:latin typeface="Meiryo UI" panose="020B0604030504040204" pitchFamily="50" charset="-128"/>
                 <a:ea typeface="Meiryo UI" panose="020B0604030504040204" pitchFamily="50" charset="-128"/>
                 <a:cs typeface="Meiryo UI" panose="020B0604030504040204" pitchFamily="50" charset="-128"/>
-                <a:hlinkClick r:id="rId37"/>
+                <a:hlinkClick r:id="rId38"/>
               </a:rPr>
               <a:t>迷惑メール・チェーンメール関連パンフレット</a:t>
             </a:r>
@@ -6539,7 +6658,7 @@
                 <a:latin typeface="Meiryo UI" panose="020B0604030504040204" pitchFamily="50" charset="-128"/>
                 <a:ea typeface="Meiryo UI" panose="020B0604030504040204" pitchFamily="50" charset="-128"/>
                 <a:cs typeface="Meiryo UI" panose="020B0604030504040204" pitchFamily="50" charset="-128"/>
-                <a:hlinkClick r:id="rId38"/>
+                <a:hlinkClick r:id="rId39"/>
               </a:rPr>
               <a:t>迷惑メール関連の関係法令・窓口等</a:t>
             </a:r>
@@ -6548,7 +6667,7 @@
                 <a:latin typeface="Meiryo UI" panose="020B0604030504040204" pitchFamily="50" charset="-128"/>
                 <a:ea typeface="Meiryo UI" panose="020B0604030504040204" pitchFamily="50" charset="-128"/>
                 <a:cs typeface="Meiryo UI" panose="020B0604030504040204" pitchFamily="50" charset="-128"/>
-                <a:hlinkClick r:id="rId38"/>
+                <a:hlinkClick r:id="rId39"/>
               </a:rPr>
               <a:t>(</a:t>
             </a:r>
@@ -6557,7 +6676,7 @@
                 <a:latin typeface="Meiryo UI" panose="020B0604030504040204" pitchFamily="50" charset="-128"/>
                 <a:ea typeface="Meiryo UI" panose="020B0604030504040204" pitchFamily="50" charset="-128"/>
                 <a:cs typeface="Meiryo UI" panose="020B0604030504040204" pitchFamily="50" charset="-128"/>
-                <a:hlinkClick r:id="rId38"/>
+                <a:hlinkClick r:id="rId39"/>
               </a:rPr>
               <a:t>迷惑メール白書</a:t>
             </a:r>
@@ -6566,7 +6685,7 @@
                 <a:latin typeface="Meiryo UI" panose="020B0604030504040204" pitchFamily="50" charset="-128"/>
                 <a:ea typeface="Meiryo UI" panose="020B0604030504040204" pitchFamily="50" charset="-128"/>
                 <a:cs typeface="Meiryo UI" panose="020B0604030504040204" pitchFamily="50" charset="-128"/>
-                <a:hlinkClick r:id="rId38"/>
+                <a:hlinkClick r:id="rId39"/>
               </a:rPr>
               <a:t>2019</a:t>
             </a:r>
@@ -6575,7 +6694,7 @@
                 <a:latin typeface="Meiryo UI" panose="020B0604030504040204" pitchFamily="50" charset="-128"/>
                 <a:ea typeface="Meiryo UI" panose="020B0604030504040204" pitchFamily="50" charset="-128"/>
                 <a:cs typeface="Meiryo UI" panose="020B0604030504040204" pitchFamily="50" charset="-128"/>
-                <a:hlinkClick r:id="rId38"/>
+                <a:hlinkClick r:id="rId39"/>
               </a:rPr>
               <a:t>より</a:t>
             </a:r>
@@ -6584,7 +6703,7 @@
                 <a:latin typeface="Meiryo UI" panose="020B0604030504040204" pitchFamily="50" charset="-128"/>
                 <a:ea typeface="Meiryo UI" panose="020B0604030504040204" pitchFamily="50" charset="-128"/>
                 <a:cs typeface="Meiryo UI" panose="020B0604030504040204" pitchFamily="50" charset="-128"/>
-                <a:hlinkClick r:id="rId38"/>
+                <a:hlinkClick r:id="rId39"/>
               </a:rPr>
               <a:t>)</a:t>
             </a:r>
@@ -6611,7 +6730,7 @@
                 <a:latin typeface="Meiryo UI" panose="020B0604030504040204" pitchFamily="50" charset="-128"/>
                 <a:ea typeface="Meiryo UI" panose="020B0604030504040204" pitchFamily="50" charset="-128"/>
                 <a:cs typeface="Meiryo UI" panose="020B0604030504040204" pitchFamily="50" charset="-128"/>
-                <a:hlinkClick r:id="rId39"/>
+                <a:hlinkClick r:id="rId40"/>
               </a:rPr>
               <a:t>中小企業の情報セキュリティ対策ガイドライン</a:t>
             </a:r>
@@ -6628,7 +6747,7 @@
                 <a:latin typeface="Meiryo UI" panose="020B0604030504040204" pitchFamily="50" charset="-128"/>
                 <a:ea typeface="Meiryo UI" panose="020B0604030504040204" pitchFamily="50" charset="-128"/>
                 <a:cs typeface="Meiryo UI" panose="020B0604030504040204" pitchFamily="50" charset="-128"/>
-                <a:hlinkClick r:id="rId40"/>
+                <a:hlinkClick r:id="rId41"/>
               </a:rPr>
               <a:t>第</a:t>
             </a:r>
@@ -6637,7 +6756,7 @@
                 <a:latin typeface="Meiryo UI" panose="020B0604030504040204" pitchFamily="50" charset="-128"/>
                 <a:ea typeface="Meiryo UI" panose="020B0604030504040204" pitchFamily="50" charset="-128"/>
                 <a:cs typeface="Meiryo UI" panose="020B0604030504040204" pitchFamily="50" charset="-128"/>
-                <a:hlinkClick r:id="rId40"/>
+                <a:hlinkClick r:id="rId41"/>
               </a:rPr>
               <a:t>3</a:t>
             </a:r>
@@ -6646,7 +6765,7 @@
                 <a:latin typeface="Meiryo UI" panose="020B0604030504040204" pitchFamily="50" charset="-128"/>
                 <a:ea typeface="Meiryo UI" panose="020B0604030504040204" pitchFamily="50" charset="-128"/>
                 <a:cs typeface="Meiryo UI" panose="020B0604030504040204" pitchFamily="50" charset="-128"/>
-                <a:hlinkClick r:id="rId40"/>
+                <a:hlinkClick r:id="rId41"/>
               </a:rPr>
               <a:t>版電子版</a:t>
             </a:r>
@@ -6692,7 +6811,7 @@
                 <a:latin typeface="Meiryo UI" panose="020B0604030504040204" pitchFamily="50" charset="-128"/>
                 <a:ea typeface="Meiryo UI" panose="020B0604030504040204" pitchFamily="50" charset="-128"/>
                 <a:cs typeface="Meiryo UI" panose="020B0604030504040204" pitchFamily="50" charset="-128"/>
-                <a:hlinkClick r:id="rId41"/>
+                <a:hlinkClick r:id="rId42"/>
               </a:rPr>
               <a:t>情報セキュリティ</a:t>
             </a:r>
@@ -6701,7 +6820,7 @@
                 <a:latin typeface="Meiryo UI" panose="020B0604030504040204" pitchFamily="50" charset="-128"/>
                 <a:ea typeface="Meiryo UI" panose="020B0604030504040204" pitchFamily="50" charset="-128"/>
                 <a:cs typeface="Meiryo UI" panose="020B0604030504040204" pitchFamily="50" charset="-128"/>
-                <a:hlinkClick r:id="rId41"/>
+                <a:hlinkClick r:id="rId42"/>
               </a:rPr>
               <a:t>5</a:t>
             </a:r>
@@ -6710,7 +6829,7 @@
                 <a:latin typeface="Meiryo UI" panose="020B0604030504040204" pitchFamily="50" charset="-128"/>
                 <a:ea typeface="Meiryo UI" panose="020B0604030504040204" pitchFamily="50" charset="-128"/>
                 <a:cs typeface="Meiryo UI" panose="020B0604030504040204" pitchFamily="50" charset="-128"/>
-                <a:hlinkClick r:id="rId41"/>
+                <a:hlinkClick r:id="rId42"/>
               </a:rPr>
               <a:t>か条</a:t>
             </a:r>
@@ -6727,7 +6846,7 @@
                 <a:latin typeface="Meiryo UI" panose="020B0604030504040204" pitchFamily="50" charset="-128"/>
                 <a:ea typeface="Meiryo UI" panose="020B0604030504040204" pitchFamily="50" charset="-128"/>
                 <a:cs typeface="Meiryo UI" panose="020B0604030504040204" pitchFamily="50" charset="-128"/>
-                <a:hlinkClick r:id="rId42"/>
+                <a:hlinkClick r:id="rId43"/>
               </a:rPr>
               <a:t>5</a:t>
             </a:r>
@@ -6736,7 +6855,7 @@
                 <a:latin typeface="Meiryo UI" panose="020B0604030504040204" pitchFamily="50" charset="-128"/>
                 <a:ea typeface="Meiryo UI" panose="020B0604030504040204" pitchFamily="50" charset="-128"/>
                 <a:cs typeface="Meiryo UI" panose="020B0604030504040204" pitchFamily="50" charset="-128"/>
-                <a:hlinkClick r:id="rId42"/>
+                <a:hlinkClick r:id="rId43"/>
               </a:rPr>
               <a:t>分でできる！情報セキュリティ自社診断</a:t>
             </a:r>
@@ -6763,7 +6882,7 @@
                 <a:latin typeface="Meiryo UI" panose="020B0604030504040204" pitchFamily="50" charset="-128"/>
                 <a:ea typeface="Meiryo UI" panose="020B0604030504040204" pitchFamily="50" charset="-128"/>
                 <a:cs typeface="Meiryo UI" panose="020B0604030504040204" pitchFamily="50" charset="-128"/>
-                <a:hlinkClick r:id="rId43"/>
+                <a:hlinkClick r:id="rId44"/>
               </a:rPr>
               <a:t>国民のための情報セキュリティサイト</a:t>
             </a:r>
@@ -6827,7 +6946,7 @@
             <a:pPr algn="r"/>
             <a:r>
               <a:rPr kumimoji="1" lang="en-US" altLang="ja-JP" sz="1200" dirty="0"/>
-              <a:t>2020</a:t>
+              <a:t>2021</a:t>
             </a:r>
             <a:r>
               <a:rPr lang="ja-JP" altLang="en-US" sz="1200" dirty="0"/>
@@ -6835,7 +6954,7 @@
             </a:r>
             <a:r>
               <a:rPr lang="en-US" altLang="ja-JP" sz="1200" dirty="0"/>
-              <a:t>7</a:t>
+              <a:t>2</a:t>
             </a:r>
             <a:r>
               <a:rPr lang="ja-JP" altLang="en-US" sz="1200" dirty="0"/>
@@ -6843,7 +6962,7 @@
             </a:r>
             <a:r>
               <a:rPr lang="en-US" altLang="ja-JP" sz="1200" dirty="0"/>
-              <a:t>22</a:t>
+              <a:t>8</a:t>
             </a:r>
             <a:r>
               <a:rPr lang="ja-JP" altLang="en-US" sz="1200" dirty="0"/>
@@ -6974,85 +7093,29 @@
             <a:pPr algn="r"/>
             <a:r>
               <a:rPr lang="ja-JP" altLang="en-US" sz="1000" dirty="0">
-                <a:hlinkClick r:id="rId44"/>
+                <a:hlinkClick r:id="rId45"/>
               </a:rPr>
               <a:t>サイバーセキュリティ対策の極意ポータルサイト</a:t>
             </a:r>
             <a:endParaRPr lang="en-US" altLang="ja-JP" sz="1000" dirty="0">
-              <a:hlinkClick r:id="rId45"/>
+              <a:hlinkClick r:id="rId46"/>
             </a:endParaRPr>
           </a:p>
           <a:p>
             <a:pPr algn="r"/>
             <a:r>
               <a:rPr lang="en-US" altLang="ja-JP" sz="1000" dirty="0">
-                <a:hlinkClick r:id="rId45"/>
+                <a:hlinkClick r:id="rId46"/>
               </a:rPr>
               <a:t>Sec01-08-3 </a:t>
             </a:r>
             <a:r>
               <a:rPr lang="ja-JP" altLang="en-US" sz="1000" dirty="0">
-                <a:hlinkClick r:id="rId45"/>
+                <a:hlinkClick r:id="rId46"/>
               </a:rPr>
               <a:t>相談対応手順書</a:t>
             </a:r>
             <a:endParaRPr lang="ja-JP" altLang="en-US" sz="1000" dirty="0"/>
-          </a:p>
-        </p:txBody>
-      </p:sp>
-      <p:sp>
-        <p:nvSpPr>
-          <p:cNvPr id="8" name="正方形/長方形 7">
-            <a:extLst>
-              <a:ext uri="{FF2B5EF4-FFF2-40B4-BE49-F238E27FC236}">
-                <a16:creationId xmlns:a16="http://schemas.microsoft.com/office/drawing/2014/main" id="{01818B97-50A4-40B4-8D91-9040ABA52F91}"/>
-              </a:ext>
-            </a:extLst>
-          </p:cNvPr>
-          <p:cNvSpPr/>
-          <p:nvPr/>
-        </p:nvSpPr>
-        <p:spPr>
-          <a:xfrm>
-            <a:off x="9475835" y="134422"/>
-            <a:ext cx="1927130" cy="369332"/>
-          </a:xfrm>
-          <a:prstGeom prst="rect">
-            <a:avLst/>
-          </a:prstGeom>
-        </p:spPr>
-        <p:txBody>
-          <a:bodyPr wrap="none">
-            <a:spAutoFit/>
-          </a:bodyPr>
-          <a:lstStyle/>
-          <a:p>
-            <a:pPr algn="r"/>
-            <a:r>
-              <a:rPr lang="en-US" altLang="ja-JP" dirty="0"/>
-              <a:t>2020</a:t>
-            </a:r>
-            <a:r>
-              <a:rPr lang="ja-JP" altLang="en-US" dirty="0"/>
-              <a:t>年</a:t>
-            </a:r>
-            <a:r>
-              <a:rPr lang="en-US" altLang="ja-JP" dirty="0"/>
-              <a:t>5</a:t>
-            </a:r>
-            <a:r>
-              <a:rPr lang="ja-JP" altLang="en-US" dirty="0"/>
-              <a:t>月</a:t>
-            </a:r>
-            <a:r>
-              <a:rPr lang="en-US" altLang="ja-JP" dirty="0"/>
-              <a:t>18</a:t>
-            </a:r>
-            <a:r>
-              <a:rPr lang="ja-JP" altLang="en-US" dirty="0"/>
-              <a:t>日版</a:t>
-            </a:r>
-            <a:endParaRPr lang="en-US" altLang="ja-JP" dirty="0"/>
           </a:p>
         </p:txBody>
       </p:sp>

--- a/Cyber/相談・届出先クイックリスト（張り紙用）.pptx
+++ b/Cyber/相談・届出先クイックリスト（張り紙用）.pptx
@@ -130,7 +130,7 @@
 <file path=ppt/revisionInfo.xml><?xml version="1.0" encoding="utf-8"?>
 <p1510:revInfo xmlns:a="http://schemas.openxmlformats.org/drawingml/2006/main" xmlns:r="http://schemas.openxmlformats.org/officeDocument/2006/relationships" xmlns:p1510="http://schemas.microsoft.com/office/powerpoint/2015/10/main">
   <p1510:revLst>
-    <p1510:client id="{6B6E3AED-D7F4-4425-8EE1-036EC94D44A2}" v="2" dt="2021-02-08T06:24:29.355"/>
+    <p1510:client id="{4472EF13-105D-4510-B5EF-D155BAD4BCC5}" v="3" dt="2021-10-29T00:55:56.301"/>
   </p1510:revLst>
 </p1510:revInfo>
 </file>
@@ -180,6 +180,46 @@
             <pc:docMk/>
             <pc:sldMk cId="984613830" sldId="256"/>
             <ac:spMk id="8" creationId="{01818B97-50A4-40B4-8D91-9040ABA52F91}"/>
+          </ac:spMkLst>
+        </pc:spChg>
+      </pc:sldChg>
+    </pc:docChg>
+  </pc:docChgLst>
+  <pc:docChgLst>
+    <pc:chgData name="Masaki Nakayama" userId="7eabd57b-b900-4e86-8622-e94bcfa04d00" providerId="ADAL" clId="{4472EF13-105D-4510-B5EF-D155BAD4BCC5}"/>
+    <pc:docChg chg="undo custSel modSld">
+      <pc:chgData name="Masaki Nakayama" userId="7eabd57b-b900-4e86-8622-e94bcfa04d00" providerId="ADAL" clId="{4472EF13-105D-4510-B5EF-D155BAD4BCC5}" dt="2021-10-29T00:56:09.458" v="51" actId="113"/>
+      <pc:docMkLst>
+        <pc:docMk/>
+      </pc:docMkLst>
+      <pc:sldChg chg="modSp mod">
+        <pc:chgData name="Masaki Nakayama" userId="7eabd57b-b900-4e86-8622-e94bcfa04d00" providerId="ADAL" clId="{4472EF13-105D-4510-B5EF-D155BAD4BCC5}" dt="2021-10-29T00:56:09.458" v="51" actId="113"/>
+        <pc:sldMkLst>
+          <pc:docMk/>
+          <pc:sldMk cId="984613830" sldId="256"/>
+        </pc:sldMkLst>
+        <pc:spChg chg="mod">
+          <ac:chgData name="Masaki Nakayama" userId="7eabd57b-b900-4e86-8622-e94bcfa04d00" providerId="ADAL" clId="{4472EF13-105D-4510-B5EF-D155BAD4BCC5}" dt="2021-10-29T00:47:21.331" v="9" actId="20577"/>
+          <ac:spMkLst>
+            <pc:docMk/>
+            <pc:sldMk cId="984613830" sldId="256"/>
+            <ac:spMk id="2" creationId="{00000000-0000-0000-0000-000000000000}"/>
+          </ac:spMkLst>
+        </pc:spChg>
+        <pc:spChg chg="mod">
+          <ac:chgData name="Masaki Nakayama" userId="7eabd57b-b900-4e86-8622-e94bcfa04d00" providerId="ADAL" clId="{4472EF13-105D-4510-B5EF-D155BAD4BCC5}" dt="2021-10-29T00:55:24.188" v="50"/>
+          <ac:spMkLst>
+            <pc:docMk/>
+            <pc:sldMk cId="984613830" sldId="256"/>
+            <ac:spMk id="5" creationId="{00000000-0000-0000-0000-000000000000}"/>
+          </ac:spMkLst>
+        </pc:spChg>
+        <pc:spChg chg="mod">
+          <ac:chgData name="Masaki Nakayama" userId="7eabd57b-b900-4e86-8622-e94bcfa04d00" providerId="ADAL" clId="{4472EF13-105D-4510-B5EF-D155BAD4BCC5}" dt="2021-10-29T00:56:09.458" v="51" actId="113"/>
+          <ac:spMkLst>
+            <pc:docMk/>
+            <pc:sldMk cId="984613830" sldId="256"/>
+            <ac:spMk id="7" creationId="{00000000-0000-0000-0000-000000000000}"/>
           </ac:spMkLst>
         </pc:spChg>
       </pc:sldChg>
@@ -407,7 +447,7 @@
           <a:p>
             <a:fld id="{B167F82F-9FB1-4880-8F8D-0793BD49E028}" type="datetimeFigureOut">
               <a:rPr kumimoji="1" lang="ja-JP" altLang="en-US" smtClean="0"/>
-              <a:t>2021/2/8</a:t>
+              <a:t>2021/10/29</a:t>
             </a:fld>
             <a:endParaRPr kumimoji="1" lang="ja-JP" altLang="en-US"/>
           </a:p>
@@ -607,7 +647,7 @@
           <a:p>
             <a:fld id="{B167F82F-9FB1-4880-8F8D-0793BD49E028}" type="datetimeFigureOut">
               <a:rPr kumimoji="1" lang="ja-JP" altLang="en-US" smtClean="0"/>
-              <a:t>2021/2/8</a:t>
+              <a:t>2021/10/29</a:t>
             </a:fld>
             <a:endParaRPr kumimoji="1" lang="ja-JP" altLang="en-US"/>
           </a:p>
@@ -817,7 +857,7 @@
           <a:p>
             <a:fld id="{B167F82F-9FB1-4880-8F8D-0793BD49E028}" type="datetimeFigureOut">
               <a:rPr kumimoji="1" lang="ja-JP" altLang="en-US" smtClean="0"/>
-              <a:t>2021/2/8</a:t>
+              <a:t>2021/10/29</a:t>
             </a:fld>
             <a:endParaRPr kumimoji="1" lang="ja-JP" altLang="en-US"/>
           </a:p>
@@ -1017,7 +1057,7 @@
           <a:p>
             <a:fld id="{B167F82F-9FB1-4880-8F8D-0793BD49E028}" type="datetimeFigureOut">
               <a:rPr kumimoji="1" lang="ja-JP" altLang="en-US" smtClean="0"/>
-              <a:t>2021/2/8</a:t>
+              <a:t>2021/10/29</a:t>
             </a:fld>
             <a:endParaRPr kumimoji="1" lang="ja-JP" altLang="en-US"/>
           </a:p>
@@ -1262,7 +1302,7 @@
           <a:p>
             <a:fld id="{B167F82F-9FB1-4880-8F8D-0793BD49E028}" type="datetimeFigureOut">
               <a:rPr kumimoji="1" lang="ja-JP" altLang="en-US" smtClean="0"/>
-              <a:t>2021/2/8</a:t>
+              <a:t>2021/10/29</a:t>
             </a:fld>
             <a:endParaRPr kumimoji="1" lang="ja-JP" altLang="en-US"/>
           </a:p>
@@ -1611,7 +1651,7 @@
           <a:p>
             <a:fld id="{B167F82F-9FB1-4880-8F8D-0793BD49E028}" type="datetimeFigureOut">
               <a:rPr kumimoji="1" lang="ja-JP" altLang="en-US" smtClean="0"/>
-              <a:t>2021/2/8</a:t>
+              <a:t>2021/10/29</a:t>
             </a:fld>
             <a:endParaRPr kumimoji="1" lang="ja-JP" altLang="en-US"/>
           </a:p>
@@ -2094,7 +2134,7 @@
           <a:p>
             <a:fld id="{B167F82F-9FB1-4880-8F8D-0793BD49E028}" type="datetimeFigureOut">
               <a:rPr kumimoji="1" lang="ja-JP" altLang="en-US" smtClean="0"/>
-              <a:t>2021/2/8</a:t>
+              <a:t>2021/10/29</a:t>
             </a:fld>
             <a:endParaRPr kumimoji="1" lang="ja-JP" altLang="en-US"/>
           </a:p>
@@ -2211,7 +2251,7 @@
           <a:p>
             <a:fld id="{B167F82F-9FB1-4880-8F8D-0793BD49E028}" type="datetimeFigureOut">
               <a:rPr kumimoji="1" lang="ja-JP" altLang="en-US" smtClean="0"/>
-              <a:t>2021/2/8</a:t>
+              <a:t>2021/10/29</a:t>
             </a:fld>
             <a:endParaRPr kumimoji="1" lang="ja-JP" altLang="en-US"/>
           </a:p>
@@ -2306,7 +2346,7 @@
           <a:p>
             <a:fld id="{B167F82F-9FB1-4880-8F8D-0793BD49E028}" type="datetimeFigureOut">
               <a:rPr kumimoji="1" lang="ja-JP" altLang="en-US" smtClean="0"/>
-              <a:t>2021/2/8</a:t>
+              <a:t>2021/10/29</a:t>
             </a:fld>
             <a:endParaRPr kumimoji="1" lang="ja-JP" altLang="en-US"/>
           </a:p>
@@ -2613,7 +2653,7 @@
           <a:p>
             <a:fld id="{B167F82F-9FB1-4880-8F8D-0793BD49E028}" type="datetimeFigureOut">
               <a:rPr kumimoji="1" lang="ja-JP" altLang="en-US" smtClean="0"/>
-              <a:t>2021/2/8</a:t>
+              <a:t>2021/10/29</a:t>
             </a:fld>
             <a:endParaRPr kumimoji="1" lang="ja-JP" altLang="en-US"/>
           </a:p>
@@ -2865,7 +2905,7 @@
           <a:p>
             <a:fld id="{B167F82F-9FB1-4880-8F8D-0793BD49E028}" type="datetimeFigureOut">
               <a:rPr kumimoji="1" lang="ja-JP" altLang="en-US" smtClean="0"/>
-              <a:t>2021/2/8</a:t>
+              <a:t>2021/10/29</a:t>
             </a:fld>
             <a:endParaRPr kumimoji="1" lang="ja-JP" altLang="en-US"/>
           </a:p>
@@ -3108,7 +3148,7 @@
           <a:p>
             <a:fld id="{B167F82F-9FB1-4880-8F8D-0793BD49E028}" type="datetimeFigureOut">
               <a:rPr kumimoji="1" lang="ja-JP" altLang="en-US" smtClean="0"/>
-              <a:t>2021/2/8</a:t>
+              <a:t>2021/10/29</a:t>
             </a:fld>
             <a:endParaRPr kumimoji="1" lang="ja-JP" altLang="en-US"/>
           </a:p>
@@ -3567,8 +3607,84 @@
                 <a:latin typeface="Meiryo UI" panose="020B0604030504040204" pitchFamily="50" charset="-128"/>
                 <a:ea typeface="Meiryo UI" panose="020B0604030504040204" pitchFamily="50" charset="-128"/>
                 <a:cs typeface="Meiryo UI" panose="020B0604030504040204" pitchFamily="50" charset="-128"/>
-              </a:rPr>
-              <a:t>＜＜＜＜インシデント対応＞＞＞＞</a:t>
+                <a:hlinkClick r:id="rId3"/>
+              </a:rPr>
+              <a:t>もしかしてサイバー攻撃？ 緊急時には、ここに連絡を！</a:t>
+            </a:r>
+            <a:r>
+              <a:rPr lang="en-US" altLang="ja-JP" sz="1050" b="1" dirty="0">
+                <a:solidFill>
+                  <a:srgbClr val="FF0000"/>
+                </a:solidFill>
+                <a:highlight>
+                  <a:srgbClr val="FFFF00"/>
+                </a:highlight>
+                <a:latin typeface="Meiryo UI" panose="020B0604030504040204" pitchFamily="50" charset="-128"/>
+                <a:ea typeface="Meiryo UI" panose="020B0604030504040204" pitchFamily="50" charset="-128"/>
+                <a:cs typeface="Meiryo UI" panose="020B0604030504040204" pitchFamily="50" charset="-128"/>
+                <a:hlinkClick r:id="rId3"/>
+              </a:rPr>
+              <a:t>【</a:t>
+            </a:r>
+            <a:r>
+              <a:rPr lang="ja-JP" altLang="en-US" sz="1050" b="1" dirty="0">
+                <a:solidFill>
+                  <a:srgbClr val="FF0000"/>
+                </a:solidFill>
+                <a:highlight>
+                  <a:srgbClr val="FFFF00"/>
+                </a:highlight>
+                <a:latin typeface="Meiryo UI" panose="020B0604030504040204" pitchFamily="50" charset="-128"/>
+                <a:ea typeface="Meiryo UI" panose="020B0604030504040204" pitchFamily="50" charset="-128"/>
+                <a:cs typeface="Meiryo UI" panose="020B0604030504040204" pitchFamily="50" charset="-128"/>
+                <a:hlinkClick r:id="rId3"/>
+              </a:rPr>
+              <a:t>クイックリスト</a:t>
+            </a:r>
+            <a:r>
+              <a:rPr lang="en-US" altLang="ja-JP" sz="1050" b="1" dirty="0">
+                <a:solidFill>
+                  <a:srgbClr val="FF0000"/>
+                </a:solidFill>
+                <a:highlight>
+                  <a:srgbClr val="FFFF00"/>
+                </a:highlight>
+                <a:latin typeface="Meiryo UI" panose="020B0604030504040204" pitchFamily="50" charset="-128"/>
+                <a:ea typeface="Meiryo UI" panose="020B0604030504040204" pitchFamily="50" charset="-128"/>
+                <a:cs typeface="Meiryo UI" panose="020B0604030504040204" pitchFamily="50" charset="-128"/>
+                <a:hlinkClick r:id="rId3"/>
+              </a:rPr>
+              <a:t>】【</a:t>
+            </a:r>
+            <a:r>
+              <a:rPr lang="ja-JP" altLang="en-US" sz="1050" b="1" dirty="0">
+                <a:solidFill>
+                  <a:srgbClr val="FF0000"/>
+                </a:solidFill>
+                <a:highlight>
+                  <a:srgbClr val="FFFF00"/>
+                </a:highlight>
+                <a:latin typeface="Meiryo UI" panose="020B0604030504040204" pitchFamily="50" charset="-128"/>
+                <a:ea typeface="Meiryo UI" panose="020B0604030504040204" pitchFamily="50" charset="-128"/>
+                <a:cs typeface="Meiryo UI" panose="020B0604030504040204" pitchFamily="50" charset="-128"/>
+                <a:hlinkClick r:id="rId3"/>
+              </a:rPr>
+              <a:t>詳細版</a:t>
+            </a:r>
+            <a:r>
+              <a:rPr lang="en-US" altLang="ja-JP" sz="1050" b="1" dirty="0">
+                <a:solidFill>
+                  <a:srgbClr val="FF0000"/>
+                </a:solidFill>
+                <a:highlight>
+                  <a:srgbClr val="FFFF00"/>
+                </a:highlight>
+                <a:latin typeface="Meiryo UI" panose="020B0604030504040204" pitchFamily="50" charset="-128"/>
+                <a:ea typeface="Meiryo UI" panose="020B0604030504040204" pitchFamily="50" charset="-128"/>
+                <a:cs typeface="Meiryo UI" panose="020B0604030504040204" pitchFamily="50" charset="-128"/>
+                <a:hlinkClick r:id="rId3"/>
+              </a:rPr>
+              <a:t>】</a:t>
             </a:r>
             <a:endParaRPr lang="en-US" altLang="ja-JP" sz="1050" b="1" dirty="0">
               <a:solidFill>
@@ -3588,6 +3704,112 @@
             </a:pPr>
             <a:r>
               <a:rPr lang="ja-JP" altLang="en-US" sz="1050" b="1" dirty="0">
+                <a:solidFill>
+                  <a:srgbClr val="FF0000"/>
+                </a:solidFill>
+                <a:highlight>
+                  <a:srgbClr val="FFFF00"/>
+                </a:highlight>
+                <a:latin typeface="Meiryo UI" panose="020B0604030504040204" pitchFamily="50" charset="-128"/>
+                <a:ea typeface="Meiryo UI" panose="020B0604030504040204" pitchFamily="50" charset="-128"/>
+                <a:cs typeface="Meiryo UI" panose="020B0604030504040204" pitchFamily="50" charset="-128"/>
+                <a:hlinkClick r:id="rId4"/>
+              </a:rPr>
+              <a:t>やられる前に、しっかり予防を！ ここに相談！</a:t>
+            </a:r>
+            <a:r>
+              <a:rPr lang="en-US" altLang="ja-JP" sz="1050" b="1" dirty="0">
+                <a:solidFill>
+                  <a:srgbClr val="FF0000"/>
+                </a:solidFill>
+                <a:highlight>
+                  <a:srgbClr val="FFFF00"/>
+                </a:highlight>
+                <a:latin typeface="Meiryo UI" panose="020B0604030504040204" pitchFamily="50" charset="-128"/>
+                <a:ea typeface="Meiryo UI" panose="020B0604030504040204" pitchFamily="50" charset="-128"/>
+                <a:cs typeface="Meiryo UI" panose="020B0604030504040204" pitchFamily="50" charset="-128"/>
+                <a:hlinkClick r:id="rId4"/>
+              </a:rPr>
+              <a:t>【</a:t>
+            </a:r>
+            <a:r>
+              <a:rPr lang="ja-JP" altLang="en-US" sz="1050" b="1" dirty="0">
+                <a:solidFill>
+                  <a:srgbClr val="FF0000"/>
+                </a:solidFill>
+                <a:highlight>
+                  <a:srgbClr val="FFFF00"/>
+                </a:highlight>
+                <a:latin typeface="Meiryo UI" panose="020B0604030504040204" pitchFamily="50" charset="-128"/>
+                <a:ea typeface="Meiryo UI" panose="020B0604030504040204" pitchFamily="50" charset="-128"/>
+                <a:cs typeface="Meiryo UI" panose="020B0604030504040204" pitchFamily="50" charset="-128"/>
+                <a:hlinkClick r:id="rId4"/>
+              </a:rPr>
+              <a:t>詳細版</a:t>
+            </a:r>
+            <a:r>
+              <a:rPr lang="en-US" altLang="ja-JP" sz="1050" b="1" dirty="0">
+                <a:solidFill>
+                  <a:srgbClr val="FF0000"/>
+                </a:solidFill>
+                <a:highlight>
+                  <a:srgbClr val="FFFF00"/>
+                </a:highlight>
+                <a:latin typeface="Meiryo UI" panose="020B0604030504040204" pitchFamily="50" charset="-128"/>
+                <a:ea typeface="Meiryo UI" panose="020B0604030504040204" pitchFamily="50" charset="-128"/>
+                <a:cs typeface="Meiryo UI" panose="020B0604030504040204" pitchFamily="50" charset="-128"/>
+                <a:hlinkClick r:id="rId4"/>
+              </a:rPr>
+              <a:t>】</a:t>
+            </a:r>
+            <a:endParaRPr lang="en-US" altLang="ja-JP" sz="1050" b="1" dirty="0">
+              <a:solidFill>
+                <a:srgbClr val="FF0000"/>
+              </a:solidFill>
+              <a:highlight>
+                <a:srgbClr val="FFFF00"/>
+              </a:highlight>
+              <a:latin typeface="Meiryo UI" panose="020B0604030504040204" pitchFamily="50" charset="-128"/>
+              <a:ea typeface="Meiryo UI" panose="020B0604030504040204" pitchFamily="50" charset="-128"/>
+              <a:cs typeface="Meiryo UI" panose="020B0604030504040204" pitchFamily="50" charset="-128"/>
+            </a:endParaRPr>
+          </a:p>
+          <a:p>
+            <a:pPr marL="0" indent="0">
+              <a:buNone/>
+            </a:pPr>
+            <a:r>
+              <a:rPr lang="ja-JP" altLang="en-US" sz="1050" b="1" dirty="0">
+                <a:solidFill>
+                  <a:srgbClr val="FF0000"/>
+                </a:solidFill>
+                <a:highlight>
+                  <a:srgbClr val="FFFF00"/>
+                </a:highlight>
+                <a:latin typeface="Meiryo UI" panose="020B0604030504040204" pitchFamily="50" charset="-128"/>
+                <a:ea typeface="Meiryo UI" panose="020B0604030504040204" pitchFamily="50" charset="-128"/>
+                <a:cs typeface="Meiryo UI" panose="020B0604030504040204" pitchFamily="50" charset="-128"/>
+              </a:rPr>
+              <a:t>＜＜＜＜インシデント対応＞＞＞＞</a:t>
+            </a:r>
+            <a:endParaRPr lang="en-US" altLang="ja-JP" sz="1050" b="1" dirty="0">
+              <a:solidFill>
+                <a:srgbClr val="FF0000"/>
+              </a:solidFill>
+              <a:highlight>
+                <a:srgbClr val="FFFF00"/>
+              </a:highlight>
+              <a:latin typeface="Meiryo UI" panose="020B0604030504040204" pitchFamily="50" charset="-128"/>
+              <a:ea typeface="Meiryo UI" panose="020B0604030504040204" pitchFamily="50" charset="-128"/>
+              <a:cs typeface="Meiryo UI" panose="020B0604030504040204" pitchFamily="50" charset="-128"/>
+            </a:endParaRPr>
+          </a:p>
+          <a:p>
+            <a:pPr marL="0" indent="0">
+              <a:buNone/>
+            </a:pPr>
+            <a:r>
+              <a:rPr lang="ja-JP" altLang="en-US" sz="1050" b="1" dirty="0">
                 <a:latin typeface="Meiryo UI" panose="020B0604030504040204" pitchFamily="50" charset="-128"/>
                 <a:ea typeface="Meiryo UI" panose="020B0604030504040204" pitchFamily="50" charset="-128"/>
                 <a:cs typeface="Meiryo UI" panose="020B0604030504040204" pitchFamily="50" charset="-128"/>
@@ -3620,7 +3842,7 @@
                 <a:latin typeface="Meiryo UI" panose="020B0604030504040204" pitchFamily="50" charset="-128"/>
                 <a:ea typeface="Meiryo UI" panose="020B0604030504040204" pitchFamily="50" charset="-128"/>
                 <a:cs typeface="Meiryo UI" panose="020B0604030504040204" pitchFamily="50" charset="-128"/>
-                <a:hlinkClick r:id="rId3"/>
+                <a:hlinkClick r:id="rId5"/>
               </a:rPr>
               <a:t>IPA</a:t>
             </a:r>
@@ -3629,7 +3851,7 @@
                 <a:latin typeface="Meiryo UI" panose="020B0604030504040204" pitchFamily="50" charset="-128"/>
                 <a:ea typeface="Meiryo UI" panose="020B0604030504040204" pitchFamily="50" charset="-128"/>
                 <a:cs typeface="Meiryo UI" panose="020B0604030504040204" pitchFamily="50" charset="-128"/>
-                <a:hlinkClick r:id="rId3"/>
+                <a:hlinkClick r:id="rId5"/>
               </a:rPr>
               <a:t>セキュリティセンター</a:t>
             </a:r>
@@ -3641,7 +3863,7 @@
                 <a:latin typeface="Meiryo UI" panose="020B0604030504040204" pitchFamily="50" charset="-128"/>
                 <a:ea typeface="Meiryo UI" panose="020B0604030504040204" pitchFamily="50" charset="-128"/>
                 <a:cs typeface="Meiryo UI" panose="020B0604030504040204" pitchFamily="50" charset="-128"/>
-                <a:hlinkClick r:id="rId3"/>
+                <a:hlinkClick r:id="rId5"/>
               </a:rPr>
               <a:t>情報セキュリティ安心相談窓口</a:t>
             </a:r>
@@ -3761,17 +3983,18 @@
                 <a:latin typeface="Meiryo UI" panose="020B0604030504040204" pitchFamily="50" charset="-128"/>
                 <a:ea typeface="Meiryo UI" panose="020B0604030504040204" pitchFamily="50" charset="-128"/>
                 <a:cs typeface="Meiryo UI" panose="020B0604030504040204" pitchFamily="50" charset="-128"/>
-                <a:hlinkClick r:id="rId4"/>
+                <a:hlinkClick r:id="rId6"/>
               </a:rPr>
               <a:t>警視庁　サイバー犯罪対策課</a:t>
             </a:r>
-            <a:endParaRPr lang="ja-JP" altLang="ja-JP" sz="1050" dirty="0">
-              <a:latin typeface="Meiryo UI" panose="020B0604030504040204" pitchFamily="50" charset="-128"/>
-              <a:ea typeface="Meiryo UI" panose="020B0604030504040204" pitchFamily="50" charset="-128"/>
-              <a:cs typeface="Meiryo UI" panose="020B0604030504040204" pitchFamily="50" charset="-128"/>
-            </a:endParaRPr>
-          </a:p>
-          <a:p>
+            <a:r>
+              <a:rPr lang="en-US" altLang="ja-JP" sz="1050" dirty="0">
+                <a:latin typeface="Meiryo UI" panose="020B0604030504040204" pitchFamily="50" charset="-128"/>
+                <a:ea typeface="Meiryo UI" panose="020B0604030504040204" pitchFamily="50" charset="-128"/>
+                <a:cs typeface="Meiryo UI" panose="020B0604030504040204" pitchFamily="50" charset="-128"/>
+              </a:rPr>
+              <a:t> </a:t>
+            </a:r>
             <a:r>
               <a:rPr lang="ja-JP" altLang="ja-JP" sz="1050" dirty="0">
                 <a:solidFill>
@@ -3803,7 +4026,65 @@
                 <a:ea typeface="Meiryo UI" panose="020B0604030504040204" pitchFamily="50" charset="-128"/>
                 <a:cs typeface="Meiryo UI" panose="020B0604030504040204" pitchFamily="50" charset="-128"/>
               </a:rPr>
-              <a:t>　（都庁からは</a:t>
+              <a:t>　</a:t>
+            </a:r>
+            <a:endParaRPr lang="en-US" altLang="ja-JP" sz="1050" u="sng" dirty="0">
+              <a:latin typeface="Meiryo UI" panose="020B0604030504040204" pitchFamily="50" charset="-128"/>
+              <a:ea typeface="Meiryo UI" panose="020B0604030504040204" pitchFamily="50" charset="-128"/>
+              <a:cs typeface="Meiryo UI" panose="020B0604030504040204" pitchFamily="50" charset="-128"/>
+            </a:endParaRPr>
+          </a:p>
+          <a:p>
+            <a:pPr marL="0" indent="0">
+              <a:buNone/>
+            </a:pPr>
+            <a:r>
+              <a:rPr lang="ja-JP" altLang="en-US" sz="1050" b="1" dirty="0">
+                <a:latin typeface="Meiryo UI" panose="020B0604030504040204" pitchFamily="50" charset="-128"/>
+                <a:ea typeface="Meiryo UI" panose="020B0604030504040204" pitchFamily="50" charset="-128"/>
+                <a:cs typeface="Meiryo UI" panose="020B0604030504040204" pitchFamily="50" charset="-128"/>
+              </a:rPr>
+              <a:t>■</a:t>
+            </a:r>
+            <a:r>
+              <a:rPr lang="ja-JP" altLang="ja-JP" sz="1050" b="1" dirty="0">
+                <a:latin typeface="Meiryo UI" panose="020B0604030504040204" pitchFamily="50" charset="-128"/>
+                <a:ea typeface="Meiryo UI" panose="020B0604030504040204" pitchFamily="50" charset="-128"/>
+                <a:cs typeface="Meiryo UI" panose="020B0604030504040204" pitchFamily="50" charset="-128"/>
+              </a:rPr>
+              <a:t>サイバー犯罪の届出</a:t>
+            </a:r>
+          </a:p>
+          <a:p>
+            <a:pPr marL="0" indent="0">
+              <a:buNone/>
+            </a:pPr>
+            <a:r>
+              <a:rPr lang="ja-JP" altLang="en-US" sz="1050" dirty="0">
+                <a:latin typeface="Meiryo UI" panose="020B0604030504040204" pitchFamily="50" charset="-128"/>
+                <a:ea typeface="Meiryo UI" panose="020B0604030504040204" pitchFamily="50" charset="-128"/>
+                <a:cs typeface="Meiryo UI" panose="020B0604030504040204" pitchFamily="50" charset="-128"/>
+              </a:rPr>
+              <a:t> ●</a:t>
+            </a:r>
+            <a:r>
+              <a:rPr lang="ja-JP" altLang="ja-JP" sz="1050" dirty="0">
+                <a:latin typeface="Meiryo UI" panose="020B0604030504040204" pitchFamily="50" charset="-128"/>
+                <a:ea typeface="Meiryo UI" panose="020B0604030504040204" pitchFamily="50" charset="-128"/>
+                <a:cs typeface="Meiryo UI" panose="020B0604030504040204" pitchFamily="50" charset="-128"/>
+              </a:rPr>
+              <a:t>警視庁</a:t>
+            </a:r>
+            <a:r>
+              <a:rPr lang="ja-JP" altLang="ja-JP" sz="1050" dirty="0">
+                <a:solidFill>
+                  <a:srgbClr val="FF0000"/>
+                </a:solidFill>
+                <a:latin typeface="Meiryo UI" panose="020B0604030504040204" pitchFamily="50" charset="-128"/>
+                <a:ea typeface="Meiryo UI" panose="020B0604030504040204" pitchFamily="50" charset="-128"/>
+                <a:cs typeface="Meiryo UI" panose="020B0604030504040204" pitchFamily="50" charset="-128"/>
+              </a:rPr>
+              <a:t>☎</a:t>
             </a:r>
             <a:r>
               <a:rPr lang="en-US" altLang="ja-JP" sz="1050" dirty="0">
@@ -3814,7 +4095,18 @@
                 <a:ea typeface="Meiryo UI" panose="020B0604030504040204" pitchFamily="50" charset="-128"/>
                 <a:cs typeface="Meiryo UI" panose="020B0604030504040204" pitchFamily="50" charset="-128"/>
               </a:rPr>
-              <a:t>9110-7861-3038, 3089</a:t>
+              <a:t> 03-3581-4321</a:t>
+            </a:r>
+            <a:r>
+              <a:rPr lang="ja-JP" altLang="ja-JP" sz="600" dirty="0">
+                <a:solidFill>
+                  <a:srgbClr val="FF0000"/>
+                </a:solidFill>
+                <a:latin typeface="Meiryo UI" panose="020B0604030504040204" pitchFamily="50" charset="-128"/>
+                <a:ea typeface="Meiryo UI" panose="020B0604030504040204" pitchFamily="50" charset="-128"/>
+                <a:cs typeface="Meiryo UI" panose="020B0604030504040204" pitchFamily="50" charset="-128"/>
+              </a:rPr>
+              <a:t>（交換）</a:t>
             </a:r>
             <a:r>
               <a:rPr lang="ja-JP" altLang="en-US" sz="1050" dirty="0">
@@ -3825,9 +4117,33 @@
                 <a:ea typeface="Meiryo UI" panose="020B0604030504040204" pitchFamily="50" charset="-128"/>
                 <a:cs typeface="Meiryo UI" panose="020B0604030504040204" pitchFamily="50" charset="-128"/>
               </a:rPr>
-              <a:t>）</a:t>
-            </a:r>
-            <a:endParaRPr lang="en-US" altLang="ja-JP" sz="1050" u="sng" dirty="0">
+              <a:t>　</a:t>
+            </a:r>
+            <a:r>
+              <a:rPr lang="ja-JP" altLang="ja-JP" sz="1050" dirty="0">
+                <a:latin typeface="Meiryo UI" panose="020B0604030504040204" pitchFamily="50" charset="-128"/>
+                <a:ea typeface="Meiryo UI" panose="020B0604030504040204" pitchFamily="50" charset="-128"/>
+                <a:cs typeface="Meiryo UI" panose="020B0604030504040204" pitchFamily="50" charset="-128"/>
+              </a:rPr>
+              <a:t>管轄の警察署名</a:t>
+            </a:r>
+            <a:r>
+              <a:rPr lang="ja-JP" altLang="en-US" sz="1050" dirty="0">
+                <a:latin typeface="Meiryo UI" panose="020B0604030504040204" pitchFamily="50" charset="-128"/>
+                <a:ea typeface="Meiryo UI" panose="020B0604030504040204" pitchFamily="50" charset="-128"/>
+                <a:cs typeface="Meiryo UI" panose="020B0604030504040204" pitchFamily="50" charset="-128"/>
+              </a:rPr>
+              <a:t>を確認し</a:t>
+            </a:r>
+            <a:r>
+              <a:rPr lang="ja-JP" altLang="ja-JP" sz="1050" dirty="0">
+                <a:latin typeface="Meiryo UI" panose="020B0604030504040204" pitchFamily="50" charset="-128"/>
+                <a:ea typeface="Meiryo UI" panose="020B0604030504040204" pitchFamily="50" charset="-128"/>
+                <a:cs typeface="Meiryo UI" panose="020B0604030504040204" pitchFamily="50" charset="-128"/>
+              </a:rPr>
+              <a:t>転送を</a:t>
+            </a:r>
+            <a:endParaRPr lang="en-US" altLang="ja-JP" sz="1050" dirty="0">
               <a:latin typeface="Meiryo UI" panose="020B0604030504040204" pitchFamily="50" charset="-128"/>
               <a:ea typeface="Meiryo UI" panose="020B0604030504040204" pitchFamily="50" charset="-128"/>
               <a:cs typeface="Meiryo UI" panose="020B0604030504040204" pitchFamily="50" charset="-128"/>
@@ -3843,23 +4159,72 @@
                 <a:ea typeface="Meiryo UI" panose="020B0604030504040204" pitchFamily="50" charset="-128"/>
                 <a:cs typeface="Meiryo UI" panose="020B0604030504040204" pitchFamily="50" charset="-128"/>
               </a:rPr>
-              <a:t>■</a:t>
-            </a:r>
-            <a:r>
-              <a:rPr lang="ja-JP" altLang="ja-JP" sz="1050" b="1" dirty="0">
-                <a:latin typeface="Meiryo UI" panose="020B0604030504040204" pitchFamily="50" charset="-128"/>
-                <a:ea typeface="Meiryo UI" panose="020B0604030504040204" pitchFamily="50" charset="-128"/>
-                <a:cs typeface="Meiryo UI" panose="020B0604030504040204" pitchFamily="50" charset="-128"/>
-              </a:rPr>
-              <a:t>サイバー犯罪の届出</a:t>
-            </a:r>
+              <a:t>■フィッシング詐欺に関連するメールやサイトにアクセスした場合のメール相談</a:t>
+            </a:r>
+            <a:endParaRPr lang="en-US" altLang="ja-JP" sz="1050" b="1" dirty="0">
+              <a:latin typeface="Meiryo UI" panose="020B0604030504040204" pitchFamily="50" charset="-128"/>
+              <a:ea typeface="Meiryo UI" panose="020B0604030504040204" pitchFamily="50" charset="-128"/>
+              <a:cs typeface="Meiryo UI" panose="020B0604030504040204" pitchFamily="50" charset="-128"/>
+            </a:endParaRPr>
           </a:p>
           <a:p>
             <a:pPr marL="0" indent="0">
               <a:buNone/>
             </a:pPr>
             <a:r>
+              <a:rPr lang="ja-JP" altLang="en-US" sz="1050" b="1" dirty="0">
+                <a:solidFill>
+                  <a:srgbClr val="0070C0"/>
+                </a:solidFill>
+                <a:latin typeface="Meiryo UI" panose="020B0604030504040204" pitchFamily="50" charset="-128"/>
+                <a:ea typeface="Meiryo UI" panose="020B0604030504040204" pitchFamily="50" charset="-128"/>
+                <a:cs typeface="Meiryo UI" panose="020B0604030504040204" pitchFamily="50" charset="-128"/>
+              </a:rPr>
+              <a:t>　</a:t>
+            </a:r>
+            <a:r>
+              <a:rPr lang="en-US" altLang="ja-JP" sz="1050" b="1" dirty="0">
+                <a:solidFill>
+                  <a:srgbClr val="0070C0"/>
+                </a:solidFill>
+                <a:latin typeface="Meiryo UI" panose="020B0604030504040204" pitchFamily="50" charset="-128"/>
+                <a:ea typeface="Meiryo UI" panose="020B0604030504040204" pitchFamily="50" charset="-128"/>
+                <a:cs typeface="Meiryo UI" panose="020B0604030504040204" pitchFamily="50" charset="-128"/>
+              </a:rPr>
+              <a:t>【</a:t>
+            </a:r>
+            <a:r>
+              <a:rPr lang="ja-JP" altLang="en-US" sz="1050" b="1" dirty="0">
+                <a:solidFill>
+                  <a:srgbClr val="0070C0"/>
+                </a:solidFill>
+                <a:latin typeface="Meiryo UI" panose="020B0604030504040204" pitchFamily="50" charset="-128"/>
+                <a:ea typeface="Meiryo UI" panose="020B0604030504040204" pitchFamily="50" charset="-128"/>
+                <a:cs typeface="Meiryo UI" panose="020B0604030504040204" pitchFamily="50" charset="-128"/>
+              </a:rPr>
+              <a:t>ビジネスメール詐欺は、自社と取引先のどちらにも損害賠償責任があり得る</a:t>
+            </a:r>
+            <a:r>
+              <a:rPr lang="en-US" altLang="ja-JP" sz="1050" b="1" dirty="0">
+                <a:solidFill>
+                  <a:srgbClr val="0070C0"/>
+                </a:solidFill>
+                <a:latin typeface="Meiryo UI" panose="020B0604030504040204" pitchFamily="50" charset="-128"/>
+                <a:ea typeface="Meiryo UI" panose="020B0604030504040204" pitchFamily="50" charset="-128"/>
+                <a:cs typeface="Meiryo UI" panose="020B0604030504040204" pitchFamily="50" charset="-128"/>
+              </a:rPr>
+              <a:t>】</a:t>
+            </a:r>
+          </a:p>
+          <a:p>
+            <a:pPr marL="0" indent="0">
+              <a:buNone/>
+            </a:pPr>
+            <a:r>
               <a:rPr lang="ja-JP" altLang="en-US" sz="1050" dirty="0">
+                <a:solidFill>
+                  <a:srgbClr val="FF0000"/>
+                </a:solidFill>
                 <a:latin typeface="Meiryo UI" panose="020B0604030504040204" pitchFamily="50" charset="-128"/>
                 <a:ea typeface="Meiryo UI" panose="020B0604030504040204" pitchFamily="50" charset="-128"/>
                 <a:cs typeface="Meiryo UI" panose="020B0604030504040204" pitchFamily="50" charset="-128"/>
@@ -3867,47 +4232,6 @@
               <a:t> ●</a:t>
             </a:r>
             <a:r>
-              <a:rPr lang="ja-JP" altLang="ja-JP" sz="1050" dirty="0">
-                <a:latin typeface="Meiryo UI" panose="020B0604030504040204" pitchFamily="50" charset="-128"/>
-                <a:ea typeface="Meiryo UI" panose="020B0604030504040204" pitchFamily="50" charset="-128"/>
-                <a:cs typeface="Meiryo UI" panose="020B0604030504040204" pitchFamily="50" charset="-128"/>
-              </a:rPr>
-              <a:t>警視庁</a:t>
-            </a:r>
-            <a:r>
-              <a:rPr lang="ja-JP" altLang="ja-JP" sz="1050" dirty="0">
-                <a:solidFill>
-                  <a:srgbClr val="FF0000"/>
-                </a:solidFill>
-                <a:latin typeface="Meiryo UI" panose="020B0604030504040204" pitchFamily="50" charset="-128"/>
-                <a:ea typeface="Meiryo UI" panose="020B0604030504040204" pitchFamily="50" charset="-128"/>
-                <a:cs typeface="Meiryo UI" panose="020B0604030504040204" pitchFamily="50" charset="-128"/>
-              </a:rPr>
-              <a:t>☎</a:t>
-            </a:r>
-            <a:r>
-              <a:rPr lang="en-US" altLang="ja-JP" sz="1050" dirty="0">
-                <a:solidFill>
-                  <a:srgbClr val="FF0000"/>
-                </a:solidFill>
-                <a:latin typeface="Meiryo UI" panose="020B0604030504040204" pitchFamily="50" charset="-128"/>
-                <a:ea typeface="Meiryo UI" panose="020B0604030504040204" pitchFamily="50" charset="-128"/>
-                <a:cs typeface="Meiryo UI" panose="020B0604030504040204" pitchFamily="50" charset="-128"/>
-              </a:rPr>
-              <a:t> 03-3581-4321</a:t>
-            </a:r>
-            <a:r>
-              <a:rPr lang="ja-JP" altLang="ja-JP" sz="600" dirty="0">
-                <a:solidFill>
-                  <a:srgbClr val="FF0000"/>
-                </a:solidFill>
-                <a:latin typeface="Meiryo UI" panose="020B0604030504040204" pitchFamily="50" charset="-128"/>
-                <a:ea typeface="Meiryo UI" panose="020B0604030504040204" pitchFamily="50" charset="-128"/>
-                <a:cs typeface="Meiryo UI" panose="020B0604030504040204" pitchFamily="50" charset="-128"/>
-              </a:rPr>
-              <a:t>（交換）</a:t>
-            </a:r>
-            <a:r>
               <a:rPr lang="ja-JP" altLang="en-US" sz="1050" dirty="0">
                 <a:solidFill>
                   <a:srgbClr val="FF0000"/>
@@ -3915,130 +4239,7 @@
                 <a:latin typeface="Meiryo UI" panose="020B0604030504040204" pitchFamily="50" charset="-128"/>
                 <a:ea typeface="Meiryo UI" panose="020B0604030504040204" pitchFamily="50" charset="-128"/>
                 <a:cs typeface="Meiryo UI" panose="020B0604030504040204" pitchFamily="50" charset="-128"/>
-              </a:rPr>
-              <a:t>　</a:t>
-            </a:r>
-            <a:r>
-              <a:rPr lang="ja-JP" altLang="ja-JP" sz="1050" dirty="0">
-                <a:latin typeface="Meiryo UI" panose="020B0604030504040204" pitchFamily="50" charset="-128"/>
-                <a:ea typeface="Meiryo UI" panose="020B0604030504040204" pitchFamily="50" charset="-128"/>
-                <a:cs typeface="Meiryo UI" panose="020B0604030504040204" pitchFamily="50" charset="-128"/>
-              </a:rPr>
-              <a:t>管轄の警察署名</a:t>
-            </a:r>
-            <a:r>
-              <a:rPr lang="ja-JP" altLang="en-US" sz="1050" dirty="0">
-                <a:latin typeface="Meiryo UI" panose="020B0604030504040204" pitchFamily="50" charset="-128"/>
-                <a:ea typeface="Meiryo UI" panose="020B0604030504040204" pitchFamily="50" charset="-128"/>
-                <a:cs typeface="Meiryo UI" panose="020B0604030504040204" pitchFamily="50" charset="-128"/>
-              </a:rPr>
-              <a:t>を確認し</a:t>
-            </a:r>
-            <a:r>
-              <a:rPr lang="ja-JP" altLang="ja-JP" sz="1050" dirty="0">
-                <a:latin typeface="Meiryo UI" panose="020B0604030504040204" pitchFamily="50" charset="-128"/>
-                <a:ea typeface="Meiryo UI" panose="020B0604030504040204" pitchFamily="50" charset="-128"/>
-                <a:cs typeface="Meiryo UI" panose="020B0604030504040204" pitchFamily="50" charset="-128"/>
-              </a:rPr>
-              <a:t>転送を</a:t>
-            </a:r>
-            <a:endParaRPr lang="en-US" altLang="ja-JP" sz="1050" dirty="0">
-              <a:latin typeface="Meiryo UI" panose="020B0604030504040204" pitchFamily="50" charset="-128"/>
-              <a:ea typeface="Meiryo UI" panose="020B0604030504040204" pitchFamily="50" charset="-128"/>
-              <a:cs typeface="Meiryo UI" panose="020B0604030504040204" pitchFamily="50" charset="-128"/>
-            </a:endParaRPr>
-          </a:p>
-          <a:p>
-            <a:pPr marL="0" indent="0">
-              <a:buNone/>
-            </a:pPr>
-            <a:r>
-              <a:rPr lang="ja-JP" altLang="en-US" sz="1050" b="1" dirty="0">
-                <a:latin typeface="Meiryo UI" panose="020B0604030504040204" pitchFamily="50" charset="-128"/>
-                <a:ea typeface="Meiryo UI" panose="020B0604030504040204" pitchFamily="50" charset="-128"/>
-                <a:cs typeface="Meiryo UI" panose="020B0604030504040204" pitchFamily="50" charset="-128"/>
-              </a:rPr>
-              <a:t>■フィッシング詐欺に関連するメールやサイトにアクセスした場合のメール相談</a:t>
-            </a:r>
-            <a:endParaRPr lang="en-US" altLang="ja-JP" sz="1050" b="1" dirty="0">
-              <a:latin typeface="Meiryo UI" panose="020B0604030504040204" pitchFamily="50" charset="-128"/>
-              <a:ea typeface="Meiryo UI" panose="020B0604030504040204" pitchFamily="50" charset="-128"/>
-              <a:cs typeface="Meiryo UI" panose="020B0604030504040204" pitchFamily="50" charset="-128"/>
-            </a:endParaRPr>
-          </a:p>
-          <a:p>
-            <a:pPr marL="0" indent="0">
-              <a:buNone/>
-            </a:pPr>
-            <a:r>
-              <a:rPr lang="ja-JP" altLang="en-US" sz="1050" b="1" dirty="0">
-                <a:solidFill>
-                  <a:srgbClr val="0070C0"/>
-                </a:solidFill>
-                <a:latin typeface="Meiryo UI" panose="020B0604030504040204" pitchFamily="50" charset="-128"/>
-                <a:ea typeface="Meiryo UI" panose="020B0604030504040204" pitchFamily="50" charset="-128"/>
-                <a:cs typeface="Meiryo UI" panose="020B0604030504040204" pitchFamily="50" charset="-128"/>
-              </a:rPr>
-              <a:t>　</a:t>
-            </a:r>
-            <a:r>
-              <a:rPr lang="en-US" altLang="ja-JP" sz="1050" b="1" dirty="0">
-                <a:solidFill>
-                  <a:srgbClr val="0070C0"/>
-                </a:solidFill>
-                <a:latin typeface="Meiryo UI" panose="020B0604030504040204" pitchFamily="50" charset="-128"/>
-                <a:ea typeface="Meiryo UI" panose="020B0604030504040204" pitchFamily="50" charset="-128"/>
-                <a:cs typeface="Meiryo UI" panose="020B0604030504040204" pitchFamily="50" charset="-128"/>
-              </a:rPr>
-              <a:t>【</a:t>
-            </a:r>
-            <a:r>
-              <a:rPr lang="ja-JP" altLang="en-US" sz="1050" b="1" dirty="0">
-                <a:solidFill>
-                  <a:srgbClr val="0070C0"/>
-                </a:solidFill>
-                <a:latin typeface="Meiryo UI" panose="020B0604030504040204" pitchFamily="50" charset="-128"/>
-                <a:ea typeface="Meiryo UI" panose="020B0604030504040204" pitchFamily="50" charset="-128"/>
-                <a:cs typeface="Meiryo UI" panose="020B0604030504040204" pitchFamily="50" charset="-128"/>
-              </a:rPr>
-              <a:t>ビジネスメール詐欺は、自社と取引先のどちらにも損害賠償責任があり得る</a:t>
-            </a:r>
-            <a:r>
-              <a:rPr lang="en-US" altLang="ja-JP" sz="1050" b="1" dirty="0">
-                <a:solidFill>
-                  <a:srgbClr val="0070C0"/>
-                </a:solidFill>
-                <a:latin typeface="Meiryo UI" panose="020B0604030504040204" pitchFamily="50" charset="-128"/>
-                <a:ea typeface="Meiryo UI" panose="020B0604030504040204" pitchFamily="50" charset="-128"/>
-                <a:cs typeface="Meiryo UI" panose="020B0604030504040204" pitchFamily="50" charset="-128"/>
-              </a:rPr>
-              <a:t>】</a:t>
-            </a:r>
-          </a:p>
-          <a:p>
-            <a:pPr marL="0" indent="0">
-              <a:buNone/>
-            </a:pPr>
-            <a:r>
-              <a:rPr lang="ja-JP" altLang="en-US" sz="1050" dirty="0">
-                <a:solidFill>
-                  <a:srgbClr val="FF0000"/>
-                </a:solidFill>
-                <a:latin typeface="Meiryo UI" panose="020B0604030504040204" pitchFamily="50" charset="-128"/>
-                <a:ea typeface="Meiryo UI" panose="020B0604030504040204" pitchFamily="50" charset="-128"/>
-                <a:cs typeface="Meiryo UI" panose="020B0604030504040204" pitchFamily="50" charset="-128"/>
-              </a:rPr>
-              <a:t> ●</a:t>
-            </a:r>
-            <a:r>
-              <a:rPr lang="ja-JP" altLang="en-US" sz="1050" dirty="0">
-                <a:solidFill>
-                  <a:srgbClr val="FF0000"/>
-                </a:solidFill>
-                <a:latin typeface="Meiryo UI" panose="020B0604030504040204" pitchFamily="50" charset="-128"/>
-                <a:ea typeface="Meiryo UI" panose="020B0604030504040204" pitchFamily="50" charset="-128"/>
-                <a:cs typeface="Meiryo UI" panose="020B0604030504040204" pitchFamily="50" charset="-128"/>
-                <a:hlinkClick r:id="rId5"/>
+                <a:hlinkClick r:id="rId7"/>
               </a:rPr>
               <a:t>フィッシング対策協議会</a:t>
             </a:r>
@@ -4068,7 +4269,7 @@
                 <a:latin typeface="Meiryo UI" panose="020B0604030504040204" pitchFamily="50" charset="-128"/>
                 <a:ea typeface="Meiryo UI" panose="020B0604030504040204" pitchFamily="50" charset="-128"/>
                 <a:cs typeface="Meiryo UI" panose="020B0604030504040204" pitchFamily="50" charset="-128"/>
-                <a:hlinkClick r:id="rId6"/>
+                <a:hlinkClick r:id="rId8"/>
               </a:rPr>
               <a:t>迷惑メール相談センター</a:t>
             </a:r>
@@ -4216,7 +4417,7 @@
                 <a:latin typeface="Meiryo UI" panose="020B0604030504040204" pitchFamily="50" charset="-128"/>
                 <a:ea typeface="Meiryo UI" panose="020B0604030504040204" pitchFamily="50" charset="-128"/>
                 <a:cs typeface="Meiryo UI" panose="020B0604030504040204" pitchFamily="50" charset="-128"/>
-                <a:hlinkClick r:id="rId7"/>
+                <a:hlinkClick r:id="rId9"/>
               </a:rPr>
               <a:t>なりすまし</a:t>
             </a:r>
@@ -4228,7 +4429,7 @@
                 <a:latin typeface="Meiryo UI" panose="020B0604030504040204" pitchFamily="50" charset="-128"/>
                 <a:ea typeface="Meiryo UI" panose="020B0604030504040204" pitchFamily="50" charset="-128"/>
                 <a:cs typeface="Meiryo UI" panose="020B0604030504040204" pitchFamily="50" charset="-128"/>
-                <a:hlinkClick r:id="rId7"/>
+                <a:hlinkClick r:id="rId9"/>
               </a:rPr>
               <a:t>EC</a:t>
             </a:r>
@@ -4240,10 +4441,164 @@
                 <a:latin typeface="Meiryo UI" panose="020B0604030504040204" pitchFamily="50" charset="-128"/>
                 <a:ea typeface="Meiryo UI" panose="020B0604030504040204" pitchFamily="50" charset="-128"/>
                 <a:cs typeface="Meiryo UI" panose="020B0604030504040204" pitchFamily="50" charset="-128"/>
-                <a:hlinkClick r:id="rId7"/>
+                <a:hlinkClick r:id="rId9"/>
               </a:rPr>
               <a:t>サイト対策協議会</a:t>
             </a:r>
+            <a:r>
+              <a:rPr lang="en-US" altLang="ja-JP" sz="1050" dirty="0">
+                <a:latin typeface="Meiryo UI" panose="020B0604030504040204" pitchFamily="50" charset="-128"/>
+                <a:ea typeface="Meiryo UI" panose="020B0604030504040204" pitchFamily="50" charset="-128"/>
+                <a:cs typeface="Meiryo UI" panose="020B0604030504040204" pitchFamily="50" charset="-128"/>
+              </a:rPr>
+              <a:t> </a:t>
+            </a:r>
+            <a:r>
+              <a:rPr lang="ja-JP" altLang="en-US" sz="1050" dirty="0">
+                <a:solidFill>
+                  <a:srgbClr val="FF0000"/>
+                </a:solidFill>
+                <a:latin typeface="Meiryo UI" panose="020B0604030504040204" pitchFamily="50" charset="-128"/>
+                <a:ea typeface="Meiryo UI" panose="020B0604030504040204" pitchFamily="50" charset="-128"/>
+                <a:cs typeface="Meiryo UI" panose="020B0604030504040204" pitchFamily="50" charset="-128"/>
+                <a:hlinkClick r:id="rId10"/>
+              </a:rPr>
+              <a:t>違法情報の通報</a:t>
+            </a:r>
+            <a:r>
+              <a:rPr lang="en-US" altLang="ja-JP" sz="1050" dirty="0">
+                <a:latin typeface="Meiryo UI" panose="020B0604030504040204" pitchFamily="50" charset="-128"/>
+                <a:ea typeface="Meiryo UI" panose="020B0604030504040204" pitchFamily="50" charset="-128"/>
+                <a:cs typeface="Meiryo UI" panose="020B0604030504040204" pitchFamily="50" charset="-128"/>
+              </a:rPr>
+              <a:t>: </a:t>
+            </a:r>
+          </a:p>
+          <a:p>
+            <a:pPr marL="0" indent="0">
+              <a:buNone/>
+            </a:pPr>
+            <a:r>
+              <a:rPr lang="ja-JP" altLang="en-US" sz="1050" b="1" dirty="0">
+                <a:latin typeface="Meiryo UI" panose="020B0604030504040204" pitchFamily="50" charset="-128"/>
+                <a:ea typeface="Meiryo UI" panose="020B0604030504040204" pitchFamily="50" charset="-128"/>
+                <a:cs typeface="Meiryo UI" panose="020B0604030504040204" pitchFamily="50" charset="-128"/>
+              </a:rPr>
+              <a:t>■インターネット上での違法・有害情報の相談・通報</a:t>
+            </a:r>
+            <a:endParaRPr lang="en-US" altLang="ja-JP" sz="1050" b="1" dirty="0">
+              <a:latin typeface="Meiryo UI" panose="020B0604030504040204" pitchFamily="50" charset="-128"/>
+              <a:ea typeface="Meiryo UI" panose="020B0604030504040204" pitchFamily="50" charset="-128"/>
+              <a:cs typeface="Meiryo UI" panose="020B0604030504040204" pitchFamily="50" charset="-128"/>
+            </a:endParaRPr>
+          </a:p>
+          <a:p>
+            <a:pPr marL="0" indent="0">
+              <a:buNone/>
+            </a:pPr>
+            <a:r>
+              <a:rPr lang="ja-JP" altLang="en-US" sz="1050" dirty="0">
+                <a:solidFill>
+                  <a:srgbClr val="FF0000"/>
+                </a:solidFill>
+                <a:latin typeface="Meiryo UI" panose="020B0604030504040204" pitchFamily="50" charset="-128"/>
+                <a:ea typeface="Meiryo UI" panose="020B0604030504040204" pitchFamily="50" charset="-128"/>
+                <a:cs typeface="Meiryo UI" panose="020B0604030504040204" pitchFamily="50" charset="-128"/>
+              </a:rPr>
+              <a:t> ●</a:t>
+            </a:r>
+            <a:r>
+              <a:rPr lang="ja-JP" altLang="en-US" sz="1050" dirty="0">
+                <a:solidFill>
+                  <a:srgbClr val="FF0000"/>
+                </a:solidFill>
+                <a:latin typeface="Meiryo UI" panose="020B0604030504040204" pitchFamily="50" charset="-128"/>
+                <a:ea typeface="Meiryo UI" panose="020B0604030504040204" pitchFamily="50" charset="-128"/>
+                <a:cs typeface="Meiryo UI" panose="020B0604030504040204" pitchFamily="50" charset="-128"/>
+                <a:hlinkClick r:id="rId11"/>
+              </a:rPr>
+              <a:t>「違法・有害情報センター」</a:t>
+            </a:r>
+            <a:r>
+              <a:rPr lang="en-US" altLang="ja-JP" sz="1050" dirty="0">
+                <a:solidFill>
+                  <a:srgbClr val="FF0000"/>
+                </a:solidFill>
+                <a:latin typeface="Meiryo UI" panose="020B0604030504040204" pitchFamily="50" charset="-128"/>
+                <a:ea typeface="Meiryo UI" panose="020B0604030504040204" pitchFamily="50" charset="-128"/>
+                <a:cs typeface="Meiryo UI" panose="020B0604030504040204" pitchFamily="50" charset="-128"/>
+                <a:hlinkClick r:id="rId11"/>
+              </a:rPr>
+              <a:t>(</a:t>
+            </a:r>
+            <a:r>
+              <a:rPr lang="ja-JP" altLang="en-US" sz="1050" dirty="0">
+                <a:solidFill>
+                  <a:srgbClr val="FF0000"/>
+                </a:solidFill>
+                <a:latin typeface="Meiryo UI" panose="020B0604030504040204" pitchFamily="50" charset="-128"/>
+                <a:ea typeface="Meiryo UI" panose="020B0604030504040204" pitchFamily="50" charset="-128"/>
+                <a:cs typeface="Meiryo UI" panose="020B0604030504040204" pitchFamily="50" charset="-128"/>
+                <a:hlinkClick r:id="rId11"/>
+              </a:rPr>
+              <a:t>総務省系</a:t>
+            </a:r>
+            <a:r>
+              <a:rPr lang="en-US" altLang="ja-JP" sz="1050" dirty="0">
+                <a:solidFill>
+                  <a:srgbClr val="FF0000"/>
+                </a:solidFill>
+                <a:latin typeface="Meiryo UI" panose="020B0604030504040204" pitchFamily="50" charset="-128"/>
+                <a:ea typeface="Meiryo UI" panose="020B0604030504040204" pitchFamily="50" charset="-128"/>
+                <a:cs typeface="Meiryo UI" panose="020B0604030504040204" pitchFamily="50" charset="-128"/>
+                <a:hlinkClick r:id="rId11"/>
+              </a:rPr>
+              <a:t>)</a:t>
+            </a:r>
+            <a:r>
+              <a:rPr lang="ja-JP" altLang="en-US" sz="1050" dirty="0">
+                <a:solidFill>
+                  <a:srgbClr val="FF0000"/>
+                </a:solidFill>
+                <a:latin typeface="Meiryo UI" panose="020B0604030504040204" pitchFamily="50" charset="-128"/>
+                <a:ea typeface="Meiryo UI" panose="020B0604030504040204" pitchFamily="50" charset="-128"/>
+                <a:cs typeface="Meiryo UI" panose="020B0604030504040204" pitchFamily="50" charset="-128"/>
+              </a:rPr>
+              <a:t>　</a:t>
+            </a:r>
+            <a:r>
+              <a:rPr lang="en-US" altLang="ja-JP" sz="1050" dirty="0">
+                <a:solidFill>
+                  <a:srgbClr val="FF0000"/>
+                </a:solidFill>
+                <a:latin typeface="Meiryo UI" panose="020B0604030504040204" pitchFamily="50" charset="-128"/>
+                <a:ea typeface="Meiryo UI" panose="020B0604030504040204" pitchFamily="50" charset="-128"/>
+                <a:cs typeface="Meiryo UI" panose="020B0604030504040204" pitchFamily="50" charset="-128"/>
+              </a:rPr>
+              <a:t>【</a:t>
+            </a:r>
+            <a:r>
+              <a:rPr lang="ja-JP" altLang="en-US" sz="1050" dirty="0">
+                <a:solidFill>
+                  <a:srgbClr val="FF0000"/>
+                </a:solidFill>
+                <a:latin typeface="Meiryo UI" panose="020B0604030504040204" pitchFamily="50" charset="-128"/>
+                <a:ea typeface="Meiryo UI" panose="020B0604030504040204" pitchFamily="50" charset="-128"/>
+                <a:cs typeface="Meiryo UI" panose="020B0604030504040204" pitchFamily="50" charset="-128"/>
+              </a:rPr>
+              <a:t>削除依頼は行わない</a:t>
+            </a:r>
+            <a:r>
+              <a:rPr lang="en-US" altLang="ja-JP" sz="1050" dirty="0">
+                <a:solidFill>
+                  <a:srgbClr val="FF0000"/>
+                </a:solidFill>
+                <a:latin typeface="Meiryo UI" panose="020B0604030504040204" pitchFamily="50" charset="-128"/>
+                <a:ea typeface="Meiryo UI" panose="020B0604030504040204" pitchFamily="50" charset="-128"/>
+                <a:cs typeface="Meiryo UI" panose="020B0604030504040204" pitchFamily="50" charset="-128"/>
+              </a:rPr>
+              <a:t>】</a:t>
+            </a:r>
             <a:endParaRPr lang="en-US" altLang="ja-JP" sz="1050" dirty="0">
               <a:latin typeface="Meiryo UI" panose="020B0604030504040204" pitchFamily="50" charset="-128"/>
               <a:ea typeface="Meiryo UI" panose="020B0604030504040204" pitchFamily="50" charset="-128"/>
@@ -4251,17 +4606,16 @@
             </a:endParaRPr>
           </a:p>
           <a:p>
+            <a:pPr marL="0" indent="0">
+              <a:buNone/>
+            </a:pPr>
             <a:r>
               <a:rPr lang="ja-JP" altLang="en-US" sz="1050" dirty="0">
-                <a:solidFill>
-                  <a:srgbClr val="FF0000"/>
-                </a:solidFill>
-                <a:latin typeface="Meiryo UI" panose="020B0604030504040204" pitchFamily="50" charset="-128"/>
-                <a:ea typeface="Meiryo UI" panose="020B0604030504040204" pitchFamily="50" charset="-128"/>
-                <a:cs typeface="Meiryo UI" panose="020B0604030504040204" pitchFamily="50" charset="-128"/>
-                <a:hlinkClick r:id="rId8"/>
-              </a:rPr>
-              <a:t>違法情報の通報</a:t>
+                <a:latin typeface="Meiryo UI" panose="020B0604030504040204" pitchFamily="50" charset="-128"/>
+                <a:ea typeface="Meiryo UI" panose="020B0604030504040204" pitchFamily="50" charset="-128"/>
+                <a:cs typeface="Meiryo UI" panose="020B0604030504040204" pitchFamily="50" charset="-128"/>
+              </a:rPr>
+              <a:t>　　</a:t>
             </a:r>
             <a:r>
               <a:rPr lang="en-US" altLang="ja-JP" sz="1050" dirty="0">
@@ -4269,22 +4623,98 @@
                 <a:ea typeface="Meiryo UI" panose="020B0604030504040204" pitchFamily="50" charset="-128"/>
                 <a:cs typeface="Meiryo UI" panose="020B0604030504040204" pitchFamily="50" charset="-128"/>
               </a:rPr>
-              <a:t>: </a:t>
-            </a:r>
+              <a:t>Web</a:t>
+            </a:r>
+            <a:r>
+              <a:rPr lang="ja-JP" altLang="en-US" sz="1050" dirty="0">
+                <a:latin typeface="Meiryo UI" panose="020B0604030504040204" pitchFamily="50" charset="-128"/>
+                <a:ea typeface="Meiryo UI" panose="020B0604030504040204" pitchFamily="50" charset="-128"/>
+                <a:cs typeface="Meiryo UI" panose="020B0604030504040204" pitchFamily="50" charset="-128"/>
+              </a:rPr>
+              <a:t>でユーザ登録してから具体的な相談</a:t>
+            </a:r>
+            <a:endParaRPr lang="en-US" altLang="ja-JP" sz="1050" dirty="0">
+              <a:latin typeface="Meiryo UI" panose="020B0604030504040204" pitchFamily="50" charset="-128"/>
+              <a:ea typeface="Meiryo UI" panose="020B0604030504040204" pitchFamily="50" charset="-128"/>
+              <a:cs typeface="Meiryo UI" panose="020B0604030504040204" pitchFamily="50" charset="-128"/>
+            </a:endParaRPr>
           </a:p>
           <a:p>
             <a:pPr marL="0" indent="0">
               <a:buNone/>
             </a:pPr>
             <a:r>
-              <a:rPr lang="ja-JP" altLang="en-US" sz="1050" b="1" dirty="0">
-                <a:latin typeface="Meiryo UI" panose="020B0604030504040204" pitchFamily="50" charset="-128"/>
-                <a:ea typeface="Meiryo UI" panose="020B0604030504040204" pitchFamily="50" charset="-128"/>
-                <a:cs typeface="Meiryo UI" panose="020B0604030504040204" pitchFamily="50" charset="-128"/>
-              </a:rPr>
-              <a:t>■インターネット上での違法・有害情報の相談・通報</a:t>
-            </a:r>
-            <a:endParaRPr lang="en-US" altLang="ja-JP" sz="1050" b="1" dirty="0">
+              <a:rPr lang="ja-JP" altLang="en-US" sz="1050" dirty="0">
+                <a:solidFill>
+                  <a:srgbClr val="FF0000"/>
+                </a:solidFill>
+                <a:latin typeface="Meiryo UI" panose="020B0604030504040204" pitchFamily="50" charset="-128"/>
+                <a:ea typeface="Meiryo UI" panose="020B0604030504040204" pitchFamily="50" charset="-128"/>
+                <a:cs typeface="Meiryo UI" panose="020B0604030504040204" pitchFamily="50" charset="-128"/>
+              </a:rPr>
+              <a:t> ●</a:t>
+            </a:r>
+            <a:r>
+              <a:rPr lang="ja-JP" altLang="en-US" sz="1050" dirty="0">
+                <a:solidFill>
+                  <a:srgbClr val="FF0000"/>
+                </a:solidFill>
+                <a:latin typeface="Meiryo UI" panose="020B0604030504040204" pitchFamily="50" charset="-128"/>
+                <a:ea typeface="Meiryo UI" panose="020B0604030504040204" pitchFamily="50" charset="-128"/>
+                <a:cs typeface="Meiryo UI" panose="020B0604030504040204" pitchFamily="50" charset="-128"/>
+                <a:hlinkClick r:id="rId12"/>
+              </a:rPr>
+              <a:t>「誹謗中傷ホットライン」</a:t>
+            </a:r>
+            <a:r>
+              <a:rPr lang="en-US" altLang="ja-JP" sz="1050" dirty="0">
+                <a:solidFill>
+                  <a:srgbClr val="FF0000"/>
+                </a:solidFill>
+                <a:latin typeface="Meiryo UI" panose="020B0604030504040204" pitchFamily="50" charset="-128"/>
+                <a:ea typeface="Meiryo UI" panose="020B0604030504040204" pitchFamily="50" charset="-128"/>
+                <a:cs typeface="Meiryo UI" panose="020B0604030504040204" pitchFamily="50" charset="-128"/>
+                <a:hlinkClick r:id="rId12"/>
+              </a:rPr>
+              <a:t>(</a:t>
+            </a:r>
+            <a:r>
+              <a:rPr lang="ja-JP" altLang="en-US" sz="1050" dirty="0">
+                <a:solidFill>
+                  <a:srgbClr val="FF0000"/>
+                </a:solidFill>
+                <a:latin typeface="Meiryo UI" panose="020B0604030504040204" pitchFamily="50" charset="-128"/>
+                <a:ea typeface="Meiryo UI" panose="020B0604030504040204" pitchFamily="50" charset="-128"/>
+                <a:cs typeface="Meiryo UI" panose="020B0604030504040204" pitchFamily="50" charset="-128"/>
+                <a:hlinkClick r:id="rId12"/>
+              </a:rPr>
+              <a:t>セーファーインターネット協会</a:t>
+            </a:r>
+            <a:r>
+              <a:rPr lang="en-US" altLang="ja-JP" sz="1050" dirty="0">
+                <a:solidFill>
+                  <a:srgbClr val="FF0000"/>
+                </a:solidFill>
+                <a:latin typeface="Meiryo UI" panose="020B0604030504040204" pitchFamily="50" charset="-128"/>
+                <a:ea typeface="Meiryo UI" panose="020B0604030504040204" pitchFamily="50" charset="-128"/>
+                <a:cs typeface="Meiryo UI" panose="020B0604030504040204" pitchFamily="50" charset="-128"/>
+                <a:hlinkClick r:id="rId12"/>
+              </a:rPr>
+              <a:t>)</a:t>
+            </a:r>
+            <a:r>
+              <a:rPr lang="ja-JP" altLang="en-US" sz="1050" dirty="0">
+                <a:solidFill>
+                  <a:srgbClr val="FF0000"/>
+                </a:solidFill>
+                <a:latin typeface="Meiryo UI" panose="020B0604030504040204" pitchFamily="50" charset="-128"/>
+                <a:ea typeface="Meiryo UI" panose="020B0604030504040204" pitchFamily="50" charset="-128"/>
+                <a:cs typeface="Meiryo UI" panose="020B0604030504040204" pitchFamily="50" charset="-128"/>
+                <a:hlinkClick r:id="rId12"/>
+              </a:rPr>
+              <a:t>　</a:t>
+            </a:r>
+            <a:endParaRPr lang="en-US" altLang="ja-JP" sz="1050" dirty="0">
               <a:latin typeface="Meiryo UI" panose="020B0604030504040204" pitchFamily="50" charset="-128"/>
               <a:ea typeface="Meiryo UI" panose="020B0604030504040204" pitchFamily="50" charset="-128"/>
               <a:cs typeface="Meiryo UI" panose="020B0604030504040204" pitchFamily="50" charset="-128"/>
@@ -4296,6 +4726,24 @@
             </a:pPr>
             <a:r>
               <a:rPr lang="ja-JP" altLang="en-US" sz="1050" dirty="0">
+                <a:latin typeface="Meiryo UI" panose="020B0604030504040204" pitchFamily="50" charset="-128"/>
+                <a:ea typeface="Meiryo UI" panose="020B0604030504040204" pitchFamily="50" charset="-128"/>
+                <a:cs typeface="Meiryo UI" panose="020B0604030504040204" pitchFamily="50" charset="-128"/>
+              </a:rPr>
+              <a:t>　　ネット上の誹謗中傷をあなたに代わり国内外のプロバイダに削除依頼</a:t>
+            </a:r>
+            <a:endParaRPr lang="en-US" altLang="ja-JP" sz="1050" dirty="0">
+              <a:latin typeface="Meiryo UI" panose="020B0604030504040204" pitchFamily="50" charset="-128"/>
+              <a:ea typeface="Meiryo UI" panose="020B0604030504040204" pitchFamily="50" charset="-128"/>
+              <a:cs typeface="Meiryo UI" panose="020B0604030504040204" pitchFamily="50" charset="-128"/>
+            </a:endParaRPr>
+          </a:p>
+          <a:p>
+            <a:pPr marL="0" indent="0">
+              <a:buNone/>
+            </a:pPr>
+            <a:r>
+              <a:rPr lang="ja-JP" altLang="en-US" sz="1050" dirty="0">
                 <a:solidFill>
                   <a:srgbClr val="FF0000"/>
                 </a:solidFill>
@@ -4313,139 +4761,62 @@
                 <a:latin typeface="Meiryo UI" panose="020B0604030504040204" pitchFamily="50" charset="-128"/>
                 <a:ea typeface="Meiryo UI" panose="020B0604030504040204" pitchFamily="50" charset="-128"/>
                 <a:cs typeface="Meiryo UI" panose="020B0604030504040204" pitchFamily="50" charset="-128"/>
-                <a:hlinkClick r:id="rId9"/>
-              </a:rPr>
-              <a:t>「違法・有害情報センター」</a:t>
+                <a:hlinkClick r:id="rId13"/>
+              </a:rPr>
+              <a:t>「インターネット・ホットラインセンター」</a:t>
             </a:r>
             <a:r>
               <a:rPr lang="en-US" altLang="ja-JP" sz="1050" dirty="0">
-                <a:solidFill>
-                  <a:srgbClr val="FF0000"/>
-                </a:solidFill>
-                <a:latin typeface="Meiryo UI" panose="020B0604030504040204" pitchFamily="50" charset="-128"/>
-                <a:ea typeface="Meiryo UI" panose="020B0604030504040204" pitchFamily="50" charset="-128"/>
-                <a:cs typeface="Meiryo UI" panose="020B0604030504040204" pitchFamily="50" charset="-128"/>
-                <a:hlinkClick r:id="rId9"/>
-              </a:rPr>
-              <a:t>(</a:t>
+                <a:latin typeface="Meiryo UI" panose="020B0604030504040204" pitchFamily="50" charset="-128"/>
+                <a:ea typeface="Meiryo UI" panose="020B0604030504040204" pitchFamily="50" charset="-128"/>
+                <a:cs typeface="Meiryo UI" panose="020B0604030504040204" pitchFamily="50" charset="-128"/>
+              </a:rPr>
+              <a:t>: (</a:t>
             </a:r>
             <a:r>
               <a:rPr lang="ja-JP" altLang="en-US" sz="1050" dirty="0">
-                <a:solidFill>
-                  <a:srgbClr val="FF0000"/>
-                </a:solidFill>
-                <a:latin typeface="Meiryo UI" panose="020B0604030504040204" pitchFamily="50" charset="-128"/>
-                <a:ea typeface="Meiryo UI" panose="020B0604030504040204" pitchFamily="50" charset="-128"/>
-                <a:cs typeface="Meiryo UI" panose="020B0604030504040204" pitchFamily="50" charset="-128"/>
-                <a:hlinkClick r:id="rId9"/>
-              </a:rPr>
-              <a:t>総務省系</a:t>
+                <a:latin typeface="Meiryo UI" panose="020B0604030504040204" pitchFamily="50" charset="-128"/>
+                <a:ea typeface="Meiryo UI" panose="020B0604030504040204" pitchFamily="50" charset="-128"/>
+                <a:cs typeface="Meiryo UI" panose="020B0604030504040204" pitchFamily="50" charset="-128"/>
+              </a:rPr>
+              <a:t>警察庁・総務省　フォームで通報</a:t>
             </a:r>
             <a:r>
               <a:rPr lang="en-US" altLang="ja-JP" sz="1050" dirty="0">
-                <a:solidFill>
-                  <a:srgbClr val="FF0000"/>
-                </a:solidFill>
-                <a:latin typeface="Meiryo UI" panose="020B0604030504040204" pitchFamily="50" charset="-128"/>
-                <a:ea typeface="Meiryo UI" panose="020B0604030504040204" pitchFamily="50" charset="-128"/>
-                <a:cs typeface="Meiryo UI" panose="020B0604030504040204" pitchFamily="50" charset="-128"/>
-                <a:hlinkClick r:id="rId9"/>
+                <a:latin typeface="Meiryo UI" panose="020B0604030504040204" pitchFamily="50" charset="-128"/>
+                <a:ea typeface="Meiryo UI" panose="020B0604030504040204" pitchFamily="50" charset="-128"/>
+                <a:cs typeface="Meiryo UI" panose="020B0604030504040204" pitchFamily="50" charset="-128"/>
               </a:rPr>
               <a:t>)</a:t>
             </a:r>
-            <a:r>
-              <a:rPr lang="ja-JP" altLang="en-US" sz="1050" dirty="0">
-                <a:solidFill>
-                  <a:srgbClr val="FF0000"/>
-                </a:solidFill>
-                <a:latin typeface="Meiryo UI" panose="020B0604030504040204" pitchFamily="50" charset="-128"/>
-                <a:ea typeface="Meiryo UI" panose="020B0604030504040204" pitchFamily="50" charset="-128"/>
-                <a:cs typeface="Meiryo UI" panose="020B0604030504040204" pitchFamily="50" charset="-128"/>
-              </a:rPr>
-              <a:t>　</a:t>
-            </a:r>
-            <a:r>
-              <a:rPr lang="en-US" altLang="ja-JP" sz="1050" dirty="0">
-                <a:solidFill>
-                  <a:srgbClr val="FF0000"/>
-                </a:solidFill>
-                <a:latin typeface="Meiryo UI" panose="020B0604030504040204" pitchFamily="50" charset="-128"/>
-                <a:ea typeface="Meiryo UI" panose="020B0604030504040204" pitchFamily="50" charset="-128"/>
-                <a:cs typeface="Meiryo UI" panose="020B0604030504040204" pitchFamily="50" charset="-128"/>
-              </a:rPr>
-              <a:t>【</a:t>
-            </a:r>
-            <a:r>
-              <a:rPr lang="ja-JP" altLang="en-US" sz="1050" dirty="0">
-                <a:solidFill>
-                  <a:srgbClr val="FF0000"/>
-                </a:solidFill>
-                <a:latin typeface="Meiryo UI" panose="020B0604030504040204" pitchFamily="50" charset="-128"/>
-                <a:ea typeface="Meiryo UI" panose="020B0604030504040204" pitchFamily="50" charset="-128"/>
-                <a:cs typeface="Meiryo UI" panose="020B0604030504040204" pitchFamily="50" charset="-128"/>
-              </a:rPr>
-              <a:t>削除依頼は行わない</a:t>
-            </a:r>
-            <a:r>
-              <a:rPr lang="en-US" altLang="ja-JP" sz="1050" dirty="0">
-                <a:solidFill>
-                  <a:srgbClr val="FF0000"/>
-                </a:solidFill>
-                <a:latin typeface="Meiryo UI" panose="020B0604030504040204" pitchFamily="50" charset="-128"/>
-                <a:ea typeface="Meiryo UI" panose="020B0604030504040204" pitchFamily="50" charset="-128"/>
-                <a:cs typeface="Meiryo UI" panose="020B0604030504040204" pitchFamily="50" charset="-128"/>
-              </a:rPr>
-              <a:t>】</a:t>
-            </a:r>
-            <a:endParaRPr lang="en-US" altLang="ja-JP" sz="1050" dirty="0">
-              <a:latin typeface="Meiryo UI" panose="020B0604030504040204" pitchFamily="50" charset="-128"/>
-              <a:ea typeface="Meiryo UI" panose="020B0604030504040204" pitchFamily="50" charset="-128"/>
-              <a:cs typeface="Meiryo UI" panose="020B0604030504040204" pitchFamily="50" charset="-128"/>
-            </a:endParaRPr>
           </a:p>
           <a:p>
             <a:pPr marL="0" indent="0">
               <a:buNone/>
             </a:pPr>
             <a:r>
-              <a:rPr lang="ja-JP" altLang="en-US" sz="1050" dirty="0">
-                <a:latin typeface="Meiryo UI" panose="020B0604030504040204" pitchFamily="50" charset="-128"/>
-                <a:ea typeface="Meiryo UI" panose="020B0604030504040204" pitchFamily="50" charset="-128"/>
-                <a:cs typeface="Meiryo UI" panose="020B0604030504040204" pitchFamily="50" charset="-128"/>
-              </a:rPr>
-              <a:t>　　</a:t>
-            </a:r>
-            <a:r>
-              <a:rPr lang="en-US" altLang="ja-JP" sz="1050" dirty="0">
-                <a:latin typeface="Meiryo UI" panose="020B0604030504040204" pitchFamily="50" charset="-128"/>
-                <a:ea typeface="Meiryo UI" panose="020B0604030504040204" pitchFamily="50" charset="-128"/>
-                <a:cs typeface="Meiryo UI" panose="020B0604030504040204" pitchFamily="50" charset="-128"/>
-              </a:rPr>
-              <a:t>Web</a:t>
-            </a:r>
-            <a:r>
-              <a:rPr lang="ja-JP" altLang="en-US" sz="1050" dirty="0">
-                <a:latin typeface="Meiryo UI" panose="020B0604030504040204" pitchFamily="50" charset="-128"/>
-                <a:ea typeface="Meiryo UI" panose="020B0604030504040204" pitchFamily="50" charset="-128"/>
-                <a:cs typeface="Meiryo UI" panose="020B0604030504040204" pitchFamily="50" charset="-128"/>
-              </a:rPr>
-              <a:t>でユーザ登録してから具体的な相談</a:t>
-            </a:r>
-            <a:endParaRPr lang="en-US" altLang="ja-JP" sz="1050" dirty="0">
-              <a:latin typeface="Meiryo UI" panose="020B0604030504040204" pitchFamily="50" charset="-128"/>
-              <a:ea typeface="Meiryo UI" panose="020B0604030504040204" pitchFamily="50" charset="-128"/>
-              <a:cs typeface="Meiryo UI" panose="020B0604030504040204" pitchFamily="50" charset="-128"/>
-            </a:endParaRPr>
+              <a:rPr lang="ja-JP" altLang="en-US" sz="1100" b="1" dirty="0">
+                <a:latin typeface="Meiryo UI" panose="020B0604030504040204" pitchFamily="50" charset="-128"/>
+                <a:ea typeface="Meiryo UI" panose="020B0604030504040204" pitchFamily="50" charset="-128"/>
+                <a:cs typeface="Meiryo UI" panose="020B0604030504040204" pitchFamily="50" charset="-128"/>
+              </a:rPr>
+              <a:t>■</a:t>
+            </a:r>
+            <a:r>
+              <a:rPr lang="ja-JP" altLang="ja-JP" sz="1100" b="1" dirty="0">
+                <a:latin typeface="Meiryo UI" panose="020B0604030504040204" pitchFamily="50" charset="-128"/>
+                <a:ea typeface="Meiryo UI" panose="020B0604030504040204" pitchFamily="50" charset="-128"/>
+                <a:cs typeface="Meiryo UI" panose="020B0604030504040204" pitchFamily="50" charset="-128"/>
+              </a:rPr>
+              <a:t>消費生活全般に関する苦情や問合せ</a:t>
+            </a:r>
           </a:p>
           <a:p>
             <a:pPr marL="0" indent="0">
               <a:buNone/>
             </a:pPr>
             <a:r>
-              <a:rPr lang="ja-JP" altLang="en-US" sz="1050">
-                <a:solidFill>
-                  <a:srgbClr val="FF0000"/>
-                </a:solidFill>
+              <a:rPr lang="ja-JP" altLang="en-US" sz="1100" dirty="0">
                 <a:latin typeface="Meiryo UI" panose="020B0604030504040204" pitchFamily="50" charset="-128"/>
                 <a:ea typeface="Meiryo UI" panose="020B0604030504040204" pitchFamily="50" charset="-128"/>
                 <a:cs typeface="Meiryo UI" panose="020B0604030504040204" pitchFamily="50" charset="-128"/>
@@ -4453,180 +4824,11 @@
               <a:t> ●</a:t>
             </a:r>
             <a:r>
-              <a:rPr lang="ja-JP" altLang="en-US" sz="1050" dirty="0">
-                <a:solidFill>
-                  <a:srgbClr val="FF0000"/>
-                </a:solidFill>
-                <a:latin typeface="Meiryo UI" panose="020B0604030504040204" pitchFamily="50" charset="-128"/>
-                <a:ea typeface="Meiryo UI" panose="020B0604030504040204" pitchFamily="50" charset="-128"/>
-                <a:cs typeface="Meiryo UI" panose="020B0604030504040204" pitchFamily="50" charset="-128"/>
-                <a:hlinkClick r:id="rId10"/>
-              </a:rPr>
-              <a:t>「誹謗中傷ホットライン」</a:t>
-            </a:r>
-            <a:r>
-              <a:rPr lang="en-US" altLang="ja-JP" sz="1050" dirty="0">
-                <a:solidFill>
-                  <a:srgbClr val="FF0000"/>
-                </a:solidFill>
-                <a:latin typeface="Meiryo UI" panose="020B0604030504040204" pitchFamily="50" charset="-128"/>
-                <a:ea typeface="Meiryo UI" panose="020B0604030504040204" pitchFamily="50" charset="-128"/>
-                <a:cs typeface="Meiryo UI" panose="020B0604030504040204" pitchFamily="50" charset="-128"/>
-                <a:hlinkClick r:id="rId10"/>
-              </a:rPr>
-              <a:t>(</a:t>
-            </a:r>
-            <a:r>
-              <a:rPr lang="ja-JP" altLang="en-US" sz="1050" dirty="0">
-                <a:solidFill>
-                  <a:srgbClr val="FF0000"/>
-                </a:solidFill>
-                <a:latin typeface="Meiryo UI" panose="020B0604030504040204" pitchFamily="50" charset="-128"/>
-                <a:ea typeface="Meiryo UI" panose="020B0604030504040204" pitchFamily="50" charset="-128"/>
-                <a:cs typeface="Meiryo UI" panose="020B0604030504040204" pitchFamily="50" charset="-128"/>
-                <a:hlinkClick r:id="rId10"/>
-              </a:rPr>
-              <a:t>セーファーインターネット協会</a:t>
-            </a:r>
-            <a:r>
-              <a:rPr lang="en-US" altLang="ja-JP" sz="1050" dirty="0">
-                <a:solidFill>
-                  <a:srgbClr val="FF0000"/>
-                </a:solidFill>
-                <a:latin typeface="Meiryo UI" panose="020B0604030504040204" pitchFamily="50" charset="-128"/>
-                <a:ea typeface="Meiryo UI" panose="020B0604030504040204" pitchFamily="50" charset="-128"/>
-                <a:cs typeface="Meiryo UI" panose="020B0604030504040204" pitchFamily="50" charset="-128"/>
-                <a:hlinkClick r:id="rId10"/>
-              </a:rPr>
-              <a:t>)</a:t>
-            </a:r>
-            <a:r>
-              <a:rPr lang="ja-JP" altLang="en-US" sz="1050" dirty="0">
-                <a:solidFill>
-                  <a:srgbClr val="FF0000"/>
-                </a:solidFill>
-                <a:latin typeface="Meiryo UI" panose="020B0604030504040204" pitchFamily="50" charset="-128"/>
-                <a:ea typeface="Meiryo UI" panose="020B0604030504040204" pitchFamily="50" charset="-128"/>
-                <a:cs typeface="Meiryo UI" panose="020B0604030504040204" pitchFamily="50" charset="-128"/>
-                <a:hlinkClick r:id="rId10"/>
-              </a:rPr>
-              <a:t>　</a:t>
-            </a:r>
-            <a:endParaRPr lang="en-US" altLang="ja-JP" sz="1050" dirty="0">
-              <a:latin typeface="Meiryo UI" panose="020B0604030504040204" pitchFamily="50" charset="-128"/>
-              <a:ea typeface="Meiryo UI" panose="020B0604030504040204" pitchFamily="50" charset="-128"/>
-              <a:cs typeface="Meiryo UI" panose="020B0604030504040204" pitchFamily="50" charset="-128"/>
-            </a:endParaRPr>
-          </a:p>
-          <a:p>
-            <a:pPr marL="0" indent="0">
-              <a:buNone/>
-            </a:pPr>
-            <a:r>
-              <a:rPr lang="ja-JP" altLang="en-US" sz="1050" dirty="0">
-                <a:latin typeface="Meiryo UI" panose="020B0604030504040204" pitchFamily="50" charset="-128"/>
-                <a:ea typeface="Meiryo UI" panose="020B0604030504040204" pitchFamily="50" charset="-128"/>
-                <a:cs typeface="Meiryo UI" panose="020B0604030504040204" pitchFamily="50" charset="-128"/>
-              </a:rPr>
-              <a:t>　　ネット上の誹謗中傷をあなたに代わり国内外のプロバイダに削除依頼</a:t>
-            </a:r>
-            <a:endParaRPr lang="en-US" altLang="ja-JP" sz="1050" dirty="0">
-              <a:latin typeface="Meiryo UI" panose="020B0604030504040204" pitchFamily="50" charset="-128"/>
-              <a:ea typeface="Meiryo UI" panose="020B0604030504040204" pitchFamily="50" charset="-128"/>
-              <a:cs typeface="Meiryo UI" panose="020B0604030504040204" pitchFamily="50" charset="-128"/>
-            </a:endParaRPr>
-          </a:p>
-          <a:p>
-            <a:pPr marL="0" indent="0">
-              <a:buNone/>
-            </a:pPr>
-            <a:r>
-              <a:rPr lang="ja-JP" altLang="en-US" sz="1050" dirty="0">
-                <a:solidFill>
-                  <a:srgbClr val="FF0000"/>
-                </a:solidFill>
-                <a:latin typeface="Meiryo UI" panose="020B0604030504040204" pitchFamily="50" charset="-128"/>
-                <a:ea typeface="Meiryo UI" panose="020B0604030504040204" pitchFamily="50" charset="-128"/>
-                <a:cs typeface="Meiryo UI" panose="020B0604030504040204" pitchFamily="50" charset="-128"/>
-              </a:rPr>
-              <a:t> ●</a:t>
-            </a:r>
-            <a:r>
-              <a:rPr lang="ja-JP" altLang="en-US" sz="1050" dirty="0">
-                <a:solidFill>
-                  <a:srgbClr val="FF0000"/>
-                </a:solidFill>
-                <a:latin typeface="Meiryo UI" panose="020B0604030504040204" pitchFamily="50" charset="-128"/>
-                <a:ea typeface="Meiryo UI" panose="020B0604030504040204" pitchFamily="50" charset="-128"/>
-                <a:cs typeface="Meiryo UI" panose="020B0604030504040204" pitchFamily="50" charset="-128"/>
-                <a:hlinkClick r:id="rId11"/>
-              </a:rPr>
-              <a:t>「インターネット・ホットラインセンター」</a:t>
-            </a:r>
-            <a:r>
-              <a:rPr lang="en-US" altLang="ja-JP" sz="1050" dirty="0">
-                <a:latin typeface="Meiryo UI" panose="020B0604030504040204" pitchFamily="50" charset="-128"/>
-                <a:ea typeface="Meiryo UI" panose="020B0604030504040204" pitchFamily="50" charset="-128"/>
-                <a:cs typeface="Meiryo UI" panose="020B0604030504040204" pitchFamily="50" charset="-128"/>
-              </a:rPr>
-              <a:t>: (</a:t>
-            </a:r>
-            <a:r>
-              <a:rPr lang="ja-JP" altLang="en-US" sz="1050" dirty="0">
-                <a:latin typeface="Meiryo UI" panose="020B0604030504040204" pitchFamily="50" charset="-128"/>
-                <a:ea typeface="Meiryo UI" panose="020B0604030504040204" pitchFamily="50" charset="-128"/>
-                <a:cs typeface="Meiryo UI" panose="020B0604030504040204" pitchFamily="50" charset="-128"/>
-              </a:rPr>
-              <a:t>警察庁・総務省　フォームで通報</a:t>
-            </a:r>
-            <a:r>
-              <a:rPr lang="en-US" altLang="ja-JP" sz="1050" dirty="0">
-                <a:latin typeface="Meiryo UI" panose="020B0604030504040204" pitchFamily="50" charset="-128"/>
-                <a:ea typeface="Meiryo UI" panose="020B0604030504040204" pitchFamily="50" charset="-128"/>
-                <a:cs typeface="Meiryo UI" panose="020B0604030504040204" pitchFamily="50" charset="-128"/>
-              </a:rPr>
-              <a:t>)</a:t>
-            </a:r>
-          </a:p>
-          <a:p>
-            <a:pPr marL="0" indent="0">
-              <a:buNone/>
-            </a:pPr>
-            <a:r>
-              <a:rPr lang="ja-JP" altLang="en-US" sz="1100" b="1" dirty="0">
-                <a:latin typeface="Meiryo UI" panose="020B0604030504040204" pitchFamily="50" charset="-128"/>
-                <a:ea typeface="Meiryo UI" panose="020B0604030504040204" pitchFamily="50" charset="-128"/>
-                <a:cs typeface="Meiryo UI" panose="020B0604030504040204" pitchFamily="50" charset="-128"/>
-              </a:rPr>
-              <a:t>■</a:t>
-            </a:r>
-            <a:r>
-              <a:rPr lang="ja-JP" altLang="ja-JP" sz="1100" b="1" dirty="0">
-                <a:latin typeface="Meiryo UI" panose="020B0604030504040204" pitchFamily="50" charset="-128"/>
-                <a:ea typeface="Meiryo UI" panose="020B0604030504040204" pitchFamily="50" charset="-128"/>
-                <a:cs typeface="Meiryo UI" panose="020B0604030504040204" pitchFamily="50" charset="-128"/>
-              </a:rPr>
-              <a:t>消費生活全般に関する苦情や問合せ</a:t>
-            </a:r>
-          </a:p>
-          <a:p>
-            <a:pPr marL="0" indent="0">
-              <a:buNone/>
-            </a:pPr>
-            <a:r>
-              <a:rPr lang="ja-JP" altLang="en-US" sz="1100" dirty="0">
-                <a:latin typeface="Meiryo UI" panose="020B0604030504040204" pitchFamily="50" charset="-128"/>
-                <a:ea typeface="Meiryo UI" panose="020B0604030504040204" pitchFamily="50" charset="-128"/>
-                <a:cs typeface="Meiryo UI" panose="020B0604030504040204" pitchFamily="50" charset="-128"/>
-              </a:rPr>
-              <a:t> ●</a:t>
-            </a:r>
-            <a:r>
               <a:rPr lang="ja-JP" altLang="ja-JP" sz="1100" dirty="0">
                 <a:latin typeface="Meiryo UI" panose="020B0604030504040204" pitchFamily="50" charset="-128"/>
                 <a:ea typeface="Meiryo UI" panose="020B0604030504040204" pitchFamily="50" charset="-128"/>
                 <a:cs typeface="Meiryo UI" panose="020B0604030504040204" pitchFamily="50" charset="-128"/>
-                <a:hlinkClick r:id="rId12"/>
+                <a:hlinkClick r:id="rId14"/>
               </a:rPr>
               <a:t>消費者ホットライン【国民生活センター】</a:t>
             </a:r>
@@ -4697,7 +4899,7 @@
                 <a:latin typeface="Meiryo UI" panose="020B0604030504040204" pitchFamily="50" charset="-128"/>
                 <a:ea typeface="Meiryo UI" panose="020B0604030504040204" pitchFamily="50" charset="-128"/>
                 <a:cs typeface="Meiryo UI" panose="020B0604030504040204" pitchFamily="50" charset="-128"/>
-                <a:hlinkClick r:id="rId13"/>
+                <a:hlinkClick r:id="rId15"/>
               </a:rPr>
               <a:t>法テラス（日本司法支援センター）</a:t>
             </a:r>
@@ -4753,7 +4955,7 @@
                 <a:latin typeface="Meiryo UI" panose="020B0604030504040204" pitchFamily="50" charset="-128"/>
                 <a:ea typeface="Meiryo UI" panose="020B0604030504040204" pitchFamily="50" charset="-128"/>
                 <a:cs typeface="Meiryo UI" panose="020B0604030504040204" pitchFamily="50" charset="-128"/>
-                <a:hlinkClick r:id="rId14"/>
+                <a:hlinkClick r:id="rId16"/>
               </a:rPr>
               <a:t>個人情報保護委員会</a:t>
             </a:r>
@@ -4762,7 +4964,7 @@
                 <a:latin typeface="Meiryo UI" panose="020B0604030504040204" pitchFamily="50" charset="-128"/>
                 <a:ea typeface="Meiryo UI" panose="020B0604030504040204" pitchFamily="50" charset="-128"/>
                 <a:cs typeface="Meiryo UI" panose="020B0604030504040204" pitchFamily="50" charset="-128"/>
-                <a:hlinkClick r:id="rId14"/>
+                <a:hlinkClick r:id="rId16"/>
               </a:rPr>
               <a:t> </a:t>
             </a:r>
@@ -5017,7 +5219,7 @@
                 <a:latin typeface="Meiryo UI" panose="020B0604030504040204" pitchFamily="50" charset="-128"/>
                 <a:ea typeface="Meiryo UI" panose="020B0604030504040204" pitchFamily="50" charset="-128"/>
                 <a:cs typeface="Meiryo UI" panose="020B0604030504040204" pitchFamily="50" charset="-128"/>
-                <a:hlinkClick r:id="rId15"/>
+                <a:hlinkClick r:id="rId17"/>
               </a:rPr>
               <a:t>JPCERT/CC</a:t>
             </a:r>
@@ -5058,7 +5260,7 @@
                 <a:latin typeface="Meiryo UI" panose="020B0604030504040204" pitchFamily="50" charset="-128"/>
                 <a:ea typeface="Meiryo UI" panose="020B0604030504040204" pitchFamily="50" charset="-128"/>
                 <a:cs typeface="Meiryo UI" panose="020B0604030504040204" pitchFamily="50" charset="-128"/>
-                <a:hlinkClick r:id="rId15"/>
+                <a:hlinkClick r:id="rId17"/>
               </a:rPr>
               <a:t>インシデント対応依頼</a:t>
             </a:r>
@@ -5165,7 +5367,7 @@
                 <a:latin typeface="Meiryo UI" panose="020B0604030504040204" pitchFamily="50" charset="-128"/>
                 <a:ea typeface="Meiryo UI" panose="020B0604030504040204" pitchFamily="50" charset="-128"/>
                 <a:cs typeface="Meiryo UI" panose="020B0604030504040204" pitchFamily="50" charset="-128"/>
-                <a:hlinkClick r:id="rId16"/>
+                <a:hlinkClick r:id="rId18"/>
               </a:rPr>
               <a:t>IPA J-CRAT</a:t>
             </a:r>
@@ -5174,7 +5376,7 @@
                 <a:latin typeface="Meiryo UI" panose="020B0604030504040204" pitchFamily="50" charset="-128"/>
                 <a:ea typeface="Meiryo UI" panose="020B0604030504040204" pitchFamily="50" charset="-128"/>
                 <a:cs typeface="Meiryo UI" panose="020B0604030504040204" pitchFamily="50" charset="-128"/>
-                <a:hlinkClick r:id="rId16"/>
+                <a:hlinkClick r:id="rId18"/>
               </a:rPr>
               <a:t>／標的型サイバー攻撃特別相談窓口</a:t>
             </a:r>
@@ -5198,7 +5400,7 @@
                 <a:latin typeface="Meiryo UI" panose="020B0604030504040204" pitchFamily="50" charset="-128"/>
                 <a:ea typeface="Meiryo UI" panose="020B0604030504040204" pitchFamily="50" charset="-128"/>
                 <a:cs typeface="Meiryo UI" panose="020B0604030504040204" pitchFamily="50" charset="-128"/>
-                <a:hlinkClick r:id="rId17"/>
+                <a:hlinkClick r:id="rId19"/>
               </a:rPr>
               <a:t>tokusou@ipa.go.jp</a:t>
             </a:r>
@@ -5373,7 +5575,7 @@
                 <a:latin typeface="Meiryo UI" panose="020B0604030504040204" pitchFamily="50" charset="-128"/>
                 <a:ea typeface="Meiryo UI" panose="020B0604030504040204" pitchFamily="50" charset="-128"/>
                 <a:cs typeface="Meiryo UI" panose="020B0604030504040204" pitchFamily="50" charset="-128"/>
-                <a:hlinkClick r:id="rId18"/>
+                <a:hlinkClick r:id="rId20"/>
               </a:rPr>
               <a:t>情報セキュリティ対策支援サイト</a:t>
             </a:r>
@@ -5431,7 +5633,7 @@
                 <a:latin typeface="Meiryo UI" panose="020B0604030504040204" pitchFamily="50" charset="-128"/>
                 <a:ea typeface="Meiryo UI" panose="020B0604030504040204" pitchFamily="50" charset="-128"/>
                 <a:cs typeface="Meiryo UI" panose="020B0604030504040204" pitchFamily="50" charset="-128"/>
-                <a:hlinkClick r:id="rId19"/>
+                <a:hlinkClick r:id="rId21"/>
               </a:rPr>
               <a:t>IPA</a:t>
             </a:r>
@@ -5443,7 +5645,7 @@
                 <a:latin typeface="Meiryo UI" panose="020B0604030504040204" pitchFamily="50" charset="-128"/>
                 <a:ea typeface="Meiryo UI" panose="020B0604030504040204" pitchFamily="50" charset="-128"/>
                 <a:cs typeface="Meiryo UI" panose="020B0604030504040204" pitchFamily="50" charset="-128"/>
-                <a:hlinkClick r:id="rId19"/>
+                <a:hlinkClick r:id="rId21"/>
               </a:rPr>
               <a:t>セキュリティプレゼンター検索</a:t>
             </a:r>
@@ -5498,7 +5700,7 @@
                 <a:latin typeface="Meiryo UI" panose="020B0604030504040204" pitchFamily="50" charset="-128"/>
                 <a:ea typeface="Meiryo UI" panose="020B0604030504040204" pitchFamily="50" charset="-128"/>
                 <a:cs typeface="Meiryo UI" panose="020B0604030504040204" pitchFamily="50" charset="-128"/>
-                <a:hlinkClick r:id="rId20"/>
+                <a:hlinkClick r:id="rId22"/>
               </a:rPr>
               <a:t>情報セキュリティサービス基準適合サービスリスト</a:t>
             </a:r>
@@ -5545,7 +5747,7 @@
                 <a:latin typeface="Meiryo UI" panose="020B0604030504040204" pitchFamily="50" charset="-128"/>
                 <a:ea typeface="Meiryo UI" panose="020B0604030504040204" pitchFamily="50" charset="-128"/>
                 <a:cs typeface="Meiryo UI" panose="020B0604030504040204" pitchFamily="50" charset="-128"/>
-                <a:hlinkClick r:id="rId21"/>
+                <a:hlinkClick r:id="rId23"/>
               </a:rPr>
               <a:t>サイバーインシデント緊急対応企業一覧</a:t>
             </a:r>
@@ -5589,7 +5791,7 @@
                 <a:latin typeface="Meiryo UI" panose="020B0604030504040204" pitchFamily="50" charset="-128"/>
                 <a:ea typeface="Meiryo UI" panose="020B0604030504040204" pitchFamily="50" charset="-128"/>
                 <a:cs typeface="Meiryo UI" panose="020B0604030504040204" pitchFamily="50" charset="-128"/>
-                <a:hlinkClick r:id="rId22"/>
+                <a:hlinkClick r:id="rId24"/>
               </a:rPr>
               <a:t>IT</a:t>
             </a:r>
@@ -5601,7 +5803,7 @@
                 <a:latin typeface="Meiryo UI" panose="020B0604030504040204" pitchFamily="50" charset="-128"/>
                 <a:ea typeface="Meiryo UI" panose="020B0604030504040204" pitchFamily="50" charset="-128"/>
                 <a:cs typeface="Meiryo UI" panose="020B0604030504040204" pitchFamily="50" charset="-128"/>
-                <a:hlinkClick r:id="rId22"/>
+                <a:hlinkClick r:id="rId24"/>
               </a:rPr>
               <a:t>コーディネータ協会　「経営と</a:t>
             </a:r>
@@ -5613,7 +5815,7 @@
                 <a:latin typeface="Meiryo UI" panose="020B0604030504040204" pitchFamily="50" charset="-128"/>
                 <a:ea typeface="Meiryo UI" panose="020B0604030504040204" pitchFamily="50" charset="-128"/>
                 <a:cs typeface="Meiryo UI" panose="020B0604030504040204" pitchFamily="50" charset="-128"/>
-                <a:hlinkClick r:id="rId22"/>
+                <a:hlinkClick r:id="rId24"/>
               </a:rPr>
               <a:t>IT</a:t>
             </a:r>
@@ -5625,7 +5827,7 @@
                 <a:latin typeface="Meiryo UI" panose="020B0604030504040204" pitchFamily="50" charset="-128"/>
                 <a:ea typeface="Meiryo UI" panose="020B0604030504040204" pitchFamily="50" charset="-128"/>
                 <a:cs typeface="Meiryo UI" panose="020B0604030504040204" pitchFamily="50" charset="-128"/>
-                <a:hlinkClick r:id="rId22"/>
+                <a:hlinkClick r:id="rId24"/>
               </a:rPr>
               <a:t>化相談」窓口</a:t>
             </a:r>
@@ -5661,7 +5863,7 @@
                 <a:latin typeface="Meiryo UI" panose="020B0604030504040204" pitchFamily="50" charset="-128"/>
                 <a:ea typeface="Meiryo UI" panose="020B0604030504040204" pitchFamily="50" charset="-128"/>
                 <a:cs typeface="Meiryo UI" panose="020B0604030504040204" pitchFamily="50" charset="-128"/>
-                <a:hlinkClick r:id="rId23"/>
+                <a:hlinkClick r:id="rId25"/>
               </a:rPr>
               <a:t>東京都テレワーク推進センター</a:t>
             </a:r>
@@ -5673,7 +5875,7 @@
                 <a:latin typeface="Meiryo UI" panose="020B0604030504040204" pitchFamily="50" charset="-128"/>
                 <a:ea typeface="Meiryo UI" panose="020B0604030504040204" pitchFamily="50" charset="-128"/>
                 <a:cs typeface="Meiryo UI" panose="020B0604030504040204" pitchFamily="50" charset="-128"/>
-                <a:hlinkClick r:id="rId23"/>
+                <a:hlinkClick r:id="rId25"/>
               </a:rPr>
               <a:t> </a:t>
             </a:r>
@@ -5723,7 +5925,7 @@
                 <a:latin typeface="Meiryo UI" panose="020B0604030504040204" pitchFamily="50" charset="-128"/>
                 <a:ea typeface="Meiryo UI" panose="020B0604030504040204" pitchFamily="50" charset="-128"/>
                 <a:cs typeface="Meiryo UI" panose="020B0604030504040204" pitchFamily="50" charset="-128"/>
-                <a:hlinkClick r:id="rId24"/>
+                <a:hlinkClick r:id="rId26"/>
               </a:rPr>
               <a:t>テレワークのセキュリティあんしん相談窓口</a:t>
             </a:r>
@@ -5792,7 +5994,7 @@
                 <a:latin typeface="Meiryo UI" panose="020B0604030504040204" pitchFamily="50" charset="-128"/>
                 <a:ea typeface="Meiryo UI" panose="020B0604030504040204" pitchFamily="50" charset="-128"/>
                 <a:cs typeface="Meiryo UI" panose="020B0604030504040204" pitchFamily="50" charset="-128"/>
-                <a:hlinkClick r:id="rId25"/>
+                <a:hlinkClick r:id="rId27"/>
               </a:rPr>
               <a:t>テレワーク相談センター</a:t>
             </a:r>
@@ -5804,7 +6006,7 @@
                 <a:latin typeface="Meiryo UI" panose="020B0604030504040204" pitchFamily="50" charset="-128"/>
                 <a:ea typeface="Meiryo UI" panose="020B0604030504040204" pitchFamily="50" charset="-128"/>
                 <a:cs typeface="Meiryo UI" panose="020B0604030504040204" pitchFamily="50" charset="-128"/>
-                <a:hlinkClick r:id="rId25"/>
+                <a:hlinkClick r:id="rId27"/>
               </a:rPr>
               <a:t>(</a:t>
             </a:r>
@@ -5816,7 +6018,7 @@
                 <a:latin typeface="Meiryo UI" panose="020B0604030504040204" pitchFamily="50" charset="-128"/>
                 <a:ea typeface="Meiryo UI" panose="020B0604030504040204" pitchFamily="50" charset="-128"/>
                 <a:cs typeface="Meiryo UI" panose="020B0604030504040204" pitchFamily="50" charset="-128"/>
-                <a:hlinkClick r:id="rId25"/>
+                <a:hlinkClick r:id="rId27"/>
               </a:rPr>
               <a:t>厚労省委託</a:t>
             </a:r>
@@ -5828,7 +6030,7 @@
                 <a:latin typeface="Meiryo UI" panose="020B0604030504040204" pitchFamily="50" charset="-128"/>
                 <a:ea typeface="Meiryo UI" panose="020B0604030504040204" pitchFamily="50" charset="-128"/>
                 <a:cs typeface="Meiryo UI" panose="020B0604030504040204" pitchFamily="50" charset="-128"/>
-                <a:hlinkClick r:id="rId25"/>
+                <a:hlinkClick r:id="rId27"/>
               </a:rPr>
               <a:t>) </a:t>
             </a:r>
@@ -5875,7 +6077,7 @@
                 <a:latin typeface="Meiryo UI" panose="020B0604030504040204" pitchFamily="50" charset="-128"/>
                 <a:ea typeface="Meiryo UI" panose="020B0604030504040204" pitchFamily="50" charset="-128"/>
                 <a:cs typeface="Meiryo UI" panose="020B0604030504040204" pitchFamily="50" charset="-128"/>
-                <a:hlinkClick r:id="rId26"/>
+                <a:hlinkClick r:id="rId28"/>
               </a:rPr>
               <a:t>東京都中小企業振興公社ワンストップ総合相談</a:t>
             </a:r>
@@ -5968,7 +6170,7 @@
                 <a:latin typeface="Meiryo UI" panose="020B0604030504040204" pitchFamily="50" charset="-128"/>
                 <a:ea typeface="Meiryo UI" panose="020B0604030504040204" pitchFamily="50" charset="-128"/>
                 <a:cs typeface="Meiryo UI" panose="020B0604030504040204" pitchFamily="50" charset="-128"/>
-                <a:hlinkClick r:id="rId27"/>
+                <a:hlinkClick r:id="rId29"/>
               </a:rPr>
               <a:t>SECURITY ACTION</a:t>
             </a:r>
@@ -6039,7 +6241,7 @@
                 <a:latin typeface="Meiryo UI" panose="020B0604030504040204" pitchFamily="50" charset="-128"/>
                 <a:ea typeface="Meiryo UI" panose="020B0604030504040204" pitchFamily="50" charset="-128"/>
                 <a:cs typeface="Meiryo UI" panose="020B0604030504040204" pitchFamily="50" charset="-128"/>
-                <a:hlinkClick r:id="rId28"/>
+                <a:hlinkClick r:id="rId30"/>
               </a:rPr>
               <a:t>IT</a:t>
             </a:r>
@@ -6048,7 +6250,7 @@
                 <a:latin typeface="Meiryo UI" panose="020B0604030504040204" pitchFamily="50" charset="-128"/>
                 <a:ea typeface="Meiryo UI" panose="020B0604030504040204" pitchFamily="50" charset="-128"/>
                 <a:cs typeface="Meiryo UI" panose="020B0604030504040204" pitchFamily="50" charset="-128"/>
-                <a:hlinkClick r:id="rId28"/>
+                <a:hlinkClick r:id="rId30"/>
               </a:rPr>
               <a:t>導入補助金（サービス等生産性向上</a:t>
             </a:r>
@@ -6057,7 +6259,7 @@
                 <a:latin typeface="Meiryo UI" panose="020B0604030504040204" pitchFamily="50" charset="-128"/>
                 <a:ea typeface="Meiryo UI" panose="020B0604030504040204" pitchFamily="50" charset="-128"/>
                 <a:cs typeface="Meiryo UI" panose="020B0604030504040204" pitchFamily="50" charset="-128"/>
-                <a:hlinkClick r:id="rId28"/>
+                <a:hlinkClick r:id="rId30"/>
               </a:rPr>
               <a:t>IT</a:t>
             </a:r>
@@ -6066,7 +6268,7 @@
                 <a:latin typeface="Meiryo UI" panose="020B0604030504040204" pitchFamily="50" charset="-128"/>
                 <a:ea typeface="Meiryo UI" panose="020B0604030504040204" pitchFamily="50" charset="-128"/>
                 <a:cs typeface="Meiryo UI" panose="020B0604030504040204" pitchFamily="50" charset="-128"/>
-                <a:hlinkClick r:id="rId28"/>
+                <a:hlinkClick r:id="rId30"/>
               </a:rPr>
               <a:t>導入支援事業）</a:t>
             </a:r>
@@ -6115,7 +6317,7 @@
                 <a:latin typeface="Meiryo UI" panose="020B0604030504040204" pitchFamily="50" charset="-128"/>
                 <a:ea typeface="Meiryo UI" panose="020B0604030504040204" pitchFamily="50" charset="-128"/>
                 <a:cs typeface="Meiryo UI" panose="020B0604030504040204" pitchFamily="50" charset="-128"/>
-                <a:hlinkClick r:id="rId29"/>
+                <a:hlinkClick r:id="rId31"/>
               </a:rPr>
               <a:t>サイバーセキュリティ対策促進助成金</a:t>
             </a:r>
@@ -6156,7 +6358,7 @@
                 <a:latin typeface="Meiryo UI" panose="020B0604030504040204" pitchFamily="50" charset="-128"/>
                 <a:ea typeface="Meiryo UI" panose="020B0604030504040204" pitchFamily="50" charset="-128"/>
                 <a:cs typeface="Meiryo UI" panose="020B0604030504040204" pitchFamily="50" charset="-128"/>
-                <a:hlinkClick r:id="rId30"/>
+                <a:hlinkClick r:id="rId32"/>
               </a:rPr>
               <a:t>中小企業の情報セキュリティマネジメント指導業務</a:t>
             </a:r>
@@ -6168,7 +6370,7 @@
                 <a:latin typeface="Meiryo UI" panose="020B0604030504040204" pitchFamily="50" charset="-128"/>
                 <a:ea typeface="Meiryo UI" panose="020B0604030504040204" pitchFamily="50" charset="-128"/>
                 <a:cs typeface="Meiryo UI" panose="020B0604030504040204" pitchFamily="50" charset="-128"/>
-                <a:hlinkClick r:id="rId30"/>
+                <a:hlinkClick r:id="rId32"/>
               </a:rPr>
               <a:t>(METI</a:t>
             </a:r>
@@ -6180,7 +6382,7 @@
                 <a:latin typeface="Meiryo UI" panose="020B0604030504040204" pitchFamily="50" charset="-128"/>
                 <a:ea typeface="Meiryo UI" panose="020B0604030504040204" pitchFamily="50" charset="-128"/>
                 <a:cs typeface="Meiryo UI" panose="020B0604030504040204" pitchFamily="50" charset="-128"/>
-                <a:hlinkClick r:id="rId30"/>
+                <a:hlinkClick r:id="rId32"/>
               </a:rPr>
               <a:t>補助事業</a:t>
             </a:r>
@@ -6261,7 +6463,7 @@
                 <a:latin typeface="Meiryo UI" panose="020B0604030504040204" pitchFamily="50" charset="-128"/>
                 <a:ea typeface="Meiryo UI" panose="020B0604030504040204" pitchFamily="50" charset="-128"/>
                 <a:cs typeface="Meiryo UI" panose="020B0604030504040204" pitchFamily="50" charset="-128"/>
-                <a:hlinkClick r:id="rId31"/>
+                <a:hlinkClick r:id="rId33"/>
               </a:rPr>
               <a:t>中小企業向けサイバーセキュリティお助け隊（サイバーセキュリティ事後対応支援実証事業）</a:t>
             </a:r>
@@ -6353,7 +6555,7 @@
                 <a:latin typeface="Meiryo UI" panose="020B0604030504040204" pitchFamily="50" charset="-128"/>
                 <a:ea typeface="Meiryo UI" panose="020B0604030504040204" pitchFamily="50" charset="-128"/>
                 <a:cs typeface="Meiryo UI" panose="020B0604030504040204" pitchFamily="50" charset="-128"/>
-                <a:hlinkClick r:id="rId32"/>
+                <a:hlinkClick r:id="rId34"/>
               </a:rPr>
               <a:t>「ここからセキュリティ！」</a:t>
             </a:r>
@@ -6362,7 +6564,7 @@
                 <a:latin typeface="Meiryo UI" panose="020B0604030504040204" pitchFamily="50" charset="-128"/>
                 <a:ea typeface="Meiryo UI" panose="020B0604030504040204" pitchFamily="50" charset="-128"/>
                 <a:cs typeface="Meiryo UI" panose="020B0604030504040204" pitchFamily="50" charset="-128"/>
-                <a:hlinkClick r:id="rId32"/>
+                <a:hlinkClick r:id="rId34"/>
               </a:rPr>
               <a:t>:</a:t>
             </a:r>
@@ -6371,7 +6573,7 @@
                 <a:latin typeface="Meiryo UI" panose="020B0604030504040204" pitchFamily="50" charset="-128"/>
                 <a:ea typeface="Meiryo UI" panose="020B0604030504040204" pitchFamily="50" charset="-128"/>
                 <a:cs typeface="Meiryo UI" panose="020B0604030504040204" pitchFamily="50" charset="-128"/>
-                <a:hlinkClick r:id="rId32"/>
+                <a:hlinkClick r:id="rId34"/>
               </a:rPr>
               <a:t>ポータルサイト（事象・対象）</a:t>
             </a:r>
@@ -6404,7 +6606,7 @@
                 <a:latin typeface="Meiryo UI" panose="020B0604030504040204" pitchFamily="50" charset="-128"/>
                 <a:ea typeface="Meiryo UI" panose="020B0604030504040204" pitchFamily="50" charset="-128"/>
                 <a:cs typeface="Meiryo UI" panose="020B0604030504040204" pitchFamily="50" charset="-128"/>
-                <a:hlinkClick r:id="rId33"/>
+                <a:hlinkClick r:id="rId35"/>
               </a:rPr>
               <a:t>JC3 </a:t>
             </a:r>
@@ -6413,7 +6615,7 @@
                 <a:latin typeface="Meiryo UI" panose="020B0604030504040204" pitchFamily="50" charset="-128"/>
                 <a:ea typeface="Meiryo UI" panose="020B0604030504040204" pitchFamily="50" charset="-128"/>
                 <a:cs typeface="Meiryo UI" panose="020B0604030504040204" pitchFamily="50" charset="-128"/>
-                <a:hlinkClick r:id="rId33"/>
+                <a:hlinkClick r:id="rId35"/>
               </a:rPr>
               <a:t>情報提供 注意喚起情報</a:t>
             </a:r>
@@ -6440,7 +6642,7 @@
                 <a:latin typeface="Meiryo UI" panose="020B0604030504040204" pitchFamily="50" charset="-128"/>
                 <a:ea typeface="Meiryo UI" panose="020B0604030504040204" pitchFamily="50" charset="-128"/>
                 <a:cs typeface="Meiryo UI" panose="020B0604030504040204" pitchFamily="50" charset="-128"/>
-                <a:hlinkClick r:id="rId34"/>
+                <a:hlinkClick r:id="rId36"/>
               </a:rPr>
               <a:t>JC3:</a:t>
             </a:r>
@@ -6449,7 +6651,7 @@
                 <a:latin typeface="Meiryo UI" panose="020B0604030504040204" pitchFamily="50" charset="-128"/>
                 <a:ea typeface="Meiryo UI" panose="020B0604030504040204" pitchFamily="50" charset="-128"/>
                 <a:cs typeface="Meiryo UI" panose="020B0604030504040204" pitchFamily="50" charset="-128"/>
-                <a:hlinkClick r:id="rId34"/>
+                <a:hlinkClick r:id="rId36"/>
               </a:rPr>
               <a:t>あなたのパスワードが侵害されました</a:t>
             </a:r>
@@ -6476,7 +6678,7 @@
                 <a:latin typeface="Meiryo UI" panose="020B0604030504040204" pitchFamily="50" charset="-128"/>
                 <a:ea typeface="Meiryo UI" panose="020B0604030504040204" pitchFamily="50" charset="-128"/>
                 <a:cs typeface="Meiryo UI" panose="020B0604030504040204" pitchFamily="50" charset="-128"/>
-                <a:hlinkClick r:id="rId35"/>
+                <a:hlinkClick r:id="rId37"/>
               </a:rPr>
               <a:t>不正送金等</a:t>
             </a:r>
@@ -6506,7 +6708,7 @@
                 <a:latin typeface="Meiryo UI" panose="020B0604030504040204" pitchFamily="50" charset="-128"/>
                 <a:ea typeface="Meiryo UI" panose="020B0604030504040204" pitchFamily="50" charset="-128"/>
                 <a:cs typeface="Meiryo UI" panose="020B0604030504040204" pitchFamily="50" charset="-128"/>
-                <a:hlinkClick r:id="rId36"/>
+                <a:hlinkClick r:id="rId38"/>
               </a:rPr>
               <a:t>JPCERT/CC</a:t>
             </a:r>
@@ -6515,7 +6717,7 @@
                 <a:latin typeface="Meiryo UI" panose="020B0604030504040204" pitchFamily="50" charset="-128"/>
                 <a:ea typeface="Meiryo UI" panose="020B0604030504040204" pitchFamily="50" charset="-128"/>
                 <a:cs typeface="Meiryo UI" panose="020B0604030504040204" pitchFamily="50" charset="-128"/>
-                <a:hlinkClick r:id="rId36"/>
+                <a:hlinkClick r:id="rId38"/>
               </a:rPr>
               <a:t>　注意喚起</a:t>
             </a:r>
@@ -6550,7 +6752,7 @@
                 <a:latin typeface="Meiryo UI" panose="020B0604030504040204" pitchFamily="50" charset="-128"/>
                 <a:ea typeface="Meiryo UI" panose="020B0604030504040204" pitchFamily="50" charset="-128"/>
                 <a:cs typeface="Meiryo UI" panose="020B0604030504040204" pitchFamily="50" charset="-128"/>
-                <a:hlinkClick r:id="rId37"/>
+                <a:hlinkClick r:id="rId39"/>
               </a:rPr>
               <a:t>マルウエア </a:t>
             </a:r>
@@ -6559,7 +6761,7 @@
                 <a:latin typeface="Meiryo UI" panose="020B0604030504040204" pitchFamily="50" charset="-128"/>
                 <a:ea typeface="Meiryo UI" panose="020B0604030504040204" pitchFamily="50" charset="-128"/>
                 <a:cs typeface="Meiryo UI" panose="020B0604030504040204" pitchFamily="50" charset="-128"/>
-                <a:hlinkClick r:id="rId37"/>
+                <a:hlinkClick r:id="rId39"/>
               </a:rPr>
               <a:t>Emotet</a:t>
             </a:r>
@@ -6568,7 +6770,7 @@
                 <a:latin typeface="Meiryo UI" panose="020B0604030504040204" pitchFamily="50" charset="-128"/>
                 <a:ea typeface="Meiryo UI" panose="020B0604030504040204" pitchFamily="50" charset="-128"/>
                 <a:cs typeface="Meiryo UI" panose="020B0604030504040204" pitchFamily="50" charset="-128"/>
-                <a:hlinkClick r:id="rId37"/>
+                <a:hlinkClick r:id="rId39"/>
               </a:rPr>
               <a:t> </a:t>
             </a:r>
@@ -6577,7 +6779,7 @@
                 <a:latin typeface="Meiryo UI" panose="020B0604030504040204" pitchFamily="50" charset="-128"/>
                 <a:ea typeface="Meiryo UI" panose="020B0604030504040204" pitchFamily="50" charset="-128"/>
                 <a:cs typeface="Meiryo UI" panose="020B0604030504040204" pitchFamily="50" charset="-128"/>
-                <a:hlinkClick r:id="rId37"/>
+                <a:hlinkClick r:id="rId39"/>
               </a:rPr>
               <a:t>の感染に関する注意喚起</a:t>
             </a:r>
@@ -6604,7 +6806,7 @@
                 <a:latin typeface="Meiryo UI" panose="020B0604030504040204" pitchFamily="50" charset="-128"/>
                 <a:ea typeface="Meiryo UI" panose="020B0604030504040204" pitchFamily="50" charset="-128"/>
                 <a:cs typeface="Meiryo UI" panose="020B0604030504040204" pitchFamily="50" charset="-128"/>
-                <a:hlinkClick r:id="rId6"/>
+                <a:hlinkClick r:id="rId8"/>
               </a:rPr>
               <a:t>迷惑メール相談センター</a:t>
             </a:r>
@@ -6631,7 +6833,7 @@
                 <a:latin typeface="Meiryo UI" panose="020B0604030504040204" pitchFamily="50" charset="-128"/>
                 <a:ea typeface="Meiryo UI" panose="020B0604030504040204" pitchFamily="50" charset="-128"/>
                 <a:cs typeface="Meiryo UI" panose="020B0604030504040204" pitchFamily="50" charset="-128"/>
-                <a:hlinkClick r:id="rId38"/>
+                <a:hlinkClick r:id="rId40"/>
               </a:rPr>
               <a:t>迷惑メール・チェーンメール関連パンフレット</a:t>
             </a:r>
@@ -6658,7 +6860,7 @@
                 <a:latin typeface="Meiryo UI" panose="020B0604030504040204" pitchFamily="50" charset="-128"/>
                 <a:ea typeface="Meiryo UI" panose="020B0604030504040204" pitchFamily="50" charset="-128"/>
                 <a:cs typeface="Meiryo UI" panose="020B0604030504040204" pitchFamily="50" charset="-128"/>
-                <a:hlinkClick r:id="rId39"/>
+                <a:hlinkClick r:id="rId41"/>
               </a:rPr>
               <a:t>迷惑メール関連の関係法令・窓口等</a:t>
             </a:r>
@@ -6667,7 +6869,7 @@
                 <a:latin typeface="Meiryo UI" panose="020B0604030504040204" pitchFamily="50" charset="-128"/>
                 <a:ea typeface="Meiryo UI" panose="020B0604030504040204" pitchFamily="50" charset="-128"/>
                 <a:cs typeface="Meiryo UI" panose="020B0604030504040204" pitchFamily="50" charset="-128"/>
-                <a:hlinkClick r:id="rId39"/>
+                <a:hlinkClick r:id="rId41"/>
               </a:rPr>
               <a:t>(</a:t>
             </a:r>
@@ -6676,7 +6878,7 @@
                 <a:latin typeface="Meiryo UI" panose="020B0604030504040204" pitchFamily="50" charset="-128"/>
                 <a:ea typeface="Meiryo UI" panose="020B0604030504040204" pitchFamily="50" charset="-128"/>
                 <a:cs typeface="Meiryo UI" panose="020B0604030504040204" pitchFamily="50" charset="-128"/>
-                <a:hlinkClick r:id="rId39"/>
+                <a:hlinkClick r:id="rId41"/>
               </a:rPr>
               <a:t>迷惑メール白書</a:t>
             </a:r>
@@ -6685,7 +6887,7 @@
                 <a:latin typeface="Meiryo UI" panose="020B0604030504040204" pitchFamily="50" charset="-128"/>
                 <a:ea typeface="Meiryo UI" panose="020B0604030504040204" pitchFamily="50" charset="-128"/>
                 <a:cs typeface="Meiryo UI" panose="020B0604030504040204" pitchFamily="50" charset="-128"/>
-                <a:hlinkClick r:id="rId39"/>
+                <a:hlinkClick r:id="rId41"/>
               </a:rPr>
               <a:t>2019</a:t>
             </a:r>
@@ -6694,7 +6896,7 @@
                 <a:latin typeface="Meiryo UI" panose="020B0604030504040204" pitchFamily="50" charset="-128"/>
                 <a:ea typeface="Meiryo UI" panose="020B0604030504040204" pitchFamily="50" charset="-128"/>
                 <a:cs typeface="Meiryo UI" panose="020B0604030504040204" pitchFamily="50" charset="-128"/>
-                <a:hlinkClick r:id="rId39"/>
+                <a:hlinkClick r:id="rId41"/>
               </a:rPr>
               <a:t>より</a:t>
             </a:r>
@@ -6703,7 +6905,7 @@
                 <a:latin typeface="Meiryo UI" panose="020B0604030504040204" pitchFamily="50" charset="-128"/>
                 <a:ea typeface="Meiryo UI" panose="020B0604030504040204" pitchFamily="50" charset="-128"/>
                 <a:cs typeface="Meiryo UI" panose="020B0604030504040204" pitchFamily="50" charset="-128"/>
-                <a:hlinkClick r:id="rId39"/>
+                <a:hlinkClick r:id="rId41"/>
               </a:rPr>
               <a:t>)</a:t>
             </a:r>
@@ -6730,7 +6932,7 @@
                 <a:latin typeface="Meiryo UI" panose="020B0604030504040204" pitchFamily="50" charset="-128"/>
                 <a:ea typeface="Meiryo UI" panose="020B0604030504040204" pitchFamily="50" charset="-128"/>
                 <a:cs typeface="Meiryo UI" panose="020B0604030504040204" pitchFamily="50" charset="-128"/>
-                <a:hlinkClick r:id="rId40"/>
+                <a:hlinkClick r:id="rId42"/>
               </a:rPr>
               <a:t>中小企業の情報セキュリティ対策ガイドライン</a:t>
             </a:r>
@@ -6747,7 +6949,7 @@
                 <a:latin typeface="Meiryo UI" panose="020B0604030504040204" pitchFamily="50" charset="-128"/>
                 <a:ea typeface="Meiryo UI" panose="020B0604030504040204" pitchFamily="50" charset="-128"/>
                 <a:cs typeface="Meiryo UI" panose="020B0604030504040204" pitchFamily="50" charset="-128"/>
-                <a:hlinkClick r:id="rId41"/>
+                <a:hlinkClick r:id="rId43"/>
               </a:rPr>
               <a:t>第</a:t>
             </a:r>
@@ -6756,7 +6958,7 @@
                 <a:latin typeface="Meiryo UI" panose="020B0604030504040204" pitchFamily="50" charset="-128"/>
                 <a:ea typeface="Meiryo UI" panose="020B0604030504040204" pitchFamily="50" charset="-128"/>
                 <a:cs typeface="Meiryo UI" panose="020B0604030504040204" pitchFamily="50" charset="-128"/>
-                <a:hlinkClick r:id="rId41"/>
+                <a:hlinkClick r:id="rId43"/>
               </a:rPr>
               <a:t>3</a:t>
             </a:r>
@@ -6765,7 +6967,7 @@
                 <a:latin typeface="Meiryo UI" panose="020B0604030504040204" pitchFamily="50" charset="-128"/>
                 <a:ea typeface="Meiryo UI" panose="020B0604030504040204" pitchFamily="50" charset="-128"/>
                 <a:cs typeface="Meiryo UI" panose="020B0604030504040204" pitchFamily="50" charset="-128"/>
-                <a:hlinkClick r:id="rId41"/>
+                <a:hlinkClick r:id="rId43"/>
               </a:rPr>
               <a:t>版電子版</a:t>
             </a:r>
@@ -6811,7 +7013,7 @@
                 <a:latin typeface="Meiryo UI" panose="020B0604030504040204" pitchFamily="50" charset="-128"/>
                 <a:ea typeface="Meiryo UI" panose="020B0604030504040204" pitchFamily="50" charset="-128"/>
                 <a:cs typeface="Meiryo UI" panose="020B0604030504040204" pitchFamily="50" charset="-128"/>
-                <a:hlinkClick r:id="rId42"/>
+                <a:hlinkClick r:id="rId44"/>
               </a:rPr>
               <a:t>情報セキュリティ</a:t>
             </a:r>
@@ -6820,7 +7022,7 @@
                 <a:latin typeface="Meiryo UI" panose="020B0604030504040204" pitchFamily="50" charset="-128"/>
                 <a:ea typeface="Meiryo UI" panose="020B0604030504040204" pitchFamily="50" charset="-128"/>
                 <a:cs typeface="Meiryo UI" panose="020B0604030504040204" pitchFamily="50" charset="-128"/>
-                <a:hlinkClick r:id="rId42"/>
+                <a:hlinkClick r:id="rId44"/>
               </a:rPr>
               <a:t>5</a:t>
             </a:r>
@@ -6829,7 +7031,7 @@
                 <a:latin typeface="Meiryo UI" panose="020B0604030504040204" pitchFamily="50" charset="-128"/>
                 <a:ea typeface="Meiryo UI" panose="020B0604030504040204" pitchFamily="50" charset="-128"/>
                 <a:cs typeface="Meiryo UI" panose="020B0604030504040204" pitchFamily="50" charset="-128"/>
-                <a:hlinkClick r:id="rId42"/>
+                <a:hlinkClick r:id="rId44"/>
               </a:rPr>
               <a:t>か条</a:t>
             </a:r>
@@ -6846,7 +7048,7 @@
                 <a:latin typeface="Meiryo UI" panose="020B0604030504040204" pitchFamily="50" charset="-128"/>
                 <a:ea typeface="Meiryo UI" panose="020B0604030504040204" pitchFamily="50" charset="-128"/>
                 <a:cs typeface="Meiryo UI" panose="020B0604030504040204" pitchFamily="50" charset="-128"/>
-                <a:hlinkClick r:id="rId43"/>
+                <a:hlinkClick r:id="rId45"/>
               </a:rPr>
               <a:t>5</a:t>
             </a:r>
@@ -6855,7 +7057,7 @@
                 <a:latin typeface="Meiryo UI" panose="020B0604030504040204" pitchFamily="50" charset="-128"/>
                 <a:ea typeface="Meiryo UI" panose="020B0604030504040204" pitchFamily="50" charset="-128"/>
                 <a:cs typeface="Meiryo UI" panose="020B0604030504040204" pitchFamily="50" charset="-128"/>
-                <a:hlinkClick r:id="rId43"/>
+                <a:hlinkClick r:id="rId45"/>
               </a:rPr>
               <a:t>分でできる！情報セキュリティ自社診断</a:t>
             </a:r>
@@ -6882,7 +7084,7 @@
                 <a:latin typeface="Meiryo UI" panose="020B0604030504040204" pitchFamily="50" charset="-128"/>
                 <a:ea typeface="Meiryo UI" panose="020B0604030504040204" pitchFamily="50" charset="-128"/>
                 <a:cs typeface="Meiryo UI" panose="020B0604030504040204" pitchFamily="50" charset="-128"/>
-                <a:hlinkClick r:id="rId44"/>
+                <a:hlinkClick r:id="rId46"/>
               </a:rPr>
               <a:t>国民のための情報セキュリティサイト</a:t>
             </a:r>
@@ -6954,7 +7156,7 @@
             </a:r>
             <a:r>
               <a:rPr lang="en-US" altLang="ja-JP" sz="1200" dirty="0"/>
-              <a:t>2</a:t>
+              <a:t>10</a:t>
             </a:r>
             <a:r>
               <a:rPr lang="ja-JP" altLang="en-US" sz="1200" dirty="0"/>
@@ -6962,7 +7164,7 @@
             </a:r>
             <a:r>
               <a:rPr lang="en-US" altLang="ja-JP" sz="1200" dirty="0"/>
-              <a:t>8</a:t>
+              <a:t>29</a:t>
             </a:r>
             <a:r>
               <a:rPr lang="ja-JP" altLang="en-US" sz="1200" dirty="0"/>
@@ -7092,26 +7294,26 @@
           <a:p>
             <a:pPr algn="r"/>
             <a:r>
+              <a:rPr lang="ja-JP" altLang="en-US" sz="1000" b="1" dirty="0">
+                <a:hlinkClick r:id="rId47"/>
+              </a:rPr>
+              <a:t>サイバーセキュリティ対策の極意ポータルサイト</a:t>
+            </a:r>
+            <a:endParaRPr lang="en-US" altLang="ja-JP" sz="1000" b="1" dirty="0">
+              <a:hlinkClick r:id="rId48"/>
+            </a:endParaRPr>
+          </a:p>
+          <a:p>
+            <a:pPr algn="r"/>
+            <a:r>
+              <a:rPr lang="en-US" altLang="ja-JP" sz="1000" dirty="0">
+                <a:hlinkClick r:id="rId49"/>
+              </a:rPr>
+              <a:t>Sec01-08-3 </a:t>
+            </a:r>
+            <a:r>
               <a:rPr lang="ja-JP" altLang="en-US" sz="1000" dirty="0">
-                <a:hlinkClick r:id="rId45"/>
-              </a:rPr>
-              <a:t>サイバーセキュリティ対策の極意ポータルサイト</a:t>
-            </a:r>
-            <a:endParaRPr lang="en-US" altLang="ja-JP" sz="1000" dirty="0">
-              <a:hlinkClick r:id="rId46"/>
-            </a:endParaRPr>
-          </a:p>
-          <a:p>
-            <a:pPr algn="r"/>
-            <a:r>
-              <a:rPr lang="en-US" altLang="ja-JP" sz="1000" dirty="0">
-                <a:hlinkClick r:id="rId46"/>
-              </a:rPr>
-              <a:t>Sec01-08-3 </a:t>
-            </a:r>
-            <a:r>
-              <a:rPr lang="ja-JP" altLang="en-US" sz="1000" dirty="0">
-                <a:hlinkClick r:id="rId46"/>
+                <a:hlinkClick r:id="rId49"/>
               </a:rPr>
               <a:t>相談対応手順書</a:t>
             </a:r>

--- a/Cyber/相談・届出先クイックリスト（張り紙用）.pptx
+++ b/Cyber/相談・届出先クイックリスト（張り紙用）.pptx
@@ -130,7 +130,7 @@
 <file path=ppt/revisionInfo.xml><?xml version="1.0" encoding="utf-8"?>
 <p1510:revInfo xmlns:a="http://schemas.openxmlformats.org/drawingml/2006/main" xmlns:r="http://schemas.openxmlformats.org/officeDocument/2006/relationships" xmlns:p1510="http://schemas.microsoft.com/office/powerpoint/2015/10/main">
   <p1510:revLst>
-    <p1510:client id="{4472EF13-105D-4510-B5EF-D155BAD4BCC5}" v="3" dt="2021-10-29T00:55:56.301"/>
+    <p1510:client id="{4472EF13-105D-4510-B5EF-D155BAD4BCC5}" v="6" dt="2021-11-22T00:45:26.645"/>
   </p1510:revLst>
 </p1510:revInfo>
 </file>
@@ -188,18 +188,18 @@
   <pc:docChgLst>
     <pc:chgData name="Masaki Nakayama" userId="7eabd57b-b900-4e86-8622-e94bcfa04d00" providerId="ADAL" clId="{4472EF13-105D-4510-B5EF-D155BAD4BCC5}"/>
     <pc:docChg chg="undo custSel modSld">
-      <pc:chgData name="Masaki Nakayama" userId="7eabd57b-b900-4e86-8622-e94bcfa04d00" providerId="ADAL" clId="{4472EF13-105D-4510-B5EF-D155BAD4BCC5}" dt="2021-10-29T00:56:09.458" v="51" actId="113"/>
+      <pc:chgData name="Masaki Nakayama" userId="7eabd57b-b900-4e86-8622-e94bcfa04d00" providerId="ADAL" clId="{4472EF13-105D-4510-B5EF-D155BAD4BCC5}" dt="2021-11-22T00:45:44.059" v="75" actId="20577"/>
       <pc:docMkLst>
         <pc:docMk/>
       </pc:docMkLst>
       <pc:sldChg chg="modSp mod">
-        <pc:chgData name="Masaki Nakayama" userId="7eabd57b-b900-4e86-8622-e94bcfa04d00" providerId="ADAL" clId="{4472EF13-105D-4510-B5EF-D155BAD4BCC5}" dt="2021-10-29T00:56:09.458" v="51" actId="113"/>
+        <pc:chgData name="Masaki Nakayama" userId="7eabd57b-b900-4e86-8622-e94bcfa04d00" providerId="ADAL" clId="{4472EF13-105D-4510-B5EF-D155BAD4BCC5}" dt="2021-11-22T00:45:44.059" v="75" actId="20577"/>
         <pc:sldMkLst>
           <pc:docMk/>
           <pc:sldMk cId="984613830" sldId="256"/>
         </pc:sldMkLst>
         <pc:spChg chg="mod">
-          <ac:chgData name="Masaki Nakayama" userId="7eabd57b-b900-4e86-8622-e94bcfa04d00" providerId="ADAL" clId="{4472EF13-105D-4510-B5EF-D155BAD4BCC5}" dt="2021-10-29T00:47:21.331" v="9" actId="20577"/>
+          <ac:chgData name="Masaki Nakayama" userId="7eabd57b-b900-4e86-8622-e94bcfa04d00" providerId="ADAL" clId="{4472EF13-105D-4510-B5EF-D155BAD4BCC5}" dt="2021-11-22T00:45:44.059" v="75" actId="20577"/>
           <ac:spMkLst>
             <pc:docMk/>
             <pc:sldMk cId="984613830" sldId="256"/>
@@ -207,7 +207,7 @@
           </ac:spMkLst>
         </pc:spChg>
         <pc:spChg chg="mod">
-          <ac:chgData name="Masaki Nakayama" userId="7eabd57b-b900-4e86-8622-e94bcfa04d00" providerId="ADAL" clId="{4472EF13-105D-4510-B5EF-D155BAD4BCC5}" dt="2021-10-29T00:55:24.188" v="50"/>
+          <ac:chgData name="Masaki Nakayama" userId="7eabd57b-b900-4e86-8622-e94bcfa04d00" providerId="ADAL" clId="{4472EF13-105D-4510-B5EF-D155BAD4BCC5}" dt="2021-11-22T00:44:41.237" v="69" actId="20577"/>
           <ac:spMkLst>
             <pc:docMk/>
             <pc:sldMk cId="984613830" sldId="256"/>
@@ -447,7 +447,7 @@
           <a:p>
             <a:fld id="{B167F82F-9FB1-4880-8F8D-0793BD49E028}" type="datetimeFigureOut">
               <a:rPr kumimoji="1" lang="ja-JP" altLang="en-US" smtClean="0"/>
-              <a:t>2021/10/29</a:t>
+              <a:t>2021/11/22</a:t>
             </a:fld>
             <a:endParaRPr kumimoji="1" lang="ja-JP" altLang="en-US"/>
           </a:p>
@@ -647,7 +647,7 @@
           <a:p>
             <a:fld id="{B167F82F-9FB1-4880-8F8D-0793BD49E028}" type="datetimeFigureOut">
               <a:rPr kumimoji="1" lang="ja-JP" altLang="en-US" smtClean="0"/>
-              <a:t>2021/10/29</a:t>
+              <a:t>2021/11/22</a:t>
             </a:fld>
             <a:endParaRPr kumimoji="1" lang="ja-JP" altLang="en-US"/>
           </a:p>
@@ -857,7 +857,7 @@
           <a:p>
             <a:fld id="{B167F82F-9FB1-4880-8F8D-0793BD49E028}" type="datetimeFigureOut">
               <a:rPr kumimoji="1" lang="ja-JP" altLang="en-US" smtClean="0"/>
-              <a:t>2021/10/29</a:t>
+              <a:t>2021/11/22</a:t>
             </a:fld>
             <a:endParaRPr kumimoji="1" lang="ja-JP" altLang="en-US"/>
           </a:p>
@@ -1057,7 +1057,7 @@
           <a:p>
             <a:fld id="{B167F82F-9FB1-4880-8F8D-0793BD49E028}" type="datetimeFigureOut">
               <a:rPr kumimoji="1" lang="ja-JP" altLang="en-US" smtClean="0"/>
-              <a:t>2021/10/29</a:t>
+              <a:t>2021/11/22</a:t>
             </a:fld>
             <a:endParaRPr kumimoji="1" lang="ja-JP" altLang="en-US"/>
           </a:p>
@@ -1302,7 +1302,7 @@
           <a:p>
             <a:fld id="{B167F82F-9FB1-4880-8F8D-0793BD49E028}" type="datetimeFigureOut">
               <a:rPr kumimoji="1" lang="ja-JP" altLang="en-US" smtClean="0"/>
-              <a:t>2021/10/29</a:t>
+              <a:t>2021/11/22</a:t>
             </a:fld>
             <a:endParaRPr kumimoji="1" lang="ja-JP" altLang="en-US"/>
           </a:p>
@@ -1651,7 +1651,7 @@
           <a:p>
             <a:fld id="{B167F82F-9FB1-4880-8F8D-0793BD49E028}" type="datetimeFigureOut">
               <a:rPr kumimoji="1" lang="ja-JP" altLang="en-US" smtClean="0"/>
-              <a:t>2021/10/29</a:t>
+              <a:t>2021/11/22</a:t>
             </a:fld>
             <a:endParaRPr kumimoji="1" lang="ja-JP" altLang="en-US"/>
           </a:p>
@@ -2134,7 +2134,7 @@
           <a:p>
             <a:fld id="{B167F82F-9FB1-4880-8F8D-0793BD49E028}" type="datetimeFigureOut">
               <a:rPr kumimoji="1" lang="ja-JP" altLang="en-US" smtClean="0"/>
-              <a:t>2021/10/29</a:t>
+              <a:t>2021/11/22</a:t>
             </a:fld>
             <a:endParaRPr kumimoji="1" lang="ja-JP" altLang="en-US"/>
           </a:p>
@@ -2251,7 +2251,7 @@
           <a:p>
             <a:fld id="{B167F82F-9FB1-4880-8F8D-0793BD49E028}" type="datetimeFigureOut">
               <a:rPr kumimoji="1" lang="ja-JP" altLang="en-US" smtClean="0"/>
-              <a:t>2021/10/29</a:t>
+              <a:t>2021/11/22</a:t>
             </a:fld>
             <a:endParaRPr kumimoji="1" lang="ja-JP" altLang="en-US"/>
           </a:p>
@@ -2346,7 +2346,7 @@
           <a:p>
             <a:fld id="{B167F82F-9FB1-4880-8F8D-0793BD49E028}" type="datetimeFigureOut">
               <a:rPr kumimoji="1" lang="ja-JP" altLang="en-US" smtClean="0"/>
-              <a:t>2021/10/29</a:t>
+              <a:t>2021/11/22</a:t>
             </a:fld>
             <a:endParaRPr kumimoji="1" lang="ja-JP" altLang="en-US"/>
           </a:p>
@@ -2653,7 +2653,7 @@
           <a:p>
             <a:fld id="{B167F82F-9FB1-4880-8F8D-0793BD49E028}" type="datetimeFigureOut">
               <a:rPr kumimoji="1" lang="ja-JP" altLang="en-US" smtClean="0"/>
-              <a:t>2021/10/29</a:t>
+              <a:t>2021/11/22</a:t>
             </a:fld>
             <a:endParaRPr kumimoji="1" lang="ja-JP" altLang="en-US"/>
           </a:p>
@@ -2905,7 +2905,7 @@
           <a:p>
             <a:fld id="{B167F82F-9FB1-4880-8F8D-0793BD49E028}" type="datetimeFigureOut">
               <a:rPr kumimoji="1" lang="ja-JP" altLang="en-US" smtClean="0"/>
-              <a:t>2021/10/29</a:t>
+              <a:t>2021/11/22</a:t>
             </a:fld>
             <a:endParaRPr kumimoji="1" lang="ja-JP" altLang="en-US"/>
           </a:p>
@@ -3148,7 +3148,7 @@
           <a:p>
             <a:fld id="{B167F82F-9FB1-4880-8F8D-0793BD49E028}" type="datetimeFigureOut">
               <a:rPr kumimoji="1" lang="ja-JP" altLang="en-US" smtClean="0"/>
-              <a:t>2021/10/29</a:t>
+              <a:t>2021/11/22</a:t>
             </a:fld>
             <a:endParaRPr kumimoji="1" lang="ja-JP" altLang="en-US"/>
           </a:p>
@@ -3789,8 +3789,54 @@
                 <a:latin typeface="Meiryo UI" panose="020B0604030504040204" pitchFamily="50" charset="-128"/>
                 <a:ea typeface="Meiryo UI" panose="020B0604030504040204" pitchFamily="50" charset="-128"/>
                 <a:cs typeface="Meiryo UI" panose="020B0604030504040204" pitchFamily="50" charset="-128"/>
-              </a:rPr>
-              <a:t>＜＜＜＜インシデント対応＞＞＞＞</a:t>
+                <a:hlinkClick r:id="rId5"/>
+              </a:rPr>
+              <a:t>経営者の理解のもと、組織としてセキュリティ対策をしっかりと！</a:t>
+            </a:r>
+            <a:r>
+              <a:rPr lang="en-US" altLang="ja-JP" sz="1050" b="1" dirty="0">
+                <a:solidFill>
+                  <a:srgbClr val="FF0000"/>
+                </a:solidFill>
+                <a:highlight>
+                  <a:srgbClr val="FFFF00"/>
+                </a:highlight>
+                <a:latin typeface="Meiryo UI" panose="020B0604030504040204" pitchFamily="50" charset="-128"/>
+                <a:ea typeface="Meiryo UI" panose="020B0604030504040204" pitchFamily="50" charset="-128"/>
+                <a:cs typeface="Meiryo UI" panose="020B0604030504040204" pitchFamily="50" charset="-128"/>
+                <a:hlinkClick r:id="rId5"/>
+              </a:rPr>
+              <a:t>【</a:t>
+            </a:r>
+            <a:r>
+              <a:rPr lang="ja-JP" altLang="en-US" sz="1050" b="1" dirty="0">
+                <a:solidFill>
+                  <a:srgbClr val="FF0000"/>
+                </a:solidFill>
+                <a:highlight>
+                  <a:srgbClr val="FFFF00"/>
+                </a:highlight>
+                <a:latin typeface="Meiryo UI" panose="020B0604030504040204" pitchFamily="50" charset="-128"/>
+                <a:ea typeface="Meiryo UI" panose="020B0604030504040204" pitchFamily="50" charset="-128"/>
+                <a:cs typeface="Meiryo UI" panose="020B0604030504040204" pitchFamily="50" charset="-128"/>
+                <a:hlinkClick r:id="rId5"/>
+              </a:rPr>
+              <a:t>詳細版</a:t>
+            </a:r>
+            <a:r>
+              <a:rPr lang="en-US" altLang="ja-JP" sz="1050" b="1" dirty="0">
+                <a:solidFill>
+                  <a:srgbClr val="FF0000"/>
+                </a:solidFill>
+                <a:highlight>
+                  <a:srgbClr val="FFFF00"/>
+                </a:highlight>
+                <a:latin typeface="Meiryo UI" panose="020B0604030504040204" pitchFamily="50" charset="-128"/>
+                <a:ea typeface="Meiryo UI" panose="020B0604030504040204" pitchFamily="50" charset="-128"/>
+                <a:cs typeface="Meiryo UI" panose="020B0604030504040204" pitchFamily="50" charset="-128"/>
+                <a:hlinkClick r:id="rId5"/>
+              </a:rPr>
+              <a:t>】</a:t>
             </a:r>
             <a:endParaRPr lang="en-US" altLang="ja-JP" sz="1050" b="1" dirty="0">
               <a:solidFill>
@@ -3810,75 +3856,106 @@
             </a:pPr>
             <a:r>
               <a:rPr lang="ja-JP" altLang="en-US" sz="1050" b="1" dirty="0">
-                <a:latin typeface="Meiryo UI" panose="020B0604030504040204" pitchFamily="50" charset="-128"/>
-                <a:ea typeface="Meiryo UI" panose="020B0604030504040204" pitchFamily="50" charset="-128"/>
-                <a:cs typeface="Meiryo UI" panose="020B0604030504040204" pitchFamily="50" charset="-128"/>
-              </a:rPr>
-              <a:t>■</a:t>
-            </a:r>
-            <a:r>
-              <a:rPr lang="ja-JP" altLang="ja-JP" sz="1050" b="1" dirty="0">
-                <a:latin typeface="Meiryo UI" panose="020B0604030504040204" pitchFamily="50" charset="-128"/>
-                <a:ea typeface="Meiryo UI" panose="020B0604030504040204" pitchFamily="50" charset="-128"/>
-                <a:cs typeface="Meiryo UI" panose="020B0604030504040204" pitchFamily="50" charset="-128"/>
-              </a:rPr>
-              <a:t>一般的な情報セキュリティ相談</a:t>
-            </a:r>
-          </a:p>
-          <a:p>
-            <a:pPr marL="0" indent="0">
-              <a:buNone/>
-            </a:pPr>
-            <a:r>
-              <a:rPr lang="ja-JP" altLang="en-US" sz="1050" dirty="0">
-                <a:latin typeface="Meiryo UI" panose="020B0604030504040204" pitchFamily="50" charset="-128"/>
-                <a:ea typeface="Meiryo UI" panose="020B0604030504040204" pitchFamily="50" charset="-128"/>
-                <a:cs typeface="Meiryo UI" panose="020B0604030504040204" pitchFamily="50" charset="-128"/>
-              </a:rPr>
-              <a:t> ●</a:t>
-            </a:r>
-            <a:r>
-              <a:rPr lang="en-US" altLang="ja-JP" sz="1050" dirty="0">
-                <a:latin typeface="Meiryo UI" panose="020B0604030504040204" pitchFamily="50" charset="-128"/>
-                <a:ea typeface="Meiryo UI" panose="020B0604030504040204" pitchFamily="50" charset="-128"/>
-                <a:cs typeface="Meiryo UI" panose="020B0604030504040204" pitchFamily="50" charset="-128"/>
-                <a:hlinkClick r:id="rId5"/>
-              </a:rPr>
-              <a:t>IPA</a:t>
-            </a:r>
-            <a:r>
-              <a:rPr lang="ja-JP" altLang="ja-JP" sz="1050" dirty="0">
-                <a:latin typeface="Meiryo UI" panose="020B0604030504040204" pitchFamily="50" charset="-128"/>
-                <a:ea typeface="Meiryo UI" panose="020B0604030504040204" pitchFamily="50" charset="-128"/>
-                <a:cs typeface="Meiryo UI" panose="020B0604030504040204" pitchFamily="50" charset="-128"/>
-                <a:hlinkClick r:id="rId5"/>
-              </a:rPr>
-              <a:t>セキュリティセンター</a:t>
-            </a:r>
-            <a:r>
-              <a:rPr lang="ja-JP" altLang="ja-JP" sz="1050" dirty="0">
-                <a:solidFill>
-                  <a:srgbClr val="FF0000"/>
-                </a:solidFill>
-                <a:latin typeface="Meiryo UI" panose="020B0604030504040204" pitchFamily="50" charset="-128"/>
-                <a:ea typeface="Meiryo UI" panose="020B0604030504040204" pitchFamily="50" charset="-128"/>
-                <a:cs typeface="Meiryo UI" panose="020B0604030504040204" pitchFamily="50" charset="-128"/>
-                <a:hlinkClick r:id="rId5"/>
-              </a:rPr>
-              <a:t>情報セキュリティ安心相談窓口</a:t>
-            </a:r>
-            <a:endParaRPr lang="ja-JP" altLang="ja-JP" sz="1050" dirty="0">
+                <a:solidFill>
+                  <a:srgbClr val="FF0000"/>
+                </a:solidFill>
+                <a:highlight>
+                  <a:srgbClr val="FFFF00"/>
+                </a:highlight>
+                <a:latin typeface="Meiryo UI" panose="020B0604030504040204" pitchFamily="50" charset="-128"/>
+                <a:ea typeface="Meiryo UI" panose="020B0604030504040204" pitchFamily="50" charset="-128"/>
+                <a:cs typeface="Meiryo UI" panose="020B0604030504040204" pitchFamily="50" charset="-128"/>
+              </a:rPr>
+              <a:t>＜＜＜＜インシデント対応＞＞＞＞</a:t>
+            </a:r>
+            <a:endParaRPr lang="en-US" altLang="ja-JP" sz="1050" b="1" dirty="0">
               <a:solidFill>
                 <a:srgbClr val="FF0000"/>
               </a:solidFill>
-              <a:latin typeface="Meiryo UI" panose="020B0604030504040204" pitchFamily="50" charset="-128"/>
-              <a:ea typeface="Meiryo UI" panose="020B0604030504040204" pitchFamily="50" charset="-128"/>
-              <a:cs typeface="Meiryo UI" panose="020B0604030504040204" pitchFamily="50" charset="-128"/>
-            </a:endParaRPr>
-          </a:p>
-          <a:p>
+              <a:highlight>
+                <a:srgbClr val="FFFF00"/>
+              </a:highlight>
+              <a:latin typeface="Meiryo UI" panose="020B0604030504040204" pitchFamily="50" charset="-128"/>
+              <a:ea typeface="Meiryo UI" panose="020B0604030504040204" pitchFamily="50" charset="-128"/>
+              <a:cs typeface="Meiryo UI" panose="020B0604030504040204" pitchFamily="50" charset="-128"/>
+            </a:endParaRPr>
+          </a:p>
+          <a:p>
+            <a:pPr marL="0" indent="0">
+              <a:buNone/>
+            </a:pPr>
+            <a:r>
+              <a:rPr lang="ja-JP" altLang="en-US" sz="1050" b="1" dirty="0">
+                <a:latin typeface="Meiryo UI" panose="020B0604030504040204" pitchFamily="50" charset="-128"/>
+                <a:ea typeface="Meiryo UI" panose="020B0604030504040204" pitchFamily="50" charset="-128"/>
+                <a:cs typeface="Meiryo UI" panose="020B0604030504040204" pitchFamily="50" charset="-128"/>
+              </a:rPr>
+              <a:t>■</a:t>
+            </a:r>
+            <a:r>
+              <a:rPr lang="ja-JP" altLang="ja-JP" sz="1050" b="1" dirty="0">
+                <a:latin typeface="Meiryo UI" panose="020B0604030504040204" pitchFamily="50" charset="-128"/>
+                <a:ea typeface="Meiryo UI" panose="020B0604030504040204" pitchFamily="50" charset="-128"/>
+                <a:cs typeface="Meiryo UI" panose="020B0604030504040204" pitchFamily="50" charset="-128"/>
+              </a:rPr>
+              <a:t>一般的な情報セキュリティ相談</a:t>
+            </a:r>
+          </a:p>
+          <a:p>
+            <a:pPr marL="0" indent="0">
+              <a:buNone/>
+            </a:pPr>
+            <a:r>
+              <a:rPr lang="ja-JP" altLang="en-US" sz="1050" dirty="0">
+                <a:latin typeface="Meiryo UI" panose="020B0604030504040204" pitchFamily="50" charset="-128"/>
+                <a:ea typeface="Meiryo UI" panose="020B0604030504040204" pitchFamily="50" charset="-128"/>
+                <a:cs typeface="Meiryo UI" panose="020B0604030504040204" pitchFamily="50" charset="-128"/>
+              </a:rPr>
+              <a:t> ●</a:t>
+            </a:r>
+            <a:r>
+              <a:rPr lang="en-US" altLang="ja-JP" sz="1050" dirty="0">
+                <a:latin typeface="Meiryo UI" panose="020B0604030504040204" pitchFamily="50" charset="-128"/>
+                <a:ea typeface="Meiryo UI" panose="020B0604030504040204" pitchFamily="50" charset="-128"/>
+                <a:cs typeface="Meiryo UI" panose="020B0604030504040204" pitchFamily="50" charset="-128"/>
+                <a:hlinkClick r:id="rId6"/>
+              </a:rPr>
+              <a:t>IPA</a:t>
+            </a:r>
             <a:r>
               <a:rPr lang="ja-JP" altLang="ja-JP" sz="1050" dirty="0">
+                <a:latin typeface="Meiryo UI" panose="020B0604030504040204" pitchFamily="50" charset="-128"/>
+                <a:ea typeface="Meiryo UI" panose="020B0604030504040204" pitchFamily="50" charset="-128"/>
+                <a:cs typeface="Meiryo UI" panose="020B0604030504040204" pitchFamily="50" charset="-128"/>
+                <a:hlinkClick r:id="rId6"/>
+              </a:rPr>
+              <a:t>セキュリティセンター</a:t>
+            </a:r>
+            <a:r>
+              <a:rPr lang="ja-JP" altLang="ja-JP" sz="1050" dirty="0">
+                <a:solidFill>
+                  <a:srgbClr val="FF0000"/>
+                </a:solidFill>
+                <a:latin typeface="Meiryo UI" panose="020B0604030504040204" pitchFamily="50" charset="-128"/>
+                <a:ea typeface="Meiryo UI" panose="020B0604030504040204" pitchFamily="50" charset="-128"/>
+                <a:cs typeface="Meiryo UI" panose="020B0604030504040204" pitchFamily="50" charset="-128"/>
+                <a:hlinkClick r:id="rId6"/>
+              </a:rPr>
+              <a:t>情報セキュリティ安心相談窓口</a:t>
+            </a:r>
+            <a:r>
+              <a:rPr lang="en-US" altLang="ja-JP" sz="1050" dirty="0">
+                <a:solidFill>
+                  <a:srgbClr val="FF0000"/>
+                </a:solidFill>
+                <a:latin typeface="Meiryo UI" panose="020B0604030504040204" pitchFamily="50" charset="-128"/>
+                <a:ea typeface="Meiryo UI" panose="020B0604030504040204" pitchFamily="50" charset="-128"/>
+                <a:cs typeface="Meiryo UI" panose="020B0604030504040204" pitchFamily="50" charset="-128"/>
+              </a:rPr>
+              <a:t> </a:t>
+            </a:r>
+            <a:r>
+              <a:rPr lang="ja-JP" altLang="ja-JP" sz="1050" dirty="0">
                 <a:solidFill>
                   <a:srgbClr val="FF0000"/>
                 </a:solidFill>
@@ -3887,57 +3964,6 @@
                 <a:cs typeface="Meiryo UI" panose="020B0604030504040204" pitchFamily="50" charset="-128"/>
               </a:rPr>
               <a:t>☎</a:t>
-            </a:r>
-            <a:r>
-              <a:rPr lang="en-US" altLang="ja-JP" sz="1050" dirty="0">
-                <a:solidFill>
-                  <a:srgbClr val="FF0000"/>
-                </a:solidFill>
-                <a:latin typeface="Meiryo UI" panose="020B0604030504040204" pitchFamily="50" charset="-128"/>
-                <a:ea typeface="Meiryo UI" panose="020B0604030504040204" pitchFamily="50" charset="-128"/>
-                <a:cs typeface="Meiryo UI" panose="020B0604030504040204" pitchFamily="50" charset="-128"/>
-              </a:rPr>
-              <a:t> 03-5978-7509 </a:t>
-            </a:r>
-            <a:r>
-              <a:rPr lang="en-US" altLang="ja-JP" sz="1050" dirty="0">
-                <a:latin typeface="Meiryo UI" panose="020B0604030504040204" pitchFamily="50" charset="-128"/>
-                <a:ea typeface="Meiryo UI" panose="020B0604030504040204" pitchFamily="50" charset="-128"/>
-                <a:cs typeface="Meiryo UI" panose="020B0604030504040204" pitchFamily="50" charset="-128"/>
-              </a:rPr>
-              <a:t>-</a:t>
-            </a:r>
-            <a:r>
-              <a:rPr lang="ja-JP" altLang="ja-JP" sz="1050" dirty="0">
-                <a:latin typeface="Meiryo UI" panose="020B0604030504040204" pitchFamily="50" charset="-128"/>
-                <a:ea typeface="Meiryo UI" panose="020B0604030504040204" pitchFamily="50" charset="-128"/>
-                <a:cs typeface="Meiryo UI" panose="020B0604030504040204" pitchFamily="50" charset="-128"/>
-              </a:rPr>
-              <a:t>可能な限り公開されている</a:t>
-            </a:r>
-            <a:r>
-              <a:rPr lang="en-US" altLang="ja-JP" sz="1050" dirty="0">
-                <a:latin typeface="Meiryo UI" panose="020B0604030504040204" pitchFamily="50" charset="-128"/>
-                <a:ea typeface="Meiryo UI" panose="020B0604030504040204" pitchFamily="50" charset="-128"/>
-                <a:cs typeface="Meiryo UI" panose="020B0604030504040204" pitchFamily="50" charset="-128"/>
-              </a:rPr>
-              <a:t>FAQ</a:t>
-            </a:r>
-            <a:r>
-              <a:rPr lang="ja-JP" altLang="ja-JP" sz="1050" dirty="0">
-                <a:latin typeface="Meiryo UI" panose="020B0604030504040204" pitchFamily="50" charset="-128"/>
-                <a:ea typeface="Meiryo UI" panose="020B0604030504040204" pitchFamily="50" charset="-128"/>
-                <a:cs typeface="Meiryo UI" panose="020B0604030504040204" pitchFamily="50" charset="-128"/>
-              </a:rPr>
-              <a:t>を参照</a:t>
-            </a:r>
-            <a:r>
-              <a:rPr lang="ja-JP" altLang="en-US" sz="1050" dirty="0">
-                <a:latin typeface="Meiryo UI" panose="020B0604030504040204" pitchFamily="50" charset="-128"/>
-                <a:ea typeface="Meiryo UI" panose="020B0604030504040204" pitchFamily="50" charset="-128"/>
-                <a:cs typeface="Meiryo UI" panose="020B0604030504040204" pitchFamily="50" charset="-128"/>
-              </a:rPr>
-              <a:t>してから相談</a:t>
             </a:r>
             <a:endParaRPr lang="en-US" altLang="ja-JP" sz="1050" dirty="0">
               <a:solidFill>
@@ -3983,7 +4009,7 @@
                 <a:latin typeface="Meiryo UI" panose="020B0604030504040204" pitchFamily="50" charset="-128"/>
                 <a:ea typeface="Meiryo UI" panose="020B0604030504040204" pitchFamily="50" charset="-128"/>
                 <a:cs typeface="Meiryo UI" panose="020B0604030504040204" pitchFamily="50" charset="-128"/>
-                <a:hlinkClick r:id="rId6"/>
+                <a:hlinkClick r:id="rId7"/>
               </a:rPr>
               <a:t>警視庁　サイバー犯罪対策課</a:t>
             </a:r>
@@ -4239,7 +4265,7 @@
                 <a:latin typeface="Meiryo UI" panose="020B0604030504040204" pitchFamily="50" charset="-128"/>
                 <a:ea typeface="Meiryo UI" panose="020B0604030504040204" pitchFamily="50" charset="-128"/>
                 <a:cs typeface="Meiryo UI" panose="020B0604030504040204" pitchFamily="50" charset="-128"/>
-                <a:hlinkClick r:id="rId7"/>
+                <a:hlinkClick r:id="rId8"/>
               </a:rPr>
               <a:t>フィッシング対策協議会</a:t>
             </a:r>
@@ -4269,7 +4295,7 @@
                 <a:latin typeface="Meiryo UI" panose="020B0604030504040204" pitchFamily="50" charset="-128"/>
                 <a:ea typeface="Meiryo UI" panose="020B0604030504040204" pitchFamily="50" charset="-128"/>
                 <a:cs typeface="Meiryo UI" panose="020B0604030504040204" pitchFamily="50" charset="-128"/>
-                <a:hlinkClick r:id="rId8"/>
+                <a:hlinkClick r:id="rId9"/>
               </a:rPr>
               <a:t>迷惑メール相談センター</a:t>
             </a:r>
@@ -4417,7 +4443,7 @@
                 <a:latin typeface="Meiryo UI" panose="020B0604030504040204" pitchFamily="50" charset="-128"/>
                 <a:ea typeface="Meiryo UI" panose="020B0604030504040204" pitchFamily="50" charset="-128"/>
                 <a:cs typeface="Meiryo UI" panose="020B0604030504040204" pitchFamily="50" charset="-128"/>
-                <a:hlinkClick r:id="rId9"/>
+                <a:hlinkClick r:id="rId10"/>
               </a:rPr>
               <a:t>なりすまし</a:t>
             </a:r>
@@ -4429,7 +4455,7 @@
                 <a:latin typeface="Meiryo UI" panose="020B0604030504040204" pitchFamily="50" charset="-128"/>
                 <a:ea typeface="Meiryo UI" panose="020B0604030504040204" pitchFamily="50" charset="-128"/>
                 <a:cs typeface="Meiryo UI" panose="020B0604030504040204" pitchFamily="50" charset="-128"/>
-                <a:hlinkClick r:id="rId9"/>
+                <a:hlinkClick r:id="rId10"/>
               </a:rPr>
               <a:t>EC</a:t>
             </a:r>
@@ -4441,7 +4467,7 @@
                 <a:latin typeface="Meiryo UI" panose="020B0604030504040204" pitchFamily="50" charset="-128"/>
                 <a:ea typeface="Meiryo UI" panose="020B0604030504040204" pitchFamily="50" charset="-128"/>
                 <a:cs typeface="Meiryo UI" panose="020B0604030504040204" pitchFamily="50" charset="-128"/>
-                <a:hlinkClick r:id="rId9"/>
+                <a:hlinkClick r:id="rId10"/>
               </a:rPr>
               <a:t>サイト対策協議会</a:t>
             </a:r>
@@ -4461,7 +4487,7 @@
                 <a:latin typeface="Meiryo UI" panose="020B0604030504040204" pitchFamily="50" charset="-128"/>
                 <a:ea typeface="Meiryo UI" panose="020B0604030504040204" pitchFamily="50" charset="-128"/>
                 <a:cs typeface="Meiryo UI" panose="020B0604030504040204" pitchFamily="50" charset="-128"/>
-                <a:hlinkClick r:id="rId10"/>
+                <a:hlinkClick r:id="rId11"/>
               </a:rPr>
               <a:t>違法情報の通報</a:t>
             </a:r>
@@ -4515,7 +4541,7 @@
                 <a:latin typeface="Meiryo UI" panose="020B0604030504040204" pitchFamily="50" charset="-128"/>
                 <a:ea typeface="Meiryo UI" panose="020B0604030504040204" pitchFamily="50" charset="-128"/>
                 <a:cs typeface="Meiryo UI" panose="020B0604030504040204" pitchFamily="50" charset="-128"/>
-                <a:hlinkClick r:id="rId11"/>
+                <a:hlinkClick r:id="rId12"/>
               </a:rPr>
               <a:t>「違法・有害情報センター」</a:t>
             </a:r>
@@ -4527,7 +4553,7 @@
                 <a:latin typeface="Meiryo UI" panose="020B0604030504040204" pitchFamily="50" charset="-128"/>
                 <a:ea typeface="Meiryo UI" panose="020B0604030504040204" pitchFamily="50" charset="-128"/>
                 <a:cs typeface="Meiryo UI" panose="020B0604030504040204" pitchFamily="50" charset="-128"/>
-                <a:hlinkClick r:id="rId11"/>
+                <a:hlinkClick r:id="rId12"/>
               </a:rPr>
               <a:t>(</a:t>
             </a:r>
@@ -4539,7 +4565,7 @@
                 <a:latin typeface="Meiryo UI" panose="020B0604030504040204" pitchFamily="50" charset="-128"/>
                 <a:ea typeface="Meiryo UI" panose="020B0604030504040204" pitchFamily="50" charset="-128"/>
                 <a:cs typeface="Meiryo UI" panose="020B0604030504040204" pitchFamily="50" charset="-128"/>
-                <a:hlinkClick r:id="rId11"/>
+                <a:hlinkClick r:id="rId12"/>
               </a:rPr>
               <a:t>総務省系</a:t>
             </a:r>
@@ -4551,7 +4577,7 @@
                 <a:latin typeface="Meiryo UI" panose="020B0604030504040204" pitchFamily="50" charset="-128"/>
                 <a:ea typeface="Meiryo UI" panose="020B0604030504040204" pitchFamily="50" charset="-128"/>
                 <a:cs typeface="Meiryo UI" panose="020B0604030504040204" pitchFamily="50" charset="-128"/>
-                <a:hlinkClick r:id="rId11"/>
+                <a:hlinkClick r:id="rId12"/>
               </a:rPr>
               <a:t>)</a:t>
             </a:r>
@@ -4662,7 +4688,7 @@
                 <a:latin typeface="Meiryo UI" panose="020B0604030504040204" pitchFamily="50" charset="-128"/>
                 <a:ea typeface="Meiryo UI" panose="020B0604030504040204" pitchFamily="50" charset="-128"/>
                 <a:cs typeface="Meiryo UI" panose="020B0604030504040204" pitchFamily="50" charset="-128"/>
-                <a:hlinkClick r:id="rId12"/>
+                <a:hlinkClick r:id="rId13"/>
               </a:rPr>
               <a:t>「誹謗中傷ホットライン」</a:t>
             </a:r>
@@ -4674,7 +4700,7 @@
                 <a:latin typeface="Meiryo UI" panose="020B0604030504040204" pitchFamily="50" charset="-128"/>
                 <a:ea typeface="Meiryo UI" panose="020B0604030504040204" pitchFamily="50" charset="-128"/>
                 <a:cs typeface="Meiryo UI" panose="020B0604030504040204" pitchFamily="50" charset="-128"/>
-                <a:hlinkClick r:id="rId12"/>
+                <a:hlinkClick r:id="rId13"/>
               </a:rPr>
               <a:t>(</a:t>
             </a:r>
@@ -4686,7 +4712,7 @@
                 <a:latin typeface="Meiryo UI" panose="020B0604030504040204" pitchFamily="50" charset="-128"/>
                 <a:ea typeface="Meiryo UI" panose="020B0604030504040204" pitchFamily="50" charset="-128"/>
                 <a:cs typeface="Meiryo UI" panose="020B0604030504040204" pitchFamily="50" charset="-128"/>
-                <a:hlinkClick r:id="rId12"/>
+                <a:hlinkClick r:id="rId13"/>
               </a:rPr>
               <a:t>セーファーインターネット協会</a:t>
             </a:r>
@@ -4698,7 +4724,7 @@
                 <a:latin typeface="Meiryo UI" panose="020B0604030504040204" pitchFamily="50" charset="-128"/>
                 <a:ea typeface="Meiryo UI" panose="020B0604030504040204" pitchFamily="50" charset="-128"/>
                 <a:cs typeface="Meiryo UI" panose="020B0604030504040204" pitchFamily="50" charset="-128"/>
-                <a:hlinkClick r:id="rId12"/>
+                <a:hlinkClick r:id="rId13"/>
               </a:rPr>
               <a:t>)</a:t>
             </a:r>
@@ -4710,7 +4736,7 @@
                 <a:latin typeface="Meiryo UI" panose="020B0604030504040204" pitchFamily="50" charset="-128"/>
                 <a:ea typeface="Meiryo UI" panose="020B0604030504040204" pitchFamily="50" charset="-128"/>
                 <a:cs typeface="Meiryo UI" panose="020B0604030504040204" pitchFamily="50" charset="-128"/>
-                <a:hlinkClick r:id="rId12"/>
+                <a:hlinkClick r:id="rId13"/>
               </a:rPr>
               <a:t>　</a:t>
             </a:r>
@@ -4761,7 +4787,7 @@
                 <a:latin typeface="Meiryo UI" panose="020B0604030504040204" pitchFamily="50" charset="-128"/>
                 <a:ea typeface="Meiryo UI" panose="020B0604030504040204" pitchFamily="50" charset="-128"/>
                 <a:cs typeface="Meiryo UI" panose="020B0604030504040204" pitchFamily="50" charset="-128"/>
-                <a:hlinkClick r:id="rId13"/>
+                <a:hlinkClick r:id="rId14"/>
               </a:rPr>
               <a:t>「インターネット・ホットラインセンター」</a:t>
             </a:r>
@@ -4828,7 +4854,7 @@
                 <a:latin typeface="Meiryo UI" panose="020B0604030504040204" pitchFamily="50" charset="-128"/>
                 <a:ea typeface="Meiryo UI" panose="020B0604030504040204" pitchFamily="50" charset="-128"/>
                 <a:cs typeface="Meiryo UI" panose="020B0604030504040204" pitchFamily="50" charset="-128"/>
-                <a:hlinkClick r:id="rId14"/>
+                <a:hlinkClick r:id="rId15"/>
               </a:rPr>
               <a:t>消費者ホットライン【国民生活センター】</a:t>
             </a:r>
@@ -4899,7 +4925,7 @@
                 <a:latin typeface="Meiryo UI" panose="020B0604030504040204" pitchFamily="50" charset="-128"/>
                 <a:ea typeface="Meiryo UI" panose="020B0604030504040204" pitchFamily="50" charset="-128"/>
                 <a:cs typeface="Meiryo UI" panose="020B0604030504040204" pitchFamily="50" charset="-128"/>
-                <a:hlinkClick r:id="rId15"/>
+                <a:hlinkClick r:id="rId16"/>
               </a:rPr>
               <a:t>法テラス（日本司法支援センター）</a:t>
             </a:r>
@@ -4955,7 +4981,7 @@
                 <a:latin typeface="Meiryo UI" panose="020B0604030504040204" pitchFamily="50" charset="-128"/>
                 <a:ea typeface="Meiryo UI" panose="020B0604030504040204" pitchFamily="50" charset="-128"/>
                 <a:cs typeface="Meiryo UI" panose="020B0604030504040204" pitchFamily="50" charset="-128"/>
-                <a:hlinkClick r:id="rId16"/>
+                <a:hlinkClick r:id="rId17"/>
               </a:rPr>
               <a:t>個人情報保護委員会</a:t>
             </a:r>
@@ -4964,7 +4990,7 @@
                 <a:latin typeface="Meiryo UI" panose="020B0604030504040204" pitchFamily="50" charset="-128"/>
                 <a:ea typeface="Meiryo UI" panose="020B0604030504040204" pitchFamily="50" charset="-128"/>
                 <a:cs typeface="Meiryo UI" panose="020B0604030504040204" pitchFamily="50" charset="-128"/>
-                <a:hlinkClick r:id="rId16"/>
+                <a:hlinkClick r:id="rId17"/>
               </a:rPr>
               <a:t> </a:t>
             </a:r>
@@ -5219,7 +5245,7 @@
                 <a:latin typeface="Meiryo UI" panose="020B0604030504040204" pitchFamily="50" charset="-128"/>
                 <a:ea typeface="Meiryo UI" panose="020B0604030504040204" pitchFamily="50" charset="-128"/>
                 <a:cs typeface="Meiryo UI" panose="020B0604030504040204" pitchFamily="50" charset="-128"/>
-                <a:hlinkClick r:id="rId17"/>
+                <a:hlinkClick r:id="rId18"/>
               </a:rPr>
               <a:t>JPCERT/CC</a:t>
             </a:r>
@@ -5260,7 +5286,7 @@
                 <a:latin typeface="Meiryo UI" panose="020B0604030504040204" pitchFamily="50" charset="-128"/>
                 <a:ea typeface="Meiryo UI" panose="020B0604030504040204" pitchFamily="50" charset="-128"/>
                 <a:cs typeface="Meiryo UI" panose="020B0604030504040204" pitchFamily="50" charset="-128"/>
-                <a:hlinkClick r:id="rId17"/>
+                <a:hlinkClick r:id="rId18"/>
               </a:rPr>
               <a:t>インシデント対応依頼</a:t>
             </a:r>
@@ -5367,7 +5393,7 @@
                 <a:latin typeface="Meiryo UI" panose="020B0604030504040204" pitchFamily="50" charset="-128"/>
                 <a:ea typeface="Meiryo UI" panose="020B0604030504040204" pitchFamily="50" charset="-128"/>
                 <a:cs typeface="Meiryo UI" panose="020B0604030504040204" pitchFamily="50" charset="-128"/>
-                <a:hlinkClick r:id="rId18"/>
+                <a:hlinkClick r:id="rId19"/>
               </a:rPr>
               <a:t>IPA J-CRAT</a:t>
             </a:r>
@@ -5376,7 +5402,7 @@
                 <a:latin typeface="Meiryo UI" panose="020B0604030504040204" pitchFamily="50" charset="-128"/>
                 <a:ea typeface="Meiryo UI" panose="020B0604030504040204" pitchFamily="50" charset="-128"/>
                 <a:cs typeface="Meiryo UI" panose="020B0604030504040204" pitchFamily="50" charset="-128"/>
-                <a:hlinkClick r:id="rId18"/>
+                <a:hlinkClick r:id="rId19"/>
               </a:rPr>
               <a:t>／標的型サイバー攻撃特別相談窓口</a:t>
             </a:r>
@@ -5400,7 +5426,7 @@
                 <a:latin typeface="Meiryo UI" panose="020B0604030504040204" pitchFamily="50" charset="-128"/>
                 <a:ea typeface="Meiryo UI" panose="020B0604030504040204" pitchFamily="50" charset="-128"/>
                 <a:cs typeface="Meiryo UI" panose="020B0604030504040204" pitchFamily="50" charset="-128"/>
-                <a:hlinkClick r:id="rId19"/>
+                <a:hlinkClick r:id="rId20"/>
               </a:rPr>
               <a:t>tokusou@ipa.go.jp</a:t>
             </a:r>
@@ -5575,7 +5601,7 @@
                 <a:latin typeface="Meiryo UI" panose="020B0604030504040204" pitchFamily="50" charset="-128"/>
                 <a:ea typeface="Meiryo UI" panose="020B0604030504040204" pitchFamily="50" charset="-128"/>
                 <a:cs typeface="Meiryo UI" panose="020B0604030504040204" pitchFamily="50" charset="-128"/>
-                <a:hlinkClick r:id="rId20"/>
+                <a:hlinkClick r:id="rId21"/>
               </a:rPr>
               <a:t>情報セキュリティ対策支援サイト</a:t>
             </a:r>
@@ -5633,7 +5659,7 @@
                 <a:latin typeface="Meiryo UI" panose="020B0604030504040204" pitchFamily="50" charset="-128"/>
                 <a:ea typeface="Meiryo UI" panose="020B0604030504040204" pitchFamily="50" charset="-128"/>
                 <a:cs typeface="Meiryo UI" panose="020B0604030504040204" pitchFamily="50" charset="-128"/>
-                <a:hlinkClick r:id="rId21"/>
+                <a:hlinkClick r:id="rId22"/>
               </a:rPr>
               <a:t>IPA</a:t>
             </a:r>
@@ -5645,7 +5671,7 @@
                 <a:latin typeface="Meiryo UI" panose="020B0604030504040204" pitchFamily="50" charset="-128"/>
                 <a:ea typeface="Meiryo UI" panose="020B0604030504040204" pitchFamily="50" charset="-128"/>
                 <a:cs typeface="Meiryo UI" panose="020B0604030504040204" pitchFamily="50" charset="-128"/>
-                <a:hlinkClick r:id="rId21"/>
+                <a:hlinkClick r:id="rId22"/>
               </a:rPr>
               <a:t>セキュリティプレゼンター検索</a:t>
             </a:r>
@@ -5700,7 +5726,7 @@
                 <a:latin typeface="Meiryo UI" panose="020B0604030504040204" pitchFamily="50" charset="-128"/>
                 <a:ea typeface="Meiryo UI" panose="020B0604030504040204" pitchFamily="50" charset="-128"/>
                 <a:cs typeface="Meiryo UI" panose="020B0604030504040204" pitchFamily="50" charset="-128"/>
-                <a:hlinkClick r:id="rId22"/>
+                <a:hlinkClick r:id="rId23"/>
               </a:rPr>
               <a:t>情報セキュリティサービス基準適合サービスリスト</a:t>
             </a:r>
@@ -5747,7 +5773,7 @@
                 <a:latin typeface="Meiryo UI" panose="020B0604030504040204" pitchFamily="50" charset="-128"/>
                 <a:ea typeface="Meiryo UI" panose="020B0604030504040204" pitchFamily="50" charset="-128"/>
                 <a:cs typeface="Meiryo UI" panose="020B0604030504040204" pitchFamily="50" charset="-128"/>
-                <a:hlinkClick r:id="rId23"/>
+                <a:hlinkClick r:id="rId24"/>
               </a:rPr>
               <a:t>サイバーインシデント緊急対応企業一覧</a:t>
             </a:r>
@@ -5791,7 +5817,7 @@
                 <a:latin typeface="Meiryo UI" panose="020B0604030504040204" pitchFamily="50" charset="-128"/>
                 <a:ea typeface="Meiryo UI" panose="020B0604030504040204" pitchFamily="50" charset="-128"/>
                 <a:cs typeface="Meiryo UI" panose="020B0604030504040204" pitchFamily="50" charset="-128"/>
-                <a:hlinkClick r:id="rId24"/>
+                <a:hlinkClick r:id="rId25"/>
               </a:rPr>
               <a:t>IT</a:t>
             </a:r>
@@ -5803,7 +5829,7 @@
                 <a:latin typeface="Meiryo UI" panose="020B0604030504040204" pitchFamily="50" charset="-128"/>
                 <a:ea typeface="Meiryo UI" panose="020B0604030504040204" pitchFamily="50" charset="-128"/>
                 <a:cs typeface="Meiryo UI" panose="020B0604030504040204" pitchFamily="50" charset="-128"/>
-                <a:hlinkClick r:id="rId24"/>
+                <a:hlinkClick r:id="rId25"/>
               </a:rPr>
               <a:t>コーディネータ協会　「経営と</a:t>
             </a:r>
@@ -5815,7 +5841,7 @@
                 <a:latin typeface="Meiryo UI" panose="020B0604030504040204" pitchFamily="50" charset="-128"/>
                 <a:ea typeface="Meiryo UI" panose="020B0604030504040204" pitchFamily="50" charset="-128"/>
                 <a:cs typeface="Meiryo UI" panose="020B0604030504040204" pitchFamily="50" charset="-128"/>
-                <a:hlinkClick r:id="rId24"/>
+                <a:hlinkClick r:id="rId25"/>
               </a:rPr>
               <a:t>IT</a:t>
             </a:r>
@@ -5827,7 +5853,7 @@
                 <a:latin typeface="Meiryo UI" panose="020B0604030504040204" pitchFamily="50" charset="-128"/>
                 <a:ea typeface="Meiryo UI" panose="020B0604030504040204" pitchFamily="50" charset="-128"/>
                 <a:cs typeface="Meiryo UI" panose="020B0604030504040204" pitchFamily="50" charset="-128"/>
-                <a:hlinkClick r:id="rId24"/>
+                <a:hlinkClick r:id="rId25"/>
               </a:rPr>
               <a:t>化相談」窓口</a:t>
             </a:r>
@@ -5863,7 +5889,7 @@
                 <a:latin typeface="Meiryo UI" panose="020B0604030504040204" pitchFamily="50" charset="-128"/>
                 <a:ea typeface="Meiryo UI" panose="020B0604030504040204" pitchFamily="50" charset="-128"/>
                 <a:cs typeface="Meiryo UI" panose="020B0604030504040204" pitchFamily="50" charset="-128"/>
-                <a:hlinkClick r:id="rId25"/>
+                <a:hlinkClick r:id="rId26"/>
               </a:rPr>
               <a:t>東京都テレワーク推進センター</a:t>
             </a:r>
@@ -5875,7 +5901,7 @@
                 <a:latin typeface="Meiryo UI" panose="020B0604030504040204" pitchFamily="50" charset="-128"/>
                 <a:ea typeface="Meiryo UI" panose="020B0604030504040204" pitchFamily="50" charset="-128"/>
                 <a:cs typeface="Meiryo UI" panose="020B0604030504040204" pitchFamily="50" charset="-128"/>
-                <a:hlinkClick r:id="rId25"/>
+                <a:hlinkClick r:id="rId26"/>
               </a:rPr>
               <a:t> </a:t>
             </a:r>
@@ -5925,7 +5951,7 @@
                 <a:latin typeface="Meiryo UI" panose="020B0604030504040204" pitchFamily="50" charset="-128"/>
                 <a:ea typeface="Meiryo UI" panose="020B0604030504040204" pitchFamily="50" charset="-128"/>
                 <a:cs typeface="Meiryo UI" panose="020B0604030504040204" pitchFamily="50" charset="-128"/>
-                <a:hlinkClick r:id="rId26"/>
+                <a:hlinkClick r:id="rId27"/>
               </a:rPr>
               <a:t>テレワークのセキュリティあんしん相談窓口</a:t>
             </a:r>
@@ -5994,7 +6020,7 @@
                 <a:latin typeface="Meiryo UI" panose="020B0604030504040204" pitchFamily="50" charset="-128"/>
                 <a:ea typeface="Meiryo UI" panose="020B0604030504040204" pitchFamily="50" charset="-128"/>
                 <a:cs typeface="Meiryo UI" panose="020B0604030504040204" pitchFamily="50" charset="-128"/>
-                <a:hlinkClick r:id="rId27"/>
+                <a:hlinkClick r:id="rId28"/>
               </a:rPr>
               <a:t>テレワーク相談センター</a:t>
             </a:r>
@@ -6006,7 +6032,7 @@
                 <a:latin typeface="Meiryo UI" panose="020B0604030504040204" pitchFamily="50" charset="-128"/>
                 <a:ea typeface="Meiryo UI" panose="020B0604030504040204" pitchFamily="50" charset="-128"/>
                 <a:cs typeface="Meiryo UI" panose="020B0604030504040204" pitchFamily="50" charset="-128"/>
-                <a:hlinkClick r:id="rId27"/>
+                <a:hlinkClick r:id="rId28"/>
               </a:rPr>
               <a:t>(</a:t>
             </a:r>
@@ -6018,7 +6044,7 @@
                 <a:latin typeface="Meiryo UI" panose="020B0604030504040204" pitchFamily="50" charset="-128"/>
                 <a:ea typeface="Meiryo UI" panose="020B0604030504040204" pitchFamily="50" charset="-128"/>
                 <a:cs typeface="Meiryo UI" panose="020B0604030504040204" pitchFamily="50" charset="-128"/>
-                <a:hlinkClick r:id="rId27"/>
+                <a:hlinkClick r:id="rId28"/>
               </a:rPr>
               <a:t>厚労省委託</a:t>
             </a:r>
@@ -6030,7 +6056,7 @@
                 <a:latin typeface="Meiryo UI" panose="020B0604030504040204" pitchFamily="50" charset="-128"/>
                 <a:ea typeface="Meiryo UI" panose="020B0604030504040204" pitchFamily="50" charset="-128"/>
                 <a:cs typeface="Meiryo UI" panose="020B0604030504040204" pitchFamily="50" charset="-128"/>
-                <a:hlinkClick r:id="rId27"/>
+                <a:hlinkClick r:id="rId28"/>
               </a:rPr>
               <a:t>) </a:t>
             </a:r>
@@ -6077,7 +6103,7 @@
                 <a:latin typeface="Meiryo UI" panose="020B0604030504040204" pitchFamily="50" charset="-128"/>
                 <a:ea typeface="Meiryo UI" panose="020B0604030504040204" pitchFamily="50" charset="-128"/>
                 <a:cs typeface="Meiryo UI" panose="020B0604030504040204" pitchFamily="50" charset="-128"/>
-                <a:hlinkClick r:id="rId28"/>
+                <a:hlinkClick r:id="rId29"/>
               </a:rPr>
               <a:t>東京都中小企業振興公社ワンストップ総合相談</a:t>
             </a:r>
@@ -6170,7 +6196,7 @@
                 <a:latin typeface="Meiryo UI" panose="020B0604030504040204" pitchFamily="50" charset="-128"/>
                 <a:ea typeface="Meiryo UI" panose="020B0604030504040204" pitchFamily="50" charset="-128"/>
                 <a:cs typeface="Meiryo UI" panose="020B0604030504040204" pitchFamily="50" charset="-128"/>
-                <a:hlinkClick r:id="rId29"/>
+                <a:hlinkClick r:id="rId30"/>
               </a:rPr>
               <a:t>SECURITY ACTION</a:t>
             </a:r>
@@ -6241,7 +6267,7 @@
                 <a:latin typeface="Meiryo UI" panose="020B0604030504040204" pitchFamily="50" charset="-128"/>
                 <a:ea typeface="Meiryo UI" panose="020B0604030504040204" pitchFamily="50" charset="-128"/>
                 <a:cs typeface="Meiryo UI" panose="020B0604030504040204" pitchFamily="50" charset="-128"/>
-                <a:hlinkClick r:id="rId30"/>
+                <a:hlinkClick r:id="rId31"/>
               </a:rPr>
               <a:t>IT</a:t>
             </a:r>
@@ -6250,7 +6276,7 @@
                 <a:latin typeface="Meiryo UI" panose="020B0604030504040204" pitchFamily="50" charset="-128"/>
                 <a:ea typeface="Meiryo UI" panose="020B0604030504040204" pitchFamily="50" charset="-128"/>
                 <a:cs typeface="Meiryo UI" panose="020B0604030504040204" pitchFamily="50" charset="-128"/>
-                <a:hlinkClick r:id="rId30"/>
+                <a:hlinkClick r:id="rId31"/>
               </a:rPr>
               <a:t>導入補助金（サービス等生産性向上</a:t>
             </a:r>
@@ -6259,7 +6285,7 @@
                 <a:latin typeface="Meiryo UI" panose="020B0604030504040204" pitchFamily="50" charset="-128"/>
                 <a:ea typeface="Meiryo UI" panose="020B0604030504040204" pitchFamily="50" charset="-128"/>
                 <a:cs typeface="Meiryo UI" panose="020B0604030504040204" pitchFamily="50" charset="-128"/>
-                <a:hlinkClick r:id="rId30"/>
+                <a:hlinkClick r:id="rId31"/>
               </a:rPr>
               <a:t>IT</a:t>
             </a:r>
@@ -6268,7 +6294,7 @@
                 <a:latin typeface="Meiryo UI" panose="020B0604030504040204" pitchFamily="50" charset="-128"/>
                 <a:ea typeface="Meiryo UI" panose="020B0604030504040204" pitchFamily="50" charset="-128"/>
                 <a:cs typeface="Meiryo UI" panose="020B0604030504040204" pitchFamily="50" charset="-128"/>
-                <a:hlinkClick r:id="rId30"/>
+                <a:hlinkClick r:id="rId31"/>
               </a:rPr>
               <a:t>導入支援事業）</a:t>
             </a:r>
@@ -6317,7 +6343,7 @@
                 <a:latin typeface="Meiryo UI" panose="020B0604030504040204" pitchFamily="50" charset="-128"/>
                 <a:ea typeface="Meiryo UI" panose="020B0604030504040204" pitchFamily="50" charset="-128"/>
                 <a:cs typeface="Meiryo UI" panose="020B0604030504040204" pitchFamily="50" charset="-128"/>
-                <a:hlinkClick r:id="rId31"/>
+                <a:hlinkClick r:id="rId32"/>
               </a:rPr>
               <a:t>サイバーセキュリティ対策促進助成金</a:t>
             </a:r>
@@ -6358,7 +6384,7 @@
                 <a:latin typeface="Meiryo UI" panose="020B0604030504040204" pitchFamily="50" charset="-128"/>
                 <a:ea typeface="Meiryo UI" panose="020B0604030504040204" pitchFamily="50" charset="-128"/>
                 <a:cs typeface="Meiryo UI" panose="020B0604030504040204" pitchFamily="50" charset="-128"/>
-                <a:hlinkClick r:id="rId32"/>
+                <a:hlinkClick r:id="rId33"/>
               </a:rPr>
               <a:t>中小企業の情報セキュリティマネジメント指導業務</a:t>
             </a:r>
@@ -6370,7 +6396,7 @@
                 <a:latin typeface="Meiryo UI" panose="020B0604030504040204" pitchFamily="50" charset="-128"/>
                 <a:ea typeface="Meiryo UI" panose="020B0604030504040204" pitchFamily="50" charset="-128"/>
                 <a:cs typeface="Meiryo UI" panose="020B0604030504040204" pitchFamily="50" charset="-128"/>
-                <a:hlinkClick r:id="rId32"/>
+                <a:hlinkClick r:id="rId33"/>
               </a:rPr>
               <a:t>(METI</a:t>
             </a:r>
@@ -6382,7 +6408,7 @@
                 <a:latin typeface="Meiryo UI" panose="020B0604030504040204" pitchFamily="50" charset="-128"/>
                 <a:ea typeface="Meiryo UI" panose="020B0604030504040204" pitchFamily="50" charset="-128"/>
                 <a:cs typeface="Meiryo UI" panose="020B0604030504040204" pitchFamily="50" charset="-128"/>
-                <a:hlinkClick r:id="rId32"/>
+                <a:hlinkClick r:id="rId33"/>
               </a:rPr>
               <a:t>補助事業</a:t>
             </a:r>
@@ -6463,7 +6489,7 @@
                 <a:latin typeface="Meiryo UI" panose="020B0604030504040204" pitchFamily="50" charset="-128"/>
                 <a:ea typeface="Meiryo UI" panose="020B0604030504040204" pitchFamily="50" charset="-128"/>
                 <a:cs typeface="Meiryo UI" panose="020B0604030504040204" pitchFamily="50" charset="-128"/>
-                <a:hlinkClick r:id="rId33"/>
+                <a:hlinkClick r:id="rId34"/>
               </a:rPr>
               <a:t>中小企業向けサイバーセキュリティお助け隊（サイバーセキュリティ事後対応支援実証事業）</a:t>
             </a:r>
@@ -6555,7 +6581,7 @@
                 <a:latin typeface="Meiryo UI" panose="020B0604030504040204" pitchFamily="50" charset="-128"/>
                 <a:ea typeface="Meiryo UI" panose="020B0604030504040204" pitchFamily="50" charset="-128"/>
                 <a:cs typeface="Meiryo UI" panose="020B0604030504040204" pitchFamily="50" charset="-128"/>
-                <a:hlinkClick r:id="rId34"/>
+                <a:hlinkClick r:id="rId35"/>
               </a:rPr>
               <a:t>「ここからセキュリティ！」</a:t>
             </a:r>
@@ -6564,7 +6590,7 @@
                 <a:latin typeface="Meiryo UI" panose="020B0604030504040204" pitchFamily="50" charset="-128"/>
                 <a:ea typeface="Meiryo UI" panose="020B0604030504040204" pitchFamily="50" charset="-128"/>
                 <a:cs typeface="Meiryo UI" panose="020B0604030504040204" pitchFamily="50" charset="-128"/>
-                <a:hlinkClick r:id="rId34"/>
+                <a:hlinkClick r:id="rId35"/>
               </a:rPr>
               <a:t>:</a:t>
             </a:r>
@@ -6573,7 +6599,7 @@
                 <a:latin typeface="Meiryo UI" panose="020B0604030504040204" pitchFamily="50" charset="-128"/>
                 <a:ea typeface="Meiryo UI" panose="020B0604030504040204" pitchFamily="50" charset="-128"/>
                 <a:cs typeface="Meiryo UI" panose="020B0604030504040204" pitchFamily="50" charset="-128"/>
-                <a:hlinkClick r:id="rId34"/>
+                <a:hlinkClick r:id="rId35"/>
               </a:rPr>
               <a:t>ポータルサイト（事象・対象）</a:t>
             </a:r>
@@ -6606,7 +6632,7 @@
                 <a:latin typeface="Meiryo UI" panose="020B0604030504040204" pitchFamily="50" charset="-128"/>
                 <a:ea typeface="Meiryo UI" panose="020B0604030504040204" pitchFamily="50" charset="-128"/>
                 <a:cs typeface="Meiryo UI" panose="020B0604030504040204" pitchFamily="50" charset="-128"/>
-                <a:hlinkClick r:id="rId35"/>
+                <a:hlinkClick r:id="rId36"/>
               </a:rPr>
               <a:t>JC3 </a:t>
             </a:r>
@@ -6615,7 +6641,7 @@
                 <a:latin typeface="Meiryo UI" panose="020B0604030504040204" pitchFamily="50" charset="-128"/>
                 <a:ea typeface="Meiryo UI" panose="020B0604030504040204" pitchFamily="50" charset="-128"/>
                 <a:cs typeface="Meiryo UI" panose="020B0604030504040204" pitchFamily="50" charset="-128"/>
-                <a:hlinkClick r:id="rId35"/>
+                <a:hlinkClick r:id="rId36"/>
               </a:rPr>
               <a:t>情報提供 注意喚起情報</a:t>
             </a:r>
@@ -6642,7 +6668,7 @@
                 <a:latin typeface="Meiryo UI" panose="020B0604030504040204" pitchFamily="50" charset="-128"/>
                 <a:ea typeface="Meiryo UI" panose="020B0604030504040204" pitchFamily="50" charset="-128"/>
                 <a:cs typeface="Meiryo UI" panose="020B0604030504040204" pitchFamily="50" charset="-128"/>
-                <a:hlinkClick r:id="rId36"/>
+                <a:hlinkClick r:id="rId37"/>
               </a:rPr>
               <a:t>JC3:</a:t>
             </a:r>
@@ -6651,7 +6677,7 @@
                 <a:latin typeface="Meiryo UI" panose="020B0604030504040204" pitchFamily="50" charset="-128"/>
                 <a:ea typeface="Meiryo UI" panose="020B0604030504040204" pitchFamily="50" charset="-128"/>
                 <a:cs typeface="Meiryo UI" panose="020B0604030504040204" pitchFamily="50" charset="-128"/>
-                <a:hlinkClick r:id="rId36"/>
+                <a:hlinkClick r:id="rId37"/>
               </a:rPr>
               <a:t>あなたのパスワードが侵害されました</a:t>
             </a:r>
@@ -6678,7 +6704,7 @@
                 <a:latin typeface="Meiryo UI" panose="020B0604030504040204" pitchFamily="50" charset="-128"/>
                 <a:ea typeface="Meiryo UI" panose="020B0604030504040204" pitchFamily="50" charset="-128"/>
                 <a:cs typeface="Meiryo UI" panose="020B0604030504040204" pitchFamily="50" charset="-128"/>
-                <a:hlinkClick r:id="rId37"/>
+                <a:hlinkClick r:id="rId38"/>
               </a:rPr>
               <a:t>不正送金等</a:t>
             </a:r>
@@ -6708,7 +6734,7 @@
                 <a:latin typeface="Meiryo UI" panose="020B0604030504040204" pitchFamily="50" charset="-128"/>
                 <a:ea typeface="Meiryo UI" panose="020B0604030504040204" pitchFamily="50" charset="-128"/>
                 <a:cs typeface="Meiryo UI" panose="020B0604030504040204" pitchFamily="50" charset="-128"/>
-                <a:hlinkClick r:id="rId38"/>
+                <a:hlinkClick r:id="rId39"/>
               </a:rPr>
               <a:t>JPCERT/CC</a:t>
             </a:r>
@@ -6717,7 +6743,7 @@
                 <a:latin typeface="Meiryo UI" panose="020B0604030504040204" pitchFamily="50" charset="-128"/>
                 <a:ea typeface="Meiryo UI" panose="020B0604030504040204" pitchFamily="50" charset="-128"/>
                 <a:cs typeface="Meiryo UI" panose="020B0604030504040204" pitchFamily="50" charset="-128"/>
-                <a:hlinkClick r:id="rId38"/>
+                <a:hlinkClick r:id="rId39"/>
               </a:rPr>
               <a:t>　注意喚起</a:t>
             </a:r>
@@ -6752,7 +6778,7 @@
                 <a:latin typeface="Meiryo UI" panose="020B0604030504040204" pitchFamily="50" charset="-128"/>
                 <a:ea typeface="Meiryo UI" panose="020B0604030504040204" pitchFamily="50" charset="-128"/>
                 <a:cs typeface="Meiryo UI" panose="020B0604030504040204" pitchFamily="50" charset="-128"/>
-                <a:hlinkClick r:id="rId39"/>
+                <a:hlinkClick r:id="rId40"/>
               </a:rPr>
               <a:t>マルウエア </a:t>
             </a:r>
@@ -6761,7 +6787,7 @@
                 <a:latin typeface="Meiryo UI" panose="020B0604030504040204" pitchFamily="50" charset="-128"/>
                 <a:ea typeface="Meiryo UI" panose="020B0604030504040204" pitchFamily="50" charset="-128"/>
                 <a:cs typeface="Meiryo UI" panose="020B0604030504040204" pitchFamily="50" charset="-128"/>
-                <a:hlinkClick r:id="rId39"/>
+                <a:hlinkClick r:id="rId40"/>
               </a:rPr>
               <a:t>Emotet</a:t>
             </a:r>
@@ -6770,7 +6796,7 @@
                 <a:latin typeface="Meiryo UI" panose="020B0604030504040204" pitchFamily="50" charset="-128"/>
                 <a:ea typeface="Meiryo UI" panose="020B0604030504040204" pitchFamily="50" charset="-128"/>
                 <a:cs typeface="Meiryo UI" panose="020B0604030504040204" pitchFamily="50" charset="-128"/>
-                <a:hlinkClick r:id="rId39"/>
+                <a:hlinkClick r:id="rId40"/>
               </a:rPr>
               <a:t> </a:t>
             </a:r>
@@ -6779,7 +6805,7 @@
                 <a:latin typeface="Meiryo UI" panose="020B0604030504040204" pitchFamily="50" charset="-128"/>
                 <a:ea typeface="Meiryo UI" panose="020B0604030504040204" pitchFamily="50" charset="-128"/>
                 <a:cs typeface="Meiryo UI" panose="020B0604030504040204" pitchFamily="50" charset="-128"/>
-                <a:hlinkClick r:id="rId39"/>
+                <a:hlinkClick r:id="rId40"/>
               </a:rPr>
               <a:t>の感染に関する注意喚起</a:t>
             </a:r>
@@ -6806,7 +6832,7 @@
                 <a:latin typeface="Meiryo UI" panose="020B0604030504040204" pitchFamily="50" charset="-128"/>
                 <a:ea typeface="Meiryo UI" panose="020B0604030504040204" pitchFamily="50" charset="-128"/>
                 <a:cs typeface="Meiryo UI" panose="020B0604030504040204" pitchFamily="50" charset="-128"/>
-                <a:hlinkClick r:id="rId8"/>
+                <a:hlinkClick r:id="rId9"/>
               </a:rPr>
               <a:t>迷惑メール相談センター</a:t>
             </a:r>
@@ -6833,7 +6859,7 @@
                 <a:latin typeface="Meiryo UI" panose="020B0604030504040204" pitchFamily="50" charset="-128"/>
                 <a:ea typeface="Meiryo UI" panose="020B0604030504040204" pitchFamily="50" charset="-128"/>
                 <a:cs typeface="Meiryo UI" panose="020B0604030504040204" pitchFamily="50" charset="-128"/>
-                <a:hlinkClick r:id="rId40"/>
+                <a:hlinkClick r:id="rId41"/>
               </a:rPr>
               <a:t>迷惑メール・チェーンメール関連パンフレット</a:t>
             </a:r>
@@ -6860,7 +6886,7 @@
                 <a:latin typeface="Meiryo UI" panose="020B0604030504040204" pitchFamily="50" charset="-128"/>
                 <a:ea typeface="Meiryo UI" panose="020B0604030504040204" pitchFamily="50" charset="-128"/>
                 <a:cs typeface="Meiryo UI" panose="020B0604030504040204" pitchFamily="50" charset="-128"/>
-                <a:hlinkClick r:id="rId41"/>
+                <a:hlinkClick r:id="rId42"/>
               </a:rPr>
               <a:t>迷惑メール関連の関係法令・窓口等</a:t>
             </a:r>
@@ -6869,7 +6895,7 @@
                 <a:latin typeface="Meiryo UI" panose="020B0604030504040204" pitchFamily="50" charset="-128"/>
                 <a:ea typeface="Meiryo UI" panose="020B0604030504040204" pitchFamily="50" charset="-128"/>
                 <a:cs typeface="Meiryo UI" panose="020B0604030504040204" pitchFamily="50" charset="-128"/>
-                <a:hlinkClick r:id="rId41"/>
+                <a:hlinkClick r:id="rId42"/>
               </a:rPr>
               <a:t>(</a:t>
             </a:r>
@@ -6878,7 +6904,7 @@
                 <a:latin typeface="Meiryo UI" panose="020B0604030504040204" pitchFamily="50" charset="-128"/>
                 <a:ea typeface="Meiryo UI" panose="020B0604030504040204" pitchFamily="50" charset="-128"/>
                 <a:cs typeface="Meiryo UI" panose="020B0604030504040204" pitchFamily="50" charset="-128"/>
-                <a:hlinkClick r:id="rId41"/>
+                <a:hlinkClick r:id="rId42"/>
               </a:rPr>
               <a:t>迷惑メール白書</a:t>
             </a:r>
@@ -6887,7 +6913,7 @@
                 <a:latin typeface="Meiryo UI" panose="020B0604030504040204" pitchFamily="50" charset="-128"/>
                 <a:ea typeface="Meiryo UI" panose="020B0604030504040204" pitchFamily="50" charset="-128"/>
                 <a:cs typeface="Meiryo UI" panose="020B0604030504040204" pitchFamily="50" charset="-128"/>
-                <a:hlinkClick r:id="rId41"/>
+                <a:hlinkClick r:id="rId42"/>
               </a:rPr>
               <a:t>2019</a:t>
             </a:r>
@@ -6896,7 +6922,7 @@
                 <a:latin typeface="Meiryo UI" panose="020B0604030504040204" pitchFamily="50" charset="-128"/>
                 <a:ea typeface="Meiryo UI" panose="020B0604030504040204" pitchFamily="50" charset="-128"/>
                 <a:cs typeface="Meiryo UI" panose="020B0604030504040204" pitchFamily="50" charset="-128"/>
-                <a:hlinkClick r:id="rId41"/>
+                <a:hlinkClick r:id="rId42"/>
               </a:rPr>
               <a:t>より</a:t>
             </a:r>
@@ -6905,7 +6931,7 @@
                 <a:latin typeface="Meiryo UI" panose="020B0604030504040204" pitchFamily="50" charset="-128"/>
                 <a:ea typeface="Meiryo UI" panose="020B0604030504040204" pitchFamily="50" charset="-128"/>
                 <a:cs typeface="Meiryo UI" panose="020B0604030504040204" pitchFamily="50" charset="-128"/>
-                <a:hlinkClick r:id="rId41"/>
+                <a:hlinkClick r:id="rId42"/>
               </a:rPr>
               <a:t>)</a:t>
             </a:r>
@@ -6932,7 +6958,7 @@
                 <a:latin typeface="Meiryo UI" panose="020B0604030504040204" pitchFamily="50" charset="-128"/>
                 <a:ea typeface="Meiryo UI" panose="020B0604030504040204" pitchFamily="50" charset="-128"/>
                 <a:cs typeface="Meiryo UI" panose="020B0604030504040204" pitchFamily="50" charset="-128"/>
-                <a:hlinkClick r:id="rId42"/>
+                <a:hlinkClick r:id="rId43"/>
               </a:rPr>
               <a:t>中小企業の情報セキュリティ対策ガイドライン</a:t>
             </a:r>
@@ -6949,7 +6975,7 @@
                 <a:latin typeface="Meiryo UI" panose="020B0604030504040204" pitchFamily="50" charset="-128"/>
                 <a:ea typeface="Meiryo UI" panose="020B0604030504040204" pitchFamily="50" charset="-128"/>
                 <a:cs typeface="Meiryo UI" panose="020B0604030504040204" pitchFamily="50" charset="-128"/>
-                <a:hlinkClick r:id="rId43"/>
+                <a:hlinkClick r:id="rId44"/>
               </a:rPr>
               <a:t>第</a:t>
             </a:r>
@@ -6958,7 +6984,7 @@
                 <a:latin typeface="Meiryo UI" panose="020B0604030504040204" pitchFamily="50" charset="-128"/>
                 <a:ea typeface="Meiryo UI" panose="020B0604030504040204" pitchFamily="50" charset="-128"/>
                 <a:cs typeface="Meiryo UI" panose="020B0604030504040204" pitchFamily="50" charset="-128"/>
-                <a:hlinkClick r:id="rId43"/>
+                <a:hlinkClick r:id="rId44"/>
               </a:rPr>
               <a:t>3</a:t>
             </a:r>
@@ -6967,7 +6993,7 @@
                 <a:latin typeface="Meiryo UI" panose="020B0604030504040204" pitchFamily="50" charset="-128"/>
                 <a:ea typeface="Meiryo UI" panose="020B0604030504040204" pitchFamily="50" charset="-128"/>
                 <a:cs typeface="Meiryo UI" panose="020B0604030504040204" pitchFamily="50" charset="-128"/>
-                <a:hlinkClick r:id="rId43"/>
+                <a:hlinkClick r:id="rId44"/>
               </a:rPr>
               <a:t>版電子版</a:t>
             </a:r>
@@ -7013,7 +7039,7 @@
                 <a:latin typeface="Meiryo UI" panose="020B0604030504040204" pitchFamily="50" charset="-128"/>
                 <a:ea typeface="Meiryo UI" panose="020B0604030504040204" pitchFamily="50" charset="-128"/>
                 <a:cs typeface="Meiryo UI" panose="020B0604030504040204" pitchFamily="50" charset="-128"/>
-                <a:hlinkClick r:id="rId44"/>
+                <a:hlinkClick r:id="rId45"/>
               </a:rPr>
               <a:t>情報セキュリティ</a:t>
             </a:r>
@@ -7022,7 +7048,7 @@
                 <a:latin typeface="Meiryo UI" panose="020B0604030504040204" pitchFamily="50" charset="-128"/>
                 <a:ea typeface="Meiryo UI" panose="020B0604030504040204" pitchFamily="50" charset="-128"/>
                 <a:cs typeface="Meiryo UI" panose="020B0604030504040204" pitchFamily="50" charset="-128"/>
-                <a:hlinkClick r:id="rId44"/>
+                <a:hlinkClick r:id="rId45"/>
               </a:rPr>
               <a:t>5</a:t>
             </a:r>
@@ -7031,7 +7057,7 @@
                 <a:latin typeface="Meiryo UI" panose="020B0604030504040204" pitchFamily="50" charset="-128"/>
                 <a:ea typeface="Meiryo UI" panose="020B0604030504040204" pitchFamily="50" charset="-128"/>
                 <a:cs typeface="Meiryo UI" panose="020B0604030504040204" pitchFamily="50" charset="-128"/>
-                <a:hlinkClick r:id="rId44"/>
+                <a:hlinkClick r:id="rId45"/>
               </a:rPr>
               <a:t>か条</a:t>
             </a:r>
@@ -7048,7 +7074,7 @@
                 <a:latin typeface="Meiryo UI" panose="020B0604030504040204" pitchFamily="50" charset="-128"/>
                 <a:ea typeface="Meiryo UI" panose="020B0604030504040204" pitchFamily="50" charset="-128"/>
                 <a:cs typeface="Meiryo UI" panose="020B0604030504040204" pitchFamily="50" charset="-128"/>
-                <a:hlinkClick r:id="rId45"/>
+                <a:hlinkClick r:id="rId46"/>
               </a:rPr>
               <a:t>5</a:t>
             </a:r>
@@ -7057,7 +7083,7 @@
                 <a:latin typeface="Meiryo UI" panose="020B0604030504040204" pitchFamily="50" charset="-128"/>
                 <a:ea typeface="Meiryo UI" panose="020B0604030504040204" pitchFamily="50" charset="-128"/>
                 <a:cs typeface="Meiryo UI" panose="020B0604030504040204" pitchFamily="50" charset="-128"/>
-                <a:hlinkClick r:id="rId45"/>
+                <a:hlinkClick r:id="rId46"/>
               </a:rPr>
               <a:t>分でできる！情報セキュリティ自社診断</a:t>
             </a:r>
@@ -7084,7 +7110,7 @@
                 <a:latin typeface="Meiryo UI" panose="020B0604030504040204" pitchFamily="50" charset="-128"/>
                 <a:ea typeface="Meiryo UI" panose="020B0604030504040204" pitchFamily="50" charset="-128"/>
                 <a:cs typeface="Meiryo UI" panose="020B0604030504040204" pitchFamily="50" charset="-128"/>
-                <a:hlinkClick r:id="rId46"/>
+                <a:hlinkClick r:id="rId47"/>
               </a:rPr>
               <a:t>国民のための情報セキュリティサイト</a:t>
             </a:r>
@@ -7156,18 +7182,18 @@
             </a:r>
             <a:r>
               <a:rPr lang="en-US" altLang="ja-JP" sz="1200" dirty="0"/>
-              <a:t>10</a:t>
+              <a:t>11</a:t>
             </a:r>
             <a:r>
               <a:rPr lang="ja-JP" altLang="en-US" sz="1200" dirty="0"/>
               <a:t>月</a:t>
             </a:r>
             <a:r>
-              <a:rPr lang="en-US" altLang="ja-JP" sz="1200" dirty="0"/>
-              <a:t>29</a:t>
-            </a:r>
-            <a:r>
-              <a:rPr lang="ja-JP" altLang="en-US" sz="1200" dirty="0"/>
+              <a:rPr lang="en-US" altLang="ja-JP" sz="1200"/>
+              <a:t>22</a:t>
+            </a:r>
+            <a:r>
+              <a:rPr lang="ja-JP" altLang="en-US" sz="1200"/>
               <a:t>日版</a:t>
             </a:r>
             <a:endParaRPr lang="en-US" altLang="ja-JP" sz="1200" dirty="0"/>
@@ -7295,25 +7321,25 @@
             <a:pPr algn="r"/>
             <a:r>
               <a:rPr lang="ja-JP" altLang="en-US" sz="1000" b="1" dirty="0">
-                <a:hlinkClick r:id="rId47"/>
+                <a:hlinkClick r:id="rId48"/>
               </a:rPr>
               <a:t>サイバーセキュリティ対策の極意ポータルサイト</a:t>
             </a:r>
             <a:endParaRPr lang="en-US" altLang="ja-JP" sz="1000" b="1" dirty="0">
-              <a:hlinkClick r:id="rId48"/>
+              <a:hlinkClick r:id="rId49"/>
             </a:endParaRPr>
           </a:p>
           <a:p>
             <a:pPr algn="r"/>
             <a:r>
               <a:rPr lang="en-US" altLang="ja-JP" sz="1000" dirty="0">
-                <a:hlinkClick r:id="rId49"/>
+                <a:hlinkClick r:id="rId50"/>
               </a:rPr>
               <a:t>Sec01-08-3 </a:t>
             </a:r>
             <a:r>
               <a:rPr lang="ja-JP" altLang="en-US" sz="1000" dirty="0">
-                <a:hlinkClick r:id="rId49"/>
+                <a:hlinkClick r:id="rId50"/>
               </a:rPr>
               <a:t>相談対応手順書</a:t>
             </a:r>

--- a/Cyber/相談・届出先クイックリスト（張り紙用）.pptx
+++ b/Cyber/相談・届出先クイックリスト（張り紙用）.pptx
@@ -127,14 +127,6 @@
 </p:presentation>
 </file>
 
-<file path=ppt/revisionInfo.xml><?xml version="1.0" encoding="utf-8"?>
-<p1510:revInfo xmlns:a="http://schemas.openxmlformats.org/drawingml/2006/main" xmlns:r="http://schemas.openxmlformats.org/officeDocument/2006/relationships" xmlns:p1510="http://schemas.microsoft.com/office/powerpoint/2015/10/main">
-  <p1510:revLst>
-    <p1510:client id="{4472EF13-105D-4510-B5EF-D155BAD4BCC5}" v="6" dt="2021-11-22T00:45:26.645"/>
-  </p1510:revLst>
-</p1510:revInfo>
-</file>
-
 <file path=ppt/changesInfos/changesInfo1.xml><?xml version="1.0" encoding="utf-8"?>
 <pc:chgInfo xmlns:a="http://schemas.openxmlformats.org/drawingml/2006/main" xmlns:r="http://schemas.openxmlformats.org/officeDocument/2006/relationships" xmlns:ac="http://schemas.microsoft.com/office/drawing/2013/main/command" xmlns:pc="http://schemas.microsoft.com/office/powerpoint/2013/main/command">
   <pc:docChgLst>
@@ -180,6 +172,30 @@
             <pc:docMk/>
             <pc:sldMk cId="984613830" sldId="256"/>
             <ac:spMk id="8" creationId="{01818B97-50A4-40B4-8D91-9040ABA52F91}"/>
+          </ac:spMkLst>
+        </pc:spChg>
+      </pc:sldChg>
+    </pc:docChg>
+  </pc:docChgLst>
+  <pc:docChgLst>
+    <pc:chgData name="Masaki Nakayama" userId="7eabd57b-b900-4e86-8622-e94bcfa04d00" providerId="ADAL" clId="{AC747583-7591-45AC-9C35-03FA6FAABCF4}"/>
+    <pc:docChg chg="modSld">
+      <pc:chgData name="Masaki Nakayama" userId="7eabd57b-b900-4e86-8622-e94bcfa04d00" providerId="ADAL" clId="{AC747583-7591-45AC-9C35-03FA6FAABCF4}" dt="2024-02-22T11:44:36.185" v="12" actId="20577"/>
+      <pc:docMkLst>
+        <pc:docMk/>
+      </pc:docMkLst>
+      <pc:sldChg chg="modSp mod">
+        <pc:chgData name="Masaki Nakayama" userId="7eabd57b-b900-4e86-8622-e94bcfa04d00" providerId="ADAL" clId="{AC747583-7591-45AC-9C35-03FA6FAABCF4}" dt="2024-02-22T11:44:36.185" v="12" actId="20577"/>
+        <pc:sldMkLst>
+          <pc:docMk/>
+          <pc:sldMk cId="984613830" sldId="256"/>
+        </pc:sldMkLst>
+        <pc:spChg chg="mod">
+          <ac:chgData name="Masaki Nakayama" userId="7eabd57b-b900-4e86-8622-e94bcfa04d00" providerId="ADAL" clId="{AC747583-7591-45AC-9C35-03FA6FAABCF4}" dt="2024-02-22T11:44:36.185" v="12" actId="20577"/>
+          <ac:spMkLst>
+            <pc:docMk/>
+            <pc:sldMk cId="984613830" sldId="256"/>
+            <ac:spMk id="5" creationId="{00000000-0000-0000-0000-000000000000}"/>
           </ac:spMkLst>
         </pc:spChg>
       </pc:sldChg>
@@ -447,7 +463,7 @@
           <a:p>
             <a:fld id="{B167F82F-9FB1-4880-8F8D-0793BD49E028}" type="datetimeFigureOut">
               <a:rPr kumimoji="1" lang="ja-JP" altLang="en-US" smtClean="0"/>
-              <a:t>2021/11/22</a:t>
+              <a:t>2024/2/22</a:t>
             </a:fld>
             <a:endParaRPr kumimoji="1" lang="ja-JP" altLang="en-US"/>
           </a:p>
@@ -647,7 +663,7 @@
           <a:p>
             <a:fld id="{B167F82F-9FB1-4880-8F8D-0793BD49E028}" type="datetimeFigureOut">
               <a:rPr kumimoji="1" lang="ja-JP" altLang="en-US" smtClean="0"/>
-              <a:t>2021/11/22</a:t>
+              <a:t>2024/2/22</a:t>
             </a:fld>
             <a:endParaRPr kumimoji="1" lang="ja-JP" altLang="en-US"/>
           </a:p>
@@ -857,7 +873,7 @@
           <a:p>
             <a:fld id="{B167F82F-9FB1-4880-8F8D-0793BD49E028}" type="datetimeFigureOut">
               <a:rPr kumimoji="1" lang="ja-JP" altLang="en-US" smtClean="0"/>
-              <a:t>2021/11/22</a:t>
+              <a:t>2024/2/22</a:t>
             </a:fld>
             <a:endParaRPr kumimoji="1" lang="ja-JP" altLang="en-US"/>
           </a:p>
@@ -1057,7 +1073,7 @@
           <a:p>
             <a:fld id="{B167F82F-9FB1-4880-8F8D-0793BD49E028}" type="datetimeFigureOut">
               <a:rPr kumimoji="1" lang="ja-JP" altLang="en-US" smtClean="0"/>
-              <a:t>2021/11/22</a:t>
+              <a:t>2024/2/22</a:t>
             </a:fld>
             <a:endParaRPr kumimoji="1" lang="ja-JP" altLang="en-US"/>
           </a:p>
@@ -1302,7 +1318,7 @@
           <a:p>
             <a:fld id="{B167F82F-9FB1-4880-8F8D-0793BD49E028}" type="datetimeFigureOut">
               <a:rPr kumimoji="1" lang="ja-JP" altLang="en-US" smtClean="0"/>
-              <a:t>2021/11/22</a:t>
+              <a:t>2024/2/22</a:t>
             </a:fld>
             <a:endParaRPr kumimoji="1" lang="ja-JP" altLang="en-US"/>
           </a:p>
@@ -1651,7 +1667,7 @@
           <a:p>
             <a:fld id="{B167F82F-9FB1-4880-8F8D-0793BD49E028}" type="datetimeFigureOut">
               <a:rPr kumimoji="1" lang="ja-JP" altLang="en-US" smtClean="0"/>
-              <a:t>2021/11/22</a:t>
+              <a:t>2024/2/22</a:t>
             </a:fld>
             <a:endParaRPr kumimoji="1" lang="ja-JP" altLang="en-US"/>
           </a:p>
@@ -2134,7 +2150,7 @@
           <a:p>
             <a:fld id="{B167F82F-9FB1-4880-8F8D-0793BD49E028}" type="datetimeFigureOut">
               <a:rPr kumimoji="1" lang="ja-JP" altLang="en-US" smtClean="0"/>
-              <a:t>2021/11/22</a:t>
+              <a:t>2024/2/22</a:t>
             </a:fld>
             <a:endParaRPr kumimoji="1" lang="ja-JP" altLang="en-US"/>
           </a:p>
@@ -2251,7 +2267,7 @@
           <a:p>
             <a:fld id="{B167F82F-9FB1-4880-8F8D-0793BD49E028}" type="datetimeFigureOut">
               <a:rPr kumimoji="1" lang="ja-JP" altLang="en-US" smtClean="0"/>
-              <a:t>2021/11/22</a:t>
+              <a:t>2024/2/22</a:t>
             </a:fld>
             <a:endParaRPr kumimoji="1" lang="ja-JP" altLang="en-US"/>
           </a:p>
@@ -2346,7 +2362,7 @@
           <a:p>
             <a:fld id="{B167F82F-9FB1-4880-8F8D-0793BD49E028}" type="datetimeFigureOut">
               <a:rPr kumimoji="1" lang="ja-JP" altLang="en-US" smtClean="0"/>
-              <a:t>2021/11/22</a:t>
+              <a:t>2024/2/22</a:t>
             </a:fld>
             <a:endParaRPr kumimoji="1" lang="ja-JP" altLang="en-US"/>
           </a:p>
@@ -2653,7 +2669,7 @@
           <a:p>
             <a:fld id="{B167F82F-9FB1-4880-8F8D-0793BD49E028}" type="datetimeFigureOut">
               <a:rPr kumimoji="1" lang="ja-JP" altLang="en-US" smtClean="0"/>
-              <a:t>2021/11/22</a:t>
+              <a:t>2024/2/22</a:t>
             </a:fld>
             <a:endParaRPr kumimoji="1" lang="ja-JP" altLang="en-US"/>
           </a:p>
@@ -2905,7 +2921,7 @@
           <a:p>
             <a:fld id="{B167F82F-9FB1-4880-8F8D-0793BD49E028}" type="datetimeFigureOut">
               <a:rPr kumimoji="1" lang="ja-JP" altLang="en-US" smtClean="0"/>
-              <a:t>2021/11/22</a:t>
+              <a:t>2024/2/22</a:t>
             </a:fld>
             <a:endParaRPr kumimoji="1" lang="ja-JP" altLang="en-US"/>
           </a:p>
@@ -3148,7 +3164,7 @@
           <a:p>
             <a:fld id="{B167F82F-9FB1-4880-8F8D-0793BD49E028}" type="datetimeFigureOut">
               <a:rPr kumimoji="1" lang="ja-JP" altLang="en-US" smtClean="0"/>
-              <a:t>2021/11/22</a:t>
+              <a:t>2024/2/22</a:t>
             </a:fld>
             <a:endParaRPr kumimoji="1" lang="ja-JP" altLang="en-US"/>
           </a:p>
@@ -3965,6 +3981,17 @@
               </a:rPr>
               <a:t>☎</a:t>
             </a:r>
+            <a:r>
+              <a:rPr lang="en-US" altLang="ja-JP" sz="1050">
+                <a:solidFill>
+                  <a:srgbClr val="FF0000"/>
+                </a:solidFill>
+                <a:latin typeface="Meiryo UI" panose="020B0604030504040204" pitchFamily="50" charset="-128"/>
+                <a:ea typeface="Meiryo UI" panose="020B0604030504040204" pitchFamily="50" charset="-128"/>
+                <a:cs typeface="Meiryo UI" panose="020B0604030504040204" pitchFamily="50" charset="-128"/>
+              </a:rPr>
+              <a:t> 03-5978-7509</a:t>
+            </a:r>
             <a:endParaRPr lang="en-US" altLang="ja-JP" sz="1050" dirty="0">
               <a:solidFill>
                 <a:srgbClr val="FF0000"/>

--- a/Cyber/相談・届出先クイックリスト（張り紙用）.pptx
+++ b/Cyber/相談・届出先クイックリスト（張り紙用）.pptx
@@ -127,6 +127,14 @@
 </p:presentation>
 </file>
 
+<file path=ppt/revisionInfo.xml><?xml version="1.0" encoding="utf-8"?>
+<p1510:revInfo xmlns:a="http://schemas.openxmlformats.org/drawingml/2006/main" xmlns:r="http://schemas.openxmlformats.org/officeDocument/2006/relationships" xmlns:p1510="http://schemas.microsoft.com/office/powerpoint/2015/10/main">
+  <p1510:revLst>
+    <p1510:client id="{F285A6B7-4F24-4A44-8F31-9DE941407108}" v="10" dt="2024-06-14T06:56:47.042"/>
+  </p1510:revLst>
+</p1510:revInfo>
+</file>
+
 <file path=ppt/changesInfos/changesInfo1.xml><?xml version="1.0" encoding="utf-8"?>
 <pc:chgInfo xmlns:a="http://schemas.openxmlformats.org/drawingml/2006/main" xmlns:r="http://schemas.openxmlformats.org/officeDocument/2006/relationships" xmlns:ac="http://schemas.microsoft.com/office/drawing/2013/main/command" xmlns:pc="http://schemas.microsoft.com/office/powerpoint/2013/main/command">
   <pc:docChgLst>
@@ -195,6 +203,84 @@
           <ac:spMkLst>
             <pc:docMk/>
             <pc:sldMk cId="984613830" sldId="256"/>
+            <ac:spMk id="5" creationId="{00000000-0000-0000-0000-000000000000}"/>
+          </ac:spMkLst>
+        </pc:spChg>
+      </pc:sldChg>
+    </pc:docChg>
+  </pc:docChgLst>
+  <pc:docChgLst>
+    <pc:chgData name="中山 正樹" userId="5499b0e3-1e9c-4bf7-b0d3-3c2cd38e5965" providerId="ADAL" clId="{F285A6B7-4F24-4A44-8F31-9DE941407108}"/>
+    <pc:docChg chg="custSel modSld">
+      <pc:chgData name="中山 正樹" userId="5499b0e3-1e9c-4bf7-b0d3-3c2cd38e5965" providerId="ADAL" clId="{F285A6B7-4F24-4A44-8F31-9DE941407108}" dt="2024-06-14T06:54:25.310" v="236"/>
+      <pc:docMkLst>
+        <pc:docMk/>
+      </pc:docMkLst>
+      <pc:sldChg chg="modSp mod">
+        <pc:chgData name="中山 正樹" userId="5499b0e3-1e9c-4bf7-b0d3-3c2cd38e5965" providerId="ADAL" clId="{F285A6B7-4F24-4A44-8F31-9DE941407108}" dt="2024-06-14T06:51:22.010" v="220" actId="20577"/>
+        <pc:sldMkLst>
+          <pc:docMk/>
+          <pc:sldMk cId="984613830" sldId="256"/>
+        </pc:sldMkLst>
+        <pc:spChg chg="mod">
+          <ac:chgData name="中山 正樹" userId="5499b0e3-1e9c-4bf7-b0d3-3c2cd38e5965" providerId="ADAL" clId="{F285A6B7-4F24-4A44-8F31-9DE941407108}" dt="2024-06-14T06:51:22.010" v="220" actId="20577"/>
+          <ac:spMkLst>
+            <pc:docMk/>
+            <pc:sldMk cId="984613830" sldId="256"/>
+            <ac:spMk id="2" creationId="{00000000-0000-0000-0000-000000000000}"/>
+          </ac:spMkLst>
+        </pc:spChg>
+        <pc:spChg chg="mod">
+          <ac:chgData name="中山 正樹" userId="5499b0e3-1e9c-4bf7-b0d3-3c2cd38e5965" providerId="ADAL" clId="{F285A6B7-4F24-4A44-8F31-9DE941407108}" dt="2024-06-14T06:50:53.719" v="203" actId="6549"/>
+          <ac:spMkLst>
+            <pc:docMk/>
+            <pc:sldMk cId="984613830" sldId="256"/>
+            <ac:spMk id="3" creationId="{00000000-0000-0000-0000-000000000000}"/>
+          </ac:spMkLst>
+        </pc:spChg>
+        <pc:spChg chg="mod">
+          <ac:chgData name="中山 正樹" userId="5499b0e3-1e9c-4bf7-b0d3-3c2cd38e5965" providerId="ADAL" clId="{F285A6B7-4F24-4A44-8F31-9DE941407108}" dt="2024-06-14T06:29:58.881" v="1" actId="20577"/>
+          <ac:spMkLst>
+            <pc:docMk/>
+            <pc:sldMk cId="984613830" sldId="256"/>
+            <ac:spMk id="5" creationId="{00000000-0000-0000-0000-000000000000}"/>
+          </ac:spMkLst>
+        </pc:spChg>
+        <pc:spChg chg="mod">
+          <ac:chgData name="中山 正樹" userId="5499b0e3-1e9c-4bf7-b0d3-3c2cd38e5965" providerId="ADAL" clId="{F285A6B7-4F24-4A44-8F31-9DE941407108}" dt="2024-06-14T06:49:26.179" v="202" actId="20577"/>
+          <ac:spMkLst>
+            <pc:docMk/>
+            <pc:sldMk cId="984613830" sldId="256"/>
+            <ac:spMk id="6" creationId="{00000000-0000-0000-0000-000000000000}"/>
+          </ac:spMkLst>
+        </pc:spChg>
+      </pc:sldChg>
+      <pc:sldChg chg="modSp mod">
+        <pc:chgData name="中山 正樹" userId="5499b0e3-1e9c-4bf7-b0d3-3c2cd38e5965" providerId="ADAL" clId="{F285A6B7-4F24-4A44-8F31-9DE941407108}" dt="2024-06-14T06:54:25.310" v="236"/>
+        <pc:sldMkLst>
+          <pc:docMk/>
+          <pc:sldMk cId="2563358178" sldId="260"/>
+        </pc:sldMkLst>
+        <pc:spChg chg="mod">
+          <ac:chgData name="中山 正樹" userId="5499b0e3-1e9c-4bf7-b0d3-3c2cd38e5965" providerId="ADAL" clId="{F285A6B7-4F24-4A44-8F31-9DE941407108}" dt="2024-06-14T06:54:25.310" v="236"/>
+          <ac:spMkLst>
+            <pc:docMk/>
+            <pc:sldMk cId="2563358178" sldId="260"/>
+            <ac:spMk id="6" creationId="{00000000-0000-0000-0000-000000000000}"/>
+          </ac:spMkLst>
+        </pc:spChg>
+      </pc:sldChg>
+      <pc:sldChg chg="modSp mod">
+        <pc:chgData name="中山 正樹" userId="5499b0e3-1e9c-4bf7-b0d3-3c2cd38e5965" providerId="ADAL" clId="{F285A6B7-4F24-4A44-8F31-9DE941407108}" dt="2024-06-14T06:54:05.830" v="235" actId="20577"/>
+        <pc:sldMkLst>
+          <pc:docMk/>
+          <pc:sldMk cId="2626777012" sldId="261"/>
+        </pc:sldMkLst>
+        <pc:spChg chg="mod">
+          <ac:chgData name="中山 正樹" userId="5499b0e3-1e9c-4bf7-b0d3-3c2cd38e5965" providerId="ADAL" clId="{F285A6B7-4F24-4A44-8F31-9DE941407108}" dt="2024-06-14T06:54:05.830" v="235" actId="20577"/>
+          <ac:spMkLst>
+            <pc:docMk/>
+            <pc:sldMk cId="2626777012" sldId="261"/>
             <ac:spMk id="5" creationId="{00000000-0000-0000-0000-000000000000}"/>
           </ac:spMkLst>
         </pc:spChg>
@@ -463,7 +549,7 @@
           <a:p>
             <a:fld id="{B167F82F-9FB1-4880-8F8D-0793BD49E028}" type="datetimeFigureOut">
               <a:rPr kumimoji="1" lang="ja-JP" altLang="en-US" smtClean="0"/>
-              <a:t>2024/2/22</a:t>
+              <a:t>2024/6/14</a:t>
             </a:fld>
             <a:endParaRPr kumimoji="1" lang="ja-JP" altLang="en-US"/>
           </a:p>
@@ -663,7 +749,7 @@
           <a:p>
             <a:fld id="{B167F82F-9FB1-4880-8F8D-0793BD49E028}" type="datetimeFigureOut">
               <a:rPr kumimoji="1" lang="ja-JP" altLang="en-US" smtClean="0"/>
-              <a:t>2024/2/22</a:t>
+              <a:t>2024/6/14</a:t>
             </a:fld>
             <a:endParaRPr kumimoji="1" lang="ja-JP" altLang="en-US"/>
           </a:p>
@@ -873,7 +959,7 @@
           <a:p>
             <a:fld id="{B167F82F-9FB1-4880-8F8D-0793BD49E028}" type="datetimeFigureOut">
               <a:rPr kumimoji="1" lang="ja-JP" altLang="en-US" smtClean="0"/>
-              <a:t>2024/2/22</a:t>
+              <a:t>2024/6/14</a:t>
             </a:fld>
             <a:endParaRPr kumimoji="1" lang="ja-JP" altLang="en-US"/>
           </a:p>
@@ -1073,7 +1159,7 @@
           <a:p>
             <a:fld id="{B167F82F-9FB1-4880-8F8D-0793BD49E028}" type="datetimeFigureOut">
               <a:rPr kumimoji="1" lang="ja-JP" altLang="en-US" smtClean="0"/>
-              <a:t>2024/2/22</a:t>
+              <a:t>2024/6/14</a:t>
             </a:fld>
             <a:endParaRPr kumimoji="1" lang="ja-JP" altLang="en-US"/>
           </a:p>
@@ -1318,7 +1404,7 @@
           <a:p>
             <a:fld id="{B167F82F-9FB1-4880-8F8D-0793BD49E028}" type="datetimeFigureOut">
               <a:rPr kumimoji="1" lang="ja-JP" altLang="en-US" smtClean="0"/>
-              <a:t>2024/2/22</a:t>
+              <a:t>2024/6/14</a:t>
             </a:fld>
             <a:endParaRPr kumimoji="1" lang="ja-JP" altLang="en-US"/>
           </a:p>
@@ -1667,7 +1753,7 @@
           <a:p>
             <a:fld id="{B167F82F-9FB1-4880-8F8D-0793BD49E028}" type="datetimeFigureOut">
               <a:rPr kumimoji="1" lang="ja-JP" altLang="en-US" smtClean="0"/>
-              <a:t>2024/2/22</a:t>
+              <a:t>2024/6/14</a:t>
             </a:fld>
             <a:endParaRPr kumimoji="1" lang="ja-JP" altLang="en-US"/>
           </a:p>
@@ -2150,7 +2236,7 @@
           <a:p>
             <a:fld id="{B167F82F-9FB1-4880-8F8D-0793BD49E028}" type="datetimeFigureOut">
               <a:rPr kumimoji="1" lang="ja-JP" altLang="en-US" smtClean="0"/>
-              <a:t>2024/2/22</a:t>
+              <a:t>2024/6/14</a:t>
             </a:fld>
             <a:endParaRPr kumimoji="1" lang="ja-JP" altLang="en-US"/>
           </a:p>
@@ -2267,7 +2353,7 @@
           <a:p>
             <a:fld id="{B167F82F-9FB1-4880-8F8D-0793BD49E028}" type="datetimeFigureOut">
               <a:rPr kumimoji="1" lang="ja-JP" altLang="en-US" smtClean="0"/>
-              <a:t>2024/2/22</a:t>
+              <a:t>2024/6/14</a:t>
             </a:fld>
             <a:endParaRPr kumimoji="1" lang="ja-JP" altLang="en-US"/>
           </a:p>
@@ -2362,7 +2448,7 @@
           <a:p>
             <a:fld id="{B167F82F-9FB1-4880-8F8D-0793BD49E028}" type="datetimeFigureOut">
               <a:rPr kumimoji="1" lang="ja-JP" altLang="en-US" smtClean="0"/>
-              <a:t>2024/2/22</a:t>
+              <a:t>2024/6/14</a:t>
             </a:fld>
             <a:endParaRPr kumimoji="1" lang="ja-JP" altLang="en-US"/>
           </a:p>
@@ -2669,7 +2755,7 @@
           <a:p>
             <a:fld id="{B167F82F-9FB1-4880-8F8D-0793BD49E028}" type="datetimeFigureOut">
               <a:rPr kumimoji="1" lang="ja-JP" altLang="en-US" smtClean="0"/>
-              <a:t>2024/2/22</a:t>
+              <a:t>2024/6/14</a:t>
             </a:fld>
             <a:endParaRPr kumimoji="1" lang="ja-JP" altLang="en-US"/>
           </a:p>
@@ -2921,7 +3007,7 @@
           <a:p>
             <a:fld id="{B167F82F-9FB1-4880-8F8D-0793BD49E028}" type="datetimeFigureOut">
               <a:rPr kumimoji="1" lang="ja-JP" altLang="en-US" smtClean="0"/>
-              <a:t>2024/2/22</a:t>
+              <a:t>2024/6/14</a:t>
             </a:fld>
             <a:endParaRPr kumimoji="1" lang="ja-JP" altLang="en-US"/>
           </a:p>
@@ -3164,7 +3250,7 @@
           <a:p>
             <a:fld id="{B167F82F-9FB1-4880-8F8D-0793BD49E028}" type="datetimeFigureOut">
               <a:rPr kumimoji="1" lang="ja-JP" altLang="en-US" smtClean="0"/>
-              <a:t>2024/2/22</a:t>
+              <a:t>2024/6/14</a:t>
             </a:fld>
             <a:endParaRPr kumimoji="1" lang="ja-JP" altLang="en-US"/>
           </a:p>
@@ -3982,7 +4068,7 @@
               <a:t>☎</a:t>
             </a:r>
             <a:r>
-              <a:rPr lang="en-US" altLang="ja-JP" sz="1050">
+              <a:rPr lang="en-US" altLang="ja-JP" sz="1050" dirty="0">
                 <a:solidFill>
                   <a:srgbClr val="FF0000"/>
                 </a:solidFill>
@@ -3991,6 +4077,302 @@
                 <a:cs typeface="Meiryo UI" panose="020B0604030504040204" pitchFamily="50" charset="-128"/>
               </a:rPr>
               <a:t> 03-5978-7509</a:t>
+            </a:r>
+          </a:p>
+          <a:p>
+            <a:pPr marL="0" indent="0">
+              <a:buNone/>
+            </a:pPr>
+            <a:r>
+              <a:rPr lang="ja-JP" altLang="en-US" sz="1050" b="1" dirty="0">
+                <a:latin typeface="Meiryo UI" panose="020B0604030504040204" pitchFamily="50" charset="-128"/>
+                <a:ea typeface="Meiryo UI" panose="020B0604030504040204" pitchFamily="50" charset="-128"/>
+                <a:cs typeface="Meiryo UI" panose="020B0604030504040204" pitchFamily="50" charset="-128"/>
+              </a:rPr>
+              <a:t>■犯罪の可能性がある場合の相談窓口</a:t>
+            </a:r>
+            <a:endParaRPr lang="ja-JP" altLang="ja-JP" sz="1050" b="1" dirty="0">
+              <a:latin typeface="Meiryo UI" panose="020B0604030504040204" pitchFamily="50" charset="-128"/>
+              <a:ea typeface="Meiryo UI" panose="020B0604030504040204" pitchFamily="50" charset="-128"/>
+              <a:cs typeface="Meiryo UI" panose="020B0604030504040204" pitchFamily="50" charset="-128"/>
+            </a:endParaRPr>
+          </a:p>
+          <a:p>
+            <a:pPr marL="0" indent="0">
+              <a:buNone/>
+            </a:pPr>
+            <a:r>
+              <a:rPr lang="ja-JP" altLang="en-US" sz="1050" dirty="0">
+                <a:latin typeface="Meiryo UI" panose="020B0604030504040204" pitchFamily="50" charset="-128"/>
+                <a:ea typeface="Meiryo UI" panose="020B0604030504040204" pitchFamily="50" charset="-128"/>
+                <a:cs typeface="Meiryo UI" panose="020B0604030504040204" pitchFamily="50" charset="-128"/>
+              </a:rPr>
+              <a:t> ●</a:t>
+            </a:r>
+            <a:r>
+              <a:rPr lang="ja-JP" altLang="ja-JP" sz="1050" dirty="0">
+                <a:latin typeface="Meiryo UI" panose="020B0604030504040204" pitchFamily="50" charset="-128"/>
+                <a:ea typeface="Meiryo UI" panose="020B0604030504040204" pitchFamily="50" charset="-128"/>
+                <a:cs typeface="Meiryo UI" panose="020B0604030504040204" pitchFamily="50" charset="-128"/>
+                <a:hlinkClick r:id="rId7"/>
+              </a:rPr>
+              <a:t>警視庁　サイバー犯罪対策課</a:t>
+            </a:r>
+            <a:r>
+              <a:rPr lang="en-US" altLang="ja-JP" sz="1050" dirty="0">
+                <a:latin typeface="Meiryo UI" panose="020B0604030504040204" pitchFamily="50" charset="-128"/>
+                <a:ea typeface="Meiryo UI" panose="020B0604030504040204" pitchFamily="50" charset="-128"/>
+                <a:cs typeface="Meiryo UI" panose="020B0604030504040204" pitchFamily="50" charset="-128"/>
+              </a:rPr>
+              <a:t> </a:t>
+            </a:r>
+            <a:r>
+              <a:rPr lang="ja-JP" altLang="ja-JP" sz="1050" dirty="0">
+                <a:solidFill>
+                  <a:srgbClr val="FF0000"/>
+                </a:solidFill>
+                <a:latin typeface="Meiryo UI" panose="020B0604030504040204" pitchFamily="50" charset="-128"/>
+                <a:ea typeface="Meiryo UI" panose="020B0604030504040204" pitchFamily="50" charset="-128"/>
+                <a:cs typeface="Meiryo UI" panose="020B0604030504040204" pitchFamily="50" charset="-128"/>
+              </a:rPr>
+              <a:t>☎</a:t>
+            </a:r>
+            <a:r>
+              <a:rPr lang="en-US" altLang="ja-JP" sz="1050" dirty="0">
+                <a:solidFill>
+                  <a:srgbClr val="FF0000"/>
+                </a:solidFill>
+                <a:latin typeface="Meiryo UI" panose="020B0604030504040204" pitchFamily="50" charset="-128"/>
+                <a:ea typeface="Meiryo UI" panose="020B0604030504040204" pitchFamily="50" charset="-128"/>
+                <a:cs typeface="Meiryo UI" panose="020B0604030504040204" pitchFamily="50" charset="-128"/>
+              </a:rPr>
+              <a:t> 03-5805-1731</a:t>
+            </a:r>
+            <a:r>
+              <a:rPr lang="ja-JP" altLang="en-US" sz="1050" dirty="0">
+                <a:solidFill>
+                  <a:srgbClr val="FF0000"/>
+                </a:solidFill>
+                <a:latin typeface="Meiryo UI" panose="020B0604030504040204" pitchFamily="50" charset="-128"/>
+                <a:ea typeface="Meiryo UI" panose="020B0604030504040204" pitchFamily="50" charset="-128"/>
+                <a:cs typeface="Meiryo UI" panose="020B0604030504040204" pitchFamily="50" charset="-128"/>
+              </a:rPr>
+              <a:t>　</a:t>
+            </a:r>
+            <a:endParaRPr lang="en-US" altLang="ja-JP" sz="1050" u="sng" dirty="0">
+              <a:latin typeface="Meiryo UI" panose="020B0604030504040204" pitchFamily="50" charset="-128"/>
+              <a:ea typeface="Meiryo UI" panose="020B0604030504040204" pitchFamily="50" charset="-128"/>
+              <a:cs typeface="Meiryo UI" panose="020B0604030504040204" pitchFamily="50" charset="-128"/>
+            </a:endParaRPr>
+          </a:p>
+          <a:p>
+            <a:pPr marL="0" indent="0">
+              <a:buNone/>
+            </a:pPr>
+            <a:r>
+              <a:rPr lang="ja-JP" altLang="en-US" sz="1050" b="1" dirty="0">
+                <a:latin typeface="Meiryo UI" panose="020B0604030504040204" pitchFamily="50" charset="-128"/>
+                <a:ea typeface="Meiryo UI" panose="020B0604030504040204" pitchFamily="50" charset="-128"/>
+                <a:cs typeface="Meiryo UI" panose="020B0604030504040204" pitchFamily="50" charset="-128"/>
+              </a:rPr>
+              <a:t>■</a:t>
+            </a:r>
+            <a:r>
+              <a:rPr lang="ja-JP" altLang="ja-JP" sz="1050" b="1" dirty="0">
+                <a:latin typeface="Meiryo UI" panose="020B0604030504040204" pitchFamily="50" charset="-128"/>
+                <a:ea typeface="Meiryo UI" panose="020B0604030504040204" pitchFamily="50" charset="-128"/>
+                <a:cs typeface="Meiryo UI" panose="020B0604030504040204" pitchFamily="50" charset="-128"/>
+              </a:rPr>
+              <a:t>サイバー犯罪の届出</a:t>
+            </a:r>
+          </a:p>
+          <a:p>
+            <a:pPr marL="0" indent="0">
+              <a:buNone/>
+            </a:pPr>
+            <a:r>
+              <a:rPr lang="ja-JP" altLang="en-US" sz="1050" dirty="0">
+                <a:latin typeface="Meiryo UI" panose="020B0604030504040204" pitchFamily="50" charset="-128"/>
+                <a:ea typeface="Meiryo UI" panose="020B0604030504040204" pitchFamily="50" charset="-128"/>
+                <a:cs typeface="Meiryo UI" panose="020B0604030504040204" pitchFamily="50" charset="-128"/>
+              </a:rPr>
+              <a:t> ●</a:t>
+            </a:r>
+            <a:r>
+              <a:rPr lang="ja-JP" altLang="ja-JP" sz="1050" dirty="0">
+                <a:latin typeface="Meiryo UI" panose="020B0604030504040204" pitchFamily="50" charset="-128"/>
+                <a:ea typeface="Meiryo UI" panose="020B0604030504040204" pitchFamily="50" charset="-128"/>
+                <a:cs typeface="Meiryo UI" panose="020B0604030504040204" pitchFamily="50" charset="-128"/>
+              </a:rPr>
+              <a:t>警視庁</a:t>
+            </a:r>
+            <a:r>
+              <a:rPr lang="ja-JP" altLang="ja-JP" sz="1050" dirty="0">
+                <a:solidFill>
+                  <a:srgbClr val="FF0000"/>
+                </a:solidFill>
+                <a:latin typeface="Meiryo UI" panose="020B0604030504040204" pitchFamily="50" charset="-128"/>
+                <a:ea typeface="Meiryo UI" panose="020B0604030504040204" pitchFamily="50" charset="-128"/>
+                <a:cs typeface="Meiryo UI" panose="020B0604030504040204" pitchFamily="50" charset="-128"/>
+              </a:rPr>
+              <a:t>☎</a:t>
+            </a:r>
+            <a:r>
+              <a:rPr lang="en-US" altLang="ja-JP" sz="1050" dirty="0">
+                <a:solidFill>
+                  <a:srgbClr val="FF0000"/>
+                </a:solidFill>
+                <a:latin typeface="Meiryo UI" panose="020B0604030504040204" pitchFamily="50" charset="-128"/>
+                <a:ea typeface="Meiryo UI" panose="020B0604030504040204" pitchFamily="50" charset="-128"/>
+                <a:cs typeface="Meiryo UI" panose="020B0604030504040204" pitchFamily="50" charset="-128"/>
+              </a:rPr>
+              <a:t> 03-3581-4321</a:t>
+            </a:r>
+            <a:r>
+              <a:rPr lang="ja-JP" altLang="ja-JP" sz="600" dirty="0">
+                <a:solidFill>
+                  <a:srgbClr val="FF0000"/>
+                </a:solidFill>
+                <a:latin typeface="Meiryo UI" panose="020B0604030504040204" pitchFamily="50" charset="-128"/>
+                <a:ea typeface="Meiryo UI" panose="020B0604030504040204" pitchFamily="50" charset="-128"/>
+                <a:cs typeface="Meiryo UI" panose="020B0604030504040204" pitchFamily="50" charset="-128"/>
+              </a:rPr>
+              <a:t>（交換）</a:t>
+            </a:r>
+            <a:r>
+              <a:rPr lang="ja-JP" altLang="en-US" sz="1050" dirty="0">
+                <a:solidFill>
+                  <a:srgbClr val="FF0000"/>
+                </a:solidFill>
+                <a:latin typeface="Meiryo UI" panose="020B0604030504040204" pitchFamily="50" charset="-128"/>
+                <a:ea typeface="Meiryo UI" panose="020B0604030504040204" pitchFamily="50" charset="-128"/>
+                <a:cs typeface="Meiryo UI" panose="020B0604030504040204" pitchFamily="50" charset="-128"/>
+              </a:rPr>
+              <a:t>　</a:t>
+            </a:r>
+            <a:r>
+              <a:rPr lang="ja-JP" altLang="ja-JP" sz="1050" dirty="0">
+                <a:latin typeface="Meiryo UI" panose="020B0604030504040204" pitchFamily="50" charset="-128"/>
+                <a:ea typeface="Meiryo UI" panose="020B0604030504040204" pitchFamily="50" charset="-128"/>
+                <a:cs typeface="Meiryo UI" panose="020B0604030504040204" pitchFamily="50" charset="-128"/>
+              </a:rPr>
+              <a:t>管轄の警察署名</a:t>
+            </a:r>
+            <a:r>
+              <a:rPr lang="ja-JP" altLang="en-US" sz="1050" dirty="0">
+                <a:latin typeface="Meiryo UI" panose="020B0604030504040204" pitchFamily="50" charset="-128"/>
+                <a:ea typeface="Meiryo UI" panose="020B0604030504040204" pitchFamily="50" charset="-128"/>
+                <a:cs typeface="Meiryo UI" panose="020B0604030504040204" pitchFamily="50" charset="-128"/>
+              </a:rPr>
+              <a:t>を確認し</a:t>
+            </a:r>
+            <a:r>
+              <a:rPr lang="ja-JP" altLang="ja-JP" sz="1050" dirty="0">
+                <a:latin typeface="Meiryo UI" panose="020B0604030504040204" pitchFamily="50" charset="-128"/>
+                <a:ea typeface="Meiryo UI" panose="020B0604030504040204" pitchFamily="50" charset="-128"/>
+                <a:cs typeface="Meiryo UI" panose="020B0604030504040204" pitchFamily="50" charset="-128"/>
+              </a:rPr>
+              <a:t>転送を</a:t>
+            </a:r>
+            <a:endParaRPr lang="en-US" altLang="ja-JP" sz="1050" dirty="0">
+              <a:latin typeface="Meiryo UI" panose="020B0604030504040204" pitchFamily="50" charset="-128"/>
+              <a:ea typeface="Meiryo UI" panose="020B0604030504040204" pitchFamily="50" charset="-128"/>
+              <a:cs typeface="Meiryo UI" panose="020B0604030504040204" pitchFamily="50" charset="-128"/>
+            </a:endParaRPr>
+          </a:p>
+          <a:p>
+            <a:pPr marL="0" indent="0">
+              <a:buNone/>
+            </a:pPr>
+            <a:r>
+              <a:rPr lang="ja-JP" altLang="en-US" sz="1050" b="1" dirty="0">
+                <a:latin typeface="Meiryo UI" panose="020B0604030504040204" pitchFamily="50" charset="-128"/>
+                <a:ea typeface="Meiryo UI" panose="020B0604030504040204" pitchFamily="50" charset="-128"/>
+                <a:cs typeface="Meiryo UI" panose="020B0604030504040204" pitchFamily="50" charset="-128"/>
+              </a:rPr>
+              <a:t>■フィッシング詐欺に関連するメールやサイトにアクセスした場合のメール相談</a:t>
+            </a:r>
+            <a:endParaRPr lang="en-US" altLang="ja-JP" sz="1050" b="1" dirty="0">
+              <a:latin typeface="Meiryo UI" panose="020B0604030504040204" pitchFamily="50" charset="-128"/>
+              <a:ea typeface="Meiryo UI" panose="020B0604030504040204" pitchFamily="50" charset="-128"/>
+              <a:cs typeface="Meiryo UI" panose="020B0604030504040204" pitchFamily="50" charset="-128"/>
+            </a:endParaRPr>
+          </a:p>
+          <a:p>
+            <a:pPr marL="0" indent="0">
+              <a:buNone/>
+            </a:pPr>
+            <a:r>
+              <a:rPr lang="ja-JP" altLang="en-US" sz="1050" b="1" dirty="0">
+                <a:solidFill>
+                  <a:srgbClr val="0070C0"/>
+                </a:solidFill>
+                <a:latin typeface="Meiryo UI" panose="020B0604030504040204" pitchFamily="50" charset="-128"/>
+                <a:ea typeface="Meiryo UI" panose="020B0604030504040204" pitchFamily="50" charset="-128"/>
+                <a:cs typeface="Meiryo UI" panose="020B0604030504040204" pitchFamily="50" charset="-128"/>
+              </a:rPr>
+              <a:t>　</a:t>
+            </a:r>
+            <a:r>
+              <a:rPr lang="en-US" altLang="ja-JP" sz="1050" b="1" dirty="0">
+                <a:solidFill>
+                  <a:srgbClr val="0070C0"/>
+                </a:solidFill>
+                <a:latin typeface="Meiryo UI" panose="020B0604030504040204" pitchFamily="50" charset="-128"/>
+                <a:ea typeface="Meiryo UI" panose="020B0604030504040204" pitchFamily="50" charset="-128"/>
+                <a:cs typeface="Meiryo UI" panose="020B0604030504040204" pitchFamily="50" charset="-128"/>
+              </a:rPr>
+              <a:t>【</a:t>
+            </a:r>
+            <a:r>
+              <a:rPr lang="ja-JP" altLang="en-US" sz="1050" b="1" dirty="0">
+                <a:solidFill>
+                  <a:srgbClr val="0070C0"/>
+                </a:solidFill>
+                <a:latin typeface="Meiryo UI" panose="020B0604030504040204" pitchFamily="50" charset="-128"/>
+                <a:ea typeface="Meiryo UI" panose="020B0604030504040204" pitchFamily="50" charset="-128"/>
+                <a:cs typeface="Meiryo UI" panose="020B0604030504040204" pitchFamily="50" charset="-128"/>
+              </a:rPr>
+              <a:t>ビジネスメール詐欺は、自社と取引先のどちらにも損害賠償責任があり得る</a:t>
+            </a:r>
+            <a:r>
+              <a:rPr lang="en-US" altLang="ja-JP" sz="1050" b="1" dirty="0">
+                <a:solidFill>
+                  <a:srgbClr val="0070C0"/>
+                </a:solidFill>
+                <a:latin typeface="Meiryo UI" panose="020B0604030504040204" pitchFamily="50" charset="-128"/>
+                <a:ea typeface="Meiryo UI" panose="020B0604030504040204" pitchFamily="50" charset="-128"/>
+                <a:cs typeface="Meiryo UI" panose="020B0604030504040204" pitchFamily="50" charset="-128"/>
+              </a:rPr>
+              <a:t>】</a:t>
+            </a:r>
+          </a:p>
+          <a:p>
+            <a:pPr marL="0" indent="0">
+              <a:buNone/>
+            </a:pPr>
+            <a:r>
+              <a:rPr lang="ja-JP" altLang="en-US" sz="1050" dirty="0">
+                <a:solidFill>
+                  <a:srgbClr val="FF0000"/>
+                </a:solidFill>
+                <a:latin typeface="Meiryo UI" panose="020B0604030504040204" pitchFamily="50" charset="-128"/>
+                <a:ea typeface="Meiryo UI" panose="020B0604030504040204" pitchFamily="50" charset="-128"/>
+                <a:cs typeface="Meiryo UI" panose="020B0604030504040204" pitchFamily="50" charset="-128"/>
+              </a:rPr>
+              <a:t> ●</a:t>
+            </a:r>
+            <a:r>
+              <a:rPr lang="ja-JP" altLang="en-US" sz="1050" dirty="0">
+                <a:solidFill>
+                  <a:srgbClr val="FF0000"/>
+                </a:solidFill>
+                <a:latin typeface="Meiryo UI" panose="020B0604030504040204" pitchFamily="50" charset="-128"/>
+                <a:ea typeface="Meiryo UI" panose="020B0604030504040204" pitchFamily="50" charset="-128"/>
+                <a:cs typeface="Meiryo UI" panose="020B0604030504040204" pitchFamily="50" charset="-128"/>
+                <a:hlinkClick r:id="rId8"/>
+              </a:rPr>
+              <a:t>フィッシング対策協議会</a:t>
             </a:r>
             <a:endParaRPr lang="en-US" altLang="ja-JP" sz="1050" dirty="0">
               <a:solidFill>
@@ -4011,290 +4393,24 @@
                 <a:ea typeface="Meiryo UI" panose="020B0604030504040204" pitchFamily="50" charset="-128"/>
                 <a:cs typeface="Meiryo UI" panose="020B0604030504040204" pitchFamily="50" charset="-128"/>
               </a:rPr>
-              <a:t>■犯罪の可能性がある場合の相談窓口</a:t>
-            </a:r>
-            <a:endParaRPr lang="ja-JP" altLang="ja-JP" sz="1050" b="1" dirty="0">
-              <a:latin typeface="Meiryo UI" panose="020B0604030504040204" pitchFamily="50" charset="-128"/>
-              <a:ea typeface="Meiryo UI" panose="020B0604030504040204" pitchFamily="50" charset="-128"/>
-              <a:cs typeface="Meiryo UI" panose="020B0604030504040204" pitchFamily="50" charset="-128"/>
-            </a:endParaRPr>
-          </a:p>
-          <a:p>
-            <a:pPr marL="0" indent="0">
-              <a:buNone/>
-            </a:pPr>
-            <a:r>
-              <a:rPr lang="ja-JP" altLang="en-US" sz="1050" dirty="0">
-                <a:latin typeface="Meiryo UI" panose="020B0604030504040204" pitchFamily="50" charset="-128"/>
-                <a:ea typeface="Meiryo UI" panose="020B0604030504040204" pitchFamily="50" charset="-128"/>
-                <a:cs typeface="Meiryo UI" panose="020B0604030504040204" pitchFamily="50" charset="-128"/>
-              </a:rPr>
-              <a:t> ●</a:t>
-            </a:r>
-            <a:r>
-              <a:rPr lang="ja-JP" altLang="ja-JP" sz="1050" dirty="0">
-                <a:latin typeface="Meiryo UI" panose="020B0604030504040204" pitchFamily="50" charset="-128"/>
-                <a:ea typeface="Meiryo UI" panose="020B0604030504040204" pitchFamily="50" charset="-128"/>
-                <a:cs typeface="Meiryo UI" panose="020B0604030504040204" pitchFamily="50" charset="-128"/>
-                <a:hlinkClick r:id="rId7"/>
-              </a:rPr>
-              <a:t>警視庁　サイバー犯罪対策課</a:t>
-            </a:r>
-            <a:r>
-              <a:rPr lang="en-US" altLang="ja-JP" sz="1050" dirty="0">
-                <a:latin typeface="Meiryo UI" panose="020B0604030504040204" pitchFamily="50" charset="-128"/>
-                <a:ea typeface="Meiryo UI" panose="020B0604030504040204" pitchFamily="50" charset="-128"/>
-                <a:cs typeface="Meiryo UI" panose="020B0604030504040204" pitchFamily="50" charset="-128"/>
-              </a:rPr>
-              <a:t> </a:t>
-            </a:r>
-            <a:r>
-              <a:rPr lang="ja-JP" altLang="ja-JP" sz="1050" dirty="0">
-                <a:solidFill>
-                  <a:srgbClr val="FF0000"/>
-                </a:solidFill>
-                <a:latin typeface="Meiryo UI" panose="020B0604030504040204" pitchFamily="50" charset="-128"/>
-                <a:ea typeface="Meiryo UI" panose="020B0604030504040204" pitchFamily="50" charset="-128"/>
-                <a:cs typeface="Meiryo UI" panose="020B0604030504040204" pitchFamily="50" charset="-128"/>
-              </a:rPr>
-              <a:t>☎</a:t>
-            </a:r>
-            <a:r>
-              <a:rPr lang="en-US" altLang="ja-JP" sz="1050" dirty="0">
-                <a:solidFill>
-                  <a:srgbClr val="FF0000"/>
-                </a:solidFill>
-                <a:latin typeface="Meiryo UI" panose="020B0604030504040204" pitchFamily="50" charset="-128"/>
-                <a:ea typeface="Meiryo UI" panose="020B0604030504040204" pitchFamily="50" charset="-128"/>
-                <a:cs typeface="Meiryo UI" panose="020B0604030504040204" pitchFamily="50" charset="-128"/>
-              </a:rPr>
-              <a:t> 03-5805-1731</a:t>
-            </a:r>
-            <a:r>
-              <a:rPr lang="ja-JP" altLang="en-US" sz="1050" dirty="0">
-                <a:solidFill>
-                  <a:srgbClr val="FF0000"/>
-                </a:solidFill>
-                <a:latin typeface="Meiryo UI" panose="020B0604030504040204" pitchFamily="50" charset="-128"/>
-                <a:ea typeface="Meiryo UI" panose="020B0604030504040204" pitchFamily="50" charset="-128"/>
-                <a:cs typeface="Meiryo UI" panose="020B0604030504040204" pitchFamily="50" charset="-128"/>
-              </a:rPr>
-              <a:t>　</a:t>
-            </a:r>
-            <a:endParaRPr lang="en-US" altLang="ja-JP" sz="1050" u="sng" dirty="0">
-              <a:latin typeface="Meiryo UI" panose="020B0604030504040204" pitchFamily="50" charset="-128"/>
-              <a:ea typeface="Meiryo UI" panose="020B0604030504040204" pitchFamily="50" charset="-128"/>
-              <a:cs typeface="Meiryo UI" panose="020B0604030504040204" pitchFamily="50" charset="-128"/>
-            </a:endParaRPr>
-          </a:p>
-          <a:p>
-            <a:pPr marL="0" indent="0">
-              <a:buNone/>
-            </a:pPr>
+              <a:t>■</a:t>
+            </a:r>
             <a:r>
               <a:rPr lang="ja-JP" altLang="en-US" sz="1050" b="1" dirty="0">
                 <a:latin typeface="Meiryo UI" panose="020B0604030504040204" pitchFamily="50" charset="-128"/>
                 <a:ea typeface="Meiryo UI" panose="020B0604030504040204" pitchFamily="50" charset="-128"/>
                 <a:cs typeface="Meiryo UI" panose="020B0604030504040204" pitchFamily="50" charset="-128"/>
-              </a:rPr>
-              <a:t>■</a:t>
-            </a:r>
-            <a:r>
-              <a:rPr lang="ja-JP" altLang="ja-JP" sz="1050" b="1" dirty="0">
-                <a:latin typeface="Meiryo UI" panose="020B0604030504040204" pitchFamily="50" charset="-128"/>
-                <a:ea typeface="Meiryo UI" panose="020B0604030504040204" pitchFamily="50" charset="-128"/>
-                <a:cs typeface="Meiryo UI" panose="020B0604030504040204" pitchFamily="50" charset="-128"/>
-              </a:rPr>
-              <a:t>サイバー犯罪の届出</a:t>
-            </a:r>
-          </a:p>
-          <a:p>
-            <a:pPr marL="0" indent="0">
-              <a:buNone/>
-            </a:pPr>
-            <a:r>
-              <a:rPr lang="ja-JP" altLang="en-US" sz="1050" dirty="0">
-                <a:latin typeface="Meiryo UI" panose="020B0604030504040204" pitchFamily="50" charset="-128"/>
-                <a:ea typeface="Meiryo UI" panose="020B0604030504040204" pitchFamily="50" charset="-128"/>
-                <a:cs typeface="Meiryo UI" panose="020B0604030504040204" pitchFamily="50" charset="-128"/>
-              </a:rPr>
-              <a:t> ●</a:t>
-            </a:r>
-            <a:r>
-              <a:rPr lang="ja-JP" altLang="ja-JP" sz="1050" dirty="0">
-                <a:latin typeface="Meiryo UI" panose="020B0604030504040204" pitchFamily="50" charset="-128"/>
-                <a:ea typeface="Meiryo UI" panose="020B0604030504040204" pitchFamily="50" charset="-128"/>
-                <a:cs typeface="Meiryo UI" panose="020B0604030504040204" pitchFamily="50" charset="-128"/>
-              </a:rPr>
-              <a:t>警視庁</a:t>
-            </a:r>
-            <a:r>
-              <a:rPr lang="ja-JP" altLang="ja-JP" sz="1050" dirty="0">
-                <a:solidFill>
-                  <a:srgbClr val="FF0000"/>
-                </a:solidFill>
-                <a:latin typeface="Meiryo UI" panose="020B0604030504040204" pitchFamily="50" charset="-128"/>
-                <a:ea typeface="Meiryo UI" panose="020B0604030504040204" pitchFamily="50" charset="-128"/>
-                <a:cs typeface="Meiryo UI" panose="020B0604030504040204" pitchFamily="50" charset="-128"/>
-              </a:rPr>
-              <a:t>☎</a:t>
-            </a:r>
-            <a:r>
-              <a:rPr lang="en-US" altLang="ja-JP" sz="1050" dirty="0">
-                <a:solidFill>
-                  <a:srgbClr val="FF0000"/>
-                </a:solidFill>
-                <a:latin typeface="Meiryo UI" panose="020B0604030504040204" pitchFamily="50" charset="-128"/>
-                <a:ea typeface="Meiryo UI" panose="020B0604030504040204" pitchFamily="50" charset="-128"/>
-                <a:cs typeface="Meiryo UI" panose="020B0604030504040204" pitchFamily="50" charset="-128"/>
-              </a:rPr>
-              <a:t> 03-3581-4321</a:t>
-            </a:r>
-            <a:r>
-              <a:rPr lang="ja-JP" altLang="ja-JP" sz="600" dirty="0">
-                <a:solidFill>
-                  <a:srgbClr val="FF0000"/>
-                </a:solidFill>
-                <a:latin typeface="Meiryo UI" panose="020B0604030504040204" pitchFamily="50" charset="-128"/>
-                <a:ea typeface="Meiryo UI" panose="020B0604030504040204" pitchFamily="50" charset="-128"/>
-                <a:cs typeface="Meiryo UI" panose="020B0604030504040204" pitchFamily="50" charset="-128"/>
-              </a:rPr>
-              <a:t>（交換）</a:t>
-            </a:r>
-            <a:r>
-              <a:rPr lang="ja-JP" altLang="en-US" sz="1050" dirty="0">
-                <a:solidFill>
-                  <a:srgbClr val="FF0000"/>
-                </a:solidFill>
-                <a:latin typeface="Meiryo UI" panose="020B0604030504040204" pitchFamily="50" charset="-128"/>
-                <a:ea typeface="Meiryo UI" panose="020B0604030504040204" pitchFamily="50" charset="-128"/>
-                <a:cs typeface="Meiryo UI" panose="020B0604030504040204" pitchFamily="50" charset="-128"/>
-              </a:rPr>
-              <a:t>　</a:t>
-            </a:r>
-            <a:r>
-              <a:rPr lang="ja-JP" altLang="ja-JP" sz="1050" dirty="0">
-                <a:latin typeface="Meiryo UI" panose="020B0604030504040204" pitchFamily="50" charset="-128"/>
-                <a:ea typeface="Meiryo UI" panose="020B0604030504040204" pitchFamily="50" charset="-128"/>
-                <a:cs typeface="Meiryo UI" panose="020B0604030504040204" pitchFamily="50" charset="-128"/>
-              </a:rPr>
-              <a:t>管轄の警察署名</a:t>
-            </a:r>
-            <a:r>
-              <a:rPr lang="ja-JP" altLang="en-US" sz="1050" dirty="0">
-                <a:latin typeface="Meiryo UI" panose="020B0604030504040204" pitchFamily="50" charset="-128"/>
-                <a:ea typeface="Meiryo UI" panose="020B0604030504040204" pitchFamily="50" charset="-128"/>
-                <a:cs typeface="Meiryo UI" panose="020B0604030504040204" pitchFamily="50" charset="-128"/>
-              </a:rPr>
-              <a:t>を確認し</a:t>
-            </a:r>
-            <a:r>
-              <a:rPr lang="ja-JP" altLang="ja-JP" sz="1050" dirty="0">
-                <a:latin typeface="Meiryo UI" panose="020B0604030504040204" pitchFamily="50" charset="-128"/>
-                <a:ea typeface="Meiryo UI" panose="020B0604030504040204" pitchFamily="50" charset="-128"/>
-                <a:cs typeface="Meiryo UI" panose="020B0604030504040204" pitchFamily="50" charset="-128"/>
-              </a:rPr>
-              <a:t>転送を</a:t>
-            </a:r>
-            <a:endParaRPr lang="en-US" altLang="ja-JP" sz="1050" dirty="0">
-              <a:latin typeface="Meiryo UI" panose="020B0604030504040204" pitchFamily="50" charset="-128"/>
-              <a:ea typeface="Meiryo UI" panose="020B0604030504040204" pitchFamily="50" charset="-128"/>
-              <a:cs typeface="Meiryo UI" panose="020B0604030504040204" pitchFamily="50" charset="-128"/>
-            </a:endParaRPr>
-          </a:p>
-          <a:p>
-            <a:pPr marL="0" indent="0">
-              <a:buNone/>
-            </a:pPr>
+                <a:hlinkClick r:id="rId9"/>
+              </a:rPr>
+              <a:t>迷惑メール相談センター</a:t>
+            </a:r>
             <a:r>
               <a:rPr lang="ja-JP" altLang="en-US" sz="1050" b="1" dirty="0">
                 <a:latin typeface="Meiryo UI" panose="020B0604030504040204" pitchFamily="50" charset="-128"/>
                 <a:ea typeface="Meiryo UI" panose="020B0604030504040204" pitchFamily="50" charset="-128"/>
                 <a:cs typeface="Meiryo UI" panose="020B0604030504040204" pitchFamily="50" charset="-128"/>
               </a:rPr>
-              <a:t>■フィッシング詐欺に関連するメールやサイトにアクセスした場合のメール相談</a:t>
-            </a:r>
-            <a:endParaRPr lang="en-US" altLang="ja-JP" sz="1050" b="1" dirty="0">
-              <a:latin typeface="Meiryo UI" panose="020B0604030504040204" pitchFamily="50" charset="-128"/>
-              <a:ea typeface="Meiryo UI" panose="020B0604030504040204" pitchFamily="50" charset="-128"/>
-              <a:cs typeface="Meiryo UI" panose="020B0604030504040204" pitchFamily="50" charset="-128"/>
-            </a:endParaRPr>
-          </a:p>
-          <a:p>
-            <a:pPr marL="0" indent="0">
-              <a:buNone/>
-            </a:pPr>
-            <a:r>
-              <a:rPr lang="ja-JP" altLang="en-US" sz="1050" b="1" dirty="0">
-                <a:solidFill>
-                  <a:srgbClr val="0070C0"/>
-                </a:solidFill>
-                <a:latin typeface="Meiryo UI" panose="020B0604030504040204" pitchFamily="50" charset="-128"/>
-                <a:ea typeface="Meiryo UI" panose="020B0604030504040204" pitchFamily="50" charset="-128"/>
-                <a:cs typeface="Meiryo UI" panose="020B0604030504040204" pitchFamily="50" charset="-128"/>
-              </a:rPr>
-              <a:t>　</a:t>
-            </a:r>
-            <a:r>
-              <a:rPr lang="en-US" altLang="ja-JP" sz="1050" b="1" dirty="0">
-                <a:solidFill>
-                  <a:srgbClr val="0070C0"/>
-                </a:solidFill>
-                <a:latin typeface="Meiryo UI" panose="020B0604030504040204" pitchFamily="50" charset="-128"/>
-                <a:ea typeface="Meiryo UI" panose="020B0604030504040204" pitchFamily="50" charset="-128"/>
-                <a:cs typeface="Meiryo UI" panose="020B0604030504040204" pitchFamily="50" charset="-128"/>
-              </a:rPr>
-              <a:t>【</a:t>
-            </a:r>
-            <a:r>
-              <a:rPr lang="ja-JP" altLang="en-US" sz="1050" b="1" dirty="0">
-                <a:solidFill>
-                  <a:srgbClr val="0070C0"/>
-                </a:solidFill>
-                <a:latin typeface="Meiryo UI" panose="020B0604030504040204" pitchFamily="50" charset="-128"/>
-                <a:ea typeface="Meiryo UI" panose="020B0604030504040204" pitchFamily="50" charset="-128"/>
-                <a:cs typeface="Meiryo UI" panose="020B0604030504040204" pitchFamily="50" charset="-128"/>
-              </a:rPr>
-              <a:t>ビジネスメール詐欺は、自社と取引先のどちらにも損害賠償責任があり得る</a:t>
-            </a:r>
-            <a:r>
-              <a:rPr lang="en-US" altLang="ja-JP" sz="1050" b="1" dirty="0">
-                <a:solidFill>
-                  <a:srgbClr val="0070C0"/>
-                </a:solidFill>
-                <a:latin typeface="Meiryo UI" panose="020B0604030504040204" pitchFamily="50" charset="-128"/>
-                <a:ea typeface="Meiryo UI" panose="020B0604030504040204" pitchFamily="50" charset="-128"/>
-                <a:cs typeface="Meiryo UI" panose="020B0604030504040204" pitchFamily="50" charset="-128"/>
-              </a:rPr>
-              <a:t>】</a:t>
-            </a:r>
-          </a:p>
-          <a:p>
-            <a:pPr marL="0" indent="0">
-              <a:buNone/>
-            </a:pPr>
-            <a:r>
-              <a:rPr lang="ja-JP" altLang="en-US" sz="1050" dirty="0">
-                <a:solidFill>
-                  <a:srgbClr val="FF0000"/>
-                </a:solidFill>
-                <a:latin typeface="Meiryo UI" panose="020B0604030504040204" pitchFamily="50" charset="-128"/>
-                <a:ea typeface="Meiryo UI" panose="020B0604030504040204" pitchFamily="50" charset="-128"/>
-                <a:cs typeface="Meiryo UI" panose="020B0604030504040204" pitchFamily="50" charset="-128"/>
-              </a:rPr>
-              <a:t> ●</a:t>
-            </a:r>
-            <a:r>
-              <a:rPr lang="ja-JP" altLang="en-US" sz="1050" dirty="0">
-                <a:solidFill>
-                  <a:srgbClr val="FF0000"/>
-                </a:solidFill>
-                <a:latin typeface="Meiryo UI" panose="020B0604030504040204" pitchFamily="50" charset="-128"/>
-                <a:ea typeface="Meiryo UI" panose="020B0604030504040204" pitchFamily="50" charset="-128"/>
-                <a:cs typeface="Meiryo UI" panose="020B0604030504040204" pitchFamily="50" charset="-128"/>
-                <a:hlinkClick r:id="rId8"/>
-              </a:rPr>
-              <a:t>フィッシング対策協議会</a:t>
+              <a:t>　（日本データ通信協会）</a:t>
             </a:r>
             <a:endParaRPr lang="en-US" altLang="ja-JP" sz="1050" dirty="0">
               <a:solidFill>
@@ -4310,44 +4426,6 @@
               <a:buNone/>
             </a:pPr>
             <a:r>
-              <a:rPr lang="ja-JP" altLang="en-US" sz="1050" b="1" dirty="0">
-                <a:latin typeface="Meiryo UI" panose="020B0604030504040204" pitchFamily="50" charset="-128"/>
-                <a:ea typeface="Meiryo UI" panose="020B0604030504040204" pitchFamily="50" charset="-128"/>
-                <a:cs typeface="Meiryo UI" panose="020B0604030504040204" pitchFamily="50" charset="-128"/>
-              </a:rPr>
-              <a:t>■</a:t>
-            </a:r>
-            <a:r>
-              <a:rPr lang="ja-JP" altLang="en-US" sz="1050" b="1" dirty="0">
-                <a:latin typeface="Meiryo UI" panose="020B0604030504040204" pitchFamily="50" charset="-128"/>
-                <a:ea typeface="Meiryo UI" panose="020B0604030504040204" pitchFamily="50" charset="-128"/>
-                <a:cs typeface="Meiryo UI" panose="020B0604030504040204" pitchFamily="50" charset="-128"/>
-                <a:hlinkClick r:id="rId9"/>
-              </a:rPr>
-              <a:t>迷惑メール相談センター</a:t>
-            </a:r>
-            <a:r>
-              <a:rPr lang="ja-JP" altLang="en-US" sz="1050" b="1" dirty="0">
-                <a:latin typeface="Meiryo UI" panose="020B0604030504040204" pitchFamily="50" charset="-128"/>
-                <a:ea typeface="Meiryo UI" panose="020B0604030504040204" pitchFamily="50" charset="-128"/>
-                <a:cs typeface="Meiryo UI" panose="020B0604030504040204" pitchFamily="50" charset="-128"/>
-              </a:rPr>
-              <a:t>　（日本データ通信協会）</a:t>
-            </a:r>
-            <a:endParaRPr lang="en-US" altLang="ja-JP" sz="1050" dirty="0">
-              <a:solidFill>
-                <a:srgbClr val="FF0000"/>
-              </a:solidFill>
-              <a:latin typeface="Meiryo UI" panose="020B0604030504040204" pitchFamily="50" charset="-128"/>
-              <a:ea typeface="Meiryo UI" panose="020B0604030504040204" pitchFamily="50" charset="-128"/>
-              <a:cs typeface="Meiryo UI" panose="020B0604030504040204" pitchFamily="50" charset="-128"/>
-            </a:endParaRPr>
-          </a:p>
-          <a:p>
-            <a:pPr marL="0" indent="0">
-              <a:buNone/>
-            </a:pPr>
-            <a:r>
               <a:rPr lang="ja-JP" altLang="en-US" sz="1050" dirty="0">
                 <a:latin typeface="Meiryo UI" panose="020B0604030504040204" pitchFamily="50" charset="-128"/>
                 <a:ea typeface="Meiryo UI" panose="020B0604030504040204" pitchFamily="50" charset="-128"/>
@@ -5088,7 +5166,19 @@
                 <a:ea typeface="Meiryo UI" panose="020B0604030504040204" pitchFamily="50" charset="-128"/>
                 <a:cs typeface="Meiryo UI" panose="020B0604030504040204" pitchFamily="50" charset="-128"/>
               </a:rPr>
-              <a:t>の生活安全課</a:t>
+              <a:t>の生活安全課 </a:t>
+            </a:r>
+            <a:r>
+              <a:rPr lang="zh-TW" altLang="en-US" sz="1100" dirty="0">
+                <a:solidFill>
+                  <a:srgbClr val="FF0000"/>
+                </a:solidFill>
+                <a:latin typeface="Meiryo UI" panose="020B0604030504040204" pitchFamily="50" charset="-128"/>
+                <a:ea typeface="Meiryo UI" panose="020B0604030504040204" pitchFamily="50" charset="-128"/>
+                <a:cs typeface="Meiryo UI" panose="020B0604030504040204" pitchFamily="50" charset="-128"/>
+                <a:hlinkClick r:id="rId18"/>
+              </a:rPr>
+              <a:t>警察署一覧</a:t>
             </a:r>
             <a:r>
               <a:rPr lang="ja-JP" altLang="en-US" sz="1100" dirty="0">
@@ -5098,28 +5188,7 @@
                 <a:latin typeface="Meiryo UI" panose="020B0604030504040204" pitchFamily="50" charset="-128"/>
                 <a:ea typeface="Meiryo UI" panose="020B0604030504040204" pitchFamily="50" charset="-128"/>
                 <a:cs typeface="Meiryo UI" panose="020B0604030504040204" pitchFamily="50" charset="-128"/>
-              </a:rPr>
-              <a:t>ブラウザで</a:t>
-            </a:r>
-            <a:r>
-              <a:rPr lang="zh-TW" altLang="en-US" sz="1100" dirty="0">
-                <a:solidFill>
-                  <a:srgbClr val="FF0000"/>
-                </a:solidFill>
-                <a:latin typeface="Meiryo UI" panose="020B0604030504040204" pitchFamily="50" charset="-128"/>
-                <a:ea typeface="Meiryo UI" panose="020B0604030504040204" pitchFamily="50" charset="-128"/>
-                <a:cs typeface="Meiryo UI" panose="020B0604030504040204" pitchFamily="50" charset="-128"/>
-              </a:rPr>
-              <a:t>警察署一覧</a:t>
-            </a:r>
-            <a:r>
-              <a:rPr lang="ja-JP" altLang="en-US" sz="1100" dirty="0">
-                <a:solidFill>
-                  <a:srgbClr val="FF0000"/>
-                </a:solidFill>
-                <a:latin typeface="Meiryo UI" panose="020B0604030504040204" pitchFamily="50" charset="-128"/>
-                <a:ea typeface="Meiryo UI" panose="020B0604030504040204" pitchFamily="50" charset="-128"/>
-                <a:cs typeface="Meiryo UI" panose="020B0604030504040204" pitchFamily="50" charset="-128"/>
+                <a:hlinkClick r:id="rId18"/>
               </a:rPr>
               <a:t>検索</a:t>
             </a:r>
@@ -5231,7 +5300,7 @@
         </p:spPr>
         <p:txBody>
           <a:bodyPr>
-            <a:normAutofit fontScale="92500" lnSpcReduction="10000"/>
+            <a:normAutofit lnSpcReduction="10000"/>
           </a:bodyPr>
           <a:lstStyle/>
           <a:p>
@@ -5272,7 +5341,7 @@
                 <a:latin typeface="Meiryo UI" panose="020B0604030504040204" pitchFamily="50" charset="-128"/>
                 <a:ea typeface="Meiryo UI" panose="020B0604030504040204" pitchFamily="50" charset="-128"/>
                 <a:cs typeface="Meiryo UI" panose="020B0604030504040204" pitchFamily="50" charset="-128"/>
-                <a:hlinkClick r:id="rId18"/>
+                <a:hlinkClick r:id="rId19"/>
               </a:rPr>
               <a:t>JPCERT/CC</a:t>
             </a:r>
@@ -5313,7 +5382,7 @@
                 <a:latin typeface="Meiryo UI" panose="020B0604030504040204" pitchFamily="50" charset="-128"/>
                 <a:ea typeface="Meiryo UI" panose="020B0604030504040204" pitchFamily="50" charset="-128"/>
                 <a:cs typeface="Meiryo UI" panose="020B0604030504040204" pitchFamily="50" charset="-128"/>
-                <a:hlinkClick r:id="rId18"/>
+                <a:hlinkClick r:id="rId19"/>
               </a:rPr>
               <a:t>インシデント対応依頼</a:t>
             </a:r>
@@ -5420,7 +5489,7 @@
                 <a:latin typeface="Meiryo UI" panose="020B0604030504040204" pitchFamily="50" charset="-128"/>
                 <a:ea typeface="Meiryo UI" panose="020B0604030504040204" pitchFamily="50" charset="-128"/>
                 <a:cs typeface="Meiryo UI" panose="020B0604030504040204" pitchFamily="50" charset="-128"/>
-                <a:hlinkClick r:id="rId19"/>
+                <a:hlinkClick r:id="rId20"/>
               </a:rPr>
               <a:t>IPA J-CRAT</a:t>
             </a:r>
@@ -5429,7 +5498,7 @@
                 <a:latin typeface="Meiryo UI" panose="020B0604030504040204" pitchFamily="50" charset="-128"/>
                 <a:ea typeface="Meiryo UI" panose="020B0604030504040204" pitchFamily="50" charset="-128"/>
                 <a:cs typeface="Meiryo UI" panose="020B0604030504040204" pitchFamily="50" charset="-128"/>
-                <a:hlinkClick r:id="rId19"/>
+                <a:hlinkClick r:id="rId20"/>
               </a:rPr>
               <a:t>／標的型サイバー攻撃特別相談窓口</a:t>
             </a:r>
@@ -5453,7 +5522,7 @@
                 <a:latin typeface="Meiryo UI" panose="020B0604030504040204" pitchFamily="50" charset="-128"/>
                 <a:ea typeface="Meiryo UI" panose="020B0604030504040204" pitchFamily="50" charset="-128"/>
                 <a:cs typeface="Meiryo UI" panose="020B0604030504040204" pitchFamily="50" charset="-128"/>
-                <a:hlinkClick r:id="rId20"/>
+                <a:hlinkClick r:id="rId21"/>
               </a:rPr>
               <a:t>tokusou@ipa.go.jp</a:t>
             </a:r>
@@ -5628,7 +5697,7 @@
                 <a:latin typeface="Meiryo UI" panose="020B0604030504040204" pitchFamily="50" charset="-128"/>
                 <a:ea typeface="Meiryo UI" panose="020B0604030504040204" pitchFamily="50" charset="-128"/>
                 <a:cs typeface="Meiryo UI" panose="020B0604030504040204" pitchFamily="50" charset="-128"/>
-                <a:hlinkClick r:id="rId21"/>
+                <a:hlinkClick r:id="rId22"/>
               </a:rPr>
               <a:t>情報セキュリティ対策支援サイト</a:t>
             </a:r>
@@ -5686,7 +5755,7 @@
                 <a:latin typeface="Meiryo UI" panose="020B0604030504040204" pitchFamily="50" charset="-128"/>
                 <a:ea typeface="Meiryo UI" panose="020B0604030504040204" pitchFamily="50" charset="-128"/>
                 <a:cs typeface="Meiryo UI" panose="020B0604030504040204" pitchFamily="50" charset="-128"/>
-                <a:hlinkClick r:id="rId22"/>
+                <a:hlinkClick r:id="rId23"/>
               </a:rPr>
               <a:t>IPA</a:t>
             </a:r>
@@ -5698,7 +5767,7 @@
                 <a:latin typeface="Meiryo UI" panose="020B0604030504040204" pitchFamily="50" charset="-128"/>
                 <a:ea typeface="Meiryo UI" panose="020B0604030504040204" pitchFamily="50" charset="-128"/>
                 <a:cs typeface="Meiryo UI" panose="020B0604030504040204" pitchFamily="50" charset="-128"/>
-                <a:hlinkClick r:id="rId22"/>
+                <a:hlinkClick r:id="rId23"/>
               </a:rPr>
               <a:t>セキュリティプレゼンター検索</a:t>
             </a:r>
@@ -5753,7 +5822,7 @@
                 <a:latin typeface="Meiryo UI" panose="020B0604030504040204" pitchFamily="50" charset="-128"/>
                 <a:ea typeface="Meiryo UI" panose="020B0604030504040204" pitchFamily="50" charset="-128"/>
                 <a:cs typeface="Meiryo UI" panose="020B0604030504040204" pitchFamily="50" charset="-128"/>
-                <a:hlinkClick r:id="rId23"/>
+                <a:hlinkClick r:id="rId24"/>
               </a:rPr>
               <a:t>情報セキュリティサービス基準適合サービスリスト</a:t>
             </a:r>
@@ -5800,7 +5869,7 @@
                 <a:latin typeface="Meiryo UI" panose="020B0604030504040204" pitchFamily="50" charset="-128"/>
                 <a:ea typeface="Meiryo UI" panose="020B0604030504040204" pitchFamily="50" charset="-128"/>
                 <a:cs typeface="Meiryo UI" panose="020B0604030504040204" pitchFamily="50" charset="-128"/>
-                <a:hlinkClick r:id="rId24"/>
+                <a:hlinkClick r:id="rId25"/>
               </a:rPr>
               <a:t>サイバーインシデント緊急対応企業一覧</a:t>
             </a:r>
@@ -5844,7 +5913,7 @@
                 <a:latin typeface="Meiryo UI" panose="020B0604030504040204" pitchFamily="50" charset="-128"/>
                 <a:ea typeface="Meiryo UI" panose="020B0604030504040204" pitchFamily="50" charset="-128"/>
                 <a:cs typeface="Meiryo UI" panose="020B0604030504040204" pitchFamily="50" charset="-128"/>
-                <a:hlinkClick r:id="rId25"/>
+                <a:hlinkClick r:id="rId26"/>
               </a:rPr>
               <a:t>IT</a:t>
             </a:r>
@@ -5856,7 +5925,7 @@
                 <a:latin typeface="Meiryo UI" panose="020B0604030504040204" pitchFamily="50" charset="-128"/>
                 <a:ea typeface="Meiryo UI" panose="020B0604030504040204" pitchFamily="50" charset="-128"/>
                 <a:cs typeface="Meiryo UI" panose="020B0604030504040204" pitchFamily="50" charset="-128"/>
-                <a:hlinkClick r:id="rId25"/>
+                <a:hlinkClick r:id="rId26"/>
               </a:rPr>
               <a:t>コーディネータ協会　「経営と</a:t>
             </a:r>
@@ -5868,7 +5937,7 @@
                 <a:latin typeface="Meiryo UI" panose="020B0604030504040204" pitchFamily="50" charset="-128"/>
                 <a:ea typeface="Meiryo UI" panose="020B0604030504040204" pitchFamily="50" charset="-128"/>
                 <a:cs typeface="Meiryo UI" panose="020B0604030504040204" pitchFamily="50" charset="-128"/>
-                <a:hlinkClick r:id="rId25"/>
+                <a:hlinkClick r:id="rId26"/>
               </a:rPr>
               <a:t>IT</a:t>
             </a:r>
@@ -5880,7 +5949,7 @@
                 <a:latin typeface="Meiryo UI" panose="020B0604030504040204" pitchFamily="50" charset="-128"/>
                 <a:ea typeface="Meiryo UI" panose="020B0604030504040204" pitchFamily="50" charset="-128"/>
                 <a:cs typeface="Meiryo UI" panose="020B0604030504040204" pitchFamily="50" charset="-128"/>
-                <a:hlinkClick r:id="rId25"/>
+                <a:hlinkClick r:id="rId26"/>
               </a:rPr>
               <a:t>化相談」窓口</a:t>
             </a:r>
@@ -5916,7 +5985,7 @@
                 <a:latin typeface="Meiryo UI" panose="020B0604030504040204" pitchFamily="50" charset="-128"/>
                 <a:ea typeface="Meiryo UI" panose="020B0604030504040204" pitchFamily="50" charset="-128"/>
                 <a:cs typeface="Meiryo UI" panose="020B0604030504040204" pitchFamily="50" charset="-128"/>
-                <a:hlinkClick r:id="rId26"/>
+                <a:hlinkClick r:id="rId27"/>
               </a:rPr>
               <a:t>東京都テレワーク推進センター</a:t>
             </a:r>
@@ -5928,7 +5997,7 @@
                 <a:latin typeface="Meiryo UI" panose="020B0604030504040204" pitchFamily="50" charset="-128"/>
                 <a:ea typeface="Meiryo UI" panose="020B0604030504040204" pitchFamily="50" charset="-128"/>
                 <a:cs typeface="Meiryo UI" panose="020B0604030504040204" pitchFamily="50" charset="-128"/>
-                <a:hlinkClick r:id="rId26"/>
+                <a:hlinkClick r:id="rId27"/>
               </a:rPr>
               <a:t> </a:t>
             </a:r>
@@ -5978,7 +6047,7 @@
                 <a:latin typeface="Meiryo UI" panose="020B0604030504040204" pitchFamily="50" charset="-128"/>
                 <a:ea typeface="Meiryo UI" panose="020B0604030504040204" pitchFamily="50" charset="-128"/>
                 <a:cs typeface="Meiryo UI" panose="020B0604030504040204" pitchFamily="50" charset="-128"/>
-                <a:hlinkClick r:id="rId27"/>
+                <a:hlinkClick r:id="rId28"/>
               </a:rPr>
               <a:t>テレワークのセキュリティあんしん相談窓口</a:t>
             </a:r>
@@ -6047,7 +6116,7 @@
                 <a:latin typeface="Meiryo UI" panose="020B0604030504040204" pitchFamily="50" charset="-128"/>
                 <a:ea typeface="Meiryo UI" panose="020B0604030504040204" pitchFamily="50" charset="-128"/>
                 <a:cs typeface="Meiryo UI" panose="020B0604030504040204" pitchFamily="50" charset="-128"/>
-                <a:hlinkClick r:id="rId28"/>
+                <a:hlinkClick r:id="rId29"/>
               </a:rPr>
               <a:t>テレワーク相談センター</a:t>
             </a:r>
@@ -6059,7 +6128,7 @@
                 <a:latin typeface="Meiryo UI" panose="020B0604030504040204" pitchFamily="50" charset="-128"/>
                 <a:ea typeface="Meiryo UI" panose="020B0604030504040204" pitchFamily="50" charset="-128"/>
                 <a:cs typeface="Meiryo UI" panose="020B0604030504040204" pitchFamily="50" charset="-128"/>
-                <a:hlinkClick r:id="rId28"/>
+                <a:hlinkClick r:id="rId29"/>
               </a:rPr>
               <a:t>(</a:t>
             </a:r>
@@ -6071,7 +6140,7 @@
                 <a:latin typeface="Meiryo UI" panose="020B0604030504040204" pitchFamily="50" charset="-128"/>
                 <a:ea typeface="Meiryo UI" panose="020B0604030504040204" pitchFamily="50" charset="-128"/>
                 <a:cs typeface="Meiryo UI" panose="020B0604030504040204" pitchFamily="50" charset="-128"/>
-                <a:hlinkClick r:id="rId28"/>
+                <a:hlinkClick r:id="rId29"/>
               </a:rPr>
               <a:t>厚労省委託</a:t>
             </a:r>
@@ -6083,7 +6152,7 @@
                 <a:latin typeface="Meiryo UI" panose="020B0604030504040204" pitchFamily="50" charset="-128"/>
                 <a:ea typeface="Meiryo UI" panose="020B0604030504040204" pitchFamily="50" charset="-128"/>
                 <a:cs typeface="Meiryo UI" panose="020B0604030504040204" pitchFamily="50" charset="-128"/>
-                <a:hlinkClick r:id="rId28"/>
+                <a:hlinkClick r:id="rId29"/>
               </a:rPr>
               <a:t>) </a:t>
             </a:r>
@@ -6130,7 +6199,7 @@
                 <a:latin typeface="Meiryo UI" panose="020B0604030504040204" pitchFamily="50" charset="-128"/>
                 <a:ea typeface="Meiryo UI" panose="020B0604030504040204" pitchFamily="50" charset="-128"/>
                 <a:cs typeface="Meiryo UI" panose="020B0604030504040204" pitchFamily="50" charset="-128"/>
-                <a:hlinkClick r:id="rId29"/>
+                <a:hlinkClick r:id="rId30"/>
               </a:rPr>
               <a:t>東京都中小企業振興公社ワンストップ総合相談</a:t>
             </a:r>
@@ -6192,7 +6261,7 @@
                 <a:ea typeface="Meiryo UI" panose="020B0604030504040204" pitchFamily="50" charset="-128"/>
                 <a:cs typeface="Meiryo UI" panose="020B0604030504040204" pitchFamily="50" charset="-128"/>
               </a:rPr>
-              <a:t>化・セキュリティ対策助成制度等</a:t>
+              <a:t>化・セキュリティ対策支援および助成制度等</a:t>
             </a:r>
             <a:endParaRPr lang="en-US" altLang="ja-JP" sz="1100" b="1" dirty="0">
               <a:solidFill>
@@ -6223,7 +6292,7 @@
                 <a:latin typeface="Meiryo UI" panose="020B0604030504040204" pitchFamily="50" charset="-128"/>
                 <a:ea typeface="Meiryo UI" panose="020B0604030504040204" pitchFamily="50" charset="-128"/>
                 <a:cs typeface="Meiryo UI" panose="020B0604030504040204" pitchFamily="50" charset="-128"/>
-                <a:hlinkClick r:id="rId30"/>
+                <a:hlinkClick r:id="rId31"/>
               </a:rPr>
               <a:t>SECURITY ACTION</a:t>
             </a:r>
@@ -6287,276 +6356,113 @@
                 <a:ea typeface="Meiryo UI" panose="020B0604030504040204" pitchFamily="50" charset="-128"/>
                 <a:cs typeface="Meiryo UI" panose="020B0604030504040204" pitchFamily="50" charset="-128"/>
               </a:rPr>
+              <a:t> ● </a:t>
+            </a:r>
+            <a:r>
+              <a:rPr lang="ja-JP" altLang="en-US" sz="1100" b="1" dirty="0">
+                <a:solidFill>
+                  <a:srgbClr val="0070C0"/>
+                </a:solidFill>
+                <a:latin typeface="Meiryo UI" panose="020B0604030504040204" pitchFamily="50" charset="-128"/>
+                <a:ea typeface="Meiryo UI" panose="020B0604030504040204" pitchFamily="50" charset="-128"/>
+                <a:cs typeface="Meiryo UI" panose="020B0604030504040204" pitchFamily="50" charset="-128"/>
+                <a:hlinkClick r:id="rId32"/>
+              </a:rPr>
+              <a:t>東京都の取組</a:t>
+            </a:r>
+            <a:r>
+              <a:rPr lang="ja-JP" altLang="en-US" sz="1100" dirty="0">
+                <a:latin typeface="Meiryo UI" panose="020B0604030504040204" pitchFamily="50" charset="-128"/>
+                <a:ea typeface="Meiryo UI" panose="020B0604030504040204" pitchFamily="50" charset="-128"/>
+                <a:cs typeface="Meiryo UI" panose="020B0604030504040204" pitchFamily="50" charset="-128"/>
+              </a:rPr>
+              <a:t>（東京都）</a:t>
+            </a:r>
+            <a:r>
+              <a:rPr lang="ja-JP" altLang="ja-JP" sz="1100" dirty="0">
+                <a:solidFill>
+                  <a:srgbClr val="FF0000"/>
+                </a:solidFill>
+                <a:latin typeface="Meiryo UI" panose="020B0604030504040204" pitchFamily="50" charset="-128"/>
+                <a:ea typeface="Meiryo UI" panose="020B0604030504040204" pitchFamily="50" charset="-128"/>
+                <a:cs typeface="Meiryo UI" panose="020B0604030504040204" pitchFamily="50" charset="-128"/>
+              </a:rPr>
+              <a:t>☎</a:t>
+            </a:r>
+            <a:r>
+              <a:rPr lang="en-US" altLang="ja-JP" sz="1100" dirty="0">
+                <a:solidFill>
+                  <a:srgbClr val="FF0000"/>
+                </a:solidFill>
+                <a:latin typeface="Meiryo UI" panose="020B0604030504040204" pitchFamily="50" charset="-128"/>
+                <a:ea typeface="Meiryo UI" panose="020B0604030504040204" pitchFamily="50" charset="-128"/>
+                <a:cs typeface="Meiryo UI" panose="020B0604030504040204" pitchFamily="50" charset="-128"/>
+              </a:rPr>
+              <a:t>03-5320-4773</a:t>
+            </a:r>
+            <a:r>
+              <a:rPr lang="ja-JP" altLang="en-US" sz="1100" dirty="0">
+                <a:solidFill>
+                  <a:srgbClr val="FF0000"/>
+                </a:solidFill>
+                <a:latin typeface="Meiryo UI" panose="020B0604030504040204" pitchFamily="50" charset="-128"/>
+                <a:ea typeface="Meiryo UI" panose="020B0604030504040204" pitchFamily="50" charset="-128"/>
+                <a:cs typeface="Meiryo UI" panose="020B0604030504040204" pitchFamily="50" charset="-128"/>
+              </a:rPr>
+              <a:t>　</a:t>
+            </a:r>
+            <a:endParaRPr lang="en-US" altLang="ja-JP" sz="1100" dirty="0">
+              <a:latin typeface="Meiryo UI" panose="020B0604030504040204" pitchFamily="50" charset="-128"/>
+              <a:ea typeface="Meiryo UI" panose="020B0604030504040204" pitchFamily="50" charset="-128"/>
+              <a:cs typeface="Meiryo UI" panose="020B0604030504040204" pitchFamily="50" charset="-128"/>
+            </a:endParaRPr>
+          </a:p>
+          <a:p>
+            <a:pPr marL="0" indent="0">
+              <a:buNone/>
+            </a:pPr>
+            <a:r>
+              <a:rPr lang="ja-JP" altLang="en-US" sz="1100" dirty="0">
+                <a:solidFill>
+                  <a:srgbClr val="00B050"/>
+                </a:solidFill>
+                <a:latin typeface="Meiryo UI" panose="020B0604030504040204" pitchFamily="50" charset="-128"/>
+                <a:ea typeface="Meiryo UI" panose="020B0604030504040204" pitchFamily="50" charset="-128"/>
+                <a:cs typeface="Meiryo UI" panose="020B0604030504040204" pitchFamily="50" charset="-128"/>
+              </a:rPr>
               <a:t> ●</a:t>
             </a:r>
             <a:r>
+              <a:rPr lang="ja-JP" altLang="en-US" sz="1100" dirty="0">
+                <a:solidFill>
+                  <a:srgbClr val="00B050"/>
+                </a:solidFill>
+                <a:latin typeface="Meiryo UI" panose="020B0604030504040204" pitchFamily="50" charset="-128"/>
+                <a:ea typeface="Meiryo UI" panose="020B0604030504040204" pitchFamily="50" charset="-128"/>
+                <a:cs typeface="Meiryo UI" panose="020B0604030504040204" pitchFamily="50" charset="-128"/>
+                <a:hlinkClick r:id="rId33"/>
+              </a:rPr>
+              <a:t>中小企業向けサイバーセキュリティお助け隊</a:t>
+            </a:r>
+            <a:r>
+              <a:rPr lang="ja-JP" altLang="en-US" sz="1100" dirty="0">
+                <a:solidFill>
+                  <a:srgbClr val="00B050"/>
+                </a:solidFill>
+                <a:latin typeface="Meiryo UI" panose="020B0604030504040204" pitchFamily="50" charset="-128"/>
+                <a:ea typeface="Meiryo UI" panose="020B0604030504040204" pitchFamily="50" charset="-128"/>
+                <a:cs typeface="Meiryo UI" panose="020B0604030504040204" pitchFamily="50" charset="-128"/>
+              </a:rPr>
+              <a:t> </a:t>
+            </a:r>
+            <a:r>
               <a:rPr lang="en-US" altLang="ja-JP" sz="1100" dirty="0">
                 <a:latin typeface="Meiryo UI" panose="020B0604030504040204" pitchFamily="50" charset="-128"/>
                 <a:ea typeface="Meiryo UI" panose="020B0604030504040204" pitchFamily="50" charset="-128"/>
                 <a:cs typeface="Meiryo UI" panose="020B0604030504040204" pitchFamily="50" charset="-128"/>
-                <a:hlinkClick r:id="rId31"/>
-              </a:rPr>
-              <a:t>IT</a:t>
-            </a:r>
-            <a:r>
-              <a:rPr lang="ja-JP" altLang="en-US" sz="1100" dirty="0">
-                <a:latin typeface="Meiryo UI" panose="020B0604030504040204" pitchFamily="50" charset="-128"/>
-                <a:ea typeface="Meiryo UI" panose="020B0604030504040204" pitchFamily="50" charset="-128"/>
-                <a:cs typeface="Meiryo UI" panose="020B0604030504040204" pitchFamily="50" charset="-128"/>
-                <a:hlinkClick r:id="rId31"/>
-              </a:rPr>
-              <a:t>導入補助金（サービス等生産性向上</a:t>
-            </a:r>
-            <a:r>
-              <a:rPr lang="en-US" altLang="ja-JP" sz="1100" dirty="0">
-                <a:latin typeface="Meiryo UI" panose="020B0604030504040204" pitchFamily="50" charset="-128"/>
-                <a:ea typeface="Meiryo UI" panose="020B0604030504040204" pitchFamily="50" charset="-128"/>
-                <a:cs typeface="Meiryo UI" panose="020B0604030504040204" pitchFamily="50" charset="-128"/>
-                <a:hlinkClick r:id="rId31"/>
-              </a:rPr>
-              <a:t>IT</a:t>
-            </a:r>
-            <a:r>
-              <a:rPr lang="ja-JP" altLang="en-US" sz="1100" dirty="0">
-                <a:latin typeface="Meiryo UI" panose="020B0604030504040204" pitchFamily="50" charset="-128"/>
-                <a:ea typeface="Meiryo UI" panose="020B0604030504040204" pitchFamily="50" charset="-128"/>
-                <a:cs typeface="Meiryo UI" panose="020B0604030504040204" pitchFamily="50" charset="-128"/>
-                <a:hlinkClick r:id="rId31"/>
-              </a:rPr>
-              <a:t>導入支援事業）</a:t>
-            </a:r>
-            <a:r>
-              <a:rPr lang="en-US" altLang="ja-JP" sz="1100" dirty="0">
-                <a:latin typeface="Meiryo UI" panose="020B0604030504040204" pitchFamily="50" charset="-128"/>
-                <a:ea typeface="Meiryo UI" panose="020B0604030504040204" pitchFamily="50" charset="-128"/>
-                <a:cs typeface="Meiryo UI" panose="020B0604030504040204" pitchFamily="50" charset="-128"/>
-              </a:rPr>
-              <a:t>(</a:t>
-            </a:r>
-            <a:r>
-              <a:rPr lang="ja-JP" altLang="en-US" sz="1100" dirty="0">
-                <a:latin typeface="Meiryo UI" panose="020B0604030504040204" pitchFamily="50" charset="-128"/>
-                <a:ea typeface="Meiryo UI" panose="020B0604030504040204" pitchFamily="50" charset="-128"/>
-                <a:cs typeface="Meiryo UI" panose="020B0604030504040204" pitchFamily="50" charset="-128"/>
-              </a:rPr>
-              <a:t>終了</a:t>
-            </a:r>
-            <a:r>
-              <a:rPr lang="en-US" altLang="ja-JP" sz="1100" dirty="0">
-                <a:latin typeface="Meiryo UI" panose="020B0604030504040204" pitchFamily="50" charset="-128"/>
-                <a:ea typeface="Meiryo UI" panose="020B0604030504040204" pitchFamily="50" charset="-128"/>
-                <a:cs typeface="Meiryo UI" panose="020B0604030504040204" pitchFamily="50" charset="-128"/>
-              </a:rPr>
-              <a:t>)</a:t>
-            </a:r>
-          </a:p>
-          <a:p>
-            <a:pPr marL="0" indent="0">
-              <a:buNone/>
-            </a:pPr>
-            <a:r>
-              <a:rPr lang="ja-JP" altLang="en-US" sz="1100" dirty="0">
-                <a:solidFill>
-                  <a:srgbClr val="00B050"/>
-                </a:solidFill>
-                <a:latin typeface="Meiryo UI" panose="020B0604030504040204" pitchFamily="50" charset="-128"/>
-                <a:ea typeface="Meiryo UI" panose="020B0604030504040204" pitchFamily="50" charset="-128"/>
-                <a:cs typeface="Meiryo UI" panose="020B0604030504040204" pitchFamily="50" charset="-128"/>
-              </a:rPr>
-              <a:t> ●</a:t>
-            </a:r>
-            <a:r>
-              <a:rPr lang="ja-JP" altLang="en-US" sz="1100" dirty="0">
-                <a:latin typeface="Meiryo UI" panose="020B0604030504040204" pitchFamily="50" charset="-128"/>
-                <a:ea typeface="Meiryo UI" panose="020B0604030504040204" pitchFamily="50" charset="-128"/>
-                <a:cs typeface="Meiryo UI" panose="020B0604030504040204" pitchFamily="50" charset="-128"/>
-                <a:hlinkClick r:id="rId32"/>
-              </a:rPr>
-              <a:t>サイバーセキュリティ対策促進助成金</a:t>
-            </a:r>
-            <a:r>
-              <a:rPr lang="ja-JP" altLang="en-US" sz="1100" dirty="0">
-                <a:latin typeface="Meiryo UI" panose="020B0604030504040204" pitchFamily="50" charset="-128"/>
-                <a:ea typeface="Meiryo UI" panose="020B0604030504040204" pitchFamily="50" charset="-128"/>
-                <a:cs typeface="Meiryo UI" panose="020B0604030504040204" pitchFamily="50" charset="-128"/>
-              </a:rPr>
-              <a:t>（東京都）「標的型メール訓練」</a:t>
-            </a:r>
-            <a:endParaRPr lang="en-US" altLang="ja-JP" sz="1100" dirty="0">
-              <a:latin typeface="Meiryo UI" panose="020B0604030504040204" pitchFamily="50" charset="-128"/>
-              <a:ea typeface="Meiryo UI" panose="020B0604030504040204" pitchFamily="50" charset="-128"/>
-              <a:cs typeface="Meiryo UI" panose="020B0604030504040204" pitchFamily="50" charset="-128"/>
-            </a:endParaRPr>
-          </a:p>
-          <a:p>
-            <a:pPr marL="0" indent="0">
-              <a:buNone/>
-            </a:pPr>
-            <a:r>
-              <a:rPr lang="ja-JP" altLang="en-US" sz="1100" dirty="0">
-                <a:solidFill>
-                  <a:srgbClr val="00B050"/>
-                </a:solidFill>
-                <a:latin typeface="Meiryo UI" panose="020B0604030504040204" pitchFamily="50" charset="-128"/>
-                <a:ea typeface="Meiryo UI" panose="020B0604030504040204" pitchFamily="50" charset="-128"/>
-                <a:cs typeface="Meiryo UI" panose="020B0604030504040204" pitchFamily="50" charset="-128"/>
-              </a:rPr>
-              <a:t> ●</a:t>
-            </a:r>
-            <a:r>
-              <a:rPr lang="ja-JP" altLang="en-US" sz="1100" dirty="0">
-                <a:solidFill>
-                  <a:srgbClr val="00B050"/>
-                </a:solidFill>
-                <a:latin typeface="Meiryo UI" panose="020B0604030504040204" pitchFamily="50" charset="-128"/>
-                <a:ea typeface="Meiryo UI" panose="020B0604030504040204" pitchFamily="50" charset="-128"/>
-                <a:cs typeface="Meiryo UI" panose="020B0604030504040204" pitchFamily="50" charset="-128"/>
-                <a:hlinkClick r:id="rId33"/>
-              </a:rPr>
-              <a:t>中小企業の情報セキュリティマネジメント指導業務</a:t>
-            </a:r>
-            <a:r>
-              <a:rPr lang="en-US" altLang="ja-JP" sz="1100" dirty="0">
-                <a:solidFill>
-                  <a:srgbClr val="00B050"/>
-                </a:solidFill>
-                <a:latin typeface="Meiryo UI" panose="020B0604030504040204" pitchFamily="50" charset="-128"/>
-                <a:ea typeface="Meiryo UI" panose="020B0604030504040204" pitchFamily="50" charset="-128"/>
-                <a:cs typeface="Meiryo UI" panose="020B0604030504040204" pitchFamily="50" charset="-128"/>
-                <a:hlinkClick r:id="rId33"/>
-              </a:rPr>
-              <a:t>(METI</a:t>
-            </a:r>
-            <a:r>
-              <a:rPr lang="ja-JP" altLang="en-US" sz="1100" dirty="0">
-                <a:solidFill>
-                  <a:srgbClr val="00B050"/>
-                </a:solidFill>
-                <a:latin typeface="Meiryo UI" panose="020B0604030504040204" pitchFamily="50" charset="-128"/>
-                <a:ea typeface="Meiryo UI" panose="020B0604030504040204" pitchFamily="50" charset="-128"/>
-                <a:cs typeface="Meiryo UI" panose="020B0604030504040204" pitchFamily="50" charset="-128"/>
-                <a:hlinkClick r:id="rId33"/>
-              </a:rPr>
-              <a:t>補助事業</a:t>
-            </a:r>
-            <a:r>
-              <a:rPr lang="en-US" altLang="ja-JP" sz="1100" dirty="0">
-                <a:latin typeface="Meiryo UI" panose="020B0604030504040204" pitchFamily="50" charset="-128"/>
-                <a:ea typeface="Meiryo UI" panose="020B0604030504040204" pitchFamily="50" charset="-128"/>
-                <a:cs typeface="Meiryo UI" panose="020B0604030504040204" pitchFamily="50" charset="-128"/>
-              </a:rPr>
-              <a:t>)【</a:t>
-            </a:r>
-            <a:r>
-              <a:rPr lang="ja-JP" altLang="en-US" sz="1100" dirty="0">
-                <a:latin typeface="Meiryo UI" panose="020B0604030504040204" pitchFamily="50" charset="-128"/>
-                <a:ea typeface="Meiryo UI" panose="020B0604030504040204" pitchFamily="50" charset="-128"/>
-                <a:cs typeface="Meiryo UI" panose="020B0604030504040204" pitchFamily="50" charset="-128"/>
-              </a:rPr>
-              <a:t>主に事前支援、登録セキス</a:t>
-            </a:r>
-            <a:r>
-              <a:rPr lang="ja-JP" altLang="en-US" sz="1100" dirty="0" err="1">
-                <a:latin typeface="Meiryo UI" panose="020B0604030504040204" pitchFamily="50" charset="-128"/>
-                <a:ea typeface="Meiryo UI" panose="020B0604030504040204" pitchFamily="50" charset="-128"/>
-                <a:cs typeface="Meiryo UI" panose="020B0604030504040204" pitchFamily="50" charset="-128"/>
-              </a:rPr>
-              <a:t>ぺを</a:t>
-            </a:r>
-            <a:r>
-              <a:rPr lang="ja-JP" altLang="en-US" sz="1100" dirty="0">
-                <a:latin typeface="Meiryo UI" panose="020B0604030504040204" pitchFamily="50" charset="-128"/>
-                <a:ea typeface="Meiryo UI" panose="020B0604030504040204" pitchFamily="50" charset="-128"/>
-                <a:cs typeface="Meiryo UI" panose="020B0604030504040204" pitchFamily="50" charset="-128"/>
-              </a:rPr>
-              <a:t>派遣</a:t>
-            </a:r>
-            <a:r>
-              <a:rPr lang="en-US" altLang="ja-JP" sz="1100" dirty="0">
-                <a:latin typeface="Meiryo UI" panose="020B0604030504040204" pitchFamily="50" charset="-128"/>
-                <a:ea typeface="Meiryo UI" panose="020B0604030504040204" pitchFamily="50" charset="-128"/>
-                <a:cs typeface="Meiryo UI" panose="020B0604030504040204" pitchFamily="50" charset="-128"/>
-              </a:rPr>
-              <a:t>】</a:t>
-            </a:r>
-            <a:r>
-              <a:rPr lang="ja-JP" altLang="en-US" sz="1100" dirty="0">
-                <a:latin typeface="Meiryo UI" panose="020B0604030504040204" pitchFamily="50" charset="-128"/>
-                <a:ea typeface="Meiryo UI" panose="020B0604030504040204" pitchFamily="50" charset="-128"/>
-                <a:cs typeface="Meiryo UI" panose="020B0604030504040204" pitchFamily="50" charset="-128"/>
-              </a:rPr>
-              <a:t>（今年度は募集終了）</a:t>
-            </a:r>
-            <a:endParaRPr lang="en-US" altLang="ja-JP" sz="1100" dirty="0">
-              <a:latin typeface="Meiryo UI" panose="020B0604030504040204" pitchFamily="50" charset="-128"/>
-              <a:ea typeface="Meiryo UI" panose="020B0604030504040204" pitchFamily="50" charset="-128"/>
-              <a:cs typeface="Meiryo UI" panose="020B0604030504040204" pitchFamily="50" charset="-128"/>
-            </a:endParaRPr>
-          </a:p>
-          <a:p>
-            <a:pPr marL="0" indent="0">
-              <a:buNone/>
-            </a:pPr>
-            <a:r>
-              <a:rPr lang="ja-JP" altLang="en-US" sz="1100" dirty="0">
-                <a:solidFill>
-                  <a:srgbClr val="00B050"/>
-                </a:solidFill>
-                <a:latin typeface="Meiryo UI" panose="020B0604030504040204" pitchFamily="50" charset="-128"/>
-                <a:ea typeface="Meiryo UI" panose="020B0604030504040204" pitchFamily="50" charset="-128"/>
-                <a:cs typeface="Meiryo UI" panose="020B0604030504040204" pitchFamily="50" charset="-128"/>
-              </a:rPr>
-              <a:t> ●</a:t>
-            </a:r>
-            <a:r>
-              <a:rPr lang="ja-JP" altLang="en-US" sz="1100" dirty="0">
-                <a:solidFill>
-                  <a:srgbClr val="00B050"/>
-                </a:solidFill>
-                <a:latin typeface="Meiryo UI" panose="020B0604030504040204" pitchFamily="50" charset="-128"/>
-                <a:ea typeface="Meiryo UI" panose="020B0604030504040204" pitchFamily="50" charset="-128"/>
-                <a:cs typeface="Meiryo UI" panose="020B0604030504040204" pitchFamily="50" charset="-128"/>
-                <a:hlinkClick r:id="rId34"/>
-              </a:rPr>
-              <a:t>中小企業向けサイバーセキュリティお助け隊（サイバーセキュリティ事後対応支援実証事業）</a:t>
-            </a:r>
-            <a:r>
-              <a:rPr lang="en-US" altLang="ja-JP" sz="1100" dirty="0">
-                <a:latin typeface="Meiryo UI" panose="020B0604030504040204" pitchFamily="50" charset="-128"/>
-                <a:ea typeface="Meiryo UI" panose="020B0604030504040204" pitchFamily="50" charset="-128"/>
-                <a:cs typeface="Meiryo UI" panose="020B0604030504040204" pitchFamily="50" charset="-128"/>
-              </a:rPr>
-              <a:t>(IPA)【</a:t>
-            </a:r>
-            <a:r>
-              <a:rPr lang="ja-JP" altLang="en-US" sz="1100" dirty="0">
-                <a:latin typeface="Meiryo UI" panose="020B0604030504040204" pitchFamily="50" charset="-128"/>
-                <a:ea typeface="Meiryo UI" panose="020B0604030504040204" pitchFamily="50" charset="-128"/>
-                <a:cs typeface="Meiryo UI" panose="020B0604030504040204" pitchFamily="50" charset="-128"/>
-              </a:rPr>
-              <a:t>主に事後支援</a:t>
-            </a:r>
-            <a:r>
-              <a:rPr lang="en-US" altLang="ja-JP" sz="1100" dirty="0">
-                <a:latin typeface="Meiryo UI" panose="020B0604030504040204" pitchFamily="50" charset="-128"/>
-                <a:ea typeface="Meiryo UI" panose="020B0604030504040204" pitchFamily="50" charset="-128"/>
-                <a:cs typeface="Meiryo UI" panose="020B0604030504040204" pitchFamily="50" charset="-128"/>
-              </a:rPr>
-              <a:t>】</a:t>
-            </a:r>
-            <a:r>
-              <a:rPr lang="ja-JP" altLang="en-US" sz="1100" dirty="0">
-                <a:latin typeface="Meiryo UI" panose="020B0604030504040204" pitchFamily="50" charset="-128"/>
-                <a:ea typeface="Meiryo UI" panose="020B0604030504040204" pitchFamily="50" charset="-128"/>
-                <a:cs typeface="Meiryo UI" panose="020B0604030504040204" pitchFamily="50" charset="-128"/>
-              </a:rPr>
-              <a:t>（現在、東京都はなし）</a:t>
-            </a:r>
-            <a:endParaRPr lang="en-US" altLang="ja-JP" sz="1100" b="1" dirty="0">
-              <a:latin typeface="Meiryo UI" panose="020B0604030504040204" pitchFamily="50" charset="-128"/>
-              <a:ea typeface="Meiryo UI" panose="020B0604030504040204" pitchFamily="50" charset="-128"/>
-              <a:cs typeface="Meiryo UI" panose="020B0604030504040204" pitchFamily="50" charset="-128"/>
-            </a:endParaRPr>
+              </a:rPr>
+              <a:t>(IPA)</a:t>
+            </a:r>
           </a:p>
           <a:p>
             <a:pPr marL="0" indent="0">
@@ -6608,33 +6514,301 @@
                 <a:latin typeface="Meiryo UI" panose="020B0604030504040204" pitchFamily="50" charset="-128"/>
                 <a:ea typeface="Meiryo UI" panose="020B0604030504040204" pitchFamily="50" charset="-128"/>
                 <a:cs typeface="Meiryo UI" panose="020B0604030504040204" pitchFamily="50" charset="-128"/>
+                <a:hlinkClick r:id="rId34"/>
+              </a:rPr>
+              <a:t>「ここからセキュリティ！」</a:t>
+            </a:r>
+            <a:r>
+              <a:rPr lang="en-US" altLang="ja-JP" sz="1100" dirty="0">
+                <a:latin typeface="Meiryo UI" panose="020B0604030504040204" pitchFamily="50" charset="-128"/>
+                <a:ea typeface="Meiryo UI" panose="020B0604030504040204" pitchFamily="50" charset="-128"/>
+                <a:cs typeface="Meiryo UI" panose="020B0604030504040204" pitchFamily="50" charset="-128"/>
+                <a:hlinkClick r:id="rId34"/>
+              </a:rPr>
+              <a:t>:</a:t>
+            </a:r>
+            <a:r>
+              <a:rPr lang="ja-JP" altLang="en-US" sz="1100" dirty="0">
+                <a:latin typeface="Meiryo UI" panose="020B0604030504040204" pitchFamily="50" charset="-128"/>
+                <a:ea typeface="Meiryo UI" panose="020B0604030504040204" pitchFamily="50" charset="-128"/>
+                <a:cs typeface="Meiryo UI" panose="020B0604030504040204" pitchFamily="50" charset="-128"/>
+                <a:hlinkClick r:id="rId34"/>
+              </a:rPr>
+              <a:t>ポータルサイト（事象・対象）</a:t>
+            </a:r>
+            <a:r>
+              <a:rPr lang="en-US" altLang="ja-JP" sz="1100" dirty="0">
+                <a:latin typeface="Meiryo UI" panose="020B0604030504040204" pitchFamily="50" charset="-128"/>
+                <a:ea typeface="Meiryo UI" panose="020B0604030504040204" pitchFamily="50" charset="-128"/>
+                <a:cs typeface="Meiryo UI" panose="020B0604030504040204" pitchFamily="50" charset="-128"/>
+              </a:rPr>
+              <a:t>(IPA)</a:t>
+            </a:r>
+          </a:p>
+          <a:p>
+            <a:pPr marL="0" indent="0">
+              <a:buNone/>
+            </a:pPr>
+            <a:r>
+              <a:rPr lang="ja-JP" altLang="en-US" sz="1100" dirty="0">
+                <a:solidFill>
+                  <a:srgbClr val="FF0000"/>
+                </a:solidFill>
+                <a:latin typeface="Meiryo UI" panose="020B0604030504040204" pitchFamily="50" charset="-128"/>
+                <a:ea typeface="Meiryo UI" panose="020B0604030504040204" pitchFamily="50" charset="-128"/>
+                <a:cs typeface="Meiryo UI" panose="020B0604030504040204" pitchFamily="50" charset="-128"/>
+              </a:rPr>
+              <a:t> ●</a:t>
+            </a:r>
+            <a:r>
+              <a:rPr lang="en-US" altLang="ja-JP" sz="1100" dirty="0">
+                <a:latin typeface="Meiryo UI" panose="020B0604030504040204" pitchFamily="50" charset="-128"/>
+                <a:ea typeface="Meiryo UI" panose="020B0604030504040204" pitchFamily="50" charset="-128"/>
+                <a:cs typeface="Meiryo UI" panose="020B0604030504040204" pitchFamily="50" charset="-128"/>
                 <a:hlinkClick r:id="rId35"/>
               </a:rPr>
-              <a:t>「ここからセキュリティ！」</a:t>
+              <a:t>JC3 </a:t>
+            </a:r>
+            <a:r>
+              <a:rPr lang="zh-TW" altLang="en-US" sz="1100" dirty="0">
+                <a:latin typeface="Meiryo UI" panose="020B0604030504040204" pitchFamily="50" charset="-128"/>
+                <a:ea typeface="Meiryo UI" panose="020B0604030504040204" pitchFamily="50" charset="-128"/>
+                <a:cs typeface="Meiryo UI" panose="020B0604030504040204" pitchFamily="50" charset="-128"/>
+                <a:hlinkClick r:id="rId35"/>
+              </a:rPr>
+              <a:t>情報提供 注意喚起情報</a:t>
+            </a:r>
+            <a:endParaRPr lang="en-US" altLang="zh-TW" sz="1100" dirty="0">
+              <a:latin typeface="Meiryo UI" panose="020B0604030504040204" pitchFamily="50" charset="-128"/>
+              <a:ea typeface="Meiryo UI" panose="020B0604030504040204" pitchFamily="50" charset="-128"/>
+              <a:cs typeface="Meiryo UI" panose="020B0604030504040204" pitchFamily="50" charset="-128"/>
+            </a:endParaRPr>
+          </a:p>
+          <a:p>
+            <a:pPr marL="0" indent="0">
+              <a:buNone/>
+            </a:pPr>
+            <a:r>
+              <a:rPr lang="ja-JP" altLang="en-US" sz="1100" dirty="0">
+                <a:latin typeface="Meiryo UI" panose="020B0604030504040204" pitchFamily="50" charset="-128"/>
+                <a:ea typeface="Meiryo UI" panose="020B0604030504040204" pitchFamily="50" charset="-128"/>
+                <a:cs typeface="Meiryo UI" panose="020B0604030504040204" pitchFamily="50" charset="-128"/>
+              </a:rPr>
+              <a:t>　　・</a:t>
+            </a:r>
+            <a:r>
+              <a:rPr lang="en-US" altLang="ja-JP" sz="1100" b="1" dirty="0">
+                <a:latin typeface="Meiryo UI" panose="020B0604030504040204" pitchFamily="50" charset="-128"/>
+                <a:ea typeface="Meiryo UI" panose="020B0604030504040204" pitchFamily="50" charset="-128"/>
+                <a:cs typeface="Meiryo UI" panose="020B0604030504040204" pitchFamily="50" charset="-128"/>
+                <a:hlinkClick r:id="rId36"/>
+              </a:rPr>
+              <a:t>JC3:</a:t>
+            </a:r>
+            <a:r>
+              <a:rPr lang="ja-JP" altLang="en-US" sz="1100" b="1" dirty="0">
+                <a:latin typeface="Meiryo UI" panose="020B0604030504040204" pitchFamily="50" charset="-128"/>
+                <a:ea typeface="Meiryo UI" panose="020B0604030504040204" pitchFamily="50" charset="-128"/>
+                <a:cs typeface="Meiryo UI" panose="020B0604030504040204" pitchFamily="50" charset="-128"/>
+                <a:hlinkClick r:id="rId36"/>
+              </a:rPr>
+              <a:t>あなたのパスワードが侵害されました</a:t>
+            </a:r>
+            <a:endParaRPr lang="en-US" altLang="ja-JP" sz="1100" b="1" dirty="0">
+              <a:latin typeface="Meiryo UI" panose="020B0604030504040204" pitchFamily="50" charset="-128"/>
+              <a:ea typeface="Meiryo UI" panose="020B0604030504040204" pitchFamily="50" charset="-128"/>
+              <a:cs typeface="Meiryo UI" panose="020B0604030504040204" pitchFamily="50" charset="-128"/>
+            </a:endParaRPr>
+          </a:p>
+          <a:p>
+            <a:pPr marL="0" indent="0">
+              <a:buNone/>
+            </a:pPr>
+            <a:r>
+              <a:rPr lang="ja-JP" altLang="en-US" sz="1100" dirty="0">
+                <a:latin typeface="Meiryo UI" panose="020B0604030504040204" pitchFamily="50" charset="-128"/>
+                <a:ea typeface="Meiryo UI" panose="020B0604030504040204" pitchFamily="50" charset="-128"/>
+                <a:cs typeface="Meiryo UI" panose="020B0604030504040204" pitchFamily="50" charset="-128"/>
+              </a:rPr>
+              <a:t>　　・</a:t>
+            </a:r>
+            <a:r>
+              <a:rPr lang="ja-JP" altLang="en-US" sz="1100" dirty="0">
+                <a:latin typeface="Meiryo UI" panose="020B0604030504040204" pitchFamily="50" charset="-128"/>
+                <a:ea typeface="Meiryo UI" panose="020B0604030504040204" pitchFamily="50" charset="-128"/>
+                <a:cs typeface="Meiryo UI" panose="020B0604030504040204" pitchFamily="50" charset="-128"/>
+                <a:hlinkClick r:id="rId37"/>
+              </a:rPr>
+              <a:t>不正送金等</a:t>
+            </a:r>
+            <a:endParaRPr lang="en-US" altLang="ja-JP" sz="1100" dirty="0">
+              <a:latin typeface="Meiryo UI" panose="020B0604030504040204" pitchFamily="50" charset="-128"/>
+              <a:ea typeface="Meiryo UI" panose="020B0604030504040204" pitchFamily="50" charset="-128"/>
+              <a:cs typeface="Meiryo UI" panose="020B0604030504040204" pitchFamily="50" charset="-128"/>
+            </a:endParaRPr>
+          </a:p>
+          <a:p>
+            <a:pPr marL="0" indent="0">
+              <a:buNone/>
+            </a:pPr>
+            <a:r>
+              <a:rPr lang="ja-JP" altLang="en-US" sz="1100" dirty="0">
+                <a:solidFill>
+                  <a:srgbClr val="FF0000"/>
+                </a:solidFill>
+                <a:latin typeface="Meiryo UI" panose="020B0604030504040204" pitchFamily="50" charset="-128"/>
+                <a:ea typeface="Meiryo UI" panose="020B0604030504040204" pitchFamily="50" charset="-128"/>
+                <a:cs typeface="Meiryo UI" panose="020B0604030504040204" pitchFamily="50" charset="-128"/>
+              </a:rPr>
+              <a:t>●</a:t>
             </a:r>
             <a:r>
               <a:rPr lang="en-US" altLang="ja-JP" sz="1100" dirty="0">
                 <a:latin typeface="Meiryo UI" panose="020B0604030504040204" pitchFamily="50" charset="-128"/>
                 <a:ea typeface="Meiryo UI" panose="020B0604030504040204" pitchFamily="50" charset="-128"/>
                 <a:cs typeface="Meiryo UI" panose="020B0604030504040204" pitchFamily="50" charset="-128"/>
-                <a:hlinkClick r:id="rId35"/>
-              </a:rPr>
-              <a:t>:</a:t>
+                <a:hlinkClick r:id="rId38"/>
+              </a:rPr>
+              <a:t>JPCERT/CC</a:t>
             </a:r>
             <a:r>
               <a:rPr lang="ja-JP" altLang="en-US" sz="1100" dirty="0">
                 <a:latin typeface="Meiryo UI" panose="020B0604030504040204" pitchFamily="50" charset="-128"/>
                 <a:ea typeface="Meiryo UI" panose="020B0604030504040204" pitchFamily="50" charset="-128"/>
                 <a:cs typeface="Meiryo UI" panose="020B0604030504040204" pitchFamily="50" charset="-128"/>
-                <a:hlinkClick r:id="rId35"/>
-              </a:rPr>
-              <a:t>ポータルサイト（事象・対象）</a:t>
+                <a:hlinkClick r:id="rId38"/>
+              </a:rPr>
+              <a:t>　注意喚起</a:t>
+            </a:r>
+            <a:r>
+              <a:rPr lang="ja-JP" altLang="en-US" sz="1100" dirty="0">
+                <a:latin typeface="Meiryo UI" panose="020B0604030504040204" pitchFamily="50" charset="-128"/>
+                <a:ea typeface="Meiryo UI" panose="020B0604030504040204" pitchFamily="50" charset="-128"/>
+                <a:cs typeface="Meiryo UI" panose="020B0604030504040204" pitchFamily="50" charset="-128"/>
+              </a:rPr>
+              <a:t> </a:t>
+            </a:r>
+            <a:endParaRPr lang="en-US" altLang="ja-JP" sz="1100" dirty="0">
+              <a:latin typeface="Meiryo UI" panose="020B0604030504040204" pitchFamily="50" charset="-128"/>
+              <a:ea typeface="Meiryo UI" panose="020B0604030504040204" pitchFamily="50" charset="-128"/>
+              <a:cs typeface="Meiryo UI" panose="020B0604030504040204" pitchFamily="50" charset="-128"/>
+            </a:endParaRPr>
+          </a:p>
+          <a:p>
+            <a:pPr marL="0" indent="0">
+              <a:buNone/>
+            </a:pPr>
+            <a:r>
+              <a:rPr lang="ja-JP" altLang="en-US" sz="1100" dirty="0">
+                <a:latin typeface="Meiryo UI" panose="020B0604030504040204" pitchFamily="50" charset="-128"/>
+                <a:ea typeface="Meiryo UI" panose="020B0604030504040204" pitchFamily="50" charset="-128"/>
+                <a:cs typeface="Meiryo UI" panose="020B0604030504040204" pitchFamily="50" charset="-128"/>
+              </a:rPr>
+              <a:t>　　・</a:t>
+            </a:r>
+            <a:r>
+              <a:rPr lang="ja-JP" altLang="en-US" sz="1100" b="1" dirty="0">
+                <a:latin typeface="Meiryo UI" panose="020B0604030504040204" pitchFamily="50" charset="-128"/>
+                <a:ea typeface="Meiryo UI" panose="020B0604030504040204" pitchFamily="50" charset="-128"/>
+                <a:cs typeface="Meiryo UI" panose="020B0604030504040204" pitchFamily="50" charset="-128"/>
+                <a:hlinkClick r:id="rId39"/>
+              </a:rPr>
+              <a:t>マルウエア </a:t>
+            </a:r>
+            <a:r>
+              <a:rPr lang="en-US" altLang="ja-JP" sz="1100" b="1" dirty="0" err="1">
+                <a:latin typeface="Meiryo UI" panose="020B0604030504040204" pitchFamily="50" charset="-128"/>
+                <a:ea typeface="Meiryo UI" panose="020B0604030504040204" pitchFamily="50" charset="-128"/>
+                <a:cs typeface="Meiryo UI" panose="020B0604030504040204" pitchFamily="50" charset="-128"/>
+                <a:hlinkClick r:id="rId39"/>
+              </a:rPr>
+              <a:t>Emotet</a:t>
+            </a:r>
+            <a:r>
+              <a:rPr lang="en-US" altLang="ja-JP" sz="1100" b="1" dirty="0">
+                <a:latin typeface="Meiryo UI" panose="020B0604030504040204" pitchFamily="50" charset="-128"/>
+                <a:ea typeface="Meiryo UI" panose="020B0604030504040204" pitchFamily="50" charset="-128"/>
+                <a:cs typeface="Meiryo UI" panose="020B0604030504040204" pitchFamily="50" charset="-128"/>
+                <a:hlinkClick r:id="rId39"/>
+              </a:rPr>
+              <a:t> </a:t>
+            </a:r>
+            <a:r>
+              <a:rPr lang="ja-JP" altLang="en-US" sz="1100" b="1" dirty="0">
+                <a:latin typeface="Meiryo UI" panose="020B0604030504040204" pitchFamily="50" charset="-128"/>
+                <a:ea typeface="Meiryo UI" panose="020B0604030504040204" pitchFamily="50" charset="-128"/>
+                <a:cs typeface="Meiryo UI" panose="020B0604030504040204" pitchFamily="50" charset="-128"/>
+                <a:hlinkClick r:id="rId39"/>
+              </a:rPr>
+              <a:t>の感染に関する注意喚起</a:t>
+            </a:r>
+            <a:endParaRPr lang="en-US" altLang="ja-JP" sz="1100" b="1" dirty="0">
+              <a:latin typeface="Meiryo UI" panose="020B0604030504040204" pitchFamily="50" charset="-128"/>
+              <a:ea typeface="Meiryo UI" panose="020B0604030504040204" pitchFamily="50" charset="-128"/>
+              <a:cs typeface="Meiryo UI" panose="020B0604030504040204" pitchFamily="50" charset="-128"/>
+            </a:endParaRPr>
+          </a:p>
+          <a:p>
+            <a:pPr marL="0" indent="0">
+              <a:buNone/>
+            </a:pPr>
+            <a:r>
+              <a:rPr lang="ja-JP" altLang="en-US" sz="1100" dirty="0">
+                <a:latin typeface="Meiryo UI" panose="020B0604030504040204" pitchFamily="50" charset="-128"/>
+                <a:ea typeface="Meiryo UI" panose="020B0604030504040204" pitchFamily="50" charset="-128"/>
+                <a:cs typeface="Meiryo UI" panose="020B0604030504040204" pitchFamily="50" charset="-128"/>
+              </a:rPr>
+              <a:t>●</a:t>
+            </a:r>
+            <a:r>
+              <a:rPr lang="ja-JP" altLang="en-US" sz="1100" dirty="0">
+                <a:latin typeface="Meiryo UI" panose="020B0604030504040204" pitchFamily="50" charset="-128"/>
+                <a:ea typeface="Meiryo UI" panose="020B0604030504040204" pitchFamily="50" charset="-128"/>
+                <a:cs typeface="Meiryo UI" panose="020B0604030504040204" pitchFamily="50" charset="-128"/>
+                <a:hlinkClick r:id="rId40"/>
+              </a:rPr>
+              <a:t>中小企業の情報セキュリティ対策ガイドライン</a:t>
+            </a:r>
+            <a:r>
+              <a:rPr lang="ja-JP" altLang="en-US" sz="1100" dirty="0">
+                <a:latin typeface="Meiryo UI" panose="020B0604030504040204" pitchFamily="50" charset="-128"/>
+                <a:ea typeface="Meiryo UI" panose="020B0604030504040204" pitchFamily="50" charset="-128"/>
+                <a:cs typeface="Meiryo UI" panose="020B0604030504040204" pitchFamily="50" charset="-128"/>
+              </a:rPr>
+              <a:t>　</a:t>
+            </a:r>
+            <a:r>
+              <a:rPr lang="ja-JP" altLang="en-US" sz="1100" dirty="0">
+                <a:latin typeface="Meiryo UI" panose="020B0604030504040204" pitchFamily="50" charset="-128"/>
+                <a:ea typeface="Meiryo UI" panose="020B0604030504040204" pitchFamily="50" charset="-128"/>
+                <a:cs typeface="Meiryo UI" panose="020B0604030504040204" pitchFamily="50" charset="-128"/>
+                <a:hlinkClick r:id="rId41"/>
+              </a:rPr>
+              <a:t>第</a:t>
             </a:r>
             <a:r>
               <a:rPr lang="en-US" altLang="ja-JP" sz="1100" dirty="0">
                 <a:latin typeface="Meiryo UI" panose="020B0604030504040204" pitchFamily="50" charset="-128"/>
                 <a:ea typeface="Meiryo UI" panose="020B0604030504040204" pitchFamily="50" charset="-128"/>
                 <a:cs typeface="Meiryo UI" panose="020B0604030504040204" pitchFamily="50" charset="-128"/>
+                <a:hlinkClick r:id="rId41"/>
+              </a:rPr>
+              <a:t>3.1</a:t>
+            </a:r>
+            <a:r>
+              <a:rPr lang="ja-JP" altLang="en-US" sz="1100" dirty="0">
+                <a:latin typeface="Meiryo UI" panose="020B0604030504040204" pitchFamily="50" charset="-128"/>
+                <a:ea typeface="Meiryo UI" panose="020B0604030504040204" pitchFamily="50" charset="-128"/>
+                <a:cs typeface="Meiryo UI" panose="020B0604030504040204" pitchFamily="50" charset="-128"/>
+                <a:hlinkClick r:id="rId41"/>
+              </a:rPr>
+              <a:t>版電子版</a:t>
+            </a:r>
+            <a:r>
+              <a:rPr lang="en-US" altLang="ja-JP" sz="1100" dirty="0">
+                <a:latin typeface="Meiryo UI" panose="020B0604030504040204" pitchFamily="50" charset="-128"/>
+                <a:ea typeface="Meiryo UI" panose="020B0604030504040204" pitchFamily="50" charset="-128"/>
+                <a:cs typeface="Meiryo UI" panose="020B0604030504040204" pitchFamily="50" charset="-128"/>
               </a:rPr>
               <a:t>(IPA)</a:t>
             </a:r>
@@ -6645,34 +6819,82 @@
             </a:pPr>
             <a:r>
               <a:rPr lang="ja-JP" altLang="en-US" sz="1100" dirty="0">
-                <a:solidFill>
-                  <a:srgbClr val="FF0000"/>
-                </a:solidFill>
-                <a:latin typeface="Meiryo UI" panose="020B0604030504040204" pitchFamily="50" charset="-128"/>
-                <a:ea typeface="Meiryo UI" panose="020B0604030504040204" pitchFamily="50" charset="-128"/>
-                <a:cs typeface="Meiryo UI" panose="020B0604030504040204" pitchFamily="50" charset="-128"/>
-              </a:rPr>
-              <a:t> ●</a:t>
+                <a:latin typeface="Meiryo UI" panose="020B0604030504040204" pitchFamily="50" charset="-128"/>
+                <a:ea typeface="Meiryo UI" panose="020B0604030504040204" pitchFamily="50" charset="-128"/>
+                <a:cs typeface="Meiryo UI" panose="020B0604030504040204" pitchFamily="50" charset="-128"/>
+              </a:rPr>
+              <a:t>　　</a:t>
             </a:r>
             <a:r>
               <a:rPr lang="en-US" altLang="ja-JP" sz="1100" dirty="0">
                 <a:latin typeface="Meiryo UI" panose="020B0604030504040204" pitchFamily="50" charset="-128"/>
                 <a:ea typeface="Meiryo UI" panose="020B0604030504040204" pitchFamily="50" charset="-128"/>
                 <a:cs typeface="Meiryo UI" panose="020B0604030504040204" pitchFamily="50" charset="-128"/>
-                <a:hlinkClick r:id="rId36"/>
-              </a:rPr>
-              <a:t>JC3 </a:t>
-            </a:r>
-            <a:r>
-              <a:rPr lang="zh-TW" altLang="en-US" sz="1100" dirty="0">
-                <a:latin typeface="Meiryo UI" panose="020B0604030504040204" pitchFamily="50" charset="-128"/>
-                <a:ea typeface="Meiryo UI" panose="020B0604030504040204" pitchFamily="50" charset="-128"/>
-                <a:cs typeface="Meiryo UI" panose="020B0604030504040204" pitchFamily="50" charset="-128"/>
-                <a:hlinkClick r:id="rId36"/>
-              </a:rPr>
-              <a:t>情報提供 注意喚起情報</a:t>
-            </a:r>
-            <a:endParaRPr lang="en-US" altLang="zh-TW" sz="1100" dirty="0">
+              </a:rPr>
+              <a:t> </a:t>
+            </a:r>
+            <a:r>
+              <a:rPr lang="ja-JP" altLang="en-US" sz="1100" dirty="0">
+                <a:latin typeface="Meiryo UI" panose="020B0604030504040204" pitchFamily="50" charset="-128"/>
+                <a:ea typeface="Meiryo UI" panose="020B0604030504040204" pitchFamily="50" charset="-128"/>
+                <a:cs typeface="Meiryo UI" panose="020B0604030504040204" pitchFamily="50" charset="-128"/>
+              </a:rPr>
+              <a:t>・　</a:t>
+            </a:r>
+            <a:r>
+              <a:rPr lang="ja-JP" altLang="en-US" sz="1100" dirty="0">
+                <a:latin typeface="Meiryo UI" panose="020B0604030504040204" pitchFamily="50" charset="-128"/>
+                <a:ea typeface="Meiryo UI" panose="020B0604030504040204" pitchFamily="50" charset="-128"/>
+                <a:cs typeface="Meiryo UI" panose="020B0604030504040204" pitchFamily="50" charset="-128"/>
+                <a:hlinkClick r:id="rId42"/>
+              </a:rPr>
+              <a:t>情報セキュリティ</a:t>
+            </a:r>
+            <a:r>
+              <a:rPr lang="en-US" altLang="ja-JP" sz="1100" dirty="0">
+                <a:latin typeface="Meiryo UI" panose="020B0604030504040204" pitchFamily="50" charset="-128"/>
+                <a:ea typeface="Meiryo UI" panose="020B0604030504040204" pitchFamily="50" charset="-128"/>
+                <a:cs typeface="Meiryo UI" panose="020B0604030504040204" pitchFamily="50" charset="-128"/>
+                <a:hlinkClick r:id="rId42"/>
+              </a:rPr>
+              <a:t>5</a:t>
+            </a:r>
+            <a:r>
+              <a:rPr lang="ja-JP" altLang="en-US" sz="1100" dirty="0">
+                <a:latin typeface="Meiryo UI" panose="020B0604030504040204" pitchFamily="50" charset="-128"/>
+                <a:ea typeface="Meiryo UI" panose="020B0604030504040204" pitchFamily="50" charset="-128"/>
+                <a:cs typeface="Meiryo UI" panose="020B0604030504040204" pitchFamily="50" charset="-128"/>
+                <a:hlinkClick r:id="rId42"/>
+              </a:rPr>
+              <a:t>か条</a:t>
+            </a:r>
+            <a:r>
+              <a:rPr lang="ja-JP" altLang="en-US" sz="1100" dirty="0">
+                <a:latin typeface="Meiryo UI" panose="020B0604030504040204" pitchFamily="50" charset="-128"/>
+                <a:ea typeface="Meiryo UI" panose="020B0604030504040204" pitchFamily="50" charset="-128"/>
+                <a:cs typeface="Meiryo UI" panose="020B0604030504040204" pitchFamily="50" charset="-128"/>
+              </a:rPr>
+              <a:t>、</a:t>
+            </a:r>
+            <a:r>
+              <a:rPr lang="en-US" altLang="ja-JP" sz="1100" dirty="0">
+                <a:latin typeface="Meiryo UI" panose="020B0604030504040204" pitchFamily="50" charset="-128"/>
+                <a:ea typeface="Meiryo UI" panose="020B0604030504040204" pitchFamily="50" charset="-128"/>
+                <a:cs typeface="Meiryo UI" panose="020B0604030504040204" pitchFamily="50" charset="-128"/>
+                <a:hlinkClick r:id="rId43"/>
+              </a:rPr>
+              <a:t>5</a:t>
+            </a:r>
+            <a:r>
+              <a:rPr lang="ja-JP" altLang="en-US" sz="1100" dirty="0">
+                <a:latin typeface="Meiryo UI" panose="020B0604030504040204" pitchFamily="50" charset="-128"/>
+                <a:ea typeface="Meiryo UI" panose="020B0604030504040204" pitchFamily="50" charset="-128"/>
+                <a:cs typeface="Meiryo UI" panose="020B0604030504040204" pitchFamily="50" charset="-128"/>
+                <a:hlinkClick r:id="rId43"/>
+              </a:rPr>
+              <a:t>分でできる！情報セキュリティ自社診断</a:t>
+            </a:r>
+            <a:endParaRPr lang="en-US" altLang="ja-JP" sz="1100" dirty="0">
               <a:latin typeface="Meiryo UI" panose="020B0604030504040204" pitchFamily="50" charset="-128"/>
               <a:ea typeface="Meiryo UI" panose="020B0604030504040204" pitchFamily="50" charset="-128"/>
               <a:cs typeface="Meiryo UI" panose="020B0604030504040204" pitchFamily="50" charset="-128"/>
@@ -6688,31 +6910,49 @@
                 <a:ea typeface="Meiryo UI" panose="020B0604030504040204" pitchFamily="50" charset="-128"/>
                 <a:cs typeface="Meiryo UI" panose="020B0604030504040204" pitchFamily="50" charset="-128"/>
               </a:rPr>
-              <a:t>　　・</a:t>
-            </a:r>
-            <a:r>
-              <a:rPr lang="en-US" altLang="ja-JP" sz="1100" b="1" dirty="0">
-                <a:latin typeface="Meiryo UI" panose="020B0604030504040204" pitchFamily="50" charset="-128"/>
-                <a:ea typeface="Meiryo UI" panose="020B0604030504040204" pitchFamily="50" charset="-128"/>
-                <a:cs typeface="Meiryo UI" panose="020B0604030504040204" pitchFamily="50" charset="-128"/>
-                <a:hlinkClick r:id="rId37"/>
-              </a:rPr>
-              <a:t>JC3:</a:t>
-            </a:r>
-            <a:r>
-              <a:rPr lang="ja-JP" altLang="en-US" sz="1100" b="1" dirty="0">
-                <a:latin typeface="Meiryo UI" panose="020B0604030504040204" pitchFamily="50" charset="-128"/>
-                <a:ea typeface="Meiryo UI" panose="020B0604030504040204" pitchFamily="50" charset="-128"/>
-                <a:cs typeface="Meiryo UI" panose="020B0604030504040204" pitchFamily="50" charset="-128"/>
-                <a:hlinkClick r:id="rId37"/>
-              </a:rPr>
-              <a:t>あなたのパスワードが侵害されました</a:t>
-            </a:r>
-            <a:endParaRPr lang="en-US" altLang="ja-JP" sz="1100" b="1" dirty="0">
-              <a:latin typeface="Meiryo UI" panose="020B0604030504040204" pitchFamily="50" charset="-128"/>
-              <a:ea typeface="Meiryo UI" panose="020B0604030504040204" pitchFamily="50" charset="-128"/>
-              <a:cs typeface="Meiryo UI" panose="020B0604030504040204" pitchFamily="50" charset="-128"/>
-            </a:endParaRPr>
+              <a:t>●</a:t>
+            </a:r>
+            <a:r>
+              <a:rPr lang="ja-JP" altLang="en-US" sz="1100" dirty="0">
+                <a:latin typeface="Meiryo UI" panose="020B0604030504040204" pitchFamily="50" charset="-128"/>
+                <a:ea typeface="Meiryo UI" panose="020B0604030504040204" pitchFamily="50" charset="-128"/>
+                <a:cs typeface="Meiryo UI" panose="020B0604030504040204" pitchFamily="50" charset="-128"/>
+                <a:hlinkClick r:id="rId44"/>
+              </a:rPr>
+              <a:t>国民のための情報セキュリティサイト</a:t>
+            </a:r>
+            <a:r>
+              <a:rPr lang="ja-JP" altLang="en-US" sz="1100" dirty="0">
+                <a:latin typeface="Meiryo UI" panose="020B0604030504040204" pitchFamily="50" charset="-128"/>
+                <a:ea typeface="Meiryo UI" panose="020B0604030504040204" pitchFamily="50" charset="-128"/>
+                <a:cs typeface="Meiryo UI" panose="020B0604030504040204" pitchFamily="50" charset="-128"/>
+              </a:rPr>
+              <a:t> </a:t>
+            </a:r>
+            <a:r>
+              <a:rPr lang="en-US" altLang="ja-JP" sz="1100" dirty="0">
+                <a:latin typeface="Meiryo UI" panose="020B0604030504040204" pitchFamily="50" charset="-128"/>
+                <a:ea typeface="Meiryo UI" panose="020B0604030504040204" pitchFamily="50" charset="-128"/>
+                <a:cs typeface="Meiryo UI" panose="020B0604030504040204" pitchFamily="50" charset="-128"/>
+              </a:rPr>
+              <a:t>(</a:t>
+            </a:r>
+            <a:r>
+              <a:rPr lang="ja-JP" altLang="en-US" sz="1100" dirty="0">
+                <a:latin typeface="Meiryo UI" panose="020B0604030504040204" pitchFamily="50" charset="-128"/>
+                <a:ea typeface="Meiryo UI" panose="020B0604030504040204" pitchFamily="50" charset="-128"/>
+                <a:cs typeface="Meiryo UI" panose="020B0604030504040204" pitchFamily="50" charset="-128"/>
+              </a:rPr>
+              <a:t>総務省</a:t>
+            </a:r>
+            <a:r>
+              <a:rPr lang="en-US" altLang="ja-JP" sz="1100" dirty="0">
+                <a:latin typeface="Meiryo UI" panose="020B0604030504040204" pitchFamily="50" charset="-128"/>
+                <a:ea typeface="Meiryo UI" panose="020B0604030504040204" pitchFamily="50" charset="-128"/>
+                <a:cs typeface="Meiryo UI" panose="020B0604030504040204" pitchFamily="50" charset="-128"/>
+              </a:rPr>
+              <a:t>)</a:t>
+            </a:r>
           </a:p>
           <a:p>
             <a:pPr marL="0" indent="0">
@@ -6724,455 +6964,46 @@
                 <a:ea typeface="Meiryo UI" panose="020B0604030504040204" pitchFamily="50" charset="-128"/>
                 <a:cs typeface="Meiryo UI" panose="020B0604030504040204" pitchFamily="50" charset="-128"/>
               </a:rPr>
-              <a:t>　　・</a:t>
+              <a:t>●</a:t>
             </a:r>
             <a:r>
               <a:rPr lang="ja-JP" altLang="en-US" sz="1100" dirty="0">
                 <a:latin typeface="Meiryo UI" panose="020B0604030504040204" pitchFamily="50" charset="-128"/>
                 <a:ea typeface="Meiryo UI" panose="020B0604030504040204" pitchFamily="50" charset="-128"/>
                 <a:cs typeface="Meiryo UI" panose="020B0604030504040204" pitchFamily="50" charset="-128"/>
-                <a:hlinkClick r:id="rId38"/>
-              </a:rPr>
-              <a:t>不正送金等</a:t>
+                <a:hlinkClick r:id="rId45"/>
+              </a:rPr>
+              <a:t>みんなで使おうサイバーセキュリティ・ポータルサイト</a:t>
+            </a:r>
+            <a:r>
+              <a:rPr lang="ja-JP" altLang="en-US" sz="1100" dirty="0">
+                <a:latin typeface="Meiryo UI" panose="020B0604030504040204" pitchFamily="50" charset="-128"/>
+                <a:ea typeface="Meiryo UI" panose="020B0604030504040204" pitchFamily="50" charset="-128"/>
+                <a:cs typeface="Meiryo UI" panose="020B0604030504040204" pitchFamily="50" charset="-128"/>
+              </a:rPr>
+              <a:t>（</a:t>
+            </a:r>
+            <a:r>
+              <a:rPr lang="en-US" altLang="ja-JP" sz="1100" dirty="0">
+                <a:latin typeface="Meiryo UI" panose="020B0604030504040204" pitchFamily="50" charset="-128"/>
+                <a:ea typeface="Meiryo UI" panose="020B0604030504040204" pitchFamily="50" charset="-128"/>
+                <a:cs typeface="Meiryo UI" panose="020B0604030504040204" pitchFamily="50" charset="-128"/>
+              </a:rPr>
+              <a:t>NISC</a:t>
+            </a:r>
+            <a:r>
+              <a:rPr lang="ja-JP" altLang="en-US" sz="1100" dirty="0">
+                <a:latin typeface="Meiryo UI" panose="020B0604030504040204" pitchFamily="50" charset="-128"/>
+                <a:ea typeface="Meiryo UI" panose="020B0604030504040204" pitchFamily="50" charset="-128"/>
+                <a:cs typeface="Meiryo UI" panose="020B0604030504040204" pitchFamily="50" charset="-128"/>
+              </a:rPr>
+              <a:t>）</a:t>
             </a:r>
             <a:endParaRPr lang="en-US" altLang="ja-JP" sz="1100" dirty="0">
               <a:latin typeface="Meiryo UI" panose="020B0604030504040204" pitchFamily="50" charset="-128"/>
               <a:ea typeface="Meiryo UI" panose="020B0604030504040204" pitchFamily="50" charset="-128"/>
               <a:cs typeface="Meiryo UI" panose="020B0604030504040204" pitchFamily="50" charset="-128"/>
             </a:endParaRPr>
-          </a:p>
-          <a:p>
-            <a:pPr marL="0" indent="0">
-              <a:buNone/>
-            </a:pPr>
-            <a:r>
-              <a:rPr lang="ja-JP" altLang="en-US" sz="1100" dirty="0">
-                <a:solidFill>
-                  <a:srgbClr val="FF0000"/>
-                </a:solidFill>
-                <a:latin typeface="Meiryo UI" panose="020B0604030504040204" pitchFamily="50" charset="-128"/>
-                <a:ea typeface="Meiryo UI" panose="020B0604030504040204" pitchFamily="50" charset="-128"/>
-                <a:cs typeface="Meiryo UI" panose="020B0604030504040204" pitchFamily="50" charset="-128"/>
-              </a:rPr>
-              <a:t>●</a:t>
-            </a:r>
-            <a:r>
-              <a:rPr lang="en-US" altLang="ja-JP" sz="1100" dirty="0">
-                <a:latin typeface="Meiryo UI" panose="020B0604030504040204" pitchFamily="50" charset="-128"/>
-                <a:ea typeface="Meiryo UI" panose="020B0604030504040204" pitchFamily="50" charset="-128"/>
-                <a:cs typeface="Meiryo UI" panose="020B0604030504040204" pitchFamily="50" charset="-128"/>
-                <a:hlinkClick r:id="rId39"/>
-              </a:rPr>
-              <a:t>JPCERT/CC</a:t>
-            </a:r>
-            <a:r>
-              <a:rPr lang="ja-JP" altLang="en-US" sz="1100" dirty="0">
-                <a:latin typeface="Meiryo UI" panose="020B0604030504040204" pitchFamily="50" charset="-128"/>
-                <a:ea typeface="Meiryo UI" panose="020B0604030504040204" pitchFamily="50" charset="-128"/>
-                <a:cs typeface="Meiryo UI" panose="020B0604030504040204" pitchFamily="50" charset="-128"/>
-                <a:hlinkClick r:id="rId39"/>
-              </a:rPr>
-              <a:t>　注意喚起</a:t>
-            </a:r>
-            <a:r>
-              <a:rPr lang="ja-JP" altLang="en-US" sz="1100" dirty="0">
-                <a:latin typeface="Meiryo UI" panose="020B0604030504040204" pitchFamily="50" charset="-128"/>
-                <a:ea typeface="Meiryo UI" panose="020B0604030504040204" pitchFamily="50" charset="-128"/>
-                <a:cs typeface="Meiryo UI" panose="020B0604030504040204" pitchFamily="50" charset="-128"/>
-              </a:rPr>
-              <a:t> </a:t>
-            </a:r>
-            <a:endParaRPr lang="en-US" altLang="ja-JP" sz="1100" dirty="0">
-              <a:latin typeface="Meiryo UI" panose="020B0604030504040204" pitchFamily="50" charset="-128"/>
-              <a:ea typeface="Meiryo UI" panose="020B0604030504040204" pitchFamily="50" charset="-128"/>
-              <a:cs typeface="Meiryo UI" panose="020B0604030504040204" pitchFamily="50" charset="-128"/>
-            </a:endParaRPr>
-          </a:p>
-          <a:p>
-            <a:pPr marL="0" indent="0">
-              <a:buNone/>
-            </a:pPr>
-            <a:r>
-              <a:rPr lang="ja-JP" altLang="en-US" sz="1100" dirty="0">
-                <a:latin typeface="Meiryo UI" panose="020B0604030504040204" pitchFamily="50" charset="-128"/>
-                <a:ea typeface="Meiryo UI" panose="020B0604030504040204" pitchFamily="50" charset="-128"/>
-                <a:cs typeface="Meiryo UI" panose="020B0604030504040204" pitchFamily="50" charset="-128"/>
-              </a:rPr>
-              <a:t>　　・</a:t>
-            </a:r>
-            <a:r>
-              <a:rPr lang="ja-JP" altLang="en-US" sz="1100" b="1" dirty="0">
-                <a:latin typeface="Meiryo UI" panose="020B0604030504040204" pitchFamily="50" charset="-128"/>
-                <a:ea typeface="Meiryo UI" panose="020B0604030504040204" pitchFamily="50" charset="-128"/>
-                <a:cs typeface="Meiryo UI" panose="020B0604030504040204" pitchFamily="50" charset="-128"/>
-                <a:hlinkClick r:id="rId40"/>
-              </a:rPr>
-              <a:t>マルウエア </a:t>
-            </a:r>
-            <a:r>
-              <a:rPr lang="en-US" altLang="ja-JP" sz="1100" b="1" dirty="0" err="1">
-                <a:latin typeface="Meiryo UI" panose="020B0604030504040204" pitchFamily="50" charset="-128"/>
-                <a:ea typeface="Meiryo UI" panose="020B0604030504040204" pitchFamily="50" charset="-128"/>
-                <a:cs typeface="Meiryo UI" panose="020B0604030504040204" pitchFamily="50" charset="-128"/>
-                <a:hlinkClick r:id="rId40"/>
-              </a:rPr>
-              <a:t>Emotet</a:t>
-            </a:r>
-            <a:r>
-              <a:rPr lang="en-US" altLang="ja-JP" sz="1100" b="1" dirty="0">
-                <a:latin typeface="Meiryo UI" panose="020B0604030504040204" pitchFamily="50" charset="-128"/>
-                <a:ea typeface="Meiryo UI" panose="020B0604030504040204" pitchFamily="50" charset="-128"/>
-                <a:cs typeface="Meiryo UI" panose="020B0604030504040204" pitchFamily="50" charset="-128"/>
-                <a:hlinkClick r:id="rId40"/>
-              </a:rPr>
-              <a:t> </a:t>
-            </a:r>
-            <a:r>
-              <a:rPr lang="ja-JP" altLang="en-US" sz="1100" b="1" dirty="0">
-                <a:latin typeface="Meiryo UI" panose="020B0604030504040204" pitchFamily="50" charset="-128"/>
-                <a:ea typeface="Meiryo UI" panose="020B0604030504040204" pitchFamily="50" charset="-128"/>
-                <a:cs typeface="Meiryo UI" panose="020B0604030504040204" pitchFamily="50" charset="-128"/>
-                <a:hlinkClick r:id="rId40"/>
-              </a:rPr>
-              <a:t>の感染に関する注意喚起</a:t>
-            </a:r>
-            <a:endParaRPr lang="en-US" altLang="ja-JP" sz="1100" b="1" dirty="0">
-              <a:latin typeface="Meiryo UI" panose="020B0604030504040204" pitchFamily="50" charset="-128"/>
-              <a:ea typeface="Meiryo UI" panose="020B0604030504040204" pitchFamily="50" charset="-128"/>
-              <a:cs typeface="Meiryo UI" panose="020B0604030504040204" pitchFamily="50" charset="-128"/>
-            </a:endParaRPr>
-          </a:p>
-          <a:p>
-            <a:pPr marL="0" indent="0">
-              <a:buNone/>
-            </a:pPr>
-            <a:r>
-              <a:rPr lang="ja-JP" altLang="en-US" sz="1100" dirty="0">
-                <a:latin typeface="Meiryo UI" panose="020B0604030504040204" pitchFamily="50" charset="-128"/>
-                <a:ea typeface="Meiryo UI" panose="020B0604030504040204" pitchFamily="50" charset="-128"/>
-                <a:cs typeface="Meiryo UI" panose="020B0604030504040204" pitchFamily="50" charset="-128"/>
-              </a:rPr>
-              <a:t>●</a:t>
-            </a:r>
-            <a:r>
-              <a:rPr lang="ja-JP" altLang="en-US" sz="1100" dirty="0">
-                <a:latin typeface="Meiryo UI" panose="020B0604030504040204" pitchFamily="50" charset="-128"/>
-                <a:ea typeface="Meiryo UI" panose="020B0604030504040204" pitchFamily="50" charset="-128"/>
-                <a:cs typeface="Meiryo UI" panose="020B0604030504040204" pitchFamily="50" charset="-128"/>
-                <a:hlinkClick r:id="rId9"/>
-              </a:rPr>
-              <a:t>迷惑メール相談センター</a:t>
-            </a:r>
-            <a:endParaRPr lang="en-US" altLang="ja-JP" sz="1100" dirty="0">
-              <a:latin typeface="Meiryo UI" panose="020B0604030504040204" pitchFamily="50" charset="-128"/>
-              <a:ea typeface="Meiryo UI" panose="020B0604030504040204" pitchFamily="50" charset="-128"/>
-              <a:cs typeface="Meiryo UI" panose="020B0604030504040204" pitchFamily="50" charset="-128"/>
-            </a:endParaRPr>
-          </a:p>
-          <a:p>
-            <a:pPr marL="0" indent="0">
-              <a:buNone/>
-            </a:pPr>
-            <a:r>
-              <a:rPr lang="ja-JP" altLang="en-US" sz="1100" dirty="0">
-                <a:latin typeface="Meiryo UI" panose="020B0604030504040204" pitchFamily="50" charset="-128"/>
-                <a:ea typeface="Meiryo UI" panose="020B0604030504040204" pitchFamily="50" charset="-128"/>
-                <a:cs typeface="Meiryo UI" panose="020B0604030504040204" pitchFamily="50" charset="-128"/>
-              </a:rPr>
-              <a:t>　　・</a:t>
-            </a:r>
-            <a:r>
-              <a:rPr lang="ja-JP" altLang="en-US" sz="1100" dirty="0">
-                <a:latin typeface="Meiryo UI" panose="020B0604030504040204" pitchFamily="50" charset="-128"/>
-                <a:ea typeface="Meiryo UI" panose="020B0604030504040204" pitchFamily="50" charset="-128"/>
-                <a:cs typeface="Meiryo UI" panose="020B0604030504040204" pitchFamily="50" charset="-128"/>
-                <a:hlinkClick r:id="rId41"/>
-              </a:rPr>
-              <a:t>迷惑メール・チェーンメール関連パンフレット</a:t>
-            </a:r>
-            <a:endParaRPr lang="en-US" altLang="ja-JP" sz="1100" dirty="0">
-              <a:latin typeface="Meiryo UI" panose="020B0604030504040204" pitchFamily="50" charset="-128"/>
-              <a:ea typeface="Meiryo UI" panose="020B0604030504040204" pitchFamily="50" charset="-128"/>
-              <a:cs typeface="Meiryo UI" panose="020B0604030504040204" pitchFamily="50" charset="-128"/>
-            </a:endParaRPr>
-          </a:p>
-          <a:p>
-            <a:pPr marL="0" indent="0">
-              <a:buNone/>
-            </a:pPr>
-            <a:r>
-              <a:rPr lang="ja-JP" altLang="en-US" sz="1100" dirty="0">
-                <a:latin typeface="Meiryo UI" panose="020B0604030504040204" pitchFamily="50" charset="-128"/>
-                <a:ea typeface="Meiryo UI" panose="020B0604030504040204" pitchFamily="50" charset="-128"/>
-                <a:cs typeface="Meiryo UI" panose="020B0604030504040204" pitchFamily="50" charset="-128"/>
-              </a:rPr>
-              <a:t>●</a:t>
-            </a:r>
-            <a:r>
-              <a:rPr lang="ja-JP" altLang="en-US" sz="1100" dirty="0">
-                <a:latin typeface="Meiryo UI" panose="020B0604030504040204" pitchFamily="50" charset="-128"/>
-                <a:ea typeface="Meiryo UI" panose="020B0604030504040204" pitchFamily="50" charset="-128"/>
-                <a:cs typeface="Meiryo UI" panose="020B0604030504040204" pitchFamily="50" charset="-128"/>
-                <a:hlinkClick r:id="rId42"/>
-              </a:rPr>
-              <a:t>迷惑メール関連の関係法令・窓口等</a:t>
-            </a:r>
-            <a:r>
-              <a:rPr lang="en-US" altLang="ja-JP" sz="1100" dirty="0">
-                <a:latin typeface="Meiryo UI" panose="020B0604030504040204" pitchFamily="50" charset="-128"/>
-                <a:ea typeface="Meiryo UI" panose="020B0604030504040204" pitchFamily="50" charset="-128"/>
-                <a:cs typeface="Meiryo UI" panose="020B0604030504040204" pitchFamily="50" charset="-128"/>
-                <a:hlinkClick r:id="rId42"/>
-              </a:rPr>
-              <a:t>(</a:t>
-            </a:r>
-            <a:r>
-              <a:rPr lang="ja-JP" altLang="en-US" sz="1100" dirty="0">
-                <a:latin typeface="Meiryo UI" panose="020B0604030504040204" pitchFamily="50" charset="-128"/>
-                <a:ea typeface="Meiryo UI" panose="020B0604030504040204" pitchFamily="50" charset="-128"/>
-                <a:cs typeface="Meiryo UI" panose="020B0604030504040204" pitchFamily="50" charset="-128"/>
-                <a:hlinkClick r:id="rId42"/>
-              </a:rPr>
-              <a:t>迷惑メール白書</a:t>
-            </a:r>
-            <a:r>
-              <a:rPr lang="en-US" altLang="ja-JP" sz="1100" dirty="0">
-                <a:latin typeface="Meiryo UI" panose="020B0604030504040204" pitchFamily="50" charset="-128"/>
-                <a:ea typeface="Meiryo UI" panose="020B0604030504040204" pitchFamily="50" charset="-128"/>
-                <a:cs typeface="Meiryo UI" panose="020B0604030504040204" pitchFamily="50" charset="-128"/>
-                <a:hlinkClick r:id="rId42"/>
-              </a:rPr>
-              <a:t>2019</a:t>
-            </a:r>
-            <a:r>
-              <a:rPr lang="ja-JP" altLang="en-US" sz="1100" dirty="0">
-                <a:latin typeface="Meiryo UI" panose="020B0604030504040204" pitchFamily="50" charset="-128"/>
-                <a:ea typeface="Meiryo UI" panose="020B0604030504040204" pitchFamily="50" charset="-128"/>
-                <a:cs typeface="Meiryo UI" panose="020B0604030504040204" pitchFamily="50" charset="-128"/>
-                <a:hlinkClick r:id="rId42"/>
-              </a:rPr>
-              <a:t>より</a:t>
-            </a:r>
-            <a:r>
-              <a:rPr lang="en-US" altLang="ja-JP" sz="1100" dirty="0">
-                <a:latin typeface="Meiryo UI" panose="020B0604030504040204" pitchFamily="50" charset="-128"/>
-                <a:ea typeface="Meiryo UI" panose="020B0604030504040204" pitchFamily="50" charset="-128"/>
-                <a:cs typeface="Meiryo UI" panose="020B0604030504040204" pitchFamily="50" charset="-128"/>
-                <a:hlinkClick r:id="rId42"/>
-              </a:rPr>
-              <a:t>)</a:t>
-            </a:r>
-            <a:endParaRPr lang="en-US" altLang="ja-JP" sz="1100" dirty="0">
-              <a:latin typeface="Meiryo UI" panose="020B0604030504040204" pitchFamily="50" charset="-128"/>
-              <a:ea typeface="Meiryo UI" panose="020B0604030504040204" pitchFamily="50" charset="-128"/>
-              <a:cs typeface="Meiryo UI" panose="020B0604030504040204" pitchFamily="50" charset="-128"/>
-            </a:endParaRPr>
-          </a:p>
-          <a:p>
-            <a:pPr marL="0" indent="0">
-              <a:buNone/>
-            </a:pPr>
-            <a:r>
-              <a:rPr lang="ja-JP" altLang="en-US" sz="1100" dirty="0">
-                <a:latin typeface="Meiryo UI" panose="020B0604030504040204" pitchFamily="50" charset="-128"/>
-                <a:ea typeface="Meiryo UI" panose="020B0604030504040204" pitchFamily="50" charset="-128"/>
-                <a:cs typeface="Meiryo UI" panose="020B0604030504040204" pitchFamily="50" charset="-128"/>
-              </a:rPr>
-              <a:t>●</a:t>
-            </a:r>
-            <a:r>
-              <a:rPr lang="ja-JP" altLang="en-US" sz="1100" dirty="0">
-                <a:latin typeface="Meiryo UI" panose="020B0604030504040204" pitchFamily="50" charset="-128"/>
-                <a:ea typeface="Meiryo UI" panose="020B0604030504040204" pitchFamily="50" charset="-128"/>
-                <a:cs typeface="Meiryo UI" panose="020B0604030504040204" pitchFamily="50" charset="-128"/>
-                <a:hlinkClick r:id="rId43"/>
-              </a:rPr>
-              <a:t>中小企業の情報セキュリティ対策ガイドライン</a:t>
-            </a:r>
-            <a:r>
-              <a:rPr lang="ja-JP" altLang="en-US" sz="1100" dirty="0">
-                <a:latin typeface="Meiryo UI" panose="020B0604030504040204" pitchFamily="50" charset="-128"/>
-                <a:ea typeface="Meiryo UI" panose="020B0604030504040204" pitchFamily="50" charset="-128"/>
-                <a:cs typeface="Meiryo UI" panose="020B0604030504040204" pitchFamily="50" charset="-128"/>
-              </a:rPr>
-              <a:t>　</a:t>
-            </a:r>
-            <a:r>
-              <a:rPr lang="ja-JP" altLang="en-US" sz="1100" dirty="0">
-                <a:latin typeface="Meiryo UI" panose="020B0604030504040204" pitchFamily="50" charset="-128"/>
-                <a:ea typeface="Meiryo UI" panose="020B0604030504040204" pitchFamily="50" charset="-128"/>
-                <a:cs typeface="Meiryo UI" panose="020B0604030504040204" pitchFamily="50" charset="-128"/>
-                <a:hlinkClick r:id="rId44"/>
-              </a:rPr>
-              <a:t>第</a:t>
-            </a:r>
-            <a:r>
-              <a:rPr lang="en-US" altLang="ja-JP" sz="1100" dirty="0">
-                <a:latin typeface="Meiryo UI" panose="020B0604030504040204" pitchFamily="50" charset="-128"/>
-                <a:ea typeface="Meiryo UI" panose="020B0604030504040204" pitchFamily="50" charset="-128"/>
-                <a:cs typeface="Meiryo UI" panose="020B0604030504040204" pitchFamily="50" charset="-128"/>
-                <a:hlinkClick r:id="rId44"/>
-              </a:rPr>
-              <a:t>3</a:t>
-            </a:r>
-            <a:r>
-              <a:rPr lang="ja-JP" altLang="en-US" sz="1100" dirty="0">
-                <a:latin typeface="Meiryo UI" panose="020B0604030504040204" pitchFamily="50" charset="-128"/>
-                <a:ea typeface="Meiryo UI" panose="020B0604030504040204" pitchFamily="50" charset="-128"/>
-                <a:cs typeface="Meiryo UI" panose="020B0604030504040204" pitchFamily="50" charset="-128"/>
-                <a:hlinkClick r:id="rId44"/>
-              </a:rPr>
-              <a:t>版電子版</a:t>
-            </a:r>
-            <a:r>
-              <a:rPr lang="en-US" altLang="ja-JP" sz="1100" dirty="0">
-                <a:latin typeface="Meiryo UI" panose="020B0604030504040204" pitchFamily="50" charset="-128"/>
-                <a:ea typeface="Meiryo UI" panose="020B0604030504040204" pitchFamily="50" charset="-128"/>
-                <a:cs typeface="Meiryo UI" panose="020B0604030504040204" pitchFamily="50" charset="-128"/>
-              </a:rPr>
-              <a:t>(IPA)</a:t>
-            </a:r>
-          </a:p>
-          <a:p>
-            <a:pPr marL="0" indent="0">
-              <a:buNone/>
-            </a:pPr>
-            <a:r>
-              <a:rPr lang="ja-JP" altLang="en-US" sz="1100" dirty="0">
-                <a:latin typeface="Meiryo UI" panose="020B0604030504040204" pitchFamily="50" charset="-128"/>
-                <a:ea typeface="Meiryo UI" panose="020B0604030504040204" pitchFamily="50" charset="-128"/>
-                <a:cs typeface="Meiryo UI" panose="020B0604030504040204" pitchFamily="50" charset="-128"/>
-              </a:rPr>
-              <a:t>　　</a:t>
-            </a:r>
-            <a:r>
-              <a:rPr lang="en-US" altLang="ja-JP" sz="1100" dirty="0">
-                <a:latin typeface="Meiryo UI" panose="020B0604030504040204" pitchFamily="50" charset="-128"/>
-                <a:ea typeface="Meiryo UI" panose="020B0604030504040204" pitchFamily="50" charset="-128"/>
-                <a:cs typeface="Meiryo UI" panose="020B0604030504040204" pitchFamily="50" charset="-128"/>
-              </a:rPr>
-              <a:t> </a:t>
-            </a:r>
-            <a:r>
-              <a:rPr lang="ja-JP" altLang="en-US" sz="1100" dirty="0">
-                <a:latin typeface="Meiryo UI" panose="020B0604030504040204" pitchFamily="50" charset="-128"/>
-                <a:ea typeface="Meiryo UI" panose="020B0604030504040204" pitchFamily="50" charset="-128"/>
-                <a:cs typeface="Meiryo UI" panose="020B0604030504040204" pitchFamily="50" charset="-128"/>
-              </a:rPr>
-              <a:t>・　</a:t>
-            </a:r>
-            <a:r>
-              <a:rPr lang="ja-JP" altLang="en-US" sz="1100" dirty="0">
-                <a:latin typeface="Meiryo UI" panose="020B0604030504040204" pitchFamily="50" charset="-128"/>
-                <a:ea typeface="Meiryo UI" panose="020B0604030504040204" pitchFamily="50" charset="-128"/>
-                <a:cs typeface="Meiryo UI" panose="020B0604030504040204" pitchFamily="50" charset="-128"/>
-                <a:hlinkClick r:id="rId45"/>
-              </a:rPr>
-              <a:t>情報セキュリティ</a:t>
-            </a:r>
-            <a:r>
-              <a:rPr lang="en-US" altLang="ja-JP" sz="1100" dirty="0">
-                <a:latin typeface="Meiryo UI" panose="020B0604030504040204" pitchFamily="50" charset="-128"/>
-                <a:ea typeface="Meiryo UI" panose="020B0604030504040204" pitchFamily="50" charset="-128"/>
-                <a:cs typeface="Meiryo UI" panose="020B0604030504040204" pitchFamily="50" charset="-128"/>
-                <a:hlinkClick r:id="rId45"/>
-              </a:rPr>
-              <a:t>5</a:t>
-            </a:r>
-            <a:r>
-              <a:rPr lang="ja-JP" altLang="en-US" sz="1100" dirty="0">
-                <a:latin typeface="Meiryo UI" panose="020B0604030504040204" pitchFamily="50" charset="-128"/>
-                <a:ea typeface="Meiryo UI" panose="020B0604030504040204" pitchFamily="50" charset="-128"/>
-                <a:cs typeface="Meiryo UI" panose="020B0604030504040204" pitchFamily="50" charset="-128"/>
-                <a:hlinkClick r:id="rId45"/>
-              </a:rPr>
-              <a:t>か条</a:t>
-            </a:r>
-            <a:r>
-              <a:rPr lang="ja-JP" altLang="en-US" sz="1100" dirty="0">
-                <a:latin typeface="Meiryo UI" panose="020B0604030504040204" pitchFamily="50" charset="-128"/>
-                <a:ea typeface="Meiryo UI" panose="020B0604030504040204" pitchFamily="50" charset="-128"/>
-                <a:cs typeface="Meiryo UI" panose="020B0604030504040204" pitchFamily="50" charset="-128"/>
-              </a:rPr>
-              <a:t>、</a:t>
-            </a:r>
-            <a:r>
-              <a:rPr lang="en-US" altLang="ja-JP" sz="1100" dirty="0">
-                <a:latin typeface="Meiryo UI" panose="020B0604030504040204" pitchFamily="50" charset="-128"/>
-                <a:ea typeface="Meiryo UI" panose="020B0604030504040204" pitchFamily="50" charset="-128"/>
-                <a:cs typeface="Meiryo UI" panose="020B0604030504040204" pitchFamily="50" charset="-128"/>
-                <a:hlinkClick r:id="rId46"/>
-              </a:rPr>
-              <a:t>5</a:t>
-            </a:r>
-            <a:r>
-              <a:rPr lang="ja-JP" altLang="en-US" sz="1100" dirty="0">
-                <a:latin typeface="Meiryo UI" panose="020B0604030504040204" pitchFamily="50" charset="-128"/>
-                <a:ea typeface="Meiryo UI" panose="020B0604030504040204" pitchFamily="50" charset="-128"/>
-                <a:cs typeface="Meiryo UI" panose="020B0604030504040204" pitchFamily="50" charset="-128"/>
-                <a:hlinkClick r:id="rId46"/>
-              </a:rPr>
-              <a:t>分でできる！情報セキュリティ自社診断</a:t>
-            </a:r>
-            <a:endParaRPr lang="en-US" altLang="ja-JP" sz="1100" dirty="0">
-              <a:latin typeface="Meiryo UI" panose="020B0604030504040204" pitchFamily="50" charset="-128"/>
-              <a:ea typeface="Meiryo UI" panose="020B0604030504040204" pitchFamily="50" charset="-128"/>
-              <a:cs typeface="Meiryo UI" panose="020B0604030504040204" pitchFamily="50" charset="-128"/>
-            </a:endParaRPr>
-          </a:p>
-          <a:p>
-            <a:pPr marL="0" indent="0">
-              <a:buNone/>
-            </a:pPr>
-            <a:r>
-              <a:rPr lang="ja-JP" altLang="en-US" sz="1100" dirty="0">
-                <a:latin typeface="Meiryo UI" panose="020B0604030504040204" pitchFamily="50" charset="-128"/>
-                <a:ea typeface="Meiryo UI" panose="020B0604030504040204" pitchFamily="50" charset="-128"/>
-                <a:cs typeface="Meiryo UI" panose="020B0604030504040204" pitchFamily="50" charset="-128"/>
-              </a:rPr>
-              <a:t>●</a:t>
-            </a:r>
-            <a:r>
-              <a:rPr lang="ja-JP" altLang="en-US" sz="1100" dirty="0">
-                <a:latin typeface="Meiryo UI" panose="020B0604030504040204" pitchFamily="50" charset="-128"/>
-                <a:ea typeface="Meiryo UI" panose="020B0604030504040204" pitchFamily="50" charset="-128"/>
-                <a:cs typeface="Meiryo UI" panose="020B0604030504040204" pitchFamily="50" charset="-128"/>
-                <a:hlinkClick r:id="rId47"/>
-              </a:rPr>
-              <a:t>国民のための情報セキュリティサイト</a:t>
-            </a:r>
-            <a:r>
-              <a:rPr lang="ja-JP" altLang="en-US" sz="1100" dirty="0">
-                <a:latin typeface="Meiryo UI" panose="020B0604030504040204" pitchFamily="50" charset="-128"/>
-                <a:ea typeface="Meiryo UI" panose="020B0604030504040204" pitchFamily="50" charset="-128"/>
-                <a:cs typeface="Meiryo UI" panose="020B0604030504040204" pitchFamily="50" charset="-128"/>
-              </a:rPr>
-              <a:t> </a:t>
-            </a:r>
-            <a:r>
-              <a:rPr lang="en-US" altLang="ja-JP" sz="1100" dirty="0">
-                <a:latin typeface="Meiryo UI" panose="020B0604030504040204" pitchFamily="50" charset="-128"/>
-                <a:ea typeface="Meiryo UI" panose="020B0604030504040204" pitchFamily="50" charset="-128"/>
-                <a:cs typeface="Meiryo UI" panose="020B0604030504040204" pitchFamily="50" charset="-128"/>
-              </a:rPr>
-              <a:t>(</a:t>
-            </a:r>
-            <a:r>
-              <a:rPr lang="ja-JP" altLang="en-US" sz="1100" dirty="0">
-                <a:latin typeface="Meiryo UI" panose="020B0604030504040204" pitchFamily="50" charset="-128"/>
-                <a:ea typeface="Meiryo UI" panose="020B0604030504040204" pitchFamily="50" charset="-128"/>
-                <a:cs typeface="Meiryo UI" panose="020B0604030504040204" pitchFamily="50" charset="-128"/>
-              </a:rPr>
-              <a:t>総務省</a:t>
-            </a:r>
-            <a:r>
-              <a:rPr lang="en-US" altLang="ja-JP" sz="1100" dirty="0">
-                <a:latin typeface="Meiryo UI" panose="020B0604030504040204" pitchFamily="50" charset="-128"/>
-                <a:ea typeface="Meiryo UI" panose="020B0604030504040204" pitchFamily="50" charset="-128"/>
-                <a:cs typeface="Meiryo UI" panose="020B0604030504040204" pitchFamily="50" charset="-128"/>
-              </a:rPr>
-              <a:t>)</a:t>
-            </a:r>
           </a:p>
         </p:txBody>
       </p:sp>
@@ -7201,7 +7032,7 @@
             <a:pPr algn="r"/>
             <a:r>
               <a:rPr kumimoji="1" lang="en-US" altLang="ja-JP" sz="1200" dirty="0"/>
-              <a:t>2021</a:t>
+              <a:t>2024</a:t>
             </a:r>
             <a:r>
               <a:rPr lang="ja-JP" altLang="en-US" sz="1200" dirty="0"/>
@@ -7209,18 +7040,18 @@
             </a:r>
             <a:r>
               <a:rPr lang="en-US" altLang="ja-JP" sz="1200" dirty="0"/>
-              <a:t>11</a:t>
+              <a:t>6</a:t>
             </a:r>
             <a:r>
               <a:rPr lang="ja-JP" altLang="en-US" sz="1200" dirty="0"/>
               <a:t>月</a:t>
             </a:r>
             <a:r>
-              <a:rPr lang="en-US" altLang="ja-JP" sz="1200"/>
-              <a:t>22</a:t>
-            </a:r>
-            <a:r>
-              <a:rPr lang="ja-JP" altLang="en-US" sz="1200"/>
+              <a:rPr lang="en-US" altLang="ja-JP" sz="1200" dirty="0"/>
+              <a:t>14</a:t>
+            </a:r>
+            <a:r>
+              <a:rPr lang="ja-JP" altLang="en-US" sz="1200" dirty="0"/>
               <a:t>日版</a:t>
             </a:r>
             <a:endParaRPr lang="en-US" altLang="ja-JP" sz="1200" dirty="0"/>
@@ -7254,72 +7085,14 @@
           </a:bodyPr>
           <a:lstStyle/>
           <a:p>
-            <a:r>
-              <a:rPr lang="ja-JP" altLang="en-US" sz="1200" b="1" dirty="0">
-                <a:solidFill>
-                  <a:srgbClr val="0070C0"/>
-                </a:solidFill>
-                <a:latin typeface="Meiryo UI" panose="020B0604030504040204" pitchFamily="50" charset="-128"/>
-                <a:ea typeface="Meiryo UI" panose="020B0604030504040204" pitchFamily="50" charset="-128"/>
-                <a:cs typeface="Meiryo UI" panose="020B0604030504040204" pitchFamily="50" charset="-128"/>
-              </a:rPr>
-              <a:t>設定</a:t>
-            </a:r>
-            <a:r>
-              <a:rPr lang="en-US" altLang="ja-JP" sz="1200" b="1" dirty="0">
-                <a:solidFill>
-                  <a:srgbClr val="0070C0"/>
-                </a:solidFill>
-                <a:latin typeface="Meiryo UI" panose="020B0604030504040204" pitchFamily="50" charset="-128"/>
-                <a:ea typeface="Meiryo UI" panose="020B0604030504040204" pitchFamily="50" charset="-128"/>
-                <a:cs typeface="Meiryo UI" panose="020B0604030504040204" pitchFamily="50" charset="-128"/>
-              </a:rPr>
-              <a:t>: #43-64-870 </a:t>
-            </a:r>
-            <a:r>
-              <a:rPr lang="ja-JP" altLang="en-US" sz="1200" b="1" dirty="0">
-                <a:solidFill>
-                  <a:srgbClr val="0070C0"/>
-                </a:solidFill>
-                <a:latin typeface="Meiryo UI" panose="020B0604030504040204" pitchFamily="50" charset="-128"/>
-                <a:ea typeface="Meiryo UI" panose="020B0604030504040204" pitchFamily="50" charset="-128"/>
-                <a:cs typeface="Meiryo UI" panose="020B0604030504040204" pitchFamily="50" charset="-128"/>
-              </a:rPr>
-              <a:t>解除</a:t>
-            </a:r>
-            <a:r>
-              <a:rPr lang="en-US" altLang="ja-JP" sz="1200" b="1" dirty="0">
-                <a:solidFill>
-                  <a:srgbClr val="0070C0"/>
-                </a:solidFill>
-                <a:latin typeface="Meiryo UI" panose="020B0604030504040204" pitchFamily="50" charset="-128"/>
-                <a:ea typeface="Meiryo UI" panose="020B0604030504040204" pitchFamily="50" charset="-128"/>
-                <a:cs typeface="Meiryo UI" panose="020B0604030504040204" pitchFamily="50" charset="-128"/>
-              </a:rPr>
-              <a:t>:</a:t>
-            </a:r>
-            <a:r>
-              <a:rPr lang="ja-JP" altLang="en-US" sz="1200" b="1" dirty="0">
-                <a:solidFill>
-                  <a:srgbClr val="0070C0"/>
-                </a:solidFill>
-                <a:latin typeface="Meiryo UI" panose="020B0604030504040204" pitchFamily="50" charset="-128"/>
-                <a:ea typeface="Meiryo UI" panose="020B0604030504040204" pitchFamily="50" charset="-128"/>
-                <a:cs typeface="Meiryo UI" panose="020B0604030504040204" pitchFamily="50" charset="-128"/>
-              </a:rPr>
-              <a:t> </a:t>
-            </a:r>
-            <a:r>
-              <a:rPr lang="en-US" altLang="ja-JP" sz="1200" b="1" dirty="0">
-                <a:solidFill>
-                  <a:srgbClr val="0070C0"/>
-                </a:solidFill>
-                <a:latin typeface="Meiryo UI" panose="020B0604030504040204" pitchFamily="50" charset="-128"/>
-                <a:ea typeface="Meiryo UI" panose="020B0604030504040204" pitchFamily="50" charset="-128"/>
-                <a:cs typeface="Meiryo UI" panose="020B0604030504040204" pitchFamily="50" charset="-128"/>
-              </a:rPr>
-              <a:t>#42</a:t>
-            </a:r>
+            <a:endParaRPr lang="en-US" altLang="ja-JP" sz="1200" b="1" dirty="0">
+              <a:solidFill>
+                <a:srgbClr val="0070C0"/>
+              </a:solidFill>
+              <a:latin typeface="Meiryo UI" panose="020B0604030504040204" pitchFamily="50" charset="-128"/>
+              <a:ea typeface="Meiryo UI" panose="020B0604030504040204" pitchFamily="50" charset="-128"/>
+              <a:cs typeface="Meiryo UI" panose="020B0604030504040204" pitchFamily="50" charset="-128"/>
+            </a:endParaRPr>
           </a:p>
         </p:txBody>
       </p:sp>
@@ -7348,25 +7121,25 @@
             <a:pPr algn="r"/>
             <a:r>
               <a:rPr lang="ja-JP" altLang="en-US" sz="1000" b="1" dirty="0">
+                <a:hlinkClick r:id="rId46"/>
+              </a:rPr>
+              <a:t>サイバーセキュリティ対策の極意ポータルサイト</a:t>
+            </a:r>
+            <a:endParaRPr lang="en-US" altLang="ja-JP" sz="1000" b="1" dirty="0">
+              <a:hlinkClick r:id="rId47"/>
+            </a:endParaRPr>
+          </a:p>
+          <a:p>
+            <a:pPr algn="r"/>
+            <a:r>
+              <a:rPr lang="en-US" altLang="ja-JP" sz="1000" dirty="0">
                 <a:hlinkClick r:id="rId48"/>
               </a:rPr>
-              <a:t>サイバーセキュリティ対策の極意ポータルサイト</a:t>
-            </a:r>
-            <a:endParaRPr lang="en-US" altLang="ja-JP" sz="1000" b="1" dirty="0">
-              <a:hlinkClick r:id="rId49"/>
-            </a:endParaRPr>
-          </a:p>
-          <a:p>
-            <a:pPr algn="r"/>
-            <a:r>
-              <a:rPr lang="en-US" altLang="ja-JP" sz="1000" dirty="0">
-                <a:hlinkClick r:id="rId50"/>
-              </a:rPr>
               <a:t>Sec01-08-3 </a:t>
             </a:r>
             <a:r>
               <a:rPr lang="ja-JP" altLang="en-US" sz="1000" dirty="0">
-                <a:hlinkClick r:id="rId50"/>
+                <a:hlinkClick r:id="rId48"/>
               </a:rPr>
               <a:t>相談対応手順書</a:t>
             </a:r>
@@ -8937,7 +8710,7 @@
         <p:spPr>
           <a:xfrm>
             <a:off x="7801736" y="5834"/>
-            <a:ext cx="1390124" cy="253916"/>
+            <a:ext cx="1306768" cy="253916"/>
           </a:xfrm>
           <a:prstGeom prst="rect">
             <a:avLst/>
@@ -8955,7 +8728,7 @@
                 <a:ea typeface="Meiryo UI" panose="020B0604030504040204" pitchFamily="50" charset="-128"/>
                 <a:cs typeface="Meiryo UI" panose="020B0604030504040204" pitchFamily="50" charset="-128"/>
               </a:rPr>
-              <a:t>2019</a:t>
+              <a:t>2024</a:t>
             </a:r>
             <a:r>
               <a:rPr lang="ja-JP" altLang="en-US" sz="1050" dirty="0">
@@ -8971,7 +8744,7 @@
                 <a:ea typeface="Meiryo UI" panose="020B0604030504040204" pitchFamily="50" charset="-128"/>
                 <a:cs typeface="Meiryo UI" panose="020B0604030504040204" pitchFamily="50" charset="-128"/>
               </a:rPr>
-              <a:t>12</a:t>
+              <a:t>6</a:t>
             </a:r>
             <a:r>
               <a:rPr lang="ja-JP" altLang="en-US" sz="1050" dirty="0">
@@ -8987,7 +8760,7 @@
                 <a:ea typeface="Meiryo UI" panose="020B0604030504040204" pitchFamily="50" charset="-128"/>
                 <a:cs typeface="Meiryo UI" panose="020B0604030504040204" pitchFamily="50" charset="-128"/>
               </a:rPr>
-              <a:t>18</a:t>
+              <a:t>14</a:t>
             </a:r>
             <a:r>
               <a:rPr lang="ja-JP" altLang="en-US" sz="1050" dirty="0">
@@ -10132,7 +9905,7 @@
         <p:spPr>
           <a:xfrm>
             <a:off x="7801736" y="5834"/>
-            <a:ext cx="1390124" cy="253916"/>
+            <a:ext cx="1306768" cy="253916"/>
           </a:xfrm>
           <a:prstGeom prst="rect">
             <a:avLst/>
@@ -10150,7 +9923,7 @@
                 <a:ea typeface="Meiryo UI" panose="020B0604030504040204" pitchFamily="50" charset="-128"/>
                 <a:cs typeface="Meiryo UI" panose="020B0604030504040204" pitchFamily="50" charset="-128"/>
               </a:rPr>
-              <a:t>2019</a:t>
+              <a:t>2024</a:t>
             </a:r>
             <a:r>
               <a:rPr lang="ja-JP" altLang="en-US" sz="1050" dirty="0">
@@ -10166,7 +9939,7 @@
                 <a:ea typeface="Meiryo UI" panose="020B0604030504040204" pitchFamily="50" charset="-128"/>
                 <a:cs typeface="Meiryo UI" panose="020B0604030504040204" pitchFamily="50" charset="-128"/>
               </a:rPr>
-              <a:t>12</a:t>
+              <a:t>6</a:t>
             </a:r>
             <a:r>
               <a:rPr lang="ja-JP" altLang="en-US" sz="1050" dirty="0">
@@ -10182,7 +9955,7 @@
                 <a:ea typeface="Meiryo UI" panose="020B0604030504040204" pitchFamily="50" charset="-128"/>
                 <a:cs typeface="Meiryo UI" panose="020B0604030504040204" pitchFamily="50" charset="-128"/>
               </a:rPr>
-              <a:t>19</a:t>
+              <a:t>14</a:t>
             </a:r>
             <a:r>
               <a:rPr lang="ja-JP" altLang="en-US" sz="1050" dirty="0">
